--- a/deepl/code_guard/doc/Code-Guard.pptx
+++ b/deepl/code_guard/doc/Code-Guard.pptx
@@ -153,7 +153,7 @@
           <a:p>
             <a:fld id="{81A176F2-8FDD-004B-BC0F-6A0A024A3EE4}" type="datetimeFigureOut">
               <a:rPr lang="x-none" smtClean="0"/>
-              <a:t>6/12/2025</a:t>
+              <a:t>6/17/2025</a:t>
             </a:fld>
             <a:endParaRPr lang="x-none"/>
           </a:p>
@@ -1998,7 +1998,7 @@
           <p:cNvPr id="7" name="Slide Number Placeholder 6">
             <a:extLst>
               <a:ext uri="{FF2B5EF4-FFF2-40B4-BE49-F238E27FC236}">
-                <a16:creationId xmlns:a16="http://schemas.microsoft.com/office/drawing/2014/main" xmlns="" id="{F48A223F-2857-3DF4-31E0-3289FABAE8DE}"/>
+                <a16:creationId xmlns="" xmlns:a16="http://schemas.microsoft.com/office/drawing/2014/main" id="{F48A223F-2857-3DF4-31E0-3289FABAE8DE}"/>
               </a:ext>
             </a:extLst>
           </p:cNvPr>
@@ -2056,7 +2056,7 @@
         <p:cNvPr id="1" name="">
           <a:extLst>
             <a:ext uri="{FF2B5EF4-FFF2-40B4-BE49-F238E27FC236}">
-              <a16:creationId xmlns:a16="http://schemas.microsoft.com/office/drawing/2014/main" xmlns="" id="{39D6AB3A-E1EE-9FB7-B1BA-D0275443E811}"/>
+              <a16:creationId xmlns="" xmlns:a16="http://schemas.microsoft.com/office/drawing/2014/main" id="{39D6AB3A-E1EE-9FB7-B1BA-D0275443E811}"/>
             </a:ext>
           </a:extLst>
         </p:cNvPr>
@@ -2076,7 +2076,7 @@
           <p:cNvPr id="2" name="Title 1">
             <a:extLst>
               <a:ext uri="{FF2B5EF4-FFF2-40B4-BE49-F238E27FC236}">
-                <a16:creationId xmlns:a16="http://schemas.microsoft.com/office/drawing/2014/main" xmlns="" id="{62B63B63-9A2A-E256-E9A4-B6FE103E4CD9}"/>
+                <a16:creationId xmlns="" xmlns:a16="http://schemas.microsoft.com/office/drawing/2014/main" id="{62B63B63-9A2A-E256-E9A4-B6FE103E4CD9}"/>
               </a:ext>
             </a:extLst>
           </p:cNvPr>
@@ -2116,7 +2116,7 @@
           <p:cNvPr id="5" name="Picture 4">
             <a:extLst>
               <a:ext uri="{FF2B5EF4-FFF2-40B4-BE49-F238E27FC236}">
-                <a16:creationId xmlns:a16="http://schemas.microsoft.com/office/drawing/2014/main" xmlns="" id="{7BABB847-5CF8-E0B4-E57F-B81B1DB959DE}"/>
+                <a16:creationId xmlns="" xmlns:a16="http://schemas.microsoft.com/office/drawing/2014/main" id="{7BABB847-5CF8-E0B4-E57F-B81B1DB959DE}"/>
               </a:ext>
             </a:extLst>
           </p:cNvPr>
@@ -2152,7 +2152,7 @@
           <p:cNvPr id="3" name="TextBox 2">
             <a:extLst>
               <a:ext uri="{FF2B5EF4-FFF2-40B4-BE49-F238E27FC236}">
-                <a16:creationId xmlns:a16="http://schemas.microsoft.com/office/drawing/2014/main" xmlns="" id="{9D2605AA-7EB4-6357-3078-E6E2B0134EDA}"/>
+                <a16:creationId xmlns="" xmlns:a16="http://schemas.microsoft.com/office/drawing/2014/main" id="{9D2605AA-7EB4-6357-3078-E6E2B0134EDA}"/>
               </a:ext>
             </a:extLst>
           </p:cNvPr>
@@ -2213,7 +2213,7 @@
           <p:cNvPr id="7" name="Slide Number Placeholder 6">
             <a:extLst>
               <a:ext uri="{FF2B5EF4-FFF2-40B4-BE49-F238E27FC236}">
-                <a16:creationId xmlns:a16="http://schemas.microsoft.com/office/drawing/2014/main" xmlns="" id="{BC32884C-238D-A820-8415-AA89AF74A2B0}"/>
+                <a16:creationId xmlns="" xmlns:a16="http://schemas.microsoft.com/office/drawing/2014/main" id="{BC32884C-238D-A820-8415-AA89AF74A2B0}"/>
               </a:ext>
             </a:extLst>
           </p:cNvPr>
@@ -2273,7 +2273,7 @@
         <p:cNvPr id="1" name="">
           <a:extLst>
             <a:ext uri="{FF2B5EF4-FFF2-40B4-BE49-F238E27FC236}">
-              <a16:creationId xmlns:a16="http://schemas.microsoft.com/office/drawing/2014/main" xmlns="" id="{F1E06746-76BA-D24C-51C7-3FBDC959ABD7}"/>
+              <a16:creationId xmlns="" xmlns:a16="http://schemas.microsoft.com/office/drawing/2014/main" id="{F1E06746-76BA-D24C-51C7-3FBDC959ABD7}"/>
             </a:ext>
           </a:extLst>
         </p:cNvPr>
@@ -2293,7 +2293,7 @@
           <p:cNvPr id="2" name="Title 1">
             <a:extLst>
               <a:ext uri="{FF2B5EF4-FFF2-40B4-BE49-F238E27FC236}">
-                <a16:creationId xmlns:a16="http://schemas.microsoft.com/office/drawing/2014/main" xmlns="" id="{147ED3CA-A3B4-F1AE-59A2-54A7173D67D0}"/>
+                <a16:creationId xmlns="" xmlns:a16="http://schemas.microsoft.com/office/drawing/2014/main" id="{147ED3CA-A3B4-F1AE-59A2-54A7173D67D0}"/>
               </a:ext>
             </a:extLst>
           </p:cNvPr>
@@ -2333,7 +2333,7 @@
           <p:cNvPr id="5" name="Picture 4">
             <a:extLst>
               <a:ext uri="{FF2B5EF4-FFF2-40B4-BE49-F238E27FC236}">
-                <a16:creationId xmlns:a16="http://schemas.microsoft.com/office/drawing/2014/main" xmlns="" id="{9C0ABB48-48A0-4730-15C0-670F32F9F419}"/>
+                <a16:creationId xmlns="" xmlns:a16="http://schemas.microsoft.com/office/drawing/2014/main" id="{9C0ABB48-48A0-4730-15C0-670F32F9F419}"/>
               </a:ext>
             </a:extLst>
           </p:cNvPr>
@@ -2369,7 +2369,7 @@
           <p:cNvPr id="3" name="TextBox 2">
             <a:extLst>
               <a:ext uri="{FF2B5EF4-FFF2-40B4-BE49-F238E27FC236}">
-                <a16:creationId xmlns:a16="http://schemas.microsoft.com/office/drawing/2014/main" xmlns="" id="{68D64C16-32CF-04B0-2599-6281D805C2DF}"/>
+                <a16:creationId xmlns="" xmlns:a16="http://schemas.microsoft.com/office/drawing/2014/main" id="{68D64C16-32CF-04B0-2599-6281D805C2DF}"/>
               </a:ext>
             </a:extLst>
           </p:cNvPr>
@@ -2430,7 +2430,7 @@
           <p:cNvPr id="7" name="Slide Number Placeholder 6">
             <a:extLst>
               <a:ext uri="{FF2B5EF4-FFF2-40B4-BE49-F238E27FC236}">
-                <a16:creationId xmlns:a16="http://schemas.microsoft.com/office/drawing/2014/main" xmlns="" id="{E9FEB60D-A73C-C427-B4EE-7B17A5C1D927}"/>
+                <a16:creationId xmlns="" xmlns:a16="http://schemas.microsoft.com/office/drawing/2014/main" id="{E9FEB60D-A73C-C427-B4EE-7B17A5C1D927}"/>
               </a:ext>
             </a:extLst>
           </p:cNvPr>
@@ -2504,7 +2504,7 @@
           <p:cNvPr id="2" name="Title 1">
             <a:extLst>
               <a:ext uri="{FF2B5EF4-FFF2-40B4-BE49-F238E27FC236}">
-                <a16:creationId xmlns:a16="http://schemas.microsoft.com/office/drawing/2014/main" xmlns="" id="{904E33A7-61B6-7881-B806-72A93186A322}"/>
+                <a16:creationId xmlns="" xmlns:a16="http://schemas.microsoft.com/office/drawing/2014/main" id="{904E33A7-61B6-7881-B806-72A93186A322}"/>
               </a:ext>
             </a:extLst>
           </p:cNvPr>
@@ -2544,7 +2544,7 @@
           <p:cNvPr id="7" name="Picture 6">
             <a:extLst>
               <a:ext uri="{FF2B5EF4-FFF2-40B4-BE49-F238E27FC236}">
-                <a16:creationId xmlns:a16="http://schemas.microsoft.com/office/drawing/2014/main" xmlns="" id="{740679B3-026A-523A-78A7-FFD7E07F4B6D}"/>
+                <a16:creationId xmlns="" xmlns:a16="http://schemas.microsoft.com/office/drawing/2014/main" id="{740679B3-026A-523A-78A7-FFD7E07F4B6D}"/>
               </a:ext>
             </a:extLst>
           </p:cNvPr>
@@ -2580,7 +2580,7 @@
           <p:cNvPr id="3" name="TextBox 2">
             <a:extLst>
               <a:ext uri="{FF2B5EF4-FFF2-40B4-BE49-F238E27FC236}">
-                <a16:creationId xmlns:a16="http://schemas.microsoft.com/office/drawing/2014/main" xmlns="" id="{574A0B4D-D814-4E0F-D519-2BE0E6324885}"/>
+                <a16:creationId xmlns="" xmlns:a16="http://schemas.microsoft.com/office/drawing/2014/main" id="{574A0B4D-D814-4E0F-D519-2BE0E6324885}"/>
               </a:ext>
             </a:extLst>
           </p:cNvPr>
@@ -2618,7 +2618,7 @@
           <p:cNvPr id="6" name="Slide Number Placeholder 5">
             <a:extLst>
               <a:ext uri="{FF2B5EF4-FFF2-40B4-BE49-F238E27FC236}">
-                <a16:creationId xmlns:a16="http://schemas.microsoft.com/office/drawing/2014/main" xmlns="" id="{32A58E1D-8EDE-55A9-90F1-D7DAB8297B4D}"/>
+                <a16:creationId xmlns="" xmlns:a16="http://schemas.microsoft.com/office/drawing/2014/main" id="{32A58E1D-8EDE-55A9-90F1-D7DAB8297B4D}"/>
               </a:ext>
             </a:extLst>
           </p:cNvPr>
@@ -2678,7 +2678,7 @@
         <p:cNvPr id="1" name="">
           <a:extLst>
             <a:ext uri="{FF2B5EF4-FFF2-40B4-BE49-F238E27FC236}">
-              <a16:creationId xmlns:a16="http://schemas.microsoft.com/office/drawing/2014/main" xmlns="" id="{02C6FA40-8E87-754A-12B2-314099872451}"/>
+              <a16:creationId xmlns="" xmlns:a16="http://schemas.microsoft.com/office/drawing/2014/main" id="{02C6FA40-8E87-754A-12B2-314099872451}"/>
             </a:ext>
           </a:extLst>
         </p:cNvPr>
@@ -2698,7 +2698,7 @@
           <p:cNvPr id="2" name="Title 1">
             <a:extLst>
               <a:ext uri="{FF2B5EF4-FFF2-40B4-BE49-F238E27FC236}">
-                <a16:creationId xmlns:a16="http://schemas.microsoft.com/office/drawing/2014/main" xmlns="" id="{BDEC1F03-C296-ECEB-A44F-F597583177CA}"/>
+                <a16:creationId xmlns="" xmlns:a16="http://schemas.microsoft.com/office/drawing/2014/main" id="{BDEC1F03-C296-ECEB-A44F-F597583177CA}"/>
               </a:ext>
             </a:extLst>
           </p:cNvPr>
@@ -2738,7 +2738,7 @@
           <p:cNvPr id="4" name="Picture 3">
             <a:extLst>
               <a:ext uri="{FF2B5EF4-FFF2-40B4-BE49-F238E27FC236}">
-                <a16:creationId xmlns:a16="http://schemas.microsoft.com/office/drawing/2014/main" xmlns="" id="{498B2324-76AB-69A8-C49B-0F4C448627C6}"/>
+                <a16:creationId xmlns="" xmlns:a16="http://schemas.microsoft.com/office/drawing/2014/main" id="{498B2324-76AB-69A8-C49B-0F4C448627C6}"/>
               </a:ext>
             </a:extLst>
           </p:cNvPr>
@@ -2774,7 +2774,7 @@
           <p:cNvPr id="6" name="object 18">
             <a:extLst>
               <a:ext uri="{FF2B5EF4-FFF2-40B4-BE49-F238E27FC236}">
-                <a16:creationId xmlns:a16="http://schemas.microsoft.com/office/drawing/2014/main" xmlns="" id="{4C9AD9F7-D54B-CF8D-50A7-51B25467D040}"/>
+                <a16:creationId xmlns="" xmlns:a16="http://schemas.microsoft.com/office/drawing/2014/main" id="{4C9AD9F7-D54B-CF8D-50A7-51B25467D040}"/>
               </a:ext>
             </a:extLst>
           </p:cNvPr>
@@ -2892,7 +2892,7 @@
           <p:cNvPr id="5" name="Slide Number Placeholder 4">
             <a:extLst>
               <a:ext uri="{FF2B5EF4-FFF2-40B4-BE49-F238E27FC236}">
-                <a16:creationId xmlns:a16="http://schemas.microsoft.com/office/drawing/2014/main" xmlns="" id="{A9750570-8CEE-FF4B-2BA8-D663D20232DF}"/>
+                <a16:creationId xmlns="" xmlns:a16="http://schemas.microsoft.com/office/drawing/2014/main" id="{A9750570-8CEE-FF4B-2BA8-D663D20232DF}"/>
               </a:ext>
             </a:extLst>
           </p:cNvPr>
@@ -2952,7 +2952,7 @@
         <p:cNvPr id="1" name="">
           <a:extLst>
             <a:ext uri="{FF2B5EF4-FFF2-40B4-BE49-F238E27FC236}">
-              <a16:creationId xmlns:a16="http://schemas.microsoft.com/office/drawing/2014/main" xmlns="" id="{8321D772-91D8-DFB7-1E99-6D22F0E79EF5}"/>
+              <a16:creationId xmlns="" xmlns:a16="http://schemas.microsoft.com/office/drawing/2014/main" id="{8321D772-91D8-DFB7-1E99-6D22F0E79EF5}"/>
             </a:ext>
           </a:extLst>
         </p:cNvPr>
@@ -2972,7 +2972,7 @@
           <p:cNvPr id="2" name="Title 1">
             <a:extLst>
               <a:ext uri="{FF2B5EF4-FFF2-40B4-BE49-F238E27FC236}">
-                <a16:creationId xmlns:a16="http://schemas.microsoft.com/office/drawing/2014/main" xmlns="" id="{40CC98DA-5225-F9C6-07E0-DE64EFBE907C}"/>
+                <a16:creationId xmlns="" xmlns:a16="http://schemas.microsoft.com/office/drawing/2014/main" id="{40CC98DA-5225-F9C6-07E0-DE64EFBE907C}"/>
               </a:ext>
             </a:extLst>
           </p:cNvPr>
@@ -3012,7 +3012,7 @@
           <p:cNvPr id="5" name="Picture 4">
             <a:extLst>
               <a:ext uri="{FF2B5EF4-FFF2-40B4-BE49-F238E27FC236}">
-                <a16:creationId xmlns:a16="http://schemas.microsoft.com/office/drawing/2014/main" xmlns="" id="{376046AB-D2BB-A88C-1522-CE75082E49DB}"/>
+                <a16:creationId xmlns="" xmlns:a16="http://schemas.microsoft.com/office/drawing/2014/main" id="{376046AB-D2BB-A88C-1522-CE75082E49DB}"/>
               </a:ext>
             </a:extLst>
           </p:cNvPr>
@@ -3048,7 +3048,7 @@
           <p:cNvPr id="9" name="Picture 8">
             <a:extLst>
               <a:ext uri="{FF2B5EF4-FFF2-40B4-BE49-F238E27FC236}">
-                <a16:creationId xmlns:a16="http://schemas.microsoft.com/office/drawing/2014/main" xmlns="" id="{AC0666F4-D289-EC63-B11D-45DDAD803527}"/>
+                <a16:creationId xmlns="" xmlns:a16="http://schemas.microsoft.com/office/drawing/2014/main" id="{AC0666F4-D289-EC63-B11D-45DDAD803527}"/>
               </a:ext>
             </a:extLst>
           </p:cNvPr>
@@ -3084,7 +3084,7 @@
           <p:cNvPr id="10" name="object 18">
             <a:extLst>
               <a:ext uri="{FF2B5EF4-FFF2-40B4-BE49-F238E27FC236}">
-                <a16:creationId xmlns:a16="http://schemas.microsoft.com/office/drawing/2014/main" xmlns="" id="{6B15526A-30B6-D8E8-36E9-F92DF56B1F43}"/>
+                <a16:creationId xmlns="" xmlns:a16="http://schemas.microsoft.com/office/drawing/2014/main" id="{6B15526A-30B6-D8E8-36E9-F92DF56B1F43}"/>
               </a:ext>
             </a:extLst>
           </p:cNvPr>
@@ -3094,7 +3094,7 @@
         <p:spPr>
           <a:xfrm>
             <a:off x="13406" y="358775"/>
-            <a:ext cx="3838575" cy="528286"/>
+            <a:ext cx="3838575" cy="542906"/>
           </a:xfrm>
           <a:prstGeom prst="rect">
             <a:avLst/>
@@ -3135,6 +3135,13 @@
               </a:rPr>
               <a:t> </a:t>
             </a:r>
+            <a:r>
+              <a:rPr lang="en-US" sz="1100" b="1" spc="50" dirty="0" smtClean="0">
+                <a:latin typeface="Arial" panose="020B0604020202020204" pitchFamily="34" charset="0"/>
+                <a:cs typeface="Arial" panose="020B0604020202020204" pitchFamily="34" charset="0"/>
+              </a:rPr>
+              <a:t>(not applicable)</a:t>
+            </a:r>
             <a:endParaRPr lang="en-US" sz="1100" b="1" spc="50" dirty="0">
               <a:latin typeface="Arial" panose="020B0604020202020204" pitchFamily="34" charset="0"/>
               <a:cs typeface="Arial" panose="020B0604020202020204" pitchFamily="34" charset="0"/>
@@ -3171,7 +3178,7 @@
           <p:cNvPr id="4" name="Slide Number Placeholder 3">
             <a:extLst>
               <a:ext uri="{FF2B5EF4-FFF2-40B4-BE49-F238E27FC236}">
-                <a16:creationId xmlns:a16="http://schemas.microsoft.com/office/drawing/2014/main" xmlns="" id="{21BB8A55-9748-DDA4-7E33-0A7CBC0C1E0C}"/>
+                <a16:creationId xmlns="" xmlns:a16="http://schemas.microsoft.com/office/drawing/2014/main" id="{21BB8A55-9748-DDA4-7E33-0A7CBC0C1E0C}"/>
               </a:ext>
             </a:extLst>
           </p:cNvPr>
@@ -3245,7 +3252,7 @@
           <p:cNvPr id="2" name="Title 1">
             <a:extLst>
               <a:ext uri="{FF2B5EF4-FFF2-40B4-BE49-F238E27FC236}">
-                <a16:creationId xmlns:a16="http://schemas.microsoft.com/office/drawing/2014/main" xmlns="" id="{41C91199-3754-6BE4-B18F-B3B8A374486E}"/>
+                <a16:creationId xmlns="" xmlns:a16="http://schemas.microsoft.com/office/drawing/2014/main" id="{41C91199-3754-6BE4-B18F-B3B8A374486E}"/>
               </a:ext>
             </a:extLst>
           </p:cNvPr>
@@ -3285,7 +3292,7 @@
           <p:cNvPr id="3" name="Text Placeholder 2">
             <a:extLst>
               <a:ext uri="{FF2B5EF4-FFF2-40B4-BE49-F238E27FC236}">
-                <a16:creationId xmlns:a16="http://schemas.microsoft.com/office/drawing/2014/main" xmlns="" id="{7D3C4CD0-429E-94AD-FEE8-EE88AAF097DC}"/>
+                <a16:creationId xmlns="" xmlns:a16="http://schemas.microsoft.com/office/drawing/2014/main" id="{7D3C4CD0-429E-94AD-FEE8-EE88AAF097DC}"/>
               </a:ext>
             </a:extLst>
           </p:cNvPr>
@@ -3325,7 +3332,7 @@
           <p:cNvPr id="5" name="Picture 4">
             <a:extLst>
               <a:ext uri="{FF2B5EF4-FFF2-40B4-BE49-F238E27FC236}">
-                <a16:creationId xmlns:a16="http://schemas.microsoft.com/office/drawing/2014/main" xmlns="" id="{00D9E787-0842-A5AE-07DA-61A9F719401F}"/>
+                <a16:creationId xmlns="" xmlns:a16="http://schemas.microsoft.com/office/drawing/2014/main" id="{00D9E787-0842-A5AE-07DA-61A9F719401F}"/>
               </a:ext>
             </a:extLst>
           </p:cNvPr>
@@ -3361,7 +3368,7 @@
           <p:cNvPr id="7" name="object 18">
             <a:extLst>
               <a:ext uri="{FF2B5EF4-FFF2-40B4-BE49-F238E27FC236}">
-                <a16:creationId xmlns:a16="http://schemas.microsoft.com/office/drawing/2014/main" xmlns="" id="{AF919087-5CD5-E711-1D00-31A3630A578B}"/>
+                <a16:creationId xmlns="" xmlns:a16="http://schemas.microsoft.com/office/drawing/2014/main" id="{AF919087-5CD5-E711-1D00-31A3630A578B}"/>
               </a:ext>
             </a:extLst>
           </p:cNvPr>
@@ -3508,7 +3515,7 @@
           <p:cNvPr id="6" name="Slide Number Placeholder 5">
             <a:extLst>
               <a:ext uri="{FF2B5EF4-FFF2-40B4-BE49-F238E27FC236}">
-                <a16:creationId xmlns:a16="http://schemas.microsoft.com/office/drawing/2014/main" xmlns="" id="{F7021CEB-A48E-980A-9C4C-2CC96917A768}"/>
+                <a16:creationId xmlns="" xmlns:a16="http://schemas.microsoft.com/office/drawing/2014/main" id="{F7021CEB-A48E-980A-9C4C-2CC96917A768}"/>
               </a:ext>
             </a:extLst>
           </p:cNvPr>
@@ -3568,7 +3575,7 @@
         <p:cNvPr id="1" name="">
           <a:extLst>
             <a:ext uri="{FF2B5EF4-FFF2-40B4-BE49-F238E27FC236}">
-              <a16:creationId xmlns:a16="http://schemas.microsoft.com/office/drawing/2014/main" xmlns="" id="{F6CDD485-1589-9263-8CEA-314A58E2985D}"/>
+              <a16:creationId xmlns="" xmlns:a16="http://schemas.microsoft.com/office/drawing/2014/main" id="{F6CDD485-1589-9263-8CEA-314A58E2985D}"/>
             </a:ext>
           </a:extLst>
         </p:cNvPr>
@@ -3588,7 +3595,7 @@
           <p:cNvPr id="2" name="Title 1">
             <a:extLst>
               <a:ext uri="{FF2B5EF4-FFF2-40B4-BE49-F238E27FC236}">
-                <a16:creationId xmlns:a16="http://schemas.microsoft.com/office/drawing/2014/main" xmlns="" id="{A65EB058-A36B-4236-1FB7-CDB3C4AA4C88}"/>
+                <a16:creationId xmlns="" xmlns:a16="http://schemas.microsoft.com/office/drawing/2014/main" id="{A65EB058-A36B-4236-1FB7-CDB3C4AA4C88}"/>
               </a:ext>
             </a:extLst>
           </p:cNvPr>
@@ -3628,7 +3635,7 @@
           <p:cNvPr id="5" name="object 18">
             <a:extLst>
               <a:ext uri="{FF2B5EF4-FFF2-40B4-BE49-F238E27FC236}">
-                <a16:creationId xmlns:a16="http://schemas.microsoft.com/office/drawing/2014/main" xmlns="" id="{05D3E414-47F6-2DDF-BBAA-5BD47AA15418}"/>
+                <a16:creationId xmlns="" xmlns:a16="http://schemas.microsoft.com/office/drawing/2014/main" id="{05D3E414-47F6-2DDF-BBAA-5BD47AA15418}"/>
               </a:ext>
             </a:extLst>
           </p:cNvPr>
@@ -3663,7 +3670,14 @@
                 <a:latin typeface="Arial" panose="020B0604020202020204" pitchFamily="34" charset="0"/>
                 <a:cs typeface="Arial" panose="020B0604020202020204" pitchFamily="34" charset="0"/>
               </a:rPr>
-              <a:t>Option 1</a:t>
+              <a:t>Option </a:t>
+            </a:r>
+            <a:r>
+              <a:rPr lang="en-US" sz="1100" b="1" spc="-70" dirty="0" smtClean="0">
+                <a:latin typeface="Arial" panose="020B0604020202020204" pitchFamily="34" charset="0"/>
+                <a:cs typeface="Arial" panose="020B0604020202020204" pitchFamily="34" charset="0"/>
+              </a:rPr>
+              <a:t>1 (not selected)</a:t>
             </a:r>
             <a:endParaRPr lang="en-US" sz="1100" b="1" spc="50" dirty="0">
               <a:latin typeface="Arial" panose="020B0604020202020204" pitchFamily="34" charset="0"/>
@@ -3758,7 +3772,7 @@
           <p:cNvPr id="6" name="Slide Number Placeholder 5">
             <a:extLst>
               <a:ext uri="{FF2B5EF4-FFF2-40B4-BE49-F238E27FC236}">
-                <a16:creationId xmlns:a16="http://schemas.microsoft.com/office/drawing/2014/main" xmlns="" id="{C99A4724-1AC5-7707-7AED-F930032BBA4C}"/>
+                <a16:creationId xmlns="" xmlns:a16="http://schemas.microsoft.com/office/drawing/2014/main" id="{C99A4724-1AC5-7707-7AED-F930032BBA4C}"/>
               </a:ext>
             </a:extLst>
           </p:cNvPr>
@@ -3848,7 +3862,7 @@
         <p:cNvPr id="1" name="">
           <a:extLst>
             <a:ext uri="{FF2B5EF4-FFF2-40B4-BE49-F238E27FC236}">
-              <a16:creationId xmlns:a16="http://schemas.microsoft.com/office/drawing/2014/main" xmlns="" id="{F6CDD485-1589-9263-8CEA-314A58E2985D}"/>
+              <a16:creationId xmlns="" xmlns:a16="http://schemas.microsoft.com/office/drawing/2014/main" id="{F6CDD485-1589-9263-8CEA-314A58E2985D}"/>
             </a:ext>
           </a:extLst>
         </p:cNvPr>
@@ -3868,7 +3882,7 @@
           <p:cNvPr id="2" name="Title 1">
             <a:extLst>
               <a:ext uri="{FF2B5EF4-FFF2-40B4-BE49-F238E27FC236}">
-                <a16:creationId xmlns:a16="http://schemas.microsoft.com/office/drawing/2014/main" xmlns="" id="{A65EB058-A36B-4236-1FB7-CDB3C4AA4C88}"/>
+                <a16:creationId xmlns="" xmlns:a16="http://schemas.microsoft.com/office/drawing/2014/main" id="{A65EB058-A36B-4236-1FB7-CDB3C4AA4C88}"/>
               </a:ext>
             </a:extLst>
           </p:cNvPr>
@@ -3908,7 +3922,7 @@
           <p:cNvPr id="5" name="object 18">
             <a:extLst>
               <a:ext uri="{FF2B5EF4-FFF2-40B4-BE49-F238E27FC236}">
-                <a16:creationId xmlns:a16="http://schemas.microsoft.com/office/drawing/2014/main" xmlns="" id="{05D3E414-47F6-2DDF-BBAA-5BD47AA15418}"/>
+                <a16:creationId xmlns="" xmlns:a16="http://schemas.microsoft.com/office/drawing/2014/main" id="{05D3E414-47F6-2DDF-BBAA-5BD47AA15418}"/>
               </a:ext>
             </a:extLst>
           </p:cNvPr>
@@ -3953,7 +3967,17 @@
                 <a:latin typeface="Arial" panose="020B0604020202020204" pitchFamily="34" charset="0"/>
                 <a:cs typeface="Arial" panose="020B0604020202020204" pitchFamily="34" charset="0"/>
               </a:rPr>
-              <a:t>Use MCP (Model Context Protocol)</a:t>
+              <a:t>Use MCP (Model Context Protocol</a:t>
+            </a:r>
+            <a:r>
+              <a:rPr lang="en-US" sz="1100" spc="-25" dirty="0" smtClean="0">
+                <a:solidFill>
+                  <a:schemeClr val="tx1"/>
+                </a:solidFill>
+                <a:latin typeface="Arial" panose="020B0604020202020204" pitchFamily="34" charset="0"/>
+                <a:cs typeface="Arial" panose="020B0604020202020204" pitchFamily="34" charset="0"/>
+              </a:rPr>
+              <a:t>) (selected        )</a:t>
             </a:r>
             <a:endParaRPr lang="en-US" sz="1100" b="1" spc="50" dirty="0">
               <a:latin typeface="Arial" panose="020B0604020202020204" pitchFamily="34" charset="0"/>
@@ -3994,7 +4018,7 @@
           <p:cNvPr id="6" name="Slide Number Placeholder 5">
             <a:extLst>
               <a:ext uri="{FF2B5EF4-FFF2-40B4-BE49-F238E27FC236}">
-                <a16:creationId xmlns:a16="http://schemas.microsoft.com/office/drawing/2014/main" xmlns="" id="{C99A4724-1AC5-7707-7AED-F930032BBA4C}"/>
+                <a16:creationId xmlns="" xmlns:a16="http://schemas.microsoft.com/office/drawing/2014/main" id="{C99A4724-1AC5-7707-7AED-F930032BBA4C}"/>
               </a:ext>
             </a:extLst>
           </p:cNvPr>
@@ -4054,6 +4078,53 @@
           <a:prstGeom prst="rect">
             <a:avLst/>
           </a:prstGeom>
+        </p:spPr>
+      </p:pic>
+      <p:pic>
+        <p:nvPicPr>
+          <p:cNvPr id="8" name="Picture 2" descr="체크 표시 클립 아트. 무료 다운로드. | Creazilla">
+            <a:extLst>
+              <a:ext uri="{FF2B5EF4-FFF2-40B4-BE49-F238E27FC236}">
+                <a16:creationId xmlns:a16="http://schemas.microsoft.com/office/drawing/2014/main" xmlns="" id="{506060A2-694F-9BC8-4E65-1A4842DC7F1E}"/>
+              </a:ext>
+            </a:extLst>
+          </p:cNvPr>
+          <p:cNvPicPr>
+            <a:picLocks noChangeAspect="1" noChangeArrowheads="1"/>
+          </p:cNvPicPr>
+          <p:nvPr/>
+        </p:nvPicPr>
+        <p:blipFill>
+          <a:blip r:embed="rId3" cstate="print">
+            <a:extLst>
+              <a:ext uri="{28A0092B-C50C-407E-A947-70E740481C1C}">
+                <a14:useLocalDpi xmlns:a14="http://schemas.microsoft.com/office/drawing/2010/main" val="0"/>
+              </a:ext>
+            </a:extLst>
+          </a:blip>
+          <a:srcRect/>
+          <a:stretch>
+            <a:fillRect/>
+          </a:stretch>
+        </p:blipFill>
+        <p:spPr bwMode="auto">
+          <a:xfrm>
+            <a:off x="3295650" y="358775"/>
+            <a:ext cx="192966" cy="192966"/>
+          </a:xfrm>
+          <a:prstGeom prst="rect">
+            <a:avLst/>
+          </a:prstGeom>
+          <a:noFill/>
+          <a:extLst>
+            <a:ext uri="{909E8E84-426E-40DD-AFC4-6F175D3DCCD1}">
+              <a14:hiddenFill xmlns:a14="http://schemas.microsoft.com/office/drawing/2010/main">
+                <a:solidFill>
+                  <a:srgbClr val="FFFFFF"/>
+                </a:solidFill>
+              </a14:hiddenFill>
+            </a:ext>
+          </a:extLst>
         </p:spPr>
       </p:pic>
     </p:spTree>
@@ -4084,7 +4155,7 @@
         <p:cNvPr id="1" name="">
           <a:extLst>
             <a:ext uri="{FF2B5EF4-FFF2-40B4-BE49-F238E27FC236}">
-              <a16:creationId xmlns:a16="http://schemas.microsoft.com/office/drawing/2014/main" xmlns="" id="{F6CDD485-1589-9263-8CEA-314A58E2985D}"/>
+              <a16:creationId xmlns="" xmlns:a16="http://schemas.microsoft.com/office/drawing/2014/main" id="{F6CDD485-1589-9263-8CEA-314A58E2985D}"/>
             </a:ext>
           </a:extLst>
         </p:cNvPr>
@@ -4104,7 +4175,7 @@
           <p:cNvPr id="2" name="Title 1">
             <a:extLst>
               <a:ext uri="{FF2B5EF4-FFF2-40B4-BE49-F238E27FC236}">
-                <a16:creationId xmlns:a16="http://schemas.microsoft.com/office/drawing/2014/main" xmlns="" id="{A65EB058-A36B-4236-1FB7-CDB3C4AA4C88}"/>
+                <a16:creationId xmlns="" xmlns:a16="http://schemas.microsoft.com/office/drawing/2014/main" id="{A65EB058-A36B-4236-1FB7-CDB3C4AA4C88}"/>
               </a:ext>
             </a:extLst>
           </p:cNvPr>
@@ -4144,7 +4215,7 @@
           <p:cNvPr id="5" name="object 18">
             <a:extLst>
               <a:ext uri="{FF2B5EF4-FFF2-40B4-BE49-F238E27FC236}">
-                <a16:creationId xmlns:a16="http://schemas.microsoft.com/office/drawing/2014/main" xmlns="" id="{05D3E414-47F6-2DDF-BBAA-5BD47AA15418}"/>
+                <a16:creationId xmlns="" xmlns:a16="http://schemas.microsoft.com/office/drawing/2014/main" id="{05D3E414-47F6-2DDF-BBAA-5BD47AA15418}"/>
               </a:ext>
             </a:extLst>
           </p:cNvPr>
@@ -4315,7 +4386,7 @@
           <p:cNvPr id="6" name="Slide Number Placeholder 5">
             <a:extLst>
               <a:ext uri="{FF2B5EF4-FFF2-40B4-BE49-F238E27FC236}">
-                <a16:creationId xmlns:a16="http://schemas.microsoft.com/office/drawing/2014/main" xmlns="" id="{C99A4724-1AC5-7707-7AED-F930032BBA4C}"/>
+                <a16:creationId xmlns="" xmlns:a16="http://schemas.microsoft.com/office/drawing/2014/main" id="{C99A4724-1AC5-7707-7AED-F930032BBA4C}"/>
               </a:ext>
             </a:extLst>
           </p:cNvPr>
@@ -4375,6 +4446,53 @@
           <a:prstGeom prst="rect">
             <a:avLst/>
           </a:prstGeom>
+        </p:spPr>
+      </p:pic>
+      <p:pic>
+        <p:nvPicPr>
+          <p:cNvPr id="7" name="Picture 2" descr="체크 표시 클립 아트. 무료 다운로드. | Creazilla">
+            <a:extLst>
+              <a:ext uri="{FF2B5EF4-FFF2-40B4-BE49-F238E27FC236}">
+                <a16:creationId xmlns:a16="http://schemas.microsoft.com/office/drawing/2014/main" xmlns="" id="{506060A2-694F-9BC8-4E65-1A4842DC7F1E}"/>
+              </a:ext>
+            </a:extLst>
+          </p:cNvPr>
+          <p:cNvPicPr>
+            <a:picLocks noChangeAspect="1" noChangeArrowheads="1"/>
+          </p:cNvPicPr>
+          <p:nvPr/>
+        </p:nvPicPr>
+        <p:blipFill>
+          <a:blip r:embed="rId3" cstate="print">
+            <a:extLst>
+              <a:ext uri="{28A0092B-C50C-407E-A947-70E740481C1C}">
+                <a14:useLocalDpi xmlns:a14="http://schemas.microsoft.com/office/drawing/2010/main" val="0"/>
+              </a:ext>
+            </a:extLst>
+          </a:blip>
+          <a:srcRect/>
+          <a:stretch>
+            <a:fillRect/>
+          </a:stretch>
+        </p:blipFill>
+        <p:spPr bwMode="auto">
+          <a:xfrm>
+            <a:off x="2762250" y="358775"/>
+            <a:ext cx="192966" cy="192966"/>
+          </a:xfrm>
+          <a:prstGeom prst="rect">
+            <a:avLst/>
+          </a:prstGeom>
+          <a:noFill/>
+          <a:extLst>
+            <a:ext uri="{909E8E84-426E-40DD-AFC4-6F175D3DCCD1}">
+              <a14:hiddenFill xmlns:a14="http://schemas.microsoft.com/office/drawing/2010/main">
+                <a:solidFill>
+                  <a:srgbClr val="FFFFFF"/>
+                </a:solidFill>
+              </a14:hiddenFill>
+            </a:ext>
+          </a:extLst>
         </p:spPr>
       </p:pic>
     </p:spTree>
@@ -4405,7 +4523,7 @@
         <p:cNvPr id="1" name="">
           <a:extLst>
             <a:ext uri="{FF2B5EF4-FFF2-40B4-BE49-F238E27FC236}">
-              <a16:creationId xmlns:a16="http://schemas.microsoft.com/office/drawing/2014/main" xmlns="" id="{F6CDD485-1589-9263-8CEA-314A58E2985D}"/>
+              <a16:creationId xmlns="" xmlns:a16="http://schemas.microsoft.com/office/drawing/2014/main" id="{F6CDD485-1589-9263-8CEA-314A58E2985D}"/>
             </a:ext>
           </a:extLst>
         </p:cNvPr>
@@ -4425,7 +4543,7 @@
           <p:cNvPr id="2" name="Title 1">
             <a:extLst>
               <a:ext uri="{FF2B5EF4-FFF2-40B4-BE49-F238E27FC236}">
-                <a16:creationId xmlns:a16="http://schemas.microsoft.com/office/drawing/2014/main" xmlns="" id="{A65EB058-A36B-4236-1FB7-CDB3C4AA4C88}"/>
+                <a16:creationId xmlns="" xmlns:a16="http://schemas.microsoft.com/office/drawing/2014/main" id="{A65EB058-A36B-4236-1FB7-CDB3C4AA4C88}"/>
               </a:ext>
             </a:extLst>
           </p:cNvPr>
@@ -4465,7 +4583,7 @@
           <p:cNvPr id="5" name="object 18">
             <a:extLst>
               <a:ext uri="{FF2B5EF4-FFF2-40B4-BE49-F238E27FC236}">
-                <a16:creationId xmlns:a16="http://schemas.microsoft.com/office/drawing/2014/main" xmlns="" id="{05D3E414-47F6-2DDF-BBAA-5BD47AA15418}"/>
+                <a16:creationId xmlns="" xmlns:a16="http://schemas.microsoft.com/office/drawing/2014/main" id="{05D3E414-47F6-2DDF-BBAA-5BD47AA15418}"/>
               </a:ext>
             </a:extLst>
           </p:cNvPr>
@@ -4524,7 +4642,7 @@
           <p:cNvPr id="6" name="Slide Number Placeholder 5">
             <a:extLst>
               <a:ext uri="{FF2B5EF4-FFF2-40B4-BE49-F238E27FC236}">
-                <a16:creationId xmlns:a16="http://schemas.microsoft.com/office/drawing/2014/main" xmlns="" id="{C99A4724-1AC5-7707-7AED-F930032BBA4C}"/>
+                <a16:creationId xmlns="" xmlns:a16="http://schemas.microsoft.com/office/drawing/2014/main" id="{C99A4724-1AC5-7707-7AED-F930032BBA4C}"/>
               </a:ext>
             </a:extLst>
           </p:cNvPr>
@@ -4584,6 +4702,53 @@
           <a:prstGeom prst="rect">
             <a:avLst/>
           </a:prstGeom>
+        </p:spPr>
+      </p:pic>
+      <p:pic>
+        <p:nvPicPr>
+          <p:cNvPr id="7" name="Picture 2" descr="체크 표시 클립 아트. 무료 다운로드. | Creazilla">
+            <a:extLst>
+              <a:ext uri="{FF2B5EF4-FFF2-40B4-BE49-F238E27FC236}">
+                <a16:creationId xmlns:a16="http://schemas.microsoft.com/office/drawing/2014/main" xmlns="" id="{506060A2-694F-9BC8-4E65-1A4842DC7F1E}"/>
+              </a:ext>
+            </a:extLst>
+          </p:cNvPr>
+          <p:cNvPicPr>
+            <a:picLocks noChangeAspect="1" noChangeArrowheads="1"/>
+          </p:cNvPicPr>
+          <p:nvPr/>
+        </p:nvPicPr>
+        <p:blipFill>
+          <a:blip r:embed="rId3" cstate="print">
+            <a:extLst>
+              <a:ext uri="{28A0092B-C50C-407E-A947-70E740481C1C}">
+                <a14:useLocalDpi xmlns:a14="http://schemas.microsoft.com/office/drawing/2010/main" val="0"/>
+              </a:ext>
+            </a:extLst>
+          </a:blip>
+          <a:srcRect/>
+          <a:stretch>
+            <a:fillRect/>
+          </a:stretch>
+        </p:blipFill>
+        <p:spPr bwMode="auto">
+          <a:xfrm>
+            <a:off x="2762250" y="340531"/>
+            <a:ext cx="192966" cy="192966"/>
+          </a:xfrm>
+          <a:prstGeom prst="rect">
+            <a:avLst/>
+          </a:prstGeom>
+          <a:noFill/>
+          <a:extLst>
+            <a:ext uri="{909E8E84-426E-40DD-AFC4-6F175D3DCCD1}">
+              <a14:hiddenFill xmlns:a14="http://schemas.microsoft.com/office/drawing/2010/main">
+                <a:solidFill>
+                  <a:srgbClr val="FFFFFF"/>
+                </a:solidFill>
+              </a14:hiddenFill>
+            </a:ext>
+          </a:extLst>
         </p:spPr>
       </p:pic>
     </p:spTree>
@@ -4671,7 +4836,7 @@
           <p:cNvPr id="18" name="TextBox 17">
             <a:extLst>
               <a:ext uri="{FF2B5EF4-FFF2-40B4-BE49-F238E27FC236}">
-                <a16:creationId xmlns:a16="http://schemas.microsoft.com/office/drawing/2014/main" xmlns="" id="{E3CD4E47-072F-3AFC-2566-DB00AC05F0E1}"/>
+                <a16:creationId xmlns="" xmlns:a16="http://schemas.microsoft.com/office/drawing/2014/main" id="{E3CD4E47-072F-3AFC-2566-DB00AC05F0E1}"/>
               </a:ext>
             </a:extLst>
           </p:cNvPr>
@@ -4808,7 +4973,7 @@
           <p:cNvPr id="20" name="Slide Number Placeholder 19">
             <a:extLst>
               <a:ext uri="{FF2B5EF4-FFF2-40B4-BE49-F238E27FC236}">
-                <a16:creationId xmlns:a16="http://schemas.microsoft.com/office/drawing/2014/main" xmlns="" id="{91748B10-EA5D-D7DD-0E22-1319CBD48FA1}"/>
+                <a16:creationId xmlns="" xmlns:a16="http://schemas.microsoft.com/office/drawing/2014/main" id="{91748B10-EA5D-D7DD-0E22-1319CBD48FA1}"/>
               </a:ext>
             </a:extLst>
           </p:cNvPr>
@@ -5646,7 +5811,7 @@
           <p:cNvPr id="3" name="Slide Number Placeholder 2">
             <a:extLst>
               <a:ext uri="{FF2B5EF4-FFF2-40B4-BE49-F238E27FC236}">
-                <a16:creationId xmlns:a16="http://schemas.microsoft.com/office/drawing/2014/main" xmlns="" id="{04F27DCA-52F4-B6D5-8BFB-6A9AE30FB333}"/>
+                <a16:creationId xmlns="" xmlns:a16="http://schemas.microsoft.com/office/drawing/2014/main" id="{04F27DCA-52F4-B6D5-8BFB-6A9AE30FB333}"/>
               </a:ext>
             </a:extLst>
           </p:cNvPr>
@@ -5723,7 +5888,7 @@
           <p:cNvPr id="2" name="Title 1">
             <a:extLst>
               <a:ext uri="{FF2B5EF4-FFF2-40B4-BE49-F238E27FC236}">
-                <a16:creationId xmlns:a16="http://schemas.microsoft.com/office/drawing/2014/main" xmlns="" id="{30DA3F70-316F-F7E3-5D0F-D9AFC93AB49D}"/>
+                <a16:creationId xmlns="" xmlns:a16="http://schemas.microsoft.com/office/drawing/2014/main" id="{30DA3F70-316F-F7E3-5D0F-D9AFC93AB49D}"/>
               </a:ext>
             </a:extLst>
           </p:cNvPr>
@@ -5777,7 +5942,7 @@
           <p:cNvPr id="5" name="Picture 4">
             <a:extLst>
               <a:ext uri="{FF2B5EF4-FFF2-40B4-BE49-F238E27FC236}">
-                <a16:creationId xmlns:a16="http://schemas.microsoft.com/office/drawing/2014/main" xmlns="" id="{A29AEA1E-26F8-F89B-807D-30FA9BE76EC1}"/>
+                <a16:creationId xmlns="" xmlns:a16="http://schemas.microsoft.com/office/drawing/2014/main" id="{A29AEA1E-26F8-F89B-807D-30FA9BE76EC1}"/>
               </a:ext>
             </a:extLst>
           </p:cNvPr>
@@ -5813,7 +5978,7 @@
           <p:cNvPr id="4" name="Slide Number Placeholder 3">
             <a:extLst>
               <a:ext uri="{FF2B5EF4-FFF2-40B4-BE49-F238E27FC236}">
-                <a16:creationId xmlns:a16="http://schemas.microsoft.com/office/drawing/2014/main" xmlns="" id="{EC4B15BE-3856-1158-E8F0-3080AC6495FC}"/>
+                <a16:creationId xmlns="" xmlns:a16="http://schemas.microsoft.com/office/drawing/2014/main" id="{EC4B15BE-3856-1158-E8F0-3080AC6495FC}"/>
               </a:ext>
             </a:extLst>
           </p:cNvPr>
@@ -5850,7 +6015,7 @@
           <p:cNvPr id="6" name="object 18">
             <a:extLst>
               <a:ext uri="{FF2B5EF4-FFF2-40B4-BE49-F238E27FC236}">
-                <a16:creationId xmlns:a16="http://schemas.microsoft.com/office/drawing/2014/main" xmlns="" id="{18FAC3DC-C2E2-E93C-8FF1-804892C27691}"/>
+                <a16:creationId xmlns="" xmlns:a16="http://schemas.microsoft.com/office/drawing/2014/main" id="{18FAC3DC-C2E2-E93C-8FF1-804892C27691}"/>
               </a:ext>
             </a:extLst>
           </p:cNvPr>
@@ -5963,7 +6128,7 @@
         <p:cNvPr id="1" name="">
           <a:extLst>
             <a:ext uri="{FF2B5EF4-FFF2-40B4-BE49-F238E27FC236}">
-              <a16:creationId xmlns:a16="http://schemas.microsoft.com/office/drawing/2014/main" xmlns="" id="{69035F2F-D866-A5F0-F2C7-BB867EE80AE8}"/>
+              <a16:creationId xmlns="" xmlns:a16="http://schemas.microsoft.com/office/drawing/2014/main" id="{69035F2F-D866-A5F0-F2C7-BB867EE80AE8}"/>
             </a:ext>
           </a:extLst>
         </p:cNvPr>
@@ -5983,7 +6148,7 @@
           <p:cNvPr id="2" name="Title 1">
             <a:extLst>
               <a:ext uri="{FF2B5EF4-FFF2-40B4-BE49-F238E27FC236}">
-                <a16:creationId xmlns:a16="http://schemas.microsoft.com/office/drawing/2014/main" xmlns="" id="{06301C9A-D2E0-8FDB-A8C5-3F50A81BB554}"/>
+                <a16:creationId xmlns="" xmlns:a16="http://schemas.microsoft.com/office/drawing/2014/main" id="{06301C9A-D2E0-8FDB-A8C5-3F50A81BB554}"/>
               </a:ext>
             </a:extLst>
           </p:cNvPr>
@@ -6037,7 +6202,7 @@
           <p:cNvPr id="6" name="Picture 5">
             <a:extLst>
               <a:ext uri="{FF2B5EF4-FFF2-40B4-BE49-F238E27FC236}">
-                <a16:creationId xmlns:a16="http://schemas.microsoft.com/office/drawing/2014/main" xmlns="" id="{AFB7DEC6-1AAF-357F-8720-127A51314BFA}"/>
+                <a16:creationId xmlns="" xmlns:a16="http://schemas.microsoft.com/office/drawing/2014/main" id="{AFB7DEC6-1AAF-357F-8720-127A51314BFA}"/>
               </a:ext>
             </a:extLst>
           </p:cNvPr>
@@ -6073,7 +6238,7 @@
           <p:cNvPr id="10" name="Picture 9">
             <a:extLst>
               <a:ext uri="{FF2B5EF4-FFF2-40B4-BE49-F238E27FC236}">
-                <a16:creationId xmlns:a16="http://schemas.microsoft.com/office/drawing/2014/main" xmlns="" id="{1DA43662-670F-5812-C854-A40710313962}"/>
+                <a16:creationId xmlns="" xmlns:a16="http://schemas.microsoft.com/office/drawing/2014/main" id="{1DA43662-670F-5812-C854-A40710313962}"/>
               </a:ext>
             </a:extLst>
           </p:cNvPr>
@@ -6109,7 +6274,7 @@
           <p:cNvPr id="4" name="Slide Number Placeholder 3">
             <a:extLst>
               <a:ext uri="{FF2B5EF4-FFF2-40B4-BE49-F238E27FC236}">
-                <a16:creationId xmlns:a16="http://schemas.microsoft.com/office/drawing/2014/main" xmlns="" id="{BE73FDE2-2A13-0C41-0531-E4DF2421E593}"/>
+                <a16:creationId xmlns="" xmlns:a16="http://schemas.microsoft.com/office/drawing/2014/main" id="{BE73FDE2-2A13-0C41-0531-E4DF2421E593}"/>
               </a:ext>
             </a:extLst>
           </p:cNvPr>
@@ -6146,7 +6311,7 @@
           <p:cNvPr id="5" name="object 18">
             <a:extLst>
               <a:ext uri="{FF2B5EF4-FFF2-40B4-BE49-F238E27FC236}">
-                <a16:creationId xmlns:a16="http://schemas.microsoft.com/office/drawing/2014/main" xmlns="" id="{7F7ACAEE-49F1-A1A2-3135-7AAD40E2ED6D}"/>
+                <a16:creationId xmlns="" xmlns:a16="http://schemas.microsoft.com/office/drawing/2014/main" id="{7F7ACAEE-49F1-A1A2-3135-7AAD40E2ED6D}"/>
               </a:ext>
             </a:extLst>
           </p:cNvPr>
@@ -6279,7 +6444,7 @@
           <p:cNvPr id="10" name="Picture 9">
             <a:extLst>
               <a:ext uri="{FF2B5EF4-FFF2-40B4-BE49-F238E27FC236}">
-                <a16:creationId xmlns:a16="http://schemas.microsoft.com/office/drawing/2014/main" xmlns="" id="{40FA86B4-B22D-B7BE-2365-73BFF8EBB9E9}"/>
+                <a16:creationId xmlns="" xmlns:a16="http://schemas.microsoft.com/office/drawing/2014/main" id="{40FA86B4-B22D-B7BE-2365-73BFF8EBB9E9}"/>
               </a:ext>
             </a:extLst>
           </p:cNvPr>
@@ -6309,7 +6474,7 @@
           <p:cNvPr id="3" name="TextBox 2">
             <a:extLst>
               <a:ext uri="{FF2B5EF4-FFF2-40B4-BE49-F238E27FC236}">
-                <a16:creationId xmlns:a16="http://schemas.microsoft.com/office/drawing/2014/main" xmlns="" id="{32F588D3-5DC8-9DD1-F8DE-6AA678770A2E}"/>
+                <a16:creationId xmlns="" xmlns:a16="http://schemas.microsoft.com/office/drawing/2014/main" id="{32F588D3-5DC8-9DD1-F8DE-6AA678770A2E}"/>
               </a:ext>
             </a:extLst>
           </p:cNvPr>
@@ -6347,7 +6512,7 @@
           <p:cNvPr id="7" name="Slide Number Placeholder 6">
             <a:extLst>
               <a:ext uri="{FF2B5EF4-FFF2-40B4-BE49-F238E27FC236}">
-                <a16:creationId xmlns:a16="http://schemas.microsoft.com/office/drawing/2014/main" xmlns="" id="{AA6B9372-7999-104B-8FF7-14BDE91A81D9}"/>
+                <a16:creationId xmlns="" xmlns:a16="http://schemas.microsoft.com/office/drawing/2014/main" id="{AA6B9372-7999-104B-8FF7-14BDE91A81D9}"/>
               </a:ext>
             </a:extLst>
           </p:cNvPr>
@@ -6479,7 +6644,7 @@
           <p:cNvPr id="2" name="Title 1">
             <a:extLst>
               <a:ext uri="{FF2B5EF4-FFF2-40B4-BE49-F238E27FC236}">
-                <a16:creationId xmlns:a16="http://schemas.microsoft.com/office/drawing/2014/main" xmlns="" id="{55037C6C-2A8B-E25C-34F2-224CED9B26FD}"/>
+                <a16:creationId xmlns="" xmlns:a16="http://schemas.microsoft.com/office/drawing/2014/main" id="{55037C6C-2A8B-E25C-34F2-224CED9B26FD}"/>
               </a:ext>
             </a:extLst>
           </p:cNvPr>
@@ -6515,7 +6680,7 @@
           <p:cNvPr id="7" name="Picture 6">
             <a:extLst>
               <a:ext uri="{FF2B5EF4-FFF2-40B4-BE49-F238E27FC236}">
-                <a16:creationId xmlns:a16="http://schemas.microsoft.com/office/drawing/2014/main" xmlns="" id="{518B9839-8CCA-AF51-123E-0586BE87A2E4}"/>
+                <a16:creationId xmlns="" xmlns:a16="http://schemas.microsoft.com/office/drawing/2014/main" id="{518B9839-8CCA-AF51-123E-0586BE87A2E4}"/>
               </a:ext>
             </a:extLst>
           </p:cNvPr>
@@ -6545,7 +6710,7 @@
           <p:cNvPr id="3" name="TextBox 2">
             <a:extLst>
               <a:ext uri="{FF2B5EF4-FFF2-40B4-BE49-F238E27FC236}">
-                <a16:creationId xmlns:a16="http://schemas.microsoft.com/office/drawing/2014/main" xmlns="" id="{98D3105C-9157-1E85-E2A3-19E7A71CDFE9}"/>
+                <a16:creationId xmlns="" xmlns:a16="http://schemas.microsoft.com/office/drawing/2014/main" id="{98D3105C-9157-1E85-E2A3-19E7A71CDFE9}"/>
               </a:ext>
             </a:extLst>
           </p:cNvPr>
@@ -6606,7 +6771,7 @@
           <p:cNvPr id="5" name="Slide Number Placeholder 4">
             <a:extLst>
               <a:ext uri="{FF2B5EF4-FFF2-40B4-BE49-F238E27FC236}">
-                <a16:creationId xmlns:a16="http://schemas.microsoft.com/office/drawing/2014/main" xmlns="" id="{EF12021A-32A4-EEA0-249D-A54907CCDF3A}"/>
+                <a16:creationId xmlns="" xmlns:a16="http://schemas.microsoft.com/office/drawing/2014/main" id="{EF12021A-32A4-EEA0-249D-A54907CCDF3A}"/>
               </a:ext>
             </a:extLst>
           </p:cNvPr>
@@ -6666,7 +6831,7 @@
         <p:cNvPr id="1" name="">
           <a:extLst>
             <a:ext uri="{FF2B5EF4-FFF2-40B4-BE49-F238E27FC236}">
-              <a16:creationId xmlns:a16="http://schemas.microsoft.com/office/drawing/2014/main" xmlns="" id="{C63BF39E-EE4B-43B5-DF31-35E16C394724}"/>
+              <a16:creationId xmlns="" xmlns:a16="http://schemas.microsoft.com/office/drawing/2014/main" id="{C63BF39E-EE4B-43B5-DF31-35E16C394724}"/>
             </a:ext>
           </a:extLst>
         </p:cNvPr>
@@ -6686,7 +6851,7 @@
           <p:cNvPr id="2" name="Title 1">
             <a:extLst>
               <a:ext uri="{FF2B5EF4-FFF2-40B4-BE49-F238E27FC236}">
-                <a16:creationId xmlns:a16="http://schemas.microsoft.com/office/drawing/2014/main" xmlns="" id="{3111A061-BC06-8187-35FB-D8974D459A27}"/>
+                <a16:creationId xmlns="" xmlns:a16="http://schemas.microsoft.com/office/drawing/2014/main" id="{3111A061-BC06-8187-35FB-D8974D459A27}"/>
               </a:ext>
             </a:extLst>
           </p:cNvPr>
@@ -6722,7 +6887,7 @@
           <p:cNvPr id="6" name="Picture 5">
             <a:extLst>
               <a:ext uri="{FF2B5EF4-FFF2-40B4-BE49-F238E27FC236}">
-                <a16:creationId xmlns:a16="http://schemas.microsoft.com/office/drawing/2014/main" xmlns="" id="{416A14A5-EA9E-3659-94C6-912EB048197D}"/>
+                <a16:creationId xmlns="" xmlns:a16="http://schemas.microsoft.com/office/drawing/2014/main" id="{416A14A5-EA9E-3659-94C6-912EB048197D}"/>
               </a:ext>
             </a:extLst>
           </p:cNvPr>
@@ -6752,7 +6917,7 @@
           <p:cNvPr id="4" name="TextBox 3">
             <a:extLst>
               <a:ext uri="{FF2B5EF4-FFF2-40B4-BE49-F238E27FC236}">
-                <a16:creationId xmlns:a16="http://schemas.microsoft.com/office/drawing/2014/main" xmlns="" id="{29C7D331-CB94-2455-0271-982A5774DC4E}"/>
+                <a16:creationId xmlns="" xmlns:a16="http://schemas.microsoft.com/office/drawing/2014/main" id="{29C7D331-CB94-2455-0271-982A5774DC4E}"/>
               </a:ext>
             </a:extLst>
           </p:cNvPr>
@@ -6834,7 +6999,7 @@
           <p:cNvPr id="7" name="Slide Number Placeholder 6">
             <a:extLst>
               <a:ext uri="{FF2B5EF4-FFF2-40B4-BE49-F238E27FC236}">
-                <a16:creationId xmlns:a16="http://schemas.microsoft.com/office/drawing/2014/main" xmlns="" id="{26BECC11-1FB8-9E13-3598-7D101EF1C92D}"/>
+                <a16:creationId xmlns="" xmlns:a16="http://schemas.microsoft.com/office/drawing/2014/main" id="{26BECC11-1FB8-9E13-3598-7D101EF1C92D}"/>
               </a:ext>
             </a:extLst>
           </p:cNvPr>
@@ -6887,7 +7052,7 @@
         <p:cNvPr id="1" name="">
           <a:extLst>
             <a:ext uri="{FF2B5EF4-FFF2-40B4-BE49-F238E27FC236}">
-              <a16:creationId xmlns:a16="http://schemas.microsoft.com/office/drawing/2014/main" xmlns="" id="{686520E3-8BAD-04A8-50F2-8C5DE29B8AB4}"/>
+              <a16:creationId xmlns="" xmlns:a16="http://schemas.microsoft.com/office/drawing/2014/main" id="{686520E3-8BAD-04A8-50F2-8C5DE29B8AB4}"/>
             </a:ext>
           </a:extLst>
         </p:cNvPr>
@@ -6907,7 +7072,7 @@
           <p:cNvPr id="2" name="Title 1">
             <a:extLst>
               <a:ext uri="{FF2B5EF4-FFF2-40B4-BE49-F238E27FC236}">
-                <a16:creationId xmlns:a16="http://schemas.microsoft.com/office/drawing/2014/main" xmlns="" id="{474F61C5-D91E-CBA8-B6AA-8C859112220E}"/>
+                <a16:creationId xmlns="" xmlns:a16="http://schemas.microsoft.com/office/drawing/2014/main" id="{474F61C5-D91E-CBA8-B6AA-8C859112220E}"/>
               </a:ext>
             </a:extLst>
           </p:cNvPr>
@@ -6943,7 +7108,7 @@
           <p:cNvPr id="6" name="Picture 5">
             <a:extLst>
               <a:ext uri="{FF2B5EF4-FFF2-40B4-BE49-F238E27FC236}">
-                <a16:creationId xmlns:a16="http://schemas.microsoft.com/office/drawing/2014/main" xmlns="" id="{5A2600B0-7703-777A-866B-9FF3218265D9}"/>
+                <a16:creationId xmlns="" xmlns:a16="http://schemas.microsoft.com/office/drawing/2014/main" id="{5A2600B0-7703-777A-866B-9FF3218265D9}"/>
               </a:ext>
             </a:extLst>
           </p:cNvPr>
@@ -6973,7 +7138,7 @@
           <p:cNvPr id="3" name="TextBox 2">
             <a:extLst>
               <a:ext uri="{FF2B5EF4-FFF2-40B4-BE49-F238E27FC236}">
-                <a16:creationId xmlns:a16="http://schemas.microsoft.com/office/drawing/2014/main" xmlns="" id="{C2056703-6D2F-EB66-99C5-A3590CEF203B}"/>
+                <a16:creationId xmlns="" xmlns:a16="http://schemas.microsoft.com/office/drawing/2014/main" id="{C2056703-6D2F-EB66-99C5-A3590CEF203B}"/>
               </a:ext>
             </a:extLst>
           </p:cNvPr>
@@ -6983,7 +7148,7 @@
         <p:spPr>
           <a:xfrm>
             <a:off x="-5234" y="378678"/>
-            <a:ext cx="917239" cy="400110"/>
+            <a:ext cx="925253" cy="707886"/>
           </a:xfrm>
           <a:prstGeom prst="rect">
             <a:avLst/>
@@ -7017,7 +7182,29 @@
                 <a:latin typeface="Arial" panose="020B0604020202020204" pitchFamily="34" charset="0"/>
                 <a:cs typeface="Arial" panose="020B0604020202020204" pitchFamily="34" charset="0"/>
               </a:rPr>
-              <a:t>extension</a:t>
+              <a:t>Extension</a:t>
+            </a:r>
+          </a:p>
+          <a:p>
+            <a:r>
+              <a:rPr lang="en-US" sz="1000" b="1" dirty="0" smtClean="0">
+                <a:latin typeface="Arial" panose="020B0604020202020204" pitchFamily="34" charset="0"/>
+                <a:cs typeface="Arial" panose="020B0604020202020204" pitchFamily="34" charset="0"/>
+              </a:rPr>
+              <a:t>- AI solution</a:t>
+            </a:r>
+            <a:br>
+              <a:rPr lang="en-US" sz="1000" b="1" dirty="0" smtClean="0">
+                <a:latin typeface="Arial" panose="020B0604020202020204" pitchFamily="34" charset="0"/>
+                <a:cs typeface="Arial" panose="020B0604020202020204" pitchFamily="34" charset="0"/>
+              </a:rPr>
+            </a:br>
+            <a:r>
+              <a:rPr lang="en-US" sz="1000" b="1" dirty="0" smtClean="0">
+                <a:latin typeface="Arial" panose="020B0604020202020204" pitchFamily="34" charset="0"/>
+                <a:cs typeface="Arial" panose="020B0604020202020204" pitchFamily="34" charset="0"/>
+              </a:rPr>
+              <a:t>Option #1</a:t>
             </a:r>
             <a:endParaRPr lang="x-none" sz="1000" b="1" dirty="0">
               <a:latin typeface="Arial" panose="020B0604020202020204" pitchFamily="34" charset="0"/>
@@ -7031,7 +7218,7 @@
           <p:cNvPr id="5" name="Slide Number Placeholder 4">
             <a:extLst>
               <a:ext uri="{FF2B5EF4-FFF2-40B4-BE49-F238E27FC236}">
-                <a16:creationId xmlns:a16="http://schemas.microsoft.com/office/drawing/2014/main" xmlns="" id="{4C90E94C-EDEF-AA7E-73EE-40E725543011}"/>
+                <a16:creationId xmlns="" xmlns:a16="http://schemas.microsoft.com/office/drawing/2014/main" id="{4C90E94C-EDEF-AA7E-73EE-40E725543011}"/>
               </a:ext>
             </a:extLst>
           </p:cNvPr>
@@ -7084,7 +7271,7 @@
         <p:cNvPr id="1" name="">
           <a:extLst>
             <a:ext uri="{FF2B5EF4-FFF2-40B4-BE49-F238E27FC236}">
-              <a16:creationId xmlns:a16="http://schemas.microsoft.com/office/drawing/2014/main" xmlns="" id="{B8574F2B-E164-5AAB-3BB7-D78D254327A0}"/>
+              <a16:creationId xmlns="" xmlns:a16="http://schemas.microsoft.com/office/drawing/2014/main" id="{B8574F2B-E164-5AAB-3BB7-D78D254327A0}"/>
             </a:ext>
           </a:extLst>
         </p:cNvPr>
@@ -7104,7 +7291,7 @@
           <p:cNvPr id="2" name="Title 1">
             <a:extLst>
               <a:ext uri="{FF2B5EF4-FFF2-40B4-BE49-F238E27FC236}">
-                <a16:creationId xmlns:a16="http://schemas.microsoft.com/office/drawing/2014/main" xmlns="" id="{86EAB90E-4DBF-E048-CBC9-78A72CAC504D}"/>
+                <a16:creationId xmlns="" xmlns:a16="http://schemas.microsoft.com/office/drawing/2014/main" id="{86EAB90E-4DBF-E048-CBC9-78A72CAC504D}"/>
               </a:ext>
             </a:extLst>
           </p:cNvPr>
@@ -7140,7 +7327,7 @@
           <p:cNvPr id="3" name="Picture 2">
             <a:extLst>
               <a:ext uri="{FF2B5EF4-FFF2-40B4-BE49-F238E27FC236}">
-                <a16:creationId xmlns:a16="http://schemas.microsoft.com/office/drawing/2014/main" xmlns="" id="{CE4A94CC-6A1D-4375-4D91-FC32CA3BAB9C}"/>
+                <a16:creationId xmlns="" xmlns:a16="http://schemas.microsoft.com/office/drawing/2014/main" id="{CE4A94CC-6A1D-4375-4D91-FC32CA3BAB9C}"/>
               </a:ext>
             </a:extLst>
           </p:cNvPr>
@@ -7170,7 +7357,7 @@
           <p:cNvPr id="5" name="TextBox 4">
             <a:extLst>
               <a:ext uri="{FF2B5EF4-FFF2-40B4-BE49-F238E27FC236}">
-                <a16:creationId xmlns:a16="http://schemas.microsoft.com/office/drawing/2014/main" xmlns="" id="{7D1EC6D0-9788-AE92-FAD7-9206AE053F74}"/>
+                <a16:creationId xmlns="" xmlns:a16="http://schemas.microsoft.com/office/drawing/2014/main" id="{7D1EC6D0-9788-AE92-FAD7-9206AE053F74}"/>
               </a:ext>
             </a:extLst>
           </p:cNvPr>
@@ -7180,7 +7367,7 @@
         <p:spPr>
           <a:xfrm>
             <a:off x="-57150" y="397272"/>
-            <a:ext cx="917239" cy="400110"/>
+            <a:ext cx="925253" cy="1015663"/>
           </a:xfrm>
           <a:prstGeom prst="rect">
             <a:avLst/>
@@ -7214,8 +7401,46 @@
                 <a:latin typeface="Arial" panose="020B0604020202020204" pitchFamily="34" charset="0"/>
                 <a:cs typeface="Arial" panose="020B0604020202020204" pitchFamily="34" charset="0"/>
               </a:rPr>
-              <a:t>extension</a:t>
-            </a:r>
+              <a:t>Extension</a:t>
+            </a:r>
+            <a:br>
+              <a:rPr lang="en-US" sz="1000" b="1" dirty="0" smtClean="0">
+                <a:latin typeface="Arial" panose="020B0604020202020204" pitchFamily="34" charset="0"/>
+                <a:cs typeface="Arial" panose="020B0604020202020204" pitchFamily="34" charset="0"/>
+              </a:rPr>
+            </a:br>
+            <a:endParaRPr lang="en-US" sz="1000" b="1" dirty="0" smtClean="0">
+              <a:latin typeface="Arial" panose="020B0604020202020204" pitchFamily="34" charset="0"/>
+              <a:cs typeface="Arial" panose="020B0604020202020204" pitchFamily="34" charset="0"/>
+            </a:endParaRPr>
+          </a:p>
+          <a:p>
+            <a:r>
+              <a:rPr lang="en-US" sz="1000" b="1" dirty="0" smtClean="0">
+                <a:latin typeface="Arial" panose="020B0604020202020204" pitchFamily="34" charset="0"/>
+                <a:cs typeface="Arial" panose="020B0604020202020204" pitchFamily="34" charset="0"/>
+              </a:rPr>
+              <a:t>- AI solution</a:t>
+            </a:r>
+            <a:br>
+              <a:rPr lang="en-US" sz="1000" b="1" dirty="0" smtClean="0">
+                <a:latin typeface="Arial" panose="020B0604020202020204" pitchFamily="34" charset="0"/>
+                <a:cs typeface="Arial" panose="020B0604020202020204" pitchFamily="34" charset="0"/>
+              </a:rPr>
+            </a:br>
+            <a:r>
+              <a:rPr lang="en-US" sz="1000" b="1" dirty="0" smtClean="0">
+                <a:latin typeface="Arial" panose="020B0604020202020204" pitchFamily="34" charset="0"/>
+                <a:cs typeface="Arial" panose="020B0604020202020204" pitchFamily="34" charset="0"/>
+              </a:rPr>
+              <a:t>Option #1</a:t>
+            </a:r>
+            <a:endParaRPr lang="x-none" sz="1000" b="1" dirty="0" smtClean="0">
+              <a:latin typeface="Arial" panose="020B0604020202020204" pitchFamily="34" charset="0"/>
+              <a:cs typeface="Arial" panose="020B0604020202020204" pitchFamily="34" charset="0"/>
+            </a:endParaRPr>
+          </a:p>
+          <a:p>
             <a:endParaRPr lang="x-none" sz="1000" b="1" dirty="0">
               <a:latin typeface="Arial" panose="020B0604020202020204" pitchFamily="34" charset="0"/>
               <a:cs typeface="Arial" panose="020B0604020202020204" pitchFamily="34" charset="0"/>
@@ -7228,7 +7453,7 @@
           <p:cNvPr id="7" name="Slide Number Placeholder 6">
             <a:extLst>
               <a:ext uri="{FF2B5EF4-FFF2-40B4-BE49-F238E27FC236}">
-                <a16:creationId xmlns:a16="http://schemas.microsoft.com/office/drawing/2014/main" xmlns="" id="{541563F9-CB94-4453-B9B9-592F779EF33B}"/>
+                <a16:creationId xmlns="" xmlns:a16="http://schemas.microsoft.com/office/drawing/2014/main" id="{541563F9-CB94-4453-B9B9-592F779EF33B}"/>
               </a:ext>
             </a:extLst>
           </p:cNvPr>
@@ -7295,7 +7520,7 @@
           <p:cNvPr id="2" name="Title 1">
             <a:extLst>
               <a:ext uri="{FF2B5EF4-FFF2-40B4-BE49-F238E27FC236}">
-                <a16:creationId xmlns:a16="http://schemas.microsoft.com/office/drawing/2014/main" xmlns="" id="{55037C6C-2A8B-E25C-34F2-224CED9B26FD}"/>
+                <a16:creationId xmlns="" xmlns:a16="http://schemas.microsoft.com/office/drawing/2014/main" id="{55037C6C-2A8B-E25C-34F2-224CED9B26FD}"/>
               </a:ext>
             </a:extLst>
           </p:cNvPr>
@@ -7331,7 +7556,7 @@
           <p:cNvPr id="3" name="TextBox 2">
             <a:extLst>
               <a:ext uri="{FF2B5EF4-FFF2-40B4-BE49-F238E27FC236}">
-                <a16:creationId xmlns:a16="http://schemas.microsoft.com/office/drawing/2014/main" xmlns="" id="{98D3105C-9157-1E85-E2A3-19E7A71CDFE9}"/>
+                <a16:creationId xmlns="" xmlns:a16="http://schemas.microsoft.com/office/drawing/2014/main" id="{98D3105C-9157-1E85-E2A3-19E7A71CDFE9}"/>
               </a:ext>
             </a:extLst>
           </p:cNvPr>
@@ -7341,7 +7566,7 @@
         <p:spPr>
           <a:xfrm>
             <a:off x="-57150" y="358775"/>
-            <a:ext cx="1462260" cy="523220"/>
+            <a:ext cx="2940228" cy="523220"/>
           </a:xfrm>
           <a:prstGeom prst="rect">
             <a:avLst/>
@@ -7366,8 +7591,12 @@
                 <a:latin typeface="Arial" panose="020B0604020202020204" pitchFamily="34" charset="0"/>
                 <a:cs typeface="Arial" panose="020B0604020202020204" pitchFamily="34" charset="0"/>
               </a:rPr>
-              <a:t>MCP</a:t>
-            </a:r>
+              <a:t>MCP – AI solution, option #2 </a:t>
+            </a:r>
+            <a:endParaRPr lang="en-US" sz="1000" b="1" dirty="0" smtClean="0">
+              <a:latin typeface="Arial" panose="020B0604020202020204" pitchFamily="34" charset="0"/>
+              <a:cs typeface="Arial" panose="020B0604020202020204" pitchFamily="34" charset="0"/>
+            </a:endParaRPr>
           </a:p>
           <a:p>
             <a:endParaRPr lang="en-US" sz="1000" b="1" dirty="0">
@@ -7395,7 +7624,7 @@
           <p:cNvPr id="5" name="Slide Number Placeholder 4">
             <a:extLst>
               <a:ext uri="{FF2B5EF4-FFF2-40B4-BE49-F238E27FC236}">
-                <a16:creationId xmlns:a16="http://schemas.microsoft.com/office/drawing/2014/main" xmlns="" id="{EF12021A-32A4-EEA0-249D-A54907CCDF3A}"/>
+                <a16:creationId xmlns="" xmlns:a16="http://schemas.microsoft.com/office/drawing/2014/main" id="{EF12021A-32A4-EEA0-249D-A54907CCDF3A}"/>
               </a:ext>
             </a:extLst>
           </p:cNvPr>
@@ -7449,6 +7678,53 @@
           <a:prstGeom prst="rect">
             <a:avLst/>
           </a:prstGeom>
+        </p:spPr>
+      </p:pic>
+      <p:pic>
+        <p:nvPicPr>
+          <p:cNvPr id="7" name="Picture 2" descr="체크 표시 클립 아트. 무료 다운로드. | Creazilla">
+            <a:extLst>
+              <a:ext uri="{FF2B5EF4-FFF2-40B4-BE49-F238E27FC236}">
+                <a16:creationId xmlns:a16="http://schemas.microsoft.com/office/drawing/2014/main" xmlns="" id="{506060A2-694F-9BC8-4E65-1A4842DC7F1E}"/>
+              </a:ext>
+            </a:extLst>
+          </p:cNvPr>
+          <p:cNvPicPr>
+            <a:picLocks noChangeAspect="1" noChangeArrowheads="1"/>
+          </p:cNvPicPr>
+          <p:nvPr/>
+        </p:nvPicPr>
+        <p:blipFill>
+          <a:blip r:embed="rId3" cstate="print">
+            <a:extLst>
+              <a:ext uri="{28A0092B-C50C-407E-A947-70E740481C1C}">
+                <a14:useLocalDpi xmlns:a14="http://schemas.microsoft.com/office/drawing/2010/main" val="0"/>
+              </a:ext>
+            </a:extLst>
+          </a:blip>
+          <a:srcRect/>
+          <a:stretch>
+            <a:fillRect/>
+          </a:stretch>
+        </p:blipFill>
+        <p:spPr bwMode="auto">
+          <a:xfrm>
+            <a:off x="2806878" y="393274"/>
+            <a:ext cx="152400" cy="152400"/>
+          </a:xfrm>
+          <a:prstGeom prst="rect">
+            <a:avLst/>
+          </a:prstGeom>
+          <a:noFill/>
+          <a:extLst>
+            <a:ext uri="{909E8E84-426E-40DD-AFC4-6F175D3DCCD1}">
+              <a14:hiddenFill xmlns:a14="http://schemas.microsoft.com/office/drawing/2010/main">
+                <a:solidFill>
+                  <a:srgbClr val="FFFFFF"/>
+                </a:solidFill>
+              </a14:hiddenFill>
+            </a:ext>
+          </a:extLst>
         </p:spPr>
       </p:pic>
     </p:spTree>
@@ -7493,7 +7769,7 @@
           <p:cNvPr id="2" name="Title 1">
             <a:extLst>
               <a:ext uri="{FF2B5EF4-FFF2-40B4-BE49-F238E27FC236}">
-                <a16:creationId xmlns:a16="http://schemas.microsoft.com/office/drawing/2014/main" xmlns="" id="{55037C6C-2A8B-E25C-34F2-224CED9B26FD}"/>
+                <a16:creationId xmlns="" xmlns:a16="http://schemas.microsoft.com/office/drawing/2014/main" id="{55037C6C-2A8B-E25C-34F2-224CED9B26FD}"/>
               </a:ext>
             </a:extLst>
           </p:cNvPr>
@@ -7529,7 +7805,7 @@
           <p:cNvPr id="3" name="TextBox 2">
             <a:extLst>
               <a:ext uri="{FF2B5EF4-FFF2-40B4-BE49-F238E27FC236}">
-                <a16:creationId xmlns:a16="http://schemas.microsoft.com/office/drawing/2014/main" xmlns="" id="{98D3105C-9157-1E85-E2A3-19E7A71CDFE9}"/>
+                <a16:creationId xmlns="" xmlns:a16="http://schemas.microsoft.com/office/drawing/2014/main" id="{98D3105C-9157-1E85-E2A3-19E7A71CDFE9}"/>
               </a:ext>
             </a:extLst>
           </p:cNvPr>
@@ -7539,7 +7815,7 @@
         <p:spPr>
           <a:xfrm>
             <a:off x="-57150" y="358775"/>
-            <a:ext cx="1980029" cy="523220"/>
+            <a:ext cx="2202847" cy="677108"/>
           </a:xfrm>
           <a:prstGeom prst="rect">
             <a:avLst/>
@@ -7560,11 +7836,11 @@
               <a:t>AI analysis with </a:t>
             </a:r>
             <a:r>
-              <a:rPr lang="en-US" sz="1000" b="1" dirty="0" err="1" smtClean="0">
-                <a:latin typeface="Arial" panose="020B0604020202020204" pitchFamily="34" charset="0"/>
-                <a:cs typeface="Arial" panose="020B0604020202020204" pitchFamily="34" charset="0"/>
-              </a:rPr>
-              <a:t>MCP+Copilot</a:t>
+              <a:rPr lang="en-US" sz="1000" b="1" dirty="0" smtClean="0">
+                <a:latin typeface="Arial" panose="020B0604020202020204" pitchFamily="34" charset="0"/>
+                <a:cs typeface="Arial" panose="020B0604020202020204" pitchFamily="34" charset="0"/>
+              </a:rPr>
+              <a:t>MCP and Copilot</a:t>
             </a:r>
             <a:endParaRPr lang="en-US" sz="1000" b="1" dirty="0" smtClean="0">
               <a:latin typeface="Arial" panose="020B0604020202020204" pitchFamily="34" charset="0"/>
@@ -7572,6 +7848,19 @@
             </a:endParaRPr>
           </a:p>
           <a:p>
+            <a:r>
+              <a:rPr lang="en-US" sz="1000" b="1" dirty="0" smtClean="0">
+                <a:latin typeface="Arial" panose="020B0604020202020204" pitchFamily="34" charset="0"/>
+                <a:cs typeface="Arial" panose="020B0604020202020204" pitchFamily="34" charset="0"/>
+              </a:rPr>
+              <a:t>(option #2       )</a:t>
+            </a:r>
+            <a:br>
+              <a:rPr lang="en-US" sz="1000" b="1" dirty="0" smtClean="0">
+                <a:latin typeface="Arial" panose="020B0604020202020204" pitchFamily="34" charset="0"/>
+                <a:cs typeface="Arial" panose="020B0604020202020204" pitchFamily="34" charset="0"/>
+              </a:rPr>
+            </a:br>
             <a:endParaRPr lang="en-US" sz="1000" b="1" dirty="0">
               <a:latin typeface="Arial" panose="020B0604020202020204" pitchFamily="34" charset="0"/>
               <a:cs typeface="Arial" panose="020B0604020202020204" pitchFamily="34" charset="0"/>
@@ -7604,7 +7893,7 @@
           <p:cNvPr id="5" name="Slide Number Placeholder 4">
             <a:extLst>
               <a:ext uri="{FF2B5EF4-FFF2-40B4-BE49-F238E27FC236}">
-                <a16:creationId xmlns:a16="http://schemas.microsoft.com/office/drawing/2014/main" xmlns="" id="{EF12021A-32A4-EEA0-249D-A54907CCDF3A}"/>
+                <a16:creationId xmlns="" xmlns:a16="http://schemas.microsoft.com/office/drawing/2014/main" id="{EF12021A-32A4-EEA0-249D-A54907CCDF3A}"/>
               </a:ext>
             </a:extLst>
           </p:cNvPr>
@@ -7658,6 +7947,53 @@
           <a:prstGeom prst="rect">
             <a:avLst/>
           </a:prstGeom>
+        </p:spPr>
+      </p:pic>
+      <p:pic>
+        <p:nvPicPr>
+          <p:cNvPr id="6" name="Picture 2" descr="체크 표시 클립 아트. 무료 다운로드. | Creazilla">
+            <a:extLst>
+              <a:ext uri="{FF2B5EF4-FFF2-40B4-BE49-F238E27FC236}">
+                <a16:creationId xmlns:a16="http://schemas.microsoft.com/office/drawing/2014/main" xmlns="" id="{506060A2-694F-9BC8-4E65-1A4842DC7F1E}"/>
+              </a:ext>
+            </a:extLst>
+          </p:cNvPr>
+          <p:cNvPicPr>
+            <a:picLocks noChangeAspect="1" noChangeArrowheads="1"/>
+          </p:cNvPicPr>
+          <p:nvPr/>
+        </p:nvPicPr>
+        <p:blipFill>
+          <a:blip r:embed="rId3" cstate="print">
+            <a:extLst>
+              <a:ext uri="{28A0092B-C50C-407E-A947-70E740481C1C}">
+                <a14:useLocalDpi xmlns:a14="http://schemas.microsoft.com/office/drawing/2010/main" val="0"/>
+              </a:ext>
+            </a:extLst>
+          </a:blip>
+          <a:srcRect/>
+          <a:stretch>
+            <a:fillRect/>
+          </a:stretch>
+        </p:blipFill>
+        <p:spPr bwMode="auto">
+          <a:xfrm>
+            <a:off x="704850" y="544185"/>
+            <a:ext cx="152400" cy="152400"/>
+          </a:xfrm>
+          <a:prstGeom prst="rect">
+            <a:avLst/>
+          </a:prstGeom>
+          <a:noFill/>
+          <a:extLst>
+            <a:ext uri="{909E8E84-426E-40DD-AFC4-6F175D3DCCD1}">
+              <a14:hiddenFill xmlns:a14="http://schemas.microsoft.com/office/drawing/2010/main">
+                <a:solidFill>
+                  <a:srgbClr val="FFFFFF"/>
+                </a:solidFill>
+              </a14:hiddenFill>
+            </a:ext>
+          </a:extLst>
         </p:spPr>
       </p:pic>
     </p:spTree>
@@ -7749,7 +8085,7 @@
         <p:spPr>
           <a:xfrm>
             <a:off x="95299" y="434975"/>
-            <a:ext cx="4190797" cy="2223494"/>
+            <a:ext cx="4190797" cy="2736455"/>
           </a:xfrm>
           <a:prstGeom prst="rect">
             <a:avLst/>
@@ -7904,17 +8240,7 @@
                 <a:latin typeface="Arial" panose="020B0604020202020204" pitchFamily="34" charset="0"/>
                 <a:cs typeface="Arial" panose="020B0604020202020204" pitchFamily="34" charset="0"/>
               </a:rPr>
-              <a:t>standard MISRA C++ </a:t>
-            </a:r>
-            <a:r>
-              <a:rPr lang="en-US" sz="1000" dirty="0" smtClean="0">
-                <a:solidFill>
-                  <a:schemeClr val="tx1"/>
-                </a:solidFill>
-                <a:latin typeface="Arial" panose="020B0604020202020204" pitchFamily="34" charset="0"/>
-                <a:cs typeface="Arial" panose="020B0604020202020204" pitchFamily="34" charset="0"/>
-              </a:rPr>
-              <a:t>rules, LGEDV-defined rules and OEM-defined rules</a:t>
+              <a:t>standard MISRA C++ rules, LGEDV-defined rules and OEM-defined rules</a:t>
             </a:r>
           </a:p>
           <a:p>
@@ -8028,14 +8354,21 @@
               <a:t>- </a:t>
             </a:r>
             <a:r>
-              <a:rPr sz="1000" dirty="0">
+              <a:rPr lang="en-US" sz="1000" dirty="0" smtClean="0">
+                <a:latin typeface="Arial" panose="020B0604020202020204" pitchFamily="34" charset="0"/>
+                <a:cs typeface="Arial" panose="020B0604020202020204" pitchFamily="34" charset="0"/>
+              </a:rPr>
+              <a:t>   </a:t>
+            </a:r>
+            <a:r>
+              <a:rPr sz="1000" dirty="0" smtClean="0">
                 <a:latin typeface="Arial" panose="020B0604020202020204" pitchFamily="34" charset="0"/>
                 <a:cs typeface="Arial" panose="020B0604020202020204" pitchFamily="34" charset="0"/>
               </a:rPr>
               <a:t>Static</a:t>
             </a:r>
             <a:r>
-              <a:rPr sz="1000" spc="15" dirty="0">
+              <a:rPr sz="1000" spc="15" dirty="0" smtClean="0">
                 <a:latin typeface="Arial" panose="020B0604020202020204" pitchFamily="34" charset="0"/>
                 <a:cs typeface="Arial" panose="020B0604020202020204" pitchFamily="34" charset="0"/>
               </a:rPr>
@@ -8138,162 +8471,184 @@
             </a:endParaRPr>
           </a:p>
           <a:p>
-            <a:pPr marL="12700">
+            <a:pPr marL="184150" indent="-171450">
               <a:lnSpc>
                 <a:spcPct val="100000"/>
               </a:lnSpc>
               <a:spcBef>
                 <a:spcPts val="175"/>
               </a:spcBef>
+              <a:buFontTx/>
+              <a:buChar char="-"/>
             </a:pPr>
             <a:r>
-              <a:rPr lang="en-US" sz="1000" spc="-55" dirty="0">
-                <a:latin typeface="Arial" panose="020B0604020202020204" pitchFamily="34" charset="0"/>
-                <a:cs typeface="Arial" panose="020B0604020202020204" pitchFamily="34" charset="0"/>
-              </a:rPr>
-              <a:t>- </a:t>
-            </a:r>
-            <a:r>
-              <a:rPr sz="1000" spc="-55" dirty="0">
+              <a:rPr sz="1000" spc="-55" dirty="0" smtClean="0">
                 <a:latin typeface="Arial" panose="020B0604020202020204" pitchFamily="34" charset="0"/>
                 <a:cs typeface="Arial" panose="020B0604020202020204" pitchFamily="34" charset="0"/>
               </a:rPr>
               <a:t>AI-</a:t>
             </a:r>
             <a:r>
-              <a:rPr sz="1000" spc="-50" dirty="0">
+              <a:rPr sz="1000" spc="-50" dirty="0" smtClean="0">
                 <a:latin typeface="Arial" panose="020B0604020202020204" pitchFamily="34" charset="0"/>
                 <a:cs typeface="Arial" panose="020B0604020202020204" pitchFamily="34" charset="0"/>
               </a:rPr>
               <a:t>based</a:t>
             </a:r>
             <a:r>
+              <a:rPr sz="1000" spc="-30" dirty="0" smtClean="0">
+                <a:latin typeface="Arial" panose="020B0604020202020204" pitchFamily="34" charset="0"/>
+                <a:cs typeface="Arial" panose="020B0604020202020204" pitchFamily="34" charset="0"/>
+              </a:rPr>
+              <a:t> </a:t>
+            </a:r>
+            <a:r>
+              <a:rPr sz="1000" spc="-35" dirty="0">
+                <a:latin typeface="Arial" panose="020B0604020202020204" pitchFamily="34" charset="0"/>
+                <a:cs typeface="Arial" panose="020B0604020202020204" pitchFamily="34" charset="0"/>
+              </a:rPr>
+              <a:t>analysis</a:t>
+            </a:r>
+            <a:r>
+              <a:rPr sz="1000" spc="-25" dirty="0">
+                <a:latin typeface="Arial" panose="020B0604020202020204" pitchFamily="34" charset="0"/>
+                <a:cs typeface="Arial" panose="020B0604020202020204" pitchFamily="34" charset="0"/>
+              </a:rPr>
+              <a:t> </a:t>
+            </a:r>
+            <a:r>
               <a:rPr sz="1000" spc="-30" dirty="0">
                 <a:latin typeface="Arial" panose="020B0604020202020204" pitchFamily="34" charset="0"/>
                 <a:cs typeface="Arial" panose="020B0604020202020204" pitchFamily="34" charset="0"/>
               </a:rPr>
+              <a:t>using</a:t>
+            </a:r>
+            <a:r>
+              <a:rPr sz="1000" spc="-20" dirty="0">
+                <a:latin typeface="Arial" panose="020B0604020202020204" pitchFamily="34" charset="0"/>
+                <a:cs typeface="Arial" panose="020B0604020202020204" pitchFamily="34" charset="0"/>
+              </a:rPr>
               <a:t> </a:t>
             </a:r>
             <a:r>
-              <a:rPr sz="1000" spc="-35" dirty="0">
-                <a:latin typeface="Arial" panose="020B0604020202020204" pitchFamily="34" charset="0"/>
-                <a:cs typeface="Arial" panose="020B0604020202020204" pitchFamily="34" charset="0"/>
-              </a:rPr>
-              <a:t>analysis</a:t>
-            </a:r>
-            <a:r>
-              <a:rPr sz="1000" spc="-25" dirty="0">
+              <a:rPr sz="1000" dirty="0" smtClean="0">
+                <a:latin typeface="Arial" panose="020B0604020202020204" pitchFamily="34" charset="0"/>
+                <a:cs typeface="Arial" panose="020B0604020202020204" pitchFamily="34" charset="0"/>
+              </a:rPr>
+              <a:t>Copilot</a:t>
+            </a:r>
+            <a:r>
+              <a:rPr sz="1000" spc="-25" dirty="0" smtClean="0">
                 <a:latin typeface="Arial" panose="020B0604020202020204" pitchFamily="34" charset="0"/>
                 <a:cs typeface="Arial" panose="020B0604020202020204" pitchFamily="34" charset="0"/>
               </a:rPr>
               <a:t> </a:t>
             </a:r>
             <a:r>
-              <a:rPr sz="1000" spc="-30" dirty="0">
-                <a:latin typeface="Arial" panose="020B0604020202020204" pitchFamily="34" charset="0"/>
-                <a:cs typeface="Arial" panose="020B0604020202020204" pitchFamily="34" charset="0"/>
-              </a:rPr>
-              <a:t>using</a:t>
-            </a:r>
-            <a:r>
-              <a:rPr sz="1000" spc="-20" dirty="0">
-                <a:latin typeface="Arial" panose="020B0604020202020204" pitchFamily="34" charset="0"/>
-                <a:cs typeface="Arial" panose="020B0604020202020204" pitchFamily="34" charset="0"/>
-              </a:rPr>
-              <a:t> </a:t>
-            </a:r>
-            <a:r>
-              <a:rPr sz="1000" dirty="0">
-                <a:latin typeface="Arial" panose="020B0604020202020204" pitchFamily="34" charset="0"/>
-                <a:cs typeface="Arial" panose="020B0604020202020204" pitchFamily="34" charset="0"/>
-              </a:rPr>
-              <a:t>GitHub</a:t>
-            </a:r>
-            <a:r>
-              <a:rPr sz="1000" spc="-25" dirty="0">
-                <a:latin typeface="Arial" panose="020B0604020202020204" pitchFamily="34" charset="0"/>
-                <a:cs typeface="Arial" panose="020B0604020202020204" pitchFamily="34" charset="0"/>
-              </a:rPr>
-              <a:t> </a:t>
-            </a:r>
-            <a:r>
-              <a:rPr sz="1000" dirty="0">
-                <a:latin typeface="Arial" panose="020B0604020202020204" pitchFamily="34" charset="0"/>
-                <a:cs typeface="Arial" panose="020B0604020202020204" pitchFamily="34" charset="0"/>
-              </a:rPr>
-              <a:t>Copilot</a:t>
-            </a:r>
-            <a:r>
-              <a:rPr sz="1000" spc="-25" dirty="0">
-                <a:latin typeface="Arial" panose="020B0604020202020204" pitchFamily="34" charset="0"/>
-                <a:cs typeface="Arial" panose="020B0604020202020204" pitchFamily="34" charset="0"/>
-              </a:rPr>
-              <a:t> </a:t>
-            </a:r>
-            <a:r>
-              <a:rPr sz="1000" spc="-30" dirty="0">
-                <a:latin typeface="Arial" panose="020B0604020202020204" pitchFamily="34" charset="0"/>
-                <a:cs typeface="Arial" panose="020B0604020202020204" pitchFamily="34" charset="0"/>
-              </a:rPr>
-              <a:t>and</a:t>
-            </a:r>
-            <a:r>
-              <a:rPr sz="1000" spc="-20" dirty="0">
-                <a:latin typeface="Arial" panose="020B0604020202020204" pitchFamily="34" charset="0"/>
-                <a:cs typeface="Arial" panose="020B0604020202020204" pitchFamily="34" charset="0"/>
-              </a:rPr>
-              <a:t> </a:t>
-            </a:r>
-            <a:r>
-              <a:rPr sz="1000" dirty="0">
-                <a:latin typeface="Arial" panose="020B0604020202020204" pitchFamily="34" charset="0"/>
-                <a:cs typeface="Arial" panose="020B0604020202020204" pitchFamily="34" charset="0"/>
-              </a:rPr>
-              <a:t>local</a:t>
-            </a:r>
-            <a:r>
-              <a:rPr sz="1000" spc="-20" dirty="0">
-                <a:latin typeface="Arial" panose="020B0604020202020204" pitchFamily="34" charset="0"/>
-                <a:cs typeface="Arial" panose="020B0604020202020204" pitchFamily="34" charset="0"/>
-              </a:rPr>
-              <a:t> </a:t>
-            </a:r>
-            <a:r>
-              <a:rPr sz="1000" dirty="0">
-                <a:latin typeface="Arial" panose="020B0604020202020204" pitchFamily="34" charset="0"/>
-                <a:cs typeface="Arial" panose="020B0604020202020204" pitchFamily="34" charset="0"/>
-              </a:rPr>
-              <a:t>AI</a:t>
-            </a:r>
-            <a:r>
-              <a:rPr sz="1000" spc="-25" dirty="0">
-                <a:latin typeface="Arial" panose="020B0604020202020204" pitchFamily="34" charset="0"/>
-                <a:cs typeface="Arial" panose="020B0604020202020204" pitchFamily="34" charset="0"/>
-              </a:rPr>
-              <a:t> </a:t>
-            </a:r>
-            <a:r>
-              <a:rPr sz="1000" spc="-10" dirty="0">
-                <a:latin typeface="Arial" panose="020B0604020202020204" pitchFamily="34" charset="0"/>
-                <a:cs typeface="Arial" panose="020B0604020202020204" pitchFamily="34" charset="0"/>
-              </a:rPr>
-              <a:t>(</a:t>
-            </a:r>
-            <a:r>
-              <a:rPr sz="1000" spc="-10" dirty="0" err="1">
-                <a:latin typeface="Arial" panose="020B0604020202020204" pitchFamily="34" charset="0"/>
-                <a:cs typeface="Arial" panose="020B0604020202020204" pitchFamily="34" charset="0"/>
-              </a:rPr>
-              <a:t>Ollama</a:t>
-            </a:r>
-            <a:r>
-              <a:rPr sz="1000" spc="-10" dirty="0">
-                <a:latin typeface="Arial" panose="020B0604020202020204" pitchFamily="34" charset="0"/>
-                <a:cs typeface="Arial" panose="020B0604020202020204" pitchFamily="34" charset="0"/>
-              </a:rPr>
-              <a:t>).</a:t>
+              <a:rPr lang="en-US" sz="1000" spc="-30" dirty="0" smtClean="0">
+                <a:latin typeface="Arial" panose="020B0604020202020204" pitchFamily="34" charset="0"/>
+                <a:cs typeface="Arial" panose="020B0604020202020204" pitchFamily="34" charset="0"/>
+              </a:rPr>
+              <a:t>with MCP (Model </a:t>
+            </a:r>
+            <a:r>
+              <a:rPr lang="en-US" sz="1000" spc="-30" dirty="0">
+                <a:latin typeface="Arial" panose="020B0604020202020204" pitchFamily="34" charset="0"/>
+                <a:cs typeface="Arial" panose="020B0604020202020204" pitchFamily="34" charset="0"/>
+              </a:rPr>
+              <a:t>C</a:t>
+            </a:r>
+            <a:r>
+              <a:rPr lang="en-US" sz="1000" spc="-30" dirty="0" smtClean="0">
+                <a:latin typeface="Arial" panose="020B0604020202020204" pitchFamily="34" charset="0"/>
+                <a:cs typeface="Arial" panose="020B0604020202020204" pitchFamily="34" charset="0"/>
+              </a:rPr>
+              <a:t>ontext </a:t>
+            </a:r>
+            <a:r>
+              <a:rPr lang="en-US" sz="1000" spc="-30" dirty="0">
+                <a:latin typeface="Arial" panose="020B0604020202020204" pitchFamily="34" charset="0"/>
+                <a:cs typeface="Arial" panose="020B0604020202020204" pitchFamily="34" charset="0"/>
+              </a:rPr>
+              <a:t>P</a:t>
+            </a:r>
+            <a:r>
+              <a:rPr lang="en-US" sz="1000" spc="-30" dirty="0" smtClean="0">
+                <a:latin typeface="Arial" panose="020B0604020202020204" pitchFamily="34" charset="0"/>
+                <a:cs typeface="Arial" panose="020B0604020202020204" pitchFamily="34" charset="0"/>
+              </a:rPr>
+              <a:t>rotocol)</a:t>
+            </a:r>
+            <a:endParaRPr lang="en-US" sz="1000" spc="-10" dirty="0" smtClean="0">
+              <a:latin typeface="Arial" panose="020B0604020202020204" pitchFamily="34" charset="0"/>
+              <a:cs typeface="Arial" panose="020B0604020202020204" pitchFamily="34" charset="0"/>
+            </a:endParaRPr>
+          </a:p>
+          <a:p>
+            <a:pPr marL="184150" indent="-171450">
+              <a:lnSpc>
+                <a:spcPct val="100000"/>
+              </a:lnSpc>
+              <a:spcBef>
+                <a:spcPts val="175"/>
+              </a:spcBef>
+              <a:buFontTx/>
+              <a:buChar char="-"/>
+            </a:pPr>
+            <a:r>
+              <a:rPr lang="en-US" sz="1000" spc="-10" dirty="0" smtClean="0">
+                <a:solidFill>
+                  <a:srgbClr val="FF0000"/>
+                </a:solidFill>
+                <a:latin typeface="Arial" panose="020B0604020202020204" pitchFamily="34" charset="0"/>
+                <a:cs typeface="Arial" panose="020B0604020202020204" pitchFamily="34" charset="0"/>
+              </a:rPr>
+              <a:t>Combine both static-based </a:t>
+            </a:r>
+            <a:r>
+              <a:rPr lang="en-US" sz="1000" spc="-10" dirty="0" err="1" smtClean="0">
+                <a:solidFill>
+                  <a:srgbClr val="FF0000"/>
+                </a:solidFill>
+                <a:latin typeface="Arial" panose="020B0604020202020204" pitchFamily="34" charset="0"/>
+                <a:cs typeface="Arial" panose="020B0604020202020204" pitchFamily="34" charset="0"/>
+              </a:rPr>
+              <a:t>analysic</a:t>
+            </a:r>
+            <a:r>
+              <a:rPr lang="en-US" sz="1000" spc="-10" dirty="0" smtClean="0">
+                <a:solidFill>
+                  <a:srgbClr val="FF0000"/>
+                </a:solidFill>
+                <a:latin typeface="Arial" panose="020B0604020202020204" pitchFamily="34" charset="0"/>
+                <a:cs typeface="Arial" panose="020B0604020202020204" pitchFamily="34" charset="0"/>
+              </a:rPr>
+              <a:t> and AI-based </a:t>
+            </a:r>
+            <a:r>
+              <a:rPr lang="en-US" sz="1000" spc="-10" dirty="0" err="1" smtClean="0">
+                <a:solidFill>
+                  <a:srgbClr val="FF0000"/>
+                </a:solidFill>
+                <a:latin typeface="Arial" panose="020B0604020202020204" pitchFamily="34" charset="0"/>
+                <a:cs typeface="Arial" panose="020B0604020202020204" pitchFamily="34" charset="0"/>
+              </a:rPr>
+              <a:t>analysic</a:t>
+            </a:r>
+            <a:r>
+              <a:rPr lang="en-US" sz="1000" spc="-10" dirty="0" smtClean="0">
+                <a:solidFill>
+                  <a:srgbClr val="FF0000"/>
+                </a:solidFill>
+                <a:latin typeface="Arial" panose="020B0604020202020204" pitchFamily="34" charset="0"/>
+                <a:cs typeface="Arial" panose="020B0604020202020204" pitchFamily="34" charset="0"/>
+              </a:rPr>
+              <a:t> to increase result correctness (AI is not always true and can create false-positive result)</a:t>
             </a:r>
             <a:endParaRPr lang="en-US" sz="1000" spc="-10" dirty="0">
+              <a:solidFill>
+                <a:srgbClr val="FF0000"/>
+              </a:solidFill>
               <a:latin typeface="Arial" panose="020B0604020202020204" pitchFamily="34" charset="0"/>
               <a:cs typeface="Arial" panose="020B0604020202020204" pitchFamily="34" charset="0"/>
             </a:endParaRPr>
@@ -8319,7 +8674,7 @@
           <p:cNvPr id="4" name="Slide Number Placeholder 3">
             <a:extLst>
               <a:ext uri="{FF2B5EF4-FFF2-40B4-BE49-F238E27FC236}">
-                <a16:creationId xmlns:a16="http://schemas.microsoft.com/office/drawing/2014/main" xmlns="" id="{8EDE3388-7EE1-5B10-4F21-C79F33C165D5}"/>
+                <a16:creationId xmlns="" xmlns:a16="http://schemas.microsoft.com/office/drawing/2014/main" id="{8EDE3388-7EE1-5B10-4F21-C79F33C165D5}"/>
               </a:ext>
             </a:extLst>
           </p:cNvPr>
@@ -8391,7 +8746,7 @@
           <p:cNvPr id="2" name="Title 1">
             <a:extLst>
               <a:ext uri="{FF2B5EF4-FFF2-40B4-BE49-F238E27FC236}">
-                <a16:creationId xmlns:a16="http://schemas.microsoft.com/office/drawing/2014/main" xmlns="" id="{55037C6C-2A8B-E25C-34F2-224CED9B26FD}"/>
+                <a16:creationId xmlns="" xmlns:a16="http://schemas.microsoft.com/office/drawing/2014/main" id="{55037C6C-2A8B-E25C-34F2-224CED9B26FD}"/>
               </a:ext>
             </a:extLst>
           </p:cNvPr>
@@ -8427,7 +8782,7 @@
           <p:cNvPr id="3" name="TextBox 2">
             <a:extLst>
               <a:ext uri="{FF2B5EF4-FFF2-40B4-BE49-F238E27FC236}">
-                <a16:creationId xmlns:a16="http://schemas.microsoft.com/office/drawing/2014/main" xmlns="" id="{98D3105C-9157-1E85-E2A3-19E7A71CDFE9}"/>
+                <a16:creationId xmlns="" xmlns:a16="http://schemas.microsoft.com/office/drawing/2014/main" id="{98D3105C-9157-1E85-E2A3-19E7A71CDFE9}"/>
               </a:ext>
             </a:extLst>
           </p:cNvPr>
@@ -8437,7 +8792,7 @@
         <p:spPr>
           <a:xfrm>
             <a:off x="-57150" y="358775"/>
-            <a:ext cx="1980029" cy="523220"/>
+            <a:ext cx="2202847" cy="523220"/>
           </a:xfrm>
           <a:prstGeom prst="rect">
             <a:avLst/>
@@ -8458,11 +8813,11 @@
               <a:t>AI analysis with </a:t>
             </a:r>
             <a:r>
-              <a:rPr lang="en-US" sz="1000" b="1" dirty="0" err="1" smtClean="0">
-                <a:latin typeface="Arial" panose="020B0604020202020204" pitchFamily="34" charset="0"/>
-                <a:cs typeface="Arial" panose="020B0604020202020204" pitchFamily="34" charset="0"/>
-              </a:rPr>
-              <a:t>MCP+Copilot</a:t>
+              <a:rPr lang="en-US" sz="1000" b="1" dirty="0" smtClean="0">
+                <a:latin typeface="Arial" panose="020B0604020202020204" pitchFamily="34" charset="0"/>
+                <a:cs typeface="Arial" panose="020B0604020202020204" pitchFamily="34" charset="0"/>
+              </a:rPr>
+              <a:t>MCP and Copilot</a:t>
             </a:r>
             <a:endParaRPr lang="en-US" sz="1000" b="1" dirty="0" smtClean="0">
               <a:latin typeface="Arial" panose="020B0604020202020204" pitchFamily="34" charset="0"/>
@@ -8470,6 +8825,13 @@
             </a:endParaRPr>
           </a:p>
           <a:p>
+            <a:r>
+              <a:rPr lang="en-US" sz="1000" b="1" dirty="0" smtClean="0">
+                <a:latin typeface="Arial" panose="020B0604020202020204" pitchFamily="34" charset="0"/>
+                <a:cs typeface="Arial" panose="020B0604020202020204" pitchFamily="34" charset="0"/>
+              </a:rPr>
+              <a:t>( option #2      )</a:t>
+            </a:r>
             <a:endParaRPr lang="en-US" sz="1000" b="1" dirty="0">
               <a:latin typeface="Arial" panose="020B0604020202020204" pitchFamily="34" charset="0"/>
               <a:cs typeface="Arial" panose="020B0604020202020204" pitchFamily="34" charset="0"/>
@@ -8516,7 +8878,7 @@
           <p:cNvPr id="5" name="Slide Number Placeholder 4">
             <a:extLst>
               <a:ext uri="{FF2B5EF4-FFF2-40B4-BE49-F238E27FC236}">
-                <a16:creationId xmlns:a16="http://schemas.microsoft.com/office/drawing/2014/main" xmlns="" id="{EF12021A-32A4-EEA0-249D-A54907CCDF3A}"/>
+                <a16:creationId xmlns="" xmlns:a16="http://schemas.microsoft.com/office/drawing/2014/main" id="{EF12021A-32A4-EEA0-249D-A54907CCDF3A}"/>
               </a:ext>
             </a:extLst>
           </p:cNvPr>
@@ -8570,6 +8932,53 @@
           <a:prstGeom prst="rect">
             <a:avLst/>
           </a:prstGeom>
+        </p:spPr>
+      </p:pic>
+      <p:pic>
+        <p:nvPicPr>
+          <p:cNvPr id="8" name="Picture 2" descr="체크 표시 클립 아트. 무료 다운로드. | Creazilla">
+            <a:extLst>
+              <a:ext uri="{FF2B5EF4-FFF2-40B4-BE49-F238E27FC236}">
+                <a16:creationId xmlns:a16="http://schemas.microsoft.com/office/drawing/2014/main" xmlns="" id="{506060A2-694F-9BC8-4E65-1A4842DC7F1E}"/>
+              </a:ext>
+            </a:extLst>
+          </p:cNvPr>
+          <p:cNvPicPr>
+            <a:picLocks noChangeAspect="1" noChangeArrowheads="1"/>
+          </p:cNvPicPr>
+          <p:nvPr/>
+        </p:nvPicPr>
+        <p:blipFill>
+          <a:blip r:embed="rId3" cstate="print">
+            <a:extLst>
+              <a:ext uri="{28A0092B-C50C-407E-A947-70E740481C1C}">
+                <a14:useLocalDpi xmlns:a14="http://schemas.microsoft.com/office/drawing/2010/main" val="0"/>
+              </a:ext>
+            </a:extLst>
+          </a:blip>
+          <a:srcRect/>
+          <a:stretch>
+            <a:fillRect/>
+          </a:stretch>
+        </p:blipFill>
+        <p:spPr bwMode="auto">
+          <a:xfrm>
+            <a:off x="704850" y="544185"/>
+            <a:ext cx="152400" cy="152400"/>
+          </a:xfrm>
+          <a:prstGeom prst="rect">
+            <a:avLst/>
+          </a:prstGeom>
+          <a:noFill/>
+          <a:extLst>
+            <a:ext uri="{909E8E84-426E-40DD-AFC4-6F175D3DCCD1}">
+              <a14:hiddenFill xmlns:a14="http://schemas.microsoft.com/office/drawing/2010/main">
+                <a:solidFill>
+                  <a:srgbClr val="FFFFFF"/>
+                </a:solidFill>
+              </a14:hiddenFill>
+            </a:ext>
+          </a:extLst>
         </p:spPr>
       </p:pic>
     </p:spTree>
@@ -8614,7 +9023,7 @@
           <p:cNvPr id="2" name="Title 1">
             <a:extLst>
               <a:ext uri="{FF2B5EF4-FFF2-40B4-BE49-F238E27FC236}">
-                <a16:creationId xmlns:a16="http://schemas.microsoft.com/office/drawing/2014/main" xmlns="" id="{55037C6C-2A8B-E25C-34F2-224CED9B26FD}"/>
+                <a16:creationId xmlns="" xmlns:a16="http://schemas.microsoft.com/office/drawing/2014/main" id="{55037C6C-2A8B-E25C-34F2-224CED9B26FD}"/>
               </a:ext>
             </a:extLst>
           </p:cNvPr>
@@ -8650,7 +9059,7 @@
           <p:cNvPr id="3" name="TextBox 2">
             <a:extLst>
               <a:ext uri="{FF2B5EF4-FFF2-40B4-BE49-F238E27FC236}">
-                <a16:creationId xmlns:a16="http://schemas.microsoft.com/office/drawing/2014/main" xmlns="" id="{98D3105C-9157-1E85-E2A3-19E7A71CDFE9}"/>
+                <a16:creationId xmlns="" xmlns:a16="http://schemas.microsoft.com/office/drawing/2014/main" id="{98D3105C-9157-1E85-E2A3-19E7A71CDFE9}"/>
               </a:ext>
             </a:extLst>
           </p:cNvPr>
@@ -8660,7 +9069,7 @@
         <p:spPr>
           <a:xfrm>
             <a:off x="-57150" y="358775"/>
-            <a:ext cx="1980029" cy="369332"/>
+            <a:ext cx="2202847" cy="677108"/>
           </a:xfrm>
           <a:prstGeom prst="rect">
             <a:avLst/>
@@ -8681,12 +9090,31 @@
               <a:t>AI analysis with </a:t>
             </a:r>
             <a:r>
-              <a:rPr lang="en-US" sz="1000" b="1" dirty="0" err="1" smtClean="0">
-                <a:latin typeface="Arial" panose="020B0604020202020204" pitchFamily="34" charset="0"/>
-                <a:cs typeface="Arial" panose="020B0604020202020204" pitchFamily="34" charset="0"/>
-              </a:rPr>
-              <a:t>MCP+Copilot</a:t>
-            </a:r>
+              <a:rPr lang="en-US" sz="1000" b="1" dirty="0" smtClean="0">
+                <a:latin typeface="Arial" panose="020B0604020202020204" pitchFamily="34" charset="0"/>
+                <a:cs typeface="Arial" panose="020B0604020202020204" pitchFamily="34" charset="0"/>
+              </a:rPr>
+              <a:t>MCP and Copilot</a:t>
+            </a:r>
+            <a:br>
+              <a:rPr lang="en-US" sz="1000" b="1" dirty="0" smtClean="0">
+                <a:latin typeface="Arial" panose="020B0604020202020204" pitchFamily="34" charset="0"/>
+                <a:cs typeface="Arial" panose="020B0604020202020204" pitchFamily="34" charset="0"/>
+              </a:rPr>
+            </a:br>
+            <a:r>
+              <a:rPr lang="en-US" sz="1000" b="1" dirty="0" smtClean="0">
+                <a:latin typeface="Arial" panose="020B0604020202020204" pitchFamily="34" charset="0"/>
+                <a:cs typeface="Arial" panose="020B0604020202020204" pitchFamily="34" charset="0"/>
+              </a:rPr>
+              <a:t>(Option #2      )</a:t>
+            </a:r>
+            <a:br>
+              <a:rPr lang="en-US" sz="1000" b="1" dirty="0" smtClean="0">
+                <a:latin typeface="Arial" panose="020B0604020202020204" pitchFamily="34" charset="0"/>
+                <a:cs typeface="Arial" panose="020B0604020202020204" pitchFamily="34" charset="0"/>
+              </a:rPr>
+            </a:br>
             <a:endParaRPr lang="en-US" sz="1000" b="1" dirty="0">
               <a:latin typeface="Arial" panose="020B0604020202020204" pitchFamily="34" charset="0"/>
               <a:cs typeface="Arial" panose="020B0604020202020204" pitchFamily="34" charset="0"/>
@@ -8719,7 +9147,7 @@
           <p:cNvPr id="5" name="Slide Number Placeholder 4">
             <a:extLst>
               <a:ext uri="{FF2B5EF4-FFF2-40B4-BE49-F238E27FC236}">
-                <a16:creationId xmlns:a16="http://schemas.microsoft.com/office/drawing/2014/main" xmlns="" id="{EF12021A-32A4-EEA0-249D-A54907CCDF3A}"/>
+                <a16:creationId xmlns="" xmlns:a16="http://schemas.microsoft.com/office/drawing/2014/main" id="{EF12021A-32A4-EEA0-249D-A54907CCDF3A}"/>
               </a:ext>
             </a:extLst>
           </p:cNvPr>
@@ -8773,6 +9201,53 @@
           <a:prstGeom prst="rect">
             <a:avLst/>
           </a:prstGeom>
+        </p:spPr>
+      </p:pic>
+      <p:pic>
+        <p:nvPicPr>
+          <p:cNvPr id="7" name="Picture 2" descr="체크 표시 클립 아트. 무료 다운로드. | Creazilla">
+            <a:extLst>
+              <a:ext uri="{FF2B5EF4-FFF2-40B4-BE49-F238E27FC236}">
+                <a16:creationId xmlns:a16="http://schemas.microsoft.com/office/drawing/2014/main" xmlns="" id="{506060A2-694F-9BC8-4E65-1A4842DC7F1E}"/>
+              </a:ext>
+            </a:extLst>
+          </p:cNvPr>
+          <p:cNvPicPr>
+            <a:picLocks noChangeAspect="1" noChangeArrowheads="1"/>
+          </p:cNvPicPr>
+          <p:nvPr/>
+        </p:nvPicPr>
+        <p:blipFill>
+          <a:blip r:embed="rId3" cstate="print">
+            <a:extLst>
+              <a:ext uri="{28A0092B-C50C-407E-A947-70E740481C1C}">
+                <a14:useLocalDpi xmlns:a14="http://schemas.microsoft.com/office/drawing/2010/main" val="0"/>
+              </a:ext>
+            </a:extLst>
+          </a:blip>
+          <a:srcRect/>
+          <a:stretch>
+            <a:fillRect/>
+          </a:stretch>
+        </p:blipFill>
+        <p:spPr bwMode="auto">
+          <a:xfrm>
+            <a:off x="704850" y="544185"/>
+            <a:ext cx="152400" cy="152400"/>
+          </a:xfrm>
+          <a:prstGeom prst="rect">
+            <a:avLst/>
+          </a:prstGeom>
+          <a:noFill/>
+          <a:extLst>
+            <a:ext uri="{909E8E84-426E-40DD-AFC4-6F175D3DCCD1}">
+              <a14:hiddenFill xmlns:a14="http://schemas.microsoft.com/office/drawing/2010/main">
+                <a:solidFill>
+                  <a:srgbClr val="FFFFFF"/>
+                </a:solidFill>
+              </a14:hiddenFill>
+            </a:ext>
+          </a:extLst>
         </p:spPr>
       </p:pic>
     </p:spTree>
@@ -8817,7 +9292,7 @@
           <p:cNvPr id="2" name="Title 1">
             <a:extLst>
               <a:ext uri="{FF2B5EF4-FFF2-40B4-BE49-F238E27FC236}">
-                <a16:creationId xmlns:a16="http://schemas.microsoft.com/office/drawing/2014/main" xmlns="" id="{55037C6C-2A8B-E25C-34F2-224CED9B26FD}"/>
+                <a16:creationId xmlns="" xmlns:a16="http://schemas.microsoft.com/office/drawing/2014/main" id="{55037C6C-2A8B-E25C-34F2-224CED9B26FD}"/>
               </a:ext>
             </a:extLst>
           </p:cNvPr>
@@ -8853,7 +9328,7 @@
           <p:cNvPr id="3" name="TextBox 2">
             <a:extLst>
               <a:ext uri="{FF2B5EF4-FFF2-40B4-BE49-F238E27FC236}">
-                <a16:creationId xmlns:a16="http://schemas.microsoft.com/office/drawing/2014/main" xmlns="" id="{98D3105C-9157-1E85-E2A3-19E7A71CDFE9}"/>
+                <a16:creationId xmlns="" xmlns:a16="http://schemas.microsoft.com/office/drawing/2014/main" id="{98D3105C-9157-1E85-E2A3-19E7A71CDFE9}"/>
               </a:ext>
             </a:extLst>
           </p:cNvPr>
@@ -8863,7 +9338,7 @@
         <p:spPr>
           <a:xfrm>
             <a:off x="-57150" y="358775"/>
-            <a:ext cx="1980029" cy="369332"/>
+            <a:ext cx="2202847" cy="677108"/>
           </a:xfrm>
           <a:prstGeom prst="rect">
             <a:avLst/>
@@ -8884,11 +9359,37 @@
               <a:t>AI analysis with </a:t>
             </a:r>
             <a:r>
-              <a:rPr lang="en-US" sz="1000" b="1" dirty="0" err="1" smtClean="0">
-                <a:latin typeface="Arial" panose="020B0604020202020204" pitchFamily="34" charset="0"/>
-                <a:cs typeface="Arial" panose="020B0604020202020204" pitchFamily="34" charset="0"/>
-              </a:rPr>
-              <a:t>MCP+Copilot</a:t>
+              <a:rPr lang="en-US" sz="1000" b="1" dirty="0" smtClean="0">
+                <a:latin typeface="Arial" panose="020B0604020202020204" pitchFamily="34" charset="0"/>
+                <a:cs typeface="Arial" panose="020B0604020202020204" pitchFamily="34" charset="0"/>
+              </a:rPr>
+              <a:t>MCP and Copilot</a:t>
+            </a:r>
+            <a:br>
+              <a:rPr lang="en-US" sz="1000" b="1" dirty="0" smtClean="0">
+                <a:latin typeface="Arial" panose="020B0604020202020204" pitchFamily="34" charset="0"/>
+                <a:cs typeface="Arial" panose="020B0604020202020204" pitchFamily="34" charset="0"/>
+              </a:rPr>
+            </a:br>
+            <a:r>
+              <a:rPr lang="en-US" sz="1000" b="1" dirty="0" smtClean="0">
+                <a:latin typeface="Arial" panose="020B0604020202020204" pitchFamily="34" charset="0"/>
+                <a:cs typeface="Arial" panose="020B0604020202020204" pitchFamily="34" charset="0"/>
+              </a:rPr>
+              <a:t>(Option #2      )</a:t>
+            </a:r>
+            <a:br>
+              <a:rPr lang="en-US" sz="1000" b="1" dirty="0" smtClean="0">
+                <a:latin typeface="Arial" panose="020B0604020202020204" pitchFamily="34" charset="0"/>
+                <a:cs typeface="Arial" panose="020B0604020202020204" pitchFamily="34" charset="0"/>
+              </a:rPr>
+            </a:br>
+            <a:r>
+              <a:rPr lang="en-US" sz="1000" b="1" dirty="0" smtClean="0">
+                <a:latin typeface="Arial" panose="020B0604020202020204" pitchFamily="34" charset="0"/>
+                <a:cs typeface="Arial" panose="020B0604020202020204" pitchFamily="34" charset="0"/>
+              </a:rPr>
+              <a:t> </a:t>
             </a:r>
             <a:endParaRPr lang="en-US" sz="1000" b="1" dirty="0">
               <a:latin typeface="Arial" panose="020B0604020202020204" pitchFamily="34" charset="0"/>
@@ -8922,7 +9423,7 @@
           <p:cNvPr id="5" name="Slide Number Placeholder 4">
             <a:extLst>
               <a:ext uri="{FF2B5EF4-FFF2-40B4-BE49-F238E27FC236}">
-                <a16:creationId xmlns:a16="http://schemas.microsoft.com/office/drawing/2014/main" xmlns="" id="{EF12021A-32A4-EEA0-249D-A54907CCDF3A}"/>
+                <a16:creationId xmlns="" xmlns:a16="http://schemas.microsoft.com/office/drawing/2014/main" id="{EF12021A-32A4-EEA0-249D-A54907CCDF3A}"/>
               </a:ext>
             </a:extLst>
           </p:cNvPr>
@@ -8976,6 +9477,53 @@
           <a:prstGeom prst="rect">
             <a:avLst/>
           </a:prstGeom>
+        </p:spPr>
+      </p:pic>
+      <p:pic>
+        <p:nvPicPr>
+          <p:cNvPr id="6" name="Picture 2" descr="체크 표시 클립 아트. 무료 다운로드. | Creazilla">
+            <a:extLst>
+              <a:ext uri="{FF2B5EF4-FFF2-40B4-BE49-F238E27FC236}">
+                <a16:creationId xmlns:a16="http://schemas.microsoft.com/office/drawing/2014/main" xmlns="" id="{506060A2-694F-9BC8-4E65-1A4842DC7F1E}"/>
+              </a:ext>
+            </a:extLst>
+          </p:cNvPr>
+          <p:cNvPicPr>
+            <a:picLocks noChangeAspect="1" noChangeArrowheads="1"/>
+          </p:cNvPicPr>
+          <p:nvPr/>
+        </p:nvPicPr>
+        <p:blipFill>
+          <a:blip r:embed="rId3" cstate="print">
+            <a:extLst>
+              <a:ext uri="{28A0092B-C50C-407E-A947-70E740481C1C}">
+                <a14:useLocalDpi xmlns:a14="http://schemas.microsoft.com/office/drawing/2010/main" val="0"/>
+              </a:ext>
+            </a:extLst>
+          </a:blip>
+          <a:srcRect/>
+          <a:stretch>
+            <a:fillRect/>
+          </a:stretch>
+        </p:blipFill>
+        <p:spPr bwMode="auto">
+          <a:xfrm>
+            <a:off x="704850" y="544185"/>
+            <a:ext cx="152400" cy="152400"/>
+          </a:xfrm>
+          <a:prstGeom prst="rect">
+            <a:avLst/>
+          </a:prstGeom>
+          <a:noFill/>
+          <a:extLst>
+            <a:ext uri="{909E8E84-426E-40DD-AFC4-6F175D3DCCD1}">
+              <a14:hiddenFill xmlns:a14="http://schemas.microsoft.com/office/drawing/2010/main">
+                <a:solidFill>
+                  <a:srgbClr val="FFFFFF"/>
+                </a:solidFill>
+              </a14:hiddenFill>
+            </a:ext>
+          </a:extLst>
         </p:spPr>
       </p:pic>
     </p:spTree>
@@ -9020,7 +9568,7 @@
           <p:cNvPr id="2" name="Title 1">
             <a:extLst>
               <a:ext uri="{FF2B5EF4-FFF2-40B4-BE49-F238E27FC236}">
-                <a16:creationId xmlns:a16="http://schemas.microsoft.com/office/drawing/2014/main" xmlns="" id="{F451195F-4437-12D2-A28B-FEDF65C78F99}"/>
+                <a16:creationId xmlns="" xmlns:a16="http://schemas.microsoft.com/office/drawing/2014/main" id="{F451195F-4437-12D2-A28B-FEDF65C78F99}"/>
               </a:ext>
             </a:extLst>
           </p:cNvPr>
@@ -9056,7 +9604,7 @@
           <p:cNvPr id="3" name="Picture 2">
             <a:extLst>
               <a:ext uri="{FF2B5EF4-FFF2-40B4-BE49-F238E27FC236}">
-                <a16:creationId xmlns:a16="http://schemas.microsoft.com/office/drawing/2014/main" xmlns="" id="{76BDD1EC-3A5B-768A-D884-A71C3A9BC8D3}"/>
+                <a16:creationId xmlns="" xmlns:a16="http://schemas.microsoft.com/office/drawing/2014/main" id="{76BDD1EC-3A5B-768A-D884-A71C3A9BC8D3}"/>
               </a:ext>
             </a:extLst>
           </p:cNvPr>
@@ -9086,7 +9634,7 @@
           <p:cNvPr id="4" name="TextBox 3">
             <a:extLst>
               <a:ext uri="{FF2B5EF4-FFF2-40B4-BE49-F238E27FC236}">
-                <a16:creationId xmlns:a16="http://schemas.microsoft.com/office/drawing/2014/main" xmlns="" id="{0BA76C18-B8F0-AB85-CC0D-2701CF935B42}"/>
+                <a16:creationId xmlns="" xmlns:a16="http://schemas.microsoft.com/office/drawing/2014/main" id="{0BA76C18-B8F0-AB85-CC0D-2701CF935B42}"/>
               </a:ext>
             </a:extLst>
           </p:cNvPr>
@@ -9124,7 +9672,7 @@
           <p:cNvPr id="7" name="Slide Number Placeholder 6">
             <a:extLst>
               <a:ext uri="{FF2B5EF4-FFF2-40B4-BE49-F238E27FC236}">
-                <a16:creationId xmlns:a16="http://schemas.microsoft.com/office/drawing/2014/main" xmlns="" id="{51925DE0-720F-6BE2-CFCB-1C2C4727FBFF}"/>
+                <a16:creationId xmlns="" xmlns:a16="http://schemas.microsoft.com/office/drawing/2014/main" id="{51925DE0-720F-6BE2-CFCB-1C2C4727FBFF}"/>
               </a:ext>
             </a:extLst>
           </p:cNvPr>
@@ -9191,7 +9739,7 @@
           <p:cNvPr id="2" name="Title 1">
             <a:extLst>
               <a:ext uri="{FF2B5EF4-FFF2-40B4-BE49-F238E27FC236}">
-                <a16:creationId xmlns:a16="http://schemas.microsoft.com/office/drawing/2014/main" xmlns="" id="{219CD609-EDB3-FE89-2CD4-2521D23BDB12}"/>
+                <a16:creationId xmlns="" xmlns:a16="http://schemas.microsoft.com/office/drawing/2014/main" id="{219CD609-EDB3-FE89-2CD4-2521D23BDB12}"/>
               </a:ext>
             </a:extLst>
           </p:cNvPr>
@@ -9227,7 +9775,7 @@
           <p:cNvPr id="4" name="Table 3">
             <a:extLst>
               <a:ext uri="{FF2B5EF4-FFF2-40B4-BE49-F238E27FC236}">
-                <a16:creationId xmlns:a16="http://schemas.microsoft.com/office/drawing/2014/main" xmlns="" id="{4582CDD1-3D17-91D9-1746-D4CA7A4ACB4C}"/>
+                <a16:creationId xmlns="" xmlns:a16="http://schemas.microsoft.com/office/drawing/2014/main" id="{4582CDD1-3D17-91D9-1746-D4CA7A4ACB4C}"/>
               </a:ext>
             </a:extLst>
           </p:cNvPr>
@@ -9237,14 +9785,14 @@
           <p:nvPr>
             <p:extLst>
               <p:ext uri="{D42A27DB-BD31-4B8C-83A1-F6EECF244321}">
-                <p14:modId xmlns:p14="http://schemas.microsoft.com/office/powerpoint/2010/main" val="765426528"/>
+                <p14:modId xmlns:p14="http://schemas.microsoft.com/office/powerpoint/2010/main" val="4180652482"/>
               </p:ext>
             </p:extLst>
           </p:nvPr>
         </p:nvGraphicFramePr>
         <p:xfrm>
           <a:off x="95300" y="434975"/>
-          <a:ext cx="4267151" cy="2758440"/>
+          <a:ext cx="4267151" cy="2971800"/>
         </p:xfrm>
         <a:graphic>
           <a:graphicData uri="http://schemas.openxmlformats.org/drawingml/2006/table">
@@ -9256,28 +9804,28 @@
                 <a:gridCol w="662104">
                   <a:extLst>
                     <a:ext uri="{9D8B030D-6E8A-4147-A177-3AD203B41FA5}">
-                      <a16:colId xmlns:a16="http://schemas.microsoft.com/office/drawing/2014/main" xmlns="" val="2110670875"/>
+                      <a16:colId xmlns="" xmlns:a16="http://schemas.microsoft.com/office/drawing/2014/main" val="2110670875"/>
                     </a:ext>
                   </a:extLst>
                 </a:gridCol>
                 <a:gridCol w="1545020">
                   <a:extLst>
                     <a:ext uri="{9D8B030D-6E8A-4147-A177-3AD203B41FA5}">
-                      <a16:colId xmlns:a16="http://schemas.microsoft.com/office/drawing/2014/main" xmlns="" val="4044197113"/>
+                      <a16:colId xmlns="" xmlns:a16="http://schemas.microsoft.com/office/drawing/2014/main" val="4044197113"/>
                     </a:ext>
                   </a:extLst>
                 </a:gridCol>
                 <a:gridCol w="993239">
                   <a:extLst>
                     <a:ext uri="{9D8B030D-6E8A-4147-A177-3AD203B41FA5}">
-                      <a16:colId xmlns:a16="http://schemas.microsoft.com/office/drawing/2014/main" xmlns="" val="237902446"/>
+                      <a16:colId xmlns="" xmlns:a16="http://schemas.microsoft.com/office/drawing/2014/main" val="237902446"/>
                     </a:ext>
                   </a:extLst>
                 </a:gridCol>
                 <a:gridCol w="1066788">
                   <a:extLst>
                     <a:ext uri="{9D8B030D-6E8A-4147-A177-3AD203B41FA5}">
-                      <a16:colId xmlns:a16="http://schemas.microsoft.com/office/drawing/2014/main" xmlns="" val="3153125075"/>
+                      <a16:colId xmlns="" xmlns:a16="http://schemas.microsoft.com/office/drawing/2014/main" val="3153125075"/>
                     </a:ext>
                   </a:extLst>
                 </a:gridCol>
@@ -9332,6 +9880,16 @@
                           <a:cs typeface="Arial" panose="020B0604020202020204" pitchFamily="34" charset="0"/>
                         </a:rPr>
                         <a:t>Copilot</a:t>
+                      </a:r>
+                      <a:r>
+                        <a:rPr lang="en-US" sz="800" b="1" dirty="0" smtClean="0">
+                          <a:solidFill>
+                            <a:schemeClr val="tx1"/>
+                          </a:solidFill>
+                          <a:latin typeface="Arial" panose="020B0604020202020204" pitchFamily="34" charset="0"/>
+                          <a:cs typeface="Arial" panose="020B0604020202020204" pitchFamily="34" charset="0"/>
+                        </a:rPr>
+                        <a:t> with MCP</a:t>
                       </a:r>
                       <a:endParaRPr lang="x-none" sz="800" b="1" dirty="0">
                         <a:solidFill>
@@ -9402,7 +9960,7 @@
                 </a:tc>
                 <a:extLst>
                   <a:ext uri="{0D108BD9-81ED-4DB2-BD59-A6C34878D82A}">
-                    <a16:rowId xmlns:a16="http://schemas.microsoft.com/office/drawing/2014/main" xmlns="" val="1328351753"/>
+                    <a16:rowId xmlns="" xmlns:a16="http://schemas.microsoft.com/office/drawing/2014/main" val="1328351753"/>
                   </a:ext>
                 </a:extLst>
               </a:tr>
@@ -9636,7 +10194,7 @@
                 </a:tc>
                 <a:extLst>
                   <a:ext uri="{0D108BD9-81ED-4DB2-BD59-A6C34878D82A}">
-                    <a16:rowId xmlns:a16="http://schemas.microsoft.com/office/drawing/2014/main" xmlns="" val="2998783628"/>
+                    <a16:rowId xmlns="" xmlns:a16="http://schemas.microsoft.com/office/drawing/2014/main" val="2998783628"/>
                   </a:ext>
                 </a:extLst>
               </a:tr>
@@ -9889,9 +10447,118 @@
                 </a:tc>
                 <a:extLst>
                   <a:ext uri="{0D108BD9-81ED-4DB2-BD59-A6C34878D82A}">
-                    <a16:rowId xmlns:a16="http://schemas.microsoft.com/office/drawing/2014/main" xmlns="" val="601678581"/>
+                    <a16:rowId xmlns="" xmlns:a16="http://schemas.microsoft.com/office/drawing/2014/main" val="601678581"/>
                   </a:ext>
                 </a:extLst>
+              </a:tr>
+              <a:tr h="0">
+                <a:tc>
+                  <a:txBody>
+                    <a:bodyPr/>
+                    <a:lstStyle/>
+                    <a:p>
+                      <a:r>
+                        <a:rPr lang="en-US" sz="800" b="1" dirty="0" smtClean="0">
+                          <a:latin typeface="Arial" panose="020B0604020202020204" pitchFamily="34" charset="0"/>
+                          <a:cs typeface="Arial" panose="020B0604020202020204" pitchFamily="34" charset="0"/>
+                        </a:rPr>
+                        <a:t>Decision</a:t>
+                      </a:r>
+                      <a:endParaRPr lang="x-none" sz="800" b="1" dirty="0">
+                        <a:latin typeface="Arial" panose="020B0604020202020204" pitchFamily="34" charset="0"/>
+                        <a:cs typeface="Arial" panose="020B0604020202020204" pitchFamily="34" charset="0"/>
+                      </a:endParaRPr>
+                    </a:p>
+                  </a:txBody>
+                  <a:tcPr/>
+                </a:tc>
+                <a:tc>
+                  <a:txBody>
+                    <a:bodyPr/>
+                    <a:lstStyle/>
+                    <a:p>
+                      <a:r>
+                        <a:rPr lang="en-US" sz="800" dirty="0" smtClean="0">
+                          <a:latin typeface="Arial" panose="020B0604020202020204" pitchFamily="34" charset="0"/>
+                          <a:cs typeface="Arial" panose="020B0604020202020204" pitchFamily="34" charset="0"/>
+                        </a:rPr>
+                        <a:t>Selected</a:t>
+                      </a:r>
+                      <a:r>
+                        <a:rPr lang="en-US" sz="800" baseline="0" dirty="0" smtClean="0">
+                          <a:latin typeface="Arial" panose="020B0604020202020204" pitchFamily="34" charset="0"/>
+                          <a:cs typeface="Arial" panose="020B0604020202020204" pitchFamily="34" charset="0"/>
+                        </a:rPr>
+                        <a:t> </a:t>
+                      </a:r>
+                      <a:endParaRPr lang="x-none" sz="800" dirty="0">
+                        <a:latin typeface="Arial" panose="020B0604020202020204" pitchFamily="34" charset="0"/>
+                        <a:cs typeface="Arial" panose="020B0604020202020204" pitchFamily="34" charset="0"/>
+                      </a:endParaRPr>
+                    </a:p>
+                  </a:txBody>
+                  <a:tcPr/>
+                </a:tc>
+                <a:tc>
+                  <a:txBody>
+                    <a:bodyPr/>
+                    <a:lstStyle/>
+                    <a:p>
+                      <a:r>
+                        <a:rPr lang="en-US" sz="800" dirty="0" smtClean="0">
+                          <a:solidFill>
+                            <a:schemeClr val="dk1"/>
+                          </a:solidFill>
+                          <a:latin typeface="Arial" panose="020B0604020202020204" pitchFamily="34" charset="0"/>
+                          <a:ea typeface="+mn-ea"/>
+                          <a:cs typeface="Arial" panose="020B0604020202020204" pitchFamily="34" charset="0"/>
+                        </a:rPr>
+                        <a:t>Selected </a:t>
+                      </a:r>
+                      <a:endParaRPr lang="x-none" sz="800" dirty="0">
+                        <a:solidFill>
+                          <a:schemeClr val="dk1"/>
+                        </a:solidFill>
+                        <a:latin typeface="Arial" panose="020B0604020202020204" pitchFamily="34" charset="0"/>
+                        <a:ea typeface="+mn-ea"/>
+                        <a:cs typeface="Arial" panose="020B0604020202020204" pitchFamily="34" charset="0"/>
+                      </a:endParaRPr>
+                    </a:p>
+                  </a:txBody>
+                  <a:tcPr/>
+                </a:tc>
+                <a:tc>
+                  <a:txBody>
+                    <a:bodyPr/>
+                    <a:lstStyle/>
+                    <a:p>
+                      <a:pPr marL="0" indent="0">
+                        <a:buFontTx/>
+                        <a:buNone/>
+                      </a:pPr>
+                      <a:r>
+                        <a:rPr lang="en-US" sz="800" dirty="0" smtClean="0">
+                          <a:solidFill>
+                            <a:schemeClr val="dk1"/>
+                          </a:solidFill>
+                          <a:latin typeface="Arial" panose="020B0604020202020204" pitchFamily="34" charset="0"/>
+                          <a:ea typeface="+mn-ea"/>
+                          <a:cs typeface="Arial" panose="020B0604020202020204" pitchFamily="34" charset="0"/>
+                        </a:rPr>
+                        <a:t>Reject</a:t>
+                      </a:r>
+                      <a:endParaRPr lang="x-none" sz="800" dirty="0">
+                        <a:solidFill>
+                          <a:schemeClr val="dk1"/>
+                        </a:solidFill>
+                        <a:latin typeface="Arial" panose="020B0604020202020204" pitchFamily="34" charset="0"/>
+                        <a:ea typeface="+mn-ea"/>
+                        <a:cs typeface="Arial" panose="020B0604020202020204" pitchFamily="34" charset="0"/>
+                      </a:endParaRPr>
+                    </a:p>
+                  </a:txBody>
+                  <a:tcPr/>
+                </a:tc>
               </a:tr>
             </a:tbl>
           </a:graphicData>
@@ -9902,7 +10569,7 @@
           <p:cNvPr id="6" name="Slide Number Placeholder 5">
             <a:extLst>
               <a:ext uri="{FF2B5EF4-FFF2-40B4-BE49-F238E27FC236}">
-                <a16:creationId xmlns:a16="http://schemas.microsoft.com/office/drawing/2014/main" xmlns="" id="{BC6DE69D-9E75-2E2F-5FEA-2E408361DDF7}"/>
+                <a16:creationId xmlns="" xmlns:a16="http://schemas.microsoft.com/office/drawing/2014/main" id="{BC6DE69D-9E75-2E2F-5FEA-2E408361DDF7}"/>
               </a:ext>
             </a:extLst>
           </p:cNvPr>
@@ -9934,6 +10601,100 @@
           </a:p>
         </p:txBody>
       </p:sp>
+      <p:pic>
+        <p:nvPicPr>
+          <p:cNvPr id="5" name="Picture 2" descr="체크 표시 클립 아트. 무료 다운로드. | Creazilla">
+            <a:extLst>
+              <a:ext uri="{FF2B5EF4-FFF2-40B4-BE49-F238E27FC236}">
+                <a16:creationId xmlns:a16="http://schemas.microsoft.com/office/drawing/2014/main" xmlns="" id="{506060A2-694F-9BC8-4E65-1A4842DC7F1E}"/>
+              </a:ext>
+            </a:extLst>
+          </p:cNvPr>
+          <p:cNvPicPr>
+            <a:picLocks noChangeAspect="1" noChangeArrowheads="1"/>
+          </p:cNvPicPr>
+          <p:nvPr/>
+        </p:nvPicPr>
+        <p:blipFill>
+          <a:blip r:embed="rId2" cstate="print">
+            <a:extLst>
+              <a:ext uri="{28A0092B-C50C-407E-A947-70E740481C1C}">
+                <a14:useLocalDpi xmlns:a14="http://schemas.microsoft.com/office/drawing/2010/main" val="0"/>
+              </a:ext>
+            </a:extLst>
+          </a:blip>
+          <a:srcRect/>
+          <a:stretch>
+            <a:fillRect/>
+          </a:stretch>
+        </p:blipFill>
+        <p:spPr bwMode="auto">
+          <a:xfrm>
+            <a:off x="1314450" y="3205225"/>
+            <a:ext cx="152400" cy="152400"/>
+          </a:xfrm>
+          <a:prstGeom prst="rect">
+            <a:avLst/>
+          </a:prstGeom>
+          <a:noFill/>
+          <a:extLst>
+            <a:ext uri="{909E8E84-426E-40DD-AFC4-6F175D3DCCD1}">
+              <a14:hiddenFill xmlns:a14="http://schemas.microsoft.com/office/drawing/2010/main">
+                <a:solidFill>
+                  <a:srgbClr val="FFFFFF"/>
+                </a:solidFill>
+              </a14:hiddenFill>
+            </a:ext>
+          </a:extLst>
+        </p:spPr>
+      </p:pic>
+      <p:pic>
+        <p:nvPicPr>
+          <p:cNvPr id="7" name="Picture 2" descr="체크 표시 클립 아트. 무료 다운로드. | Creazilla">
+            <a:extLst>
+              <a:ext uri="{FF2B5EF4-FFF2-40B4-BE49-F238E27FC236}">
+                <a16:creationId xmlns:a16="http://schemas.microsoft.com/office/drawing/2014/main" xmlns="" id="{506060A2-694F-9BC8-4E65-1A4842DC7F1E}"/>
+              </a:ext>
+            </a:extLst>
+          </p:cNvPr>
+          <p:cNvPicPr>
+            <a:picLocks noChangeAspect="1" noChangeArrowheads="1"/>
+          </p:cNvPicPr>
+          <p:nvPr/>
+        </p:nvPicPr>
+        <p:blipFill>
+          <a:blip r:embed="rId2" cstate="print">
+            <a:extLst>
+              <a:ext uri="{28A0092B-C50C-407E-A947-70E740481C1C}">
+                <a14:useLocalDpi xmlns:a14="http://schemas.microsoft.com/office/drawing/2010/main" val="0"/>
+              </a:ext>
+            </a:extLst>
+          </a:blip>
+          <a:srcRect/>
+          <a:stretch>
+            <a:fillRect/>
+          </a:stretch>
+        </p:blipFill>
+        <p:spPr bwMode="auto">
+          <a:xfrm>
+            <a:off x="2838450" y="3205225"/>
+            <a:ext cx="152400" cy="152400"/>
+          </a:xfrm>
+          <a:prstGeom prst="rect">
+            <a:avLst/>
+          </a:prstGeom>
+          <a:noFill/>
+          <a:extLst>
+            <a:ext uri="{909E8E84-426E-40DD-AFC4-6F175D3DCCD1}">
+              <a14:hiddenFill xmlns:a14="http://schemas.microsoft.com/office/drawing/2010/main">
+                <a:solidFill>
+                  <a:srgbClr val="FFFFFF"/>
+                </a:solidFill>
+              </a14:hiddenFill>
+            </a:ext>
+          </a:extLst>
+        </p:spPr>
+      </p:pic>
     </p:spTree>
     <p:extLst>
       <p:ext uri="{BB962C8B-B14F-4D97-AF65-F5344CB8AC3E}">
@@ -10030,7 +10791,7 @@
         <p:spPr>
           <a:xfrm>
             <a:off x="171450" y="434975"/>
-            <a:ext cx="3933190" cy="1198085"/>
+            <a:ext cx="3933190" cy="1703030"/>
           </a:xfrm>
           <a:prstGeom prst="rect">
             <a:avLst/>
@@ -10056,6 +10817,20 @@
                 <a:cs typeface="Arial" panose="020B0604020202020204" pitchFamily="34" charset="0"/>
               </a:rPr>
               <a:t>- </a:t>
+            </a:r>
+            <a:r>
+              <a:rPr lang="en-US" sz="900" b="1" spc="-10" dirty="0">
+                <a:latin typeface="Arial" panose="020B0604020202020204" pitchFamily="34" charset="0"/>
+                <a:cs typeface="Arial" panose="020B0604020202020204" pitchFamily="34" charset="0"/>
+              </a:rPr>
+              <a:t> </a:t>
+            </a:r>
+            <a:r>
+              <a:rPr lang="en-US" sz="900" b="1" spc="-10" dirty="0" smtClean="0">
+                <a:latin typeface="Arial" panose="020B0604020202020204" pitchFamily="34" charset="0"/>
+                <a:cs typeface="Arial" panose="020B0604020202020204" pitchFamily="34" charset="0"/>
+              </a:rPr>
+              <a:t>  </a:t>
             </a:r>
             <a:r>
               <a:rPr lang="x-none" sz="900" b="1" spc="-10" dirty="0" smtClean="0">
@@ -10114,7 +10889,14 @@
                 <a:latin typeface="Arial" panose="020B0604020202020204" pitchFamily="34" charset="0"/>
                 <a:cs typeface="Arial" panose="020B0604020202020204" pitchFamily="34" charset="0"/>
               </a:rPr>
-              <a:t>- CI/CD </a:t>
+              <a:t>- </a:t>
+            </a:r>
+            <a:r>
+              <a:rPr lang="en-US" sz="900" b="1" spc="-10" dirty="0" smtClean="0">
+                <a:latin typeface="Arial" panose="020B0604020202020204" pitchFamily="34" charset="0"/>
+                <a:cs typeface="Arial" panose="020B0604020202020204" pitchFamily="34" charset="0"/>
+              </a:rPr>
+              <a:t>   CI/CD </a:t>
             </a:r>
             <a:r>
               <a:rPr lang="en-US" sz="900" b="1" spc="-10" dirty="0">
@@ -10160,154 +10942,198 @@
             </a:endParaRPr>
           </a:p>
           <a:p>
-            <a:pPr marL="12700" marR="5080">
+            <a:pPr marL="184150" marR="5080" indent="-171450">
               <a:lnSpc>
                 <a:spcPct val="102600"/>
               </a:lnSpc>
               <a:spcBef>
                 <a:spcPts val="295"/>
               </a:spcBef>
+              <a:buFontTx/>
+              <a:buChar char="-"/>
             </a:pPr>
             <a:r>
+              <a:rPr sz="900" b="1" spc="-10" dirty="0" smtClean="0">
+                <a:latin typeface="Arial" panose="020B0604020202020204" pitchFamily="34" charset="0"/>
+                <a:cs typeface="Arial" panose="020B0604020202020204" pitchFamily="34" charset="0"/>
+              </a:rPr>
+              <a:t>Extended </a:t>
+            </a:r>
+            <a:r>
+              <a:rPr sz="900" b="1" spc="-10" dirty="0">
+                <a:latin typeface="Arial" panose="020B0604020202020204" pitchFamily="34" charset="0"/>
+                <a:cs typeface="Arial" panose="020B0604020202020204" pitchFamily="34" charset="0"/>
+              </a:rPr>
+              <a:t>AI Support: </a:t>
+            </a:r>
+            <a:r>
+              <a:rPr sz="900" spc="-30" dirty="0">
+                <a:latin typeface="Arial" panose="020B0604020202020204" pitchFamily="34" charset="0"/>
+                <a:cs typeface="Arial" panose="020B0604020202020204" pitchFamily="34" charset="0"/>
+              </a:rPr>
+              <a:t>Support</a:t>
+            </a:r>
+            <a:r>
+              <a:rPr sz="900" spc="-35" dirty="0">
+                <a:latin typeface="Arial" panose="020B0604020202020204" pitchFamily="34" charset="0"/>
+                <a:cs typeface="Arial" panose="020B0604020202020204" pitchFamily="34" charset="0"/>
+              </a:rPr>
+              <a:t> </a:t>
+            </a:r>
+            <a:r>
+              <a:rPr sz="900" spc="-20" dirty="0">
+                <a:latin typeface="Arial" panose="020B0604020202020204" pitchFamily="34" charset="0"/>
+                <a:cs typeface="Arial" panose="020B0604020202020204" pitchFamily="34" charset="0"/>
+              </a:rPr>
+              <a:t>for</a:t>
+            </a:r>
+            <a:r>
+              <a:rPr sz="900" spc="-30" dirty="0">
+                <a:latin typeface="Arial" panose="020B0604020202020204" pitchFamily="34" charset="0"/>
+                <a:cs typeface="Arial" panose="020B0604020202020204" pitchFamily="34" charset="0"/>
+              </a:rPr>
+              <a:t> additional </a:t>
+            </a:r>
+            <a:r>
+              <a:rPr sz="900" spc="-10" dirty="0">
+                <a:latin typeface="Arial" panose="020B0604020202020204" pitchFamily="34" charset="0"/>
+                <a:cs typeface="Arial" panose="020B0604020202020204" pitchFamily="34" charset="0"/>
+              </a:rPr>
+              <a:t>local</a:t>
+            </a:r>
+            <a:r>
+              <a:rPr sz="900" spc="-30" dirty="0">
+                <a:latin typeface="Arial" panose="020B0604020202020204" pitchFamily="34" charset="0"/>
+                <a:cs typeface="Arial" panose="020B0604020202020204" pitchFamily="34" charset="0"/>
+              </a:rPr>
+              <a:t> </a:t>
+            </a:r>
+            <a:r>
+              <a:rPr sz="900" dirty="0">
+                <a:latin typeface="Arial" panose="020B0604020202020204" pitchFamily="34" charset="0"/>
+                <a:cs typeface="Arial" panose="020B0604020202020204" pitchFamily="34" charset="0"/>
+              </a:rPr>
+              <a:t>AI</a:t>
+            </a:r>
+            <a:r>
+              <a:rPr sz="900" spc="-25" dirty="0">
+                <a:latin typeface="Arial" panose="020B0604020202020204" pitchFamily="34" charset="0"/>
+                <a:cs typeface="Arial" panose="020B0604020202020204" pitchFamily="34" charset="0"/>
+              </a:rPr>
+              <a:t> </a:t>
+            </a:r>
+            <a:r>
+              <a:rPr sz="900" spc="-50" dirty="0">
+                <a:latin typeface="Arial" panose="020B0604020202020204" pitchFamily="34" charset="0"/>
+                <a:cs typeface="Arial" panose="020B0604020202020204" pitchFamily="34" charset="0"/>
+              </a:rPr>
+              <a:t>models</a:t>
+            </a:r>
+            <a:r>
+              <a:rPr sz="900" spc="-30" dirty="0">
+                <a:latin typeface="Arial" panose="020B0604020202020204" pitchFamily="34" charset="0"/>
+                <a:cs typeface="Arial" panose="020B0604020202020204" pitchFamily="34" charset="0"/>
+              </a:rPr>
+              <a:t> </a:t>
+            </a:r>
+            <a:r>
+              <a:rPr sz="900" spc="-25" dirty="0">
+                <a:latin typeface="Arial" panose="020B0604020202020204" pitchFamily="34" charset="0"/>
+                <a:cs typeface="Arial" panose="020B0604020202020204" pitchFamily="34" charset="0"/>
+              </a:rPr>
+              <a:t>and </a:t>
+            </a:r>
+            <a:r>
+              <a:rPr sz="900" spc="-55" dirty="0">
+                <a:latin typeface="Arial" panose="020B0604020202020204" pitchFamily="34" charset="0"/>
+                <a:cs typeface="Arial" panose="020B0604020202020204" pitchFamily="34" charset="0"/>
+              </a:rPr>
+              <a:t>cloud-</a:t>
+            </a:r>
+            <a:r>
+              <a:rPr sz="900" spc="-45" dirty="0">
+                <a:latin typeface="Arial" panose="020B0604020202020204" pitchFamily="34" charset="0"/>
+                <a:cs typeface="Arial" panose="020B0604020202020204" pitchFamily="34" charset="0"/>
+              </a:rPr>
+              <a:t>based</a:t>
+            </a:r>
+            <a:r>
+              <a:rPr sz="900" spc="-30" dirty="0">
+                <a:latin typeface="Arial" panose="020B0604020202020204" pitchFamily="34" charset="0"/>
+                <a:cs typeface="Arial" panose="020B0604020202020204" pitchFamily="34" charset="0"/>
+              </a:rPr>
+              <a:t> </a:t>
+            </a:r>
+            <a:r>
+              <a:rPr sz="900" dirty="0">
+                <a:latin typeface="Arial" panose="020B0604020202020204" pitchFamily="34" charset="0"/>
+                <a:cs typeface="Arial" panose="020B0604020202020204" pitchFamily="34" charset="0"/>
+              </a:rPr>
+              <a:t>AI</a:t>
+            </a:r>
+            <a:r>
+              <a:rPr sz="900" spc="-25" dirty="0">
+                <a:latin typeface="Arial" panose="020B0604020202020204" pitchFamily="34" charset="0"/>
+                <a:cs typeface="Arial" panose="020B0604020202020204" pitchFamily="34" charset="0"/>
+              </a:rPr>
+              <a:t> </a:t>
+            </a:r>
+            <a:r>
+              <a:rPr sz="900" spc="-10" dirty="0">
+                <a:latin typeface="Arial" panose="020B0604020202020204" pitchFamily="34" charset="0"/>
+                <a:cs typeface="Arial" panose="020B0604020202020204" pitchFamily="34" charset="0"/>
+              </a:rPr>
+              <a:t>services</a:t>
+            </a:r>
+            <a:r>
+              <a:rPr sz="900" spc="-10" dirty="0" smtClean="0">
+                <a:latin typeface="Arial" panose="020B0604020202020204" pitchFamily="34" charset="0"/>
+                <a:cs typeface="Arial" panose="020B0604020202020204" pitchFamily="34" charset="0"/>
+              </a:rPr>
+              <a:t>.</a:t>
+            </a:r>
+            <a:endParaRPr lang="en-US" sz="900" spc="-10" dirty="0" smtClean="0">
+              <a:latin typeface="Arial" panose="020B0604020202020204" pitchFamily="34" charset="0"/>
+              <a:cs typeface="Arial" panose="020B0604020202020204" pitchFamily="34" charset="0"/>
+            </a:endParaRPr>
+          </a:p>
+          <a:p>
+            <a:pPr marL="184150" marR="5080" indent="-171450">
+              <a:lnSpc>
+                <a:spcPct val="102600"/>
+              </a:lnSpc>
+              <a:spcBef>
+                <a:spcPts val="295"/>
+              </a:spcBef>
+              <a:buFontTx/>
+              <a:buChar char="-"/>
+            </a:pPr>
+            <a:r>
               <a:rPr lang="en-US" sz="900" b="1" spc="-10" dirty="0" smtClean="0">
                 <a:latin typeface="Arial" panose="020B0604020202020204" pitchFamily="34" charset="0"/>
                 <a:cs typeface="Arial" panose="020B0604020202020204" pitchFamily="34" charset="0"/>
               </a:rPr>
-              <a:t>- </a:t>
-            </a:r>
-            <a:r>
-              <a:rPr sz="900" b="1" spc="-10" dirty="0" smtClean="0">
-                <a:latin typeface="Arial" panose="020B0604020202020204" pitchFamily="34" charset="0"/>
-                <a:cs typeface="Arial" panose="020B0604020202020204" pitchFamily="34" charset="0"/>
-              </a:rPr>
-              <a:t>Extended </a:t>
-            </a:r>
-            <a:r>
-              <a:rPr sz="900" b="1" spc="-10" dirty="0">
-                <a:latin typeface="Arial" panose="020B0604020202020204" pitchFamily="34" charset="0"/>
-                <a:cs typeface="Arial" panose="020B0604020202020204" pitchFamily="34" charset="0"/>
-              </a:rPr>
-              <a:t>AI Support: </a:t>
-            </a:r>
-            <a:r>
-              <a:rPr sz="900" spc="-30" dirty="0">
-                <a:latin typeface="Arial" panose="020B0604020202020204" pitchFamily="34" charset="0"/>
-                <a:cs typeface="Arial" panose="020B0604020202020204" pitchFamily="34" charset="0"/>
-              </a:rPr>
-              <a:t>Support</a:t>
-            </a:r>
-            <a:r>
-              <a:rPr sz="900" spc="-35" dirty="0">
-                <a:latin typeface="Arial" panose="020B0604020202020204" pitchFamily="34" charset="0"/>
-                <a:cs typeface="Arial" panose="020B0604020202020204" pitchFamily="34" charset="0"/>
-              </a:rPr>
-              <a:t> </a:t>
-            </a:r>
-            <a:r>
-              <a:rPr sz="900" spc="-20" dirty="0">
-                <a:latin typeface="Arial" panose="020B0604020202020204" pitchFamily="34" charset="0"/>
-                <a:cs typeface="Arial" panose="020B0604020202020204" pitchFamily="34" charset="0"/>
-              </a:rPr>
-              <a:t>for</a:t>
-            </a:r>
-            <a:r>
-              <a:rPr sz="900" spc="-30" dirty="0">
-                <a:latin typeface="Arial" panose="020B0604020202020204" pitchFamily="34" charset="0"/>
-                <a:cs typeface="Arial" panose="020B0604020202020204" pitchFamily="34" charset="0"/>
-              </a:rPr>
-              <a:t> additional </a:t>
-            </a:r>
-            <a:r>
-              <a:rPr sz="900" spc="-10" dirty="0">
-                <a:latin typeface="Arial" panose="020B0604020202020204" pitchFamily="34" charset="0"/>
-                <a:cs typeface="Arial" panose="020B0604020202020204" pitchFamily="34" charset="0"/>
-              </a:rPr>
-              <a:t>local</a:t>
-            </a:r>
-            <a:r>
-              <a:rPr sz="900" spc="-30" dirty="0">
-                <a:latin typeface="Arial" panose="020B0604020202020204" pitchFamily="34" charset="0"/>
-                <a:cs typeface="Arial" panose="020B0604020202020204" pitchFamily="34" charset="0"/>
-              </a:rPr>
-              <a:t> </a:t>
-            </a:r>
-            <a:r>
-              <a:rPr sz="900" dirty="0">
-                <a:latin typeface="Arial" panose="020B0604020202020204" pitchFamily="34" charset="0"/>
-                <a:cs typeface="Arial" panose="020B0604020202020204" pitchFamily="34" charset="0"/>
-              </a:rPr>
-              <a:t>AI</a:t>
-            </a:r>
-            <a:r>
-              <a:rPr sz="900" spc="-25" dirty="0">
-                <a:latin typeface="Arial" panose="020B0604020202020204" pitchFamily="34" charset="0"/>
-                <a:cs typeface="Arial" panose="020B0604020202020204" pitchFamily="34" charset="0"/>
-              </a:rPr>
-              <a:t> </a:t>
-            </a:r>
-            <a:r>
-              <a:rPr sz="900" spc="-50" dirty="0">
-                <a:latin typeface="Arial" panose="020B0604020202020204" pitchFamily="34" charset="0"/>
-                <a:cs typeface="Arial" panose="020B0604020202020204" pitchFamily="34" charset="0"/>
-              </a:rPr>
-              <a:t>models</a:t>
-            </a:r>
-            <a:r>
-              <a:rPr sz="900" spc="-30" dirty="0">
-                <a:latin typeface="Arial" panose="020B0604020202020204" pitchFamily="34" charset="0"/>
-                <a:cs typeface="Arial" panose="020B0604020202020204" pitchFamily="34" charset="0"/>
-              </a:rPr>
-              <a:t> </a:t>
-            </a:r>
-            <a:r>
-              <a:rPr sz="900" spc="-25" dirty="0">
-                <a:latin typeface="Arial" panose="020B0604020202020204" pitchFamily="34" charset="0"/>
-                <a:cs typeface="Arial" panose="020B0604020202020204" pitchFamily="34" charset="0"/>
-              </a:rPr>
-              <a:t>and </a:t>
-            </a:r>
-            <a:r>
-              <a:rPr sz="900" spc="-55" dirty="0">
-                <a:latin typeface="Arial" panose="020B0604020202020204" pitchFamily="34" charset="0"/>
-                <a:cs typeface="Arial" panose="020B0604020202020204" pitchFamily="34" charset="0"/>
-              </a:rPr>
-              <a:t>cloud-</a:t>
-            </a:r>
-            <a:r>
-              <a:rPr sz="900" spc="-45" dirty="0">
-                <a:latin typeface="Arial" panose="020B0604020202020204" pitchFamily="34" charset="0"/>
-                <a:cs typeface="Arial" panose="020B0604020202020204" pitchFamily="34" charset="0"/>
-              </a:rPr>
-              <a:t>based</a:t>
-            </a:r>
-            <a:r>
-              <a:rPr sz="900" spc="-30" dirty="0">
-                <a:latin typeface="Arial" panose="020B0604020202020204" pitchFamily="34" charset="0"/>
-                <a:cs typeface="Arial" panose="020B0604020202020204" pitchFamily="34" charset="0"/>
-              </a:rPr>
-              <a:t> </a:t>
-            </a:r>
-            <a:r>
-              <a:rPr sz="900" dirty="0">
-                <a:latin typeface="Arial" panose="020B0604020202020204" pitchFamily="34" charset="0"/>
-                <a:cs typeface="Arial" panose="020B0604020202020204" pitchFamily="34" charset="0"/>
-              </a:rPr>
-              <a:t>AI</a:t>
-            </a:r>
-            <a:r>
-              <a:rPr sz="900" spc="-25" dirty="0">
-                <a:latin typeface="Arial" panose="020B0604020202020204" pitchFamily="34" charset="0"/>
-                <a:cs typeface="Arial" panose="020B0604020202020204" pitchFamily="34" charset="0"/>
-              </a:rPr>
-              <a:t> </a:t>
-            </a:r>
-            <a:r>
-              <a:rPr sz="900" spc="-10" dirty="0">
-                <a:latin typeface="Arial" panose="020B0604020202020204" pitchFamily="34" charset="0"/>
-                <a:cs typeface="Arial" panose="020B0604020202020204" pitchFamily="34" charset="0"/>
-              </a:rPr>
-              <a:t>services.</a:t>
-            </a:r>
+              <a:t>Improve AI-based analysis quality</a:t>
+            </a:r>
+            <a:r>
+              <a:rPr lang="en-US" sz="900" spc="-10" dirty="0" smtClean="0">
+                <a:latin typeface="Arial" panose="020B0604020202020204" pitchFamily="34" charset="0"/>
+                <a:cs typeface="Arial" panose="020B0604020202020204" pitchFamily="34" charset="0"/>
+              </a:rPr>
+              <a:t>: detect difficult rules such as finding potential race condition.</a:t>
+            </a:r>
+          </a:p>
+          <a:p>
+            <a:pPr marL="184150" marR="5080" indent="-171450">
+              <a:lnSpc>
+                <a:spcPct val="102600"/>
+              </a:lnSpc>
+              <a:spcBef>
+                <a:spcPts val="295"/>
+              </a:spcBef>
+              <a:buFontTx/>
+              <a:buChar char="-"/>
+            </a:pPr>
             <a:endParaRPr lang="en-US" sz="900" spc="-10" dirty="0">
               <a:latin typeface="Arial" panose="020B0604020202020204" pitchFamily="34" charset="0"/>
               <a:cs typeface="Arial" panose="020B0604020202020204" pitchFamily="34" charset="0"/>
@@ -10334,7 +11160,7 @@
           <p:cNvPr id="3" name="Slide Number Placeholder 2">
             <a:extLst>
               <a:ext uri="{FF2B5EF4-FFF2-40B4-BE49-F238E27FC236}">
-                <a16:creationId xmlns:a16="http://schemas.microsoft.com/office/drawing/2014/main" xmlns="" id="{76EE606B-448B-7E24-46A9-ADD3BB42A9F9}"/>
+                <a16:creationId xmlns="" xmlns:a16="http://schemas.microsoft.com/office/drawing/2014/main" id="{76EE606B-448B-7E24-46A9-ADD3BB42A9F9}"/>
               </a:ext>
             </a:extLst>
           </p:cNvPr>
@@ -10385,7 +11211,7 @@
         <p:cNvPr id="1" name="">
           <a:extLst>
             <a:ext uri="{FF2B5EF4-FFF2-40B4-BE49-F238E27FC236}">
-              <a16:creationId xmlns:a16="http://schemas.microsoft.com/office/drawing/2014/main" xmlns="" id="{EDE1E919-5AA6-F335-0F0D-A798E49BC5E5}"/>
+              <a16:creationId xmlns="" xmlns:a16="http://schemas.microsoft.com/office/drawing/2014/main" id="{EDE1E919-5AA6-F335-0F0D-A798E49BC5E5}"/>
             </a:ext>
           </a:extLst>
         </p:cNvPr>
@@ -10405,7 +11231,7 @@
           <p:cNvPr id="2" name="object 2">
             <a:extLst>
               <a:ext uri="{FF2B5EF4-FFF2-40B4-BE49-F238E27FC236}">
-                <a16:creationId xmlns:a16="http://schemas.microsoft.com/office/drawing/2014/main" xmlns="" id="{B0608DCA-C88E-39D0-6D92-38D5C1C8DEE5}"/>
+                <a16:creationId xmlns="" xmlns:a16="http://schemas.microsoft.com/office/drawing/2014/main" id="{B0608DCA-C88E-39D0-6D92-38D5C1C8DEE5}"/>
               </a:ext>
             </a:extLst>
           </p:cNvPr>
@@ -10454,7 +11280,7 @@
           <p:cNvPr id="4" name="object 4">
             <a:extLst>
               <a:ext uri="{FF2B5EF4-FFF2-40B4-BE49-F238E27FC236}">
-                <a16:creationId xmlns:a16="http://schemas.microsoft.com/office/drawing/2014/main" xmlns="" id="{2B47DDBF-F0E6-302B-72FF-899EC9806BAD}"/>
+                <a16:creationId xmlns="" xmlns:a16="http://schemas.microsoft.com/office/drawing/2014/main" id="{2B47DDBF-F0E6-302B-72FF-899EC9806BAD}"/>
               </a:ext>
             </a:extLst>
           </p:cNvPr>
@@ -10468,7 +11294,7 @@
         <p:spPr>
           <a:xfrm>
             <a:off x="247650" y="511175"/>
-            <a:ext cx="3723640" cy="1479572"/>
+            <a:ext cx="3723640" cy="944489"/>
           </a:xfrm>
           <a:prstGeom prst="rect">
             <a:avLst/>
@@ -10572,46 +11398,23 @@
                 <a:latin typeface="Arial" panose="020B0604020202020204" pitchFamily="34" charset="0"/>
                 <a:cs typeface="Arial" panose="020B0604020202020204" pitchFamily="34" charset="0"/>
               </a:rPr>
-              <a:t> with MCP</a:t>
+              <a:t> with </a:t>
+            </a:r>
+            <a:r>
+              <a:rPr lang="en-US" sz="900" spc="-45" dirty="0" smtClean="0">
+                <a:latin typeface="Arial" panose="020B0604020202020204" pitchFamily="34" charset="0"/>
+                <a:cs typeface="Arial" panose="020B0604020202020204" pitchFamily="34" charset="0"/>
+              </a:rPr>
+              <a:t>MCP</a:t>
             </a:r>
             <a:r>
               <a:rPr sz="900" spc="-45" dirty="0" smtClean="0">
                 <a:latin typeface="Arial" panose="020B0604020202020204" pitchFamily="34" charset="0"/>
                 <a:cs typeface="Arial" panose="020B0604020202020204" pitchFamily="34" charset="0"/>
               </a:rPr>
-              <a:t>, </a:t>
-            </a:r>
-            <a:r>
-              <a:rPr sz="900" spc="-45" dirty="0" err="1">
-                <a:latin typeface="Arial" panose="020B0604020202020204" pitchFamily="34" charset="0"/>
-                <a:cs typeface="Arial" panose="020B0604020202020204" pitchFamily="34" charset="0"/>
-              </a:rPr>
-              <a:t>Ollama</a:t>
-            </a:r>
-            <a:r>
-              <a:rPr sz="900" spc="-45" dirty="0">
-                <a:latin typeface="Arial" panose="020B0604020202020204" pitchFamily="34" charset="0"/>
-                <a:cs typeface="Arial" panose="020B0604020202020204" pitchFamily="34" charset="0"/>
-              </a:rPr>
               <a:t>).</a:t>
             </a:r>
             <a:endParaRPr lang="en-US" sz="900" spc="-45" dirty="0">
-              <a:latin typeface="Arial" panose="020B0604020202020204" pitchFamily="34" charset="0"/>
-              <a:cs typeface="Arial" panose="020B0604020202020204" pitchFamily="34" charset="0"/>
-            </a:endParaRPr>
-          </a:p>
-          <a:p>
-            <a:pPr marL="184150" marR="5080" indent="-171450">
-              <a:lnSpc>
-                <a:spcPct val="102600"/>
-              </a:lnSpc>
-              <a:spcBef>
-                <a:spcPts val="300"/>
-              </a:spcBef>
-              <a:buFontTx/>
-              <a:buChar char="-"/>
-            </a:pPr>
-            <a:endParaRPr sz="900" spc="-45" dirty="0">
               <a:latin typeface="Arial" panose="020B0604020202020204" pitchFamily="34" charset="0"/>
               <a:cs typeface="Arial" panose="020B0604020202020204" pitchFamily="34" charset="0"/>
             </a:endParaRPr>
@@ -10637,50 +11440,6 @@
                 <a:latin typeface="Arial" panose="020B0604020202020204" pitchFamily="34" charset="0"/>
                 <a:cs typeface="Arial" panose="020B0604020202020204" pitchFamily="34" charset="0"/>
               </a:rPr>
-              <a:t>Generates detailed reports for both static and AI analyses.</a:t>
-            </a:r>
-            <a:endParaRPr lang="en-US" sz="900" spc="-45" dirty="0">
-              <a:latin typeface="Arial" panose="020B0604020202020204" pitchFamily="34" charset="0"/>
-              <a:cs typeface="Arial" panose="020B0604020202020204" pitchFamily="34" charset="0"/>
-            </a:endParaRPr>
-          </a:p>
-          <a:p>
-            <a:pPr marL="184150" indent="-171450">
-              <a:lnSpc>
-                <a:spcPct val="100000"/>
-              </a:lnSpc>
-              <a:spcBef>
-                <a:spcPts val="330"/>
-              </a:spcBef>
-              <a:buFontTx/>
-              <a:buChar char="-"/>
-            </a:pPr>
-            <a:endParaRPr lang="en-US" sz="900" spc="-45" dirty="0">
-              <a:latin typeface="Arial" panose="020B0604020202020204" pitchFamily="34" charset="0"/>
-              <a:cs typeface="Arial" panose="020B0604020202020204" pitchFamily="34" charset="0"/>
-            </a:endParaRPr>
-          </a:p>
-          <a:p>
-            <a:pPr marL="12700">
-              <a:lnSpc>
-                <a:spcPct val="100000"/>
-              </a:lnSpc>
-              <a:spcBef>
-                <a:spcPts val="330"/>
-              </a:spcBef>
-            </a:pPr>
-            <a:r>
-              <a:rPr lang="en-US" sz="900" spc="-45" dirty="0">
-                <a:latin typeface="Arial" panose="020B0604020202020204" pitchFamily="34" charset="0"/>
-                <a:cs typeface="Arial" panose="020B0604020202020204" pitchFamily="34" charset="0"/>
-              </a:rPr>
-              <a:t>- </a:t>
-            </a:r>
-            <a:r>
-              <a:rPr sz="900" spc="-45" dirty="0">
-                <a:latin typeface="Arial" panose="020B0604020202020204" pitchFamily="34" charset="0"/>
-                <a:cs typeface="Arial" panose="020B0604020202020204" pitchFamily="34" charset="0"/>
-              </a:rPr>
               <a:t>Future enhancements will focus on usability, performance, and extended AI capabilities.</a:t>
             </a:r>
           </a:p>
@@ -10691,7 +11450,7 @@
           <p:cNvPr id="3" name="Slide Number Placeholder 2">
             <a:extLst>
               <a:ext uri="{FF2B5EF4-FFF2-40B4-BE49-F238E27FC236}">
-                <a16:creationId xmlns:a16="http://schemas.microsoft.com/office/drawing/2014/main" xmlns="" id="{8452F846-D712-C901-DB97-C6CB9B151FBA}"/>
+                <a16:creationId xmlns="" xmlns:a16="http://schemas.microsoft.com/office/drawing/2014/main" id="{8452F846-D712-C901-DB97-C6CB9B151FBA}"/>
               </a:ext>
             </a:extLst>
           </p:cNvPr>
@@ -11202,8 +11961,8 @@
         </p:nvSpPr>
         <p:spPr>
           <a:xfrm>
-            <a:off x="2355697" y="1742440"/>
-            <a:ext cx="2006760" cy="180819"/>
+            <a:off x="2081784" y="1685893"/>
+            <a:ext cx="2458313" cy="350096"/>
           </a:xfrm>
           <a:prstGeom prst="rect">
             <a:avLst/>
@@ -11228,38 +11987,24 @@
                 <a:latin typeface="Arial" panose="020B0604020202020204" pitchFamily="34" charset="0"/>
                 <a:cs typeface="Arial" panose="020B0604020202020204" pitchFamily="34" charset="0"/>
               </a:rPr>
-              <a:t>(Copilot</a:t>
-            </a:r>
-            <a:r>
-              <a:rPr lang="en-US" sz="1100" spc="-10" dirty="0">
-                <a:latin typeface="Arial" panose="020B0604020202020204" pitchFamily="34" charset="0"/>
-                <a:cs typeface="Arial" panose="020B0604020202020204" pitchFamily="34" charset="0"/>
-              </a:rPr>
-              <a:t> and</a:t>
-            </a:r>
-            <a:r>
-              <a:rPr sz="1100" spc="-60" dirty="0">
-                <a:latin typeface="Arial" panose="020B0604020202020204" pitchFamily="34" charset="0"/>
-                <a:cs typeface="Arial" panose="020B0604020202020204" pitchFamily="34" charset="0"/>
-              </a:rPr>
-              <a:t> </a:t>
-            </a:r>
-            <a:r>
-              <a:rPr lang="en-US" sz="1100" spc="-25" dirty="0">
-                <a:latin typeface="Arial" panose="020B0604020202020204" pitchFamily="34" charset="0"/>
-                <a:cs typeface="Arial" panose="020B0604020202020204" pitchFamily="34" charset="0"/>
-              </a:rPr>
-              <a:t>local AI with </a:t>
-            </a:r>
-            <a:r>
-              <a:rPr lang="en-US" sz="1100" spc="-25" dirty="0" err="1">
-                <a:latin typeface="Arial" panose="020B0604020202020204" pitchFamily="34" charset="0"/>
-                <a:cs typeface="Arial" panose="020B0604020202020204" pitchFamily="34" charset="0"/>
-              </a:rPr>
-              <a:t>Ollama</a:t>
-            </a:r>
-            <a:r>
-              <a:rPr lang="en-US" sz="1100" spc="-25" dirty="0">
+              <a:t>(</a:t>
+            </a:r>
+            <a:r>
+              <a:rPr sz="1100" spc="-10" dirty="0" smtClean="0">
+                <a:latin typeface="Arial" panose="020B0604020202020204" pitchFamily="34" charset="0"/>
+                <a:cs typeface="Arial" panose="020B0604020202020204" pitchFamily="34" charset="0"/>
+              </a:rPr>
+              <a:t>Copilot</a:t>
+            </a:r>
+            <a:r>
+              <a:rPr lang="en-US" sz="1100" spc="-10" dirty="0" smtClean="0">
+                <a:latin typeface="Arial" panose="020B0604020202020204" pitchFamily="34" charset="0"/>
+                <a:cs typeface="Arial" panose="020B0604020202020204" pitchFamily="34" charset="0"/>
+              </a:rPr>
+              <a:t> using MCP for understanding local resource context</a:t>
+            </a:r>
+            <a:r>
+              <a:rPr lang="en-US" sz="1100" spc="-25" dirty="0" smtClean="0">
                 <a:latin typeface="Arial" panose="020B0604020202020204" pitchFamily="34" charset="0"/>
                 <a:cs typeface="Arial" panose="020B0604020202020204" pitchFamily="34" charset="0"/>
               </a:rPr>
@@ -11465,7 +12210,7 @@
           <p:cNvPr id="24" name="object 5">
             <a:extLst>
               <a:ext uri="{FF2B5EF4-FFF2-40B4-BE49-F238E27FC236}">
-                <a16:creationId xmlns:a16="http://schemas.microsoft.com/office/drawing/2014/main" xmlns="" id="{5941F2AF-D4D8-0AB6-9EAB-80C6C676C797}"/>
+                <a16:creationId xmlns="" xmlns:a16="http://schemas.microsoft.com/office/drawing/2014/main" id="{5941F2AF-D4D8-0AB6-9EAB-80C6C676C797}"/>
               </a:ext>
             </a:extLst>
           </p:cNvPr>
@@ -11474,8 +12219,8 @@
         </p:nvSpPr>
         <p:spPr>
           <a:xfrm>
-            <a:off x="2336647" y="1445976"/>
-            <a:ext cx="2076450" cy="600421"/>
+            <a:off x="2076450" y="1445977"/>
+            <a:ext cx="2438399" cy="835826"/>
           </a:xfrm>
           <a:custGeom>
             <a:avLst/>
@@ -11571,7 +12316,7 @@
           <p:cNvPr id="25" name="object 5">
             <a:extLst>
               <a:ext uri="{FF2B5EF4-FFF2-40B4-BE49-F238E27FC236}">
-                <a16:creationId xmlns:a16="http://schemas.microsoft.com/office/drawing/2014/main" xmlns="" id="{BEC5BC08-4109-550C-7766-B3F1BFCCC414}"/>
+                <a16:creationId xmlns="" xmlns:a16="http://schemas.microsoft.com/office/drawing/2014/main" id="{BEC5BC08-4109-550C-7766-B3F1BFCCC414}"/>
               </a:ext>
             </a:extLst>
           </p:cNvPr>
@@ -11677,7 +12422,7 @@
           <p:cNvPr id="26" name="object 9">
             <a:extLst>
               <a:ext uri="{FF2B5EF4-FFF2-40B4-BE49-F238E27FC236}">
-                <a16:creationId xmlns:a16="http://schemas.microsoft.com/office/drawing/2014/main" xmlns="" id="{FB4A2EAE-5860-9AE3-4519-083FC7C39D0E}"/>
+                <a16:creationId xmlns="" xmlns:a16="http://schemas.microsoft.com/office/drawing/2014/main" id="{FB4A2EAE-5860-9AE3-4519-083FC7C39D0E}"/>
               </a:ext>
             </a:extLst>
           </p:cNvPr>
@@ -11726,7 +12471,7 @@
           <p:cNvPr id="29" name="object 19">
             <a:extLst>
               <a:ext uri="{FF2B5EF4-FFF2-40B4-BE49-F238E27FC236}">
-                <a16:creationId xmlns:a16="http://schemas.microsoft.com/office/drawing/2014/main" xmlns="" id="{FD7E67FA-682E-F249-F0FC-E8818F091A11}"/>
+                <a16:creationId xmlns="" xmlns:a16="http://schemas.microsoft.com/office/drawing/2014/main" id="{FD7E67FA-682E-F249-F0FC-E8818F091A11}"/>
               </a:ext>
             </a:extLst>
           </p:cNvPr>
@@ -11774,7 +12519,7 @@
           <p:cNvPr id="30" name="object 21">
             <a:extLst>
               <a:ext uri="{FF2B5EF4-FFF2-40B4-BE49-F238E27FC236}">
-                <a16:creationId xmlns:a16="http://schemas.microsoft.com/office/drawing/2014/main" xmlns="" id="{DCA25ABB-5CB0-1C72-F316-B97D16DFB59A}"/>
+                <a16:creationId xmlns="" xmlns:a16="http://schemas.microsoft.com/office/drawing/2014/main" id="{DCA25ABB-5CB0-1C72-F316-B97D16DFB59A}"/>
               </a:ext>
             </a:extLst>
           </p:cNvPr>
@@ -11832,7 +12577,7 @@
           <p:cNvPr id="7" name="Slide Number Placeholder 6">
             <a:extLst>
               <a:ext uri="{FF2B5EF4-FFF2-40B4-BE49-F238E27FC236}">
-                <a16:creationId xmlns:a16="http://schemas.microsoft.com/office/drawing/2014/main" xmlns="" id="{CC24697C-362E-151F-B982-1CAC1FC469DC}"/>
+                <a16:creationId xmlns="" xmlns:a16="http://schemas.microsoft.com/office/drawing/2014/main" id="{CC24697C-362E-151F-B982-1CAC1FC469DC}"/>
               </a:ext>
             </a:extLst>
           </p:cNvPr>
@@ -12354,7 +13099,7 @@
           <p:cNvPr id="3" name="Slide Number Placeholder 2">
             <a:extLst>
               <a:ext uri="{FF2B5EF4-FFF2-40B4-BE49-F238E27FC236}">
-                <a16:creationId xmlns:a16="http://schemas.microsoft.com/office/drawing/2014/main" xmlns="" id="{9AA2FB87-3E1C-C48C-E87F-6C4E498640E4}"/>
+                <a16:creationId xmlns="" xmlns:a16="http://schemas.microsoft.com/office/drawing/2014/main" id="{9AA2FB87-3E1C-C48C-E87F-6C4E498640E4}"/>
               </a:ext>
             </a:extLst>
           </p:cNvPr>
@@ -12426,7 +13171,7 @@
           <p:cNvPr id="2" name="Title 1">
             <a:extLst>
               <a:ext uri="{FF2B5EF4-FFF2-40B4-BE49-F238E27FC236}">
-                <a16:creationId xmlns:a16="http://schemas.microsoft.com/office/drawing/2014/main" xmlns="" id="{B2C574B7-3C5A-F92F-676A-6EA64C13553A}"/>
+                <a16:creationId xmlns="" xmlns:a16="http://schemas.microsoft.com/office/drawing/2014/main" id="{B2C574B7-3C5A-F92F-676A-6EA64C13553A}"/>
               </a:ext>
             </a:extLst>
           </p:cNvPr>
@@ -12480,7 +13225,7 @@
           <p:cNvPr id="7" name="Picture 6">
             <a:extLst>
               <a:ext uri="{FF2B5EF4-FFF2-40B4-BE49-F238E27FC236}">
-                <a16:creationId xmlns:a16="http://schemas.microsoft.com/office/drawing/2014/main" xmlns="" id="{41DB861A-C3CD-6D68-2908-18562666379B}"/>
+                <a16:creationId xmlns="" xmlns:a16="http://schemas.microsoft.com/office/drawing/2014/main" id="{41DB861A-C3CD-6D68-2908-18562666379B}"/>
               </a:ext>
             </a:extLst>
           </p:cNvPr>
@@ -12516,7 +13261,7 @@
           <p:cNvPr id="4" name="Slide Number Placeholder 3">
             <a:extLst>
               <a:ext uri="{FF2B5EF4-FFF2-40B4-BE49-F238E27FC236}">
-                <a16:creationId xmlns:a16="http://schemas.microsoft.com/office/drawing/2014/main" xmlns="" id="{86540D81-0A04-0E5B-A674-8651F21FC025}"/>
+                <a16:creationId xmlns="" xmlns:a16="http://schemas.microsoft.com/office/drawing/2014/main" id="{86540D81-0A04-0E5B-A674-8651F21FC025}"/>
               </a:ext>
             </a:extLst>
           </p:cNvPr>
@@ -12553,7 +13298,7 @@
           <p:cNvPr id="5" name="object 18">
             <a:extLst>
               <a:ext uri="{FF2B5EF4-FFF2-40B4-BE49-F238E27FC236}">
-                <a16:creationId xmlns:a16="http://schemas.microsoft.com/office/drawing/2014/main" xmlns="" id="{056FB5EA-736A-1114-5AA1-3345A9808675}"/>
+                <a16:creationId xmlns="" xmlns:a16="http://schemas.microsoft.com/office/drawing/2014/main" id="{056FB5EA-736A-1114-5AA1-3345A9808675}"/>
               </a:ext>
             </a:extLst>
           </p:cNvPr>
@@ -12588,14 +13333,7 @@
                 <a:latin typeface="Arial" panose="020B0604020202020204" pitchFamily="34" charset="0"/>
                 <a:cs typeface="Arial" panose="020B0604020202020204" pitchFamily="34" charset="0"/>
               </a:rPr>
-              <a:t>AST: Abstract </a:t>
-            </a:r>
-            <a:r>
-              <a:rPr lang="en-US" sz="800" spc="-70" dirty="0" smtClean="0">
-                <a:latin typeface="Arial" panose="020B0604020202020204" pitchFamily="34" charset="0"/>
-                <a:cs typeface="Arial" panose="020B0604020202020204" pitchFamily="34" charset="0"/>
-              </a:rPr>
-              <a:t>Syntax Tree</a:t>
+              <a:t>AST: Abstract Syntax Tree</a:t>
             </a:r>
           </a:p>
           <a:p>
@@ -12674,7 +13412,7 @@
           <p:cNvPr id="6" name="object 18">
             <a:extLst>
               <a:ext uri="{FF2B5EF4-FFF2-40B4-BE49-F238E27FC236}">
-                <a16:creationId xmlns:a16="http://schemas.microsoft.com/office/drawing/2014/main" xmlns="" id="{056FB5EA-736A-1114-5AA1-3345A9808675}"/>
+                <a16:creationId xmlns="" xmlns:a16="http://schemas.microsoft.com/office/drawing/2014/main" id="{056FB5EA-736A-1114-5AA1-3345A9808675}"/>
               </a:ext>
             </a:extLst>
           </p:cNvPr>
@@ -12722,7 +13460,14 @@
                 <a:latin typeface="Arial" panose="020B0604020202020204" pitchFamily="34" charset="0"/>
                 <a:cs typeface="Arial" panose="020B0604020202020204" pitchFamily="34" charset="0"/>
               </a:rPr>
-              <a:t>custom rules</a:t>
+              <a:t>custom </a:t>
+            </a:r>
+            <a:r>
+              <a:rPr lang="en-US" sz="1100" b="1" dirty="0" smtClean="0">
+                <a:latin typeface="Arial" panose="020B0604020202020204" pitchFamily="34" charset="0"/>
+                <a:cs typeface="Arial" panose="020B0604020202020204" pitchFamily="34" charset="0"/>
+              </a:rPr>
+              <a:t>rules </a:t>
             </a:r>
             <a:endParaRPr lang="en-US" sz="1100" b="1" spc="50" dirty="0">
               <a:latin typeface="Arial" panose="020B0604020202020204" pitchFamily="34" charset="0"/>
@@ -12736,7 +13481,7 @@
           <p:cNvPr id="8" name="Picture 7">
             <a:extLst>
               <a:ext uri="{FF2B5EF4-FFF2-40B4-BE49-F238E27FC236}">
-                <a16:creationId xmlns:a16="http://schemas.microsoft.com/office/drawing/2014/main" xmlns="" id="{7881DD1D-A21C-3B2F-AA26-71751FB66BB0}"/>
+                <a16:creationId xmlns="" xmlns:a16="http://schemas.microsoft.com/office/drawing/2014/main" id="{7881DD1D-A21C-3B2F-AA26-71751FB66BB0}"/>
               </a:ext>
             </a:extLst>
           </p:cNvPr>
@@ -12765,6 +13510,53 @@
           <a:prstGeom prst="rect">
             <a:avLst/>
           </a:prstGeom>
+        </p:spPr>
+      </p:pic>
+      <p:pic>
+        <p:nvPicPr>
+          <p:cNvPr id="9" name="Picture 2" descr="체크 표시 클립 아트. 무료 다운로드. | Creazilla">
+            <a:extLst>
+              <a:ext uri="{FF2B5EF4-FFF2-40B4-BE49-F238E27FC236}">
+                <a16:creationId xmlns:a16="http://schemas.microsoft.com/office/drawing/2014/main" xmlns="" id="{506060A2-694F-9BC8-4E65-1A4842DC7F1E}"/>
+              </a:ext>
+            </a:extLst>
+          </p:cNvPr>
+          <p:cNvPicPr>
+            <a:picLocks noChangeAspect="1" noChangeArrowheads="1"/>
+          </p:cNvPicPr>
+          <p:nvPr/>
+        </p:nvPicPr>
+        <p:blipFill>
+          <a:blip r:embed="rId4" cstate="print">
+            <a:extLst>
+              <a:ext uri="{28A0092B-C50C-407E-A947-70E740481C1C}">
+                <a14:useLocalDpi xmlns:a14="http://schemas.microsoft.com/office/drawing/2010/main" val="0"/>
+              </a:ext>
+            </a:extLst>
+          </a:blip>
+          <a:srcRect/>
+          <a:stretch>
+            <a:fillRect/>
+          </a:stretch>
+        </p:blipFill>
+        <p:spPr bwMode="auto">
+          <a:xfrm>
+            <a:off x="1042391" y="390238"/>
+            <a:ext cx="192966" cy="192966"/>
+          </a:xfrm>
+          <a:prstGeom prst="rect">
+            <a:avLst/>
+          </a:prstGeom>
+          <a:noFill/>
+          <a:extLst>
+            <a:ext uri="{909E8E84-426E-40DD-AFC4-6F175D3DCCD1}">
+              <a14:hiddenFill xmlns:a14="http://schemas.microsoft.com/office/drawing/2010/main">
+                <a:solidFill>
+                  <a:srgbClr val="FFFFFF"/>
+                </a:solidFill>
+              </a14:hiddenFill>
+            </a:ext>
+          </a:extLst>
         </p:spPr>
       </p:pic>
     </p:spTree>
@@ -12809,7 +13601,7 @@
           <p:cNvPr id="2" name="Title 1">
             <a:extLst>
               <a:ext uri="{FF2B5EF4-FFF2-40B4-BE49-F238E27FC236}">
-                <a16:creationId xmlns:a16="http://schemas.microsoft.com/office/drawing/2014/main" xmlns="" id="{6B26C728-E216-4803-E352-BB030C172F50}"/>
+                <a16:creationId xmlns="" xmlns:a16="http://schemas.microsoft.com/office/drawing/2014/main" id="{6B26C728-E216-4803-E352-BB030C172F50}"/>
               </a:ext>
             </a:extLst>
           </p:cNvPr>
@@ -12863,7 +13655,7 @@
           <p:cNvPr id="6" name="Slide Number Placeholder 5">
             <a:extLst>
               <a:ext uri="{FF2B5EF4-FFF2-40B4-BE49-F238E27FC236}">
-                <a16:creationId xmlns:a16="http://schemas.microsoft.com/office/drawing/2014/main" xmlns="" id="{CF6E7398-C11B-E89D-B89F-CE53D168945E}"/>
+                <a16:creationId xmlns="" xmlns:a16="http://schemas.microsoft.com/office/drawing/2014/main" id="{CF6E7398-C11B-E89D-B89F-CE53D168945E}"/>
               </a:ext>
             </a:extLst>
           </p:cNvPr>
@@ -12953,7 +13745,7 @@
         <p:cNvPr id="1" name="">
           <a:extLst>
             <a:ext uri="{FF2B5EF4-FFF2-40B4-BE49-F238E27FC236}">
-              <a16:creationId xmlns:a16="http://schemas.microsoft.com/office/drawing/2014/main" xmlns="" id="{D2120E5A-5340-EA66-7B0D-47B94D5F8FA5}"/>
+              <a16:creationId xmlns="" xmlns:a16="http://schemas.microsoft.com/office/drawing/2014/main" id="{D2120E5A-5340-EA66-7B0D-47B94D5F8FA5}"/>
             </a:ext>
           </a:extLst>
         </p:cNvPr>
@@ -12973,7 +13765,7 @@
           <p:cNvPr id="2" name="object 2">
             <a:extLst>
               <a:ext uri="{FF2B5EF4-FFF2-40B4-BE49-F238E27FC236}">
-                <a16:creationId xmlns:a16="http://schemas.microsoft.com/office/drawing/2014/main" xmlns="" id="{C14EE6A6-CBA5-D6BA-B818-B00F4B12F3F9}"/>
+                <a16:creationId xmlns="" xmlns:a16="http://schemas.microsoft.com/office/drawing/2014/main" id="{C14EE6A6-CBA5-D6BA-B818-B00F4B12F3F9}"/>
               </a:ext>
             </a:extLst>
           </p:cNvPr>
@@ -13026,7 +13818,7 @@
           <p:cNvPr id="6" name="object 6">
             <a:extLst>
               <a:ext uri="{FF2B5EF4-FFF2-40B4-BE49-F238E27FC236}">
-                <a16:creationId xmlns:a16="http://schemas.microsoft.com/office/drawing/2014/main" xmlns="" id="{4B898F09-DC95-BB57-17F6-B18DB7CD16FB}"/>
+                <a16:creationId xmlns="" xmlns:a16="http://schemas.microsoft.com/office/drawing/2014/main" id="{4B898F09-DC95-BB57-17F6-B18DB7CD16FB}"/>
               </a:ext>
             </a:extLst>
           </p:cNvPr>
@@ -13337,7 +14129,7 @@
           <p:cNvPr id="15" name="object 15">
             <a:extLst>
               <a:ext uri="{FF2B5EF4-FFF2-40B4-BE49-F238E27FC236}">
-                <a16:creationId xmlns:a16="http://schemas.microsoft.com/office/drawing/2014/main" xmlns="" id="{1E049AE9-1341-4876-7533-B46A7E7F76B2}"/>
+                <a16:creationId xmlns="" xmlns:a16="http://schemas.microsoft.com/office/drawing/2014/main" id="{1E049AE9-1341-4876-7533-B46A7E7F76B2}"/>
               </a:ext>
             </a:extLst>
           </p:cNvPr>
@@ -13389,7 +14181,7 @@
           <p:cNvPr id="17" name="object 17">
             <a:extLst>
               <a:ext uri="{FF2B5EF4-FFF2-40B4-BE49-F238E27FC236}">
-                <a16:creationId xmlns:a16="http://schemas.microsoft.com/office/drawing/2014/main" xmlns="" id="{C9557E22-EEF2-0558-F9CB-2CB9B0563285}"/>
+                <a16:creationId xmlns="" xmlns:a16="http://schemas.microsoft.com/office/drawing/2014/main" id="{C9557E22-EEF2-0558-F9CB-2CB9B0563285}"/>
               </a:ext>
             </a:extLst>
           </p:cNvPr>
@@ -13441,7 +14233,7 @@
           <p:cNvPr id="3" name="Slide Number Placeholder 2">
             <a:extLst>
               <a:ext uri="{FF2B5EF4-FFF2-40B4-BE49-F238E27FC236}">
-                <a16:creationId xmlns:a16="http://schemas.microsoft.com/office/drawing/2014/main" xmlns="" id="{B0AFD33C-5930-5BE3-0D1A-060605129278}"/>
+                <a16:creationId xmlns="" xmlns:a16="http://schemas.microsoft.com/office/drawing/2014/main" id="{B0AFD33C-5930-5BE3-0D1A-060605129278}"/>
               </a:ext>
             </a:extLst>
           </p:cNvPr>
@@ -13518,7 +14310,7 @@
           <p:cNvPr id="2" name="Title 1">
             <a:extLst>
               <a:ext uri="{FF2B5EF4-FFF2-40B4-BE49-F238E27FC236}">
-                <a16:creationId xmlns:a16="http://schemas.microsoft.com/office/drawing/2014/main" xmlns="" id="{3D78AAB1-439D-A2D5-06F5-CA97D59F0D33}"/>
+                <a16:creationId xmlns="" xmlns:a16="http://schemas.microsoft.com/office/drawing/2014/main" id="{3D78AAB1-439D-A2D5-06F5-CA97D59F0D33}"/>
               </a:ext>
             </a:extLst>
           </p:cNvPr>
@@ -13558,7 +14350,7 @@
           <p:cNvPr id="4" name="Picture 3">
             <a:extLst>
               <a:ext uri="{FF2B5EF4-FFF2-40B4-BE49-F238E27FC236}">
-                <a16:creationId xmlns:a16="http://schemas.microsoft.com/office/drawing/2014/main" xmlns="" id="{15C1ECB5-6034-D723-B4B5-F7C44816937F}"/>
+                <a16:creationId xmlns="" xmlns:a16="http://schemas.microsoft.com/office/drawing/2014/main" id="{15C1ECB5-6034-D723-B4B5-F7C44816937F}"/>
               </a:ext>
             </a:extLst>
           </p:cNvPr>
@@ -13588,7 +14380,7 @@
           <p:cNvPr id="5" name="TextBox 4">
             <a:extLst>
               <a:ext uri="{FF2B5EF4-FFF2-40B4-BE49-F238E27FC236}">
-                <a16:creationId xmlns:a16="http://schemas.microsoft.com/office/drawing/2014/main" xmlns="" id="{FB7CF730-7405-71B2-8294-3A4D1AB91F92}"/>
+                <a16:creationId xmlns="" xmlns:a16="http://schemas.microsoft.com/office/drawing/2014/main" id="{FB7CF730-7405-71B2-8294-3A4D1AB91F92}"/>
               </a:ext>
             </a:extLst>
           </p:cNvPr>
@@ -13649,7 +14441,7 @@
           <p:cNvPr id="7" name="Slide Number Placeholder 6">
             <a:extLst>
               <a:ext uri="{FF2B5EF4-FFF2-40B4-BE49-F238E27FC236}">
-                <a16:creationId xmlns:a16="http://schemas.microsoft.com/office/drawing/2014/main" xmlns="" id="{ED5E9A54-06BC-D47A-276F-DF06DBB1B8AB}"/>
+                <a16:creationId xmlns="" xmlns:a16="http://schemas.microsoft.com/office/drawing/2014/main" id="{ED5E9A54-06BC-D47A-276F-DF06DBB1B8AB}"/>
               </a:ext>
             </a:extLst>
           </p:cNvPr>

--- a/deepl/code_guard/doc/Code-Guard.pptx
+++ b/deepl/code_guard/doc/Code-Guard.pptx
@@ -14,19 +14,19 @@
     <p:sldId id="259" r:id="rId5"/>
     <p:sldId id="260" r:id="rId6"/>
     <p:sldId id="276" r:id="rId7"/>
-    <p:sldId id="297" r:id="rId8"/>
-    <p:sldId id="269" r:id="rId9"/>
-    <p:sldId id="272" r:id="rId10"/>
-    <p:sldId id="284" r:id="rId11"/>
-    <p:sldId id="285" r:id="rId12"/>
-    <p:sldId id="279" r:id="rId13"/>
-    <p:sldId id="280" r:id="rId14"/>
-    <p:sldId id="283" r:id="rId15"/>
-    <p:sldId id="282" r:id="rId16"/>
-    <p:sldId id="281" r:id="rId17"/>
-    <p:sldId id="294" r:id="rId18"/>
-    <p:sldId id="295" r:id="rId19"/>
-    <p:sldId id="296" r:id="rId20"/>
+    <p:sldId id="317" r:id="rId8"/>
+    <p:sldId id="272" r:id="rId9"/>
+    <p:sldId id="285" r:id="rId10"/>
+    <p:sldId id="279" r:id="rId11"/>
+    <p:sldId id="280" r:id="rId12"/>
+    <p:sldId id="281" r:id="rId13"/>
+    <p:sldId id="315" r:id="rId14"/>
+    <p:sldId id="316" r:id="rId15"/>
+    <p:sldId id="294" r:id="rId16"/>
+    <p:sldId id="295" r:id="rId17"/>
+    <p:sldId id="312" r:id="rId18"/>
+    <p:sldId id="314" r:id="rId19"/>
+    <p:sldId id="313" r:id="rId20"/>
     <p:sldId id="298" r:id="rId21"/>
     <p:sldId id="299" r:id="rId22"/>
     <p:sldId id="300" r:id="rId23"/>
@@ -153,7 +153,7 @@
           <a:p>
             <a:fld id="{81A176F2-8FDD-004B-BC0F-6A0A024A3EE4}" type="datetimeFigureOut">
               <a:rPr lang="x-none" smtClean="0"/>
-              <a:t>6/17/2025</a:t>
+              <a:t>7/2/2025</a:t>
             </a:fld>
             <a:endParaRPr lang="x-none"/>
           </a:p>
@@ -1998,7 +1998,7 @@
           <p:cNvPr id="7" name="Slide Number Placeholder 6">
             <a:extLst>
               <a:ext uri="{FF2B5EF4-FFF2-40B4-BE49-F238E27FC236}">
-                <a16:creationId xmlns="" xmlns:a16="http://schemas.microsoft.com/office/drawing/2014/main" id="{F48A223F-2857-3DF4-31E0-3289FABAE8DE}"/>
+                <a16:creationId xmlns:a16="http://schemas.microsoft.com/office/drawing/2014/main" xmlns="" id="{F48A223F-2857-3DF4-31E0-3289FABAE8DE}"/>
               </a:ext>
             </a:extLst>
           </p:cNvPr>
@@ -2053,13 +2053,7 @@
   <p:cSld>
     <p:spTree>
       <p:nvGrpSpPr>
-        <p:cNvPr id="1" name="">
-          <a:extLst>
-            <a:ext uri="{FF2B5EF4-FFF2-40B4-BE49-F238E27FC236}">
-              <a16:creationId xmlns="" xmlns:a16="http://schemas.microsoft.com/office/drawing/2014/main" id="{39D6AB3A-E1EE-9FB7-B1BA-D0275443E811}"/>
-            </a:ext>
-          </a:extLst>
-        </p:cNvPr>
+        <p:cNvPr id="1" name=""/>
         <p:cNvGrpSpPr/>
         <p:nvPr/>
       </p:nvGrpSpPr>
@@ -2076,7 +2070,7 @@
           <p:cNvPr id="2" name="Title 1">
             <a:extLst>
               <a:ext uri="{FF2B5EF4-FFF2-40B4-BE49-F238E27FC236}">
-                <a16:creationId xmlns="" xmlns:a16="http://schemas.microsoft.com/office/drawing/2014/main" id="{62B63B63-9A2A-E256-E9A4-B6FE103E4CD9}"/>
+                <a16:creationId xmlns:a16="http://schemas.microsoft.com/office/drawing/2014/main" xmlns="" id="{904E33A7-61B6-7881-B806-72A93186A322}"/>
               </a:ext>
             </a:extLst>
           </p:cNvPr>
@@ -2102,7 +2096,14 @@
                 <a:latin typeface="Arial" panose="020B0604020202020204" pitchFamily="34" charset="0"/>
                 <a:cs typeface="Arial" panose="020B0604020202020204" pitchFamily="34" charset="0"/>
               </a:rPr>
-              <a:t>AI solution</a:t>
+              <a:t>AI </a:t>
+            </a:r>
+            <a:r>
+              <a:rPr lang="en-US" dirty="0">
+                <a:latin typeface="Arial" panose="020B0604020202020204" pitchFamily="34" charset="0"/>
+                <a:cs typeface="Arial" panose="020B0604020202020204" pitchFamily="34" charset="0"/>
+              </a:rPr>
+              <a:t>solution with Copilot</a:t>
             </a:r>
             <a:endParaRPr lang="x-none" dirty="0">
               <a:latin typeface="Arial" panose="020B0604020202020204" pitchFamily="34" charset="0"/>
@@ -2113,10 +2114,10 @@
       </p:sp>
       <p:pic>
         <p:nvPicPr>
-          <p:cNvPr id="5" name="Picture 4">
+          <p:cNvPr id="7" name="Picture 6">
             <a:extLst>
               <a:ext uri="{FF2B5EF4-FFF2-40B4-BE49-F238E27FC236}">
-                <a16:creationId xmlns="" xmlns:a16="http://schemas.microsoft.com/office/drawing/2014/main" id="{7BABB847-5CF8-E0B4-E57F-B81B1DB959DE}"/>
+                <a16:creationId xmlns:a16="http://schemas.microsoft.com/office/drawing/2014/main" xmlns="" id="{740679B3-026A-523A-78A7-FFD7E07F4B6D}"/>
               </a:ext>
             </a:extLst>
           </p:cNvPr>
@@ -2126,7 +2127,7 @@
           <p:nvPr/>
         </p:nvPicPr>
         <p:blipFill>
-          <a:blip r:embed="rId2" cstate="print">
+          <a:blip r:embed="rId2">
             <a:extLst>
               <a:ext uri="{28A0092B-C50C-407E-A947-70E740481C1C}">
                 <a14:useLocalDpi xmlns:a14="http://schemas.microsoft.com/office/drawing/2010/main" val="0"/>
@@ -2139,8 +2140,8 @@
         </p:blipFill>
         <p:spPr>
           <a:xfrm>
-            <a:off x="13406" y="767075"/>
-            <a:ext cx="4425244" cy="2157768"/>
+            <a:off x="0" y="756047"/>
+            <a:ext cx="4610100" cy="2644775"/>
           </a:xfrm>
           <a:prstGeom prst="rect">
             <a:avLst/>
@@ -2152,7 +2153,7 @@
           <p:cNvPr id="3" name="TextBox 2">
             <a:extLst>
               <a:ext uri="{FF2B5EF4-FFF2-40B4-BE49-F238E27FC236}">
-                <a16:creationId xmlns="" xmlns:a16="http://schemas.microsoft.com/office/drawing/2014/main" id="{9D2605AA-7EB4-6357-3078-E6E2B0134EDA}"/>
+                <a16:creationId xmlns:a16="http://schemas.microsoft.com/office/drawing/2014/main" xmlns="" id="{574A0B4D-D814-4E0F-D519-2BE0E6324885}"/>
               </a:ext>
             </a:extLst>
           </p:cNvPr>
@@ -2161,8 +2162,8 @@
         </p:nvSpPr>
         <p:spPr>
           <a:xfrm>
-            <a:off x="0" y="351241"/>
-            <a:ext cx="1228221" cy="369332"/>
+            <a:off x="0" y="358775"/>
+            <a:ext cx="1337226" cy="246221"/>
           </a:xfrm>
           <a:prstGeom prst="rect">
             <a:avLst/>
@@ -2180,40 +2181,17 @@
                 <a:latin typeface="Arial" panose="020B0604020202020204" pitchFamily="34" charset="0"/>
                 <a:cs typeface="Arial" panose="020B0604020202020204" pitchFamily="34" charset="0"/>
               </a:rPr>
-              <a:t>Pre-defined rules</a:t>
-            </a:r>
-          </a:p>
-          <a:p>
-            <a:r>
-              <a:rPr lang="x-none" sz="800" dirty="0">
-                <a:latin typeface="Arial" panose="020B0604020202020204" pitchFamily="34" charset="0"/>
-                <a:cs typeface="Arial" panose="020B0604020202020204" pitchFamily="34" charset="0"/>
-              </a:rPr>
-              <a:t>- </a:t>
-            </a:r>
-            <a:r>
-              <a:rPr lang="en-US" sz="800" spc="-25" dirty="0">
-                <a:solidFill>
-                  <a:schemeClr val="tx1"/>
-                </a:solidFill>
-                <a:latin typeface="Arial" panose="020B0604020202020204" pitchFamily="34" charset="0"/>
-                <a:cs typeface="Arial" panose="020B0604020202020204" pitchFamily="34" charset="0"/>
-              </a:rPr>
-              <a:t>Markdown format</a:t>
-            </a:r>
-            <a:endParaRPr lang="x-none" sz="800" dirty="0">
-              <a:latin typeface="Arial" panose="020B0604020202020204" pitchFamily="34" charset="0"/>
-              <a:cs typeface="Arial" panose="020B0604020202020204" pitchFamily="34" charset="0"/>
-            </a:endParaRPr>
-          </a:p>
-        </p:txBody>
-      </p:sp>
-      <p:sp>
-        <p:nvSpPr>
-          <p:cNvPr id="7" name="Slide Number Placeholder 6">
+              <a:t>How Copilot works</a:t>
+            </a:r>
+          </a:p>
+        </p:txBody>
+      </p:sp>
+      <p:sp>
+        <p:nvSpPr>
+          <p:cNvPr id="6" name="Slide Number Placeholder 5">
             <a:extLst>
               <a:ext uri="{FF2B5EF4-FFF2-40B4-BE49-F238E27FC236}">
-                <a16:creationId xmlns="" xmlns:a16="http://schemas.microsoft.com/office/drawing/2014/main" id="{BC32884C-238D-A820-8415-AA89AF74A2B0}"/>
+                <a16:creationId xmlns:a16="http://schemas.microsoft.com/office/drawing/2014/main" xmlns="" id="{32A58E1D-8EDE-55A9-90F1-D7DAB8297B4D}"/>
               </a:ext>
             </a:extLst>
           </p:cNvPr>
@@ -2248,7 +2226,7 @@
     </p:spTree>
     <p:extLst>
       <p:ext uri="{BB962C8B-B14F-4D97-AF65-F5344CB8AC3E}">
-        <p14:creationId xmlns:p14="http://schemas.microsoft.com/office/powerpoint/2010/main" val="4014712610"/>
+        <p14:creationId xmlns:p14="http://schemas.microsoft.com/office/powerpoint/2010/main" val="3130703799"/>
       </p:ext>
     </p:extLst>
   </p:cSld>
@@ -2273,7 +2251,7 @@
         <p:cNvPr id="1" name="">
           <a:extLst>
             <a:ext uri="{FF2B5EF4-FFF2-40B4-BE49-F238E27FC236}">
-              <a16:creationId xmlns="" xmlns:a16="http://schemas.microsoft.com/office/drawing/2014/main" id="{F1E06746-76BA-D24C-51C7-3FBDC959ABD7}"/>
+              <a16:creationId xmlns:a16="http://schemas.microsoft.com/office/drawing/2014/main" xmlns="" id="{02C6FA40-8E87-754A-12B2-314099872451}"/>
             </a:ext>
           </a:extLst>
         </p:cNvPr>
@@ -2293,7 +2271,7 @@
           <p:cNvPr id="2" name="Title 1">
             <a:extLst>
               <a:ext uri="{FF2B5EF4-FFF2-40B4-BE49-F238E27FC236}">
-                <a16:creationId xmlns="" xmlns:a16="http://schemas.microsoft.com/office/drawing/2014/main" id="{147ED3CA-A3B4-F1AE-59A2-54A7173D67D0}"/>
+                <a16:creationId xmlns:a16="http://schemas.microsoft.com/office/drawing/2014/main" xmlns="" id="{BDEC1F03-C296-ECEB-A44F-F597583177CA}"/>
               </a:ext>
             </a:extLst>
           </p:cNvPr>
@@ -2319,7 +2297,14 @@
                 <a:latin typeface="Arial" panose="020B0604020202020204" pitchFamily="34" charset="0"/>
                 <a:cs typeface="Arial" panose="020B0604020202020204" pitchFamily="34" charset="0"/>
               </a:rPr>
-              <a:t>AI solution</a:t>
+              <a:t>AI </a:t>
+            </a:r>
+            <a:r>
+              <a:rPr lang="en-US" dirty="0" smtClean="0">
+                <a:latin typeface="Arial" panose="020B0604020202020204" pitchFamily="34" charset="0"/>
+                <a:cs typeface="Arial" panose="020B0604020202020204" pitchFamily="34" charset="0"/>
+              </a:rPr>
+              <a:t>solution with Copilot</a:t>
             </a:r>
             <a:endParaRPr lang="x-none" dirty="0">
               <a:latin typeface="Arial" panose="020B0604020202020204" pitchFamily="34" charset="0"/>
@@ -2328,109 +2313,324 @@
           </a:p>
         </p:txBody>
       </p:sp>
-      <p:pic>
-        <p:nvPicPr>
-          <p:cNvPr id="5" name="Picture 4">
+      <p:sp>
+        <p:nvSpPr>
+          <p:cNvPr id="6" name="object 18">
             <a:extLst>
               <a:ext uri="{FF2B5EF4-FFF2-40B4-BE49-F238E27FC236}">
-                <a16:creationId xmlns="" xmlns:a16="http://schemas.microsoft.com/office/drawing/2014/main" id="{9C0ABB48-48A0-4730-15C0-670F32F9F419}"/>
+                <a16:creationId xmlns:a16="http://schemas.microsoft.com/office/drawing/2014/main" xmlns="" id="{4C9AD9F7-D54B-CF8D-50A7-51B25467D040}"/>
               </a:ext>
             </a:extLst>
           </p:cNvPr>
-          <p:cNvPicPr>
-            <a:picLocks noChangeAspect="1"/>
-          </p:cNvPicPr>
+          <p:cNvSpPr txBox="1"/>
           <p:nvPr/>
-        </p:nvPicPr>
-        <p:blipFill>
-          <a:blip r:embed="rId2" cstate="print">
-            <a:extLst>
-              <a:ext uri="{28A0092B-C50C-407E-A947-70E740481C1C}">
-                <a14:useLocalDpi xmlns:a14="http://schemas.microsoft.com/office/drawing/2010/main" val="0"/>
-              </a:ext>
-            </a:extLst>
-          </a:blip>
-          <a:stretch>
-            <a:fillRect/>
-          </a:stretch>
-        </p:blipFill>
+        </p:nvSpPr>
         <p:spPr>
           <a:xfrm>
-            <a:off x="24694" y="798472"/>
-            <a:ext cx="4337756" cy="2420391"/>
+            <a:off x="13406" y="358775"/>
+            <a:ext cx="3838575" cy="1976503"/>
           </a:xfrm>
           <a:prstGeom prst="rect">
             <a:avLst/>
           </a:prstGeom>
         </p:spPr>
-      </p:pic>
-      <p:sp>
-        <p:nvSpPr>
-          <p:cNvPr id="3" name="TextBox 2">
-            <a:extLst>
-              <a:ext uri="{FF2B5EF4-FFF2-40B4-BE49-F238E27FC236}">
-                <a16:creationId xmlns="" xmlns:a16="http://schemas.microsoft.com/office/drawing/2014/main" id="{68D64C16-32CF-04B0-2599-6281D805C2DF}"/>
-              </a:ext>
-            </a:extLst>
-          </p:cNvPr>
-          <p:cNvSpPr txBox="1"/>
-          <p:nvPr/>
-        </p:nvSpPr>
-        <p:spPr>
-          <a:xfrm>
-            <a:off x="-32029" y="352256"/>
-            <a:ext cx="1228221" cy="369332"/>
-          </a:xfrm>
-          <a:prstGeom prst="rect">
-            <a:avLst/>
-          </a:prstGeom>
-          <a:noFill/>
-        </p:spPr>
-        <p:txBody>
-          <a:bodyPr wrap="none" rtlCol="0">
+        <p:txBody>
+          <a:bodyPr vert="horz" wrap="square" lIns="0" tIns="6985" rIns="0" bIns="0" rtlCol="0">
             <a:spAutoFit/>
           </a:bodyPr>
           <a:lstStyle/>
           <a:p>
-            <a:r>
-              <a:rPr lang="x-none" sz="1000" b="1" dirty="0">
-                <a:latin typeface="Arial" panose="020B0604020202020204" pitchFamily="34" charset="0"/>
-                <a:cs typeface="Arial" panose="020B0604020202020204" pitchFamily="34" charset="0"/>
-              </a:rPr>
-              <a:t>Pre-defined rules</a:t>
-            </a:r>
-          </a:p>
-          <a:p>
-            <a:r>
-              <a:rPr lang="x-none" sz="800" dirty="0">
-                <a:latin typeface="Arial" panose="020B0604020202020204" pitchFamily="34" charset="0"/>
-                <a:cs typeface="Arial" panose="020B0604020202020204" pitchFamily="34" charset="0"/>
-              </a:rPr>
-              <a:t>- </a:t>
-            </a:r>
-            <a:r>
-              <a:rPr lang="en-US" sz="800" spc="-25" dirty="0">
-                <a:solidFill>
-                  <a:schemeClr val="tx1"/>
-                </a:solidFill>
-                <a:latin typeface="Arial" panose="020B0604020202020204" pitchFamily="34" charset="0"/>
-                <a:cs typeface="Arial" panose="020B0604020202020204" pitchFamily="34" charset="0"/>
-              </a:rPr>
-              <a:t>Markdown format</a:t>
-            </a:r>
-            <a:endParaRPr lang="x-none" sz="800" dirty="0">
+            <a:pPr marL="12700" marR="5080">
+              <a:lnSpc>
+                <a:spcPct val="102600"/>
+              </a:lnSpc>
+              <a:spcBef>
+                <a:spcPts val="55"/>
+              </a:spcBef>
+            </a:pPr>
+            <a:r>
+              <a:rPr lang="en-US" sz="1100" b="1" spc="-70" dirty="0" smtClean="0">
+                <a:latin typeface="Arial" panose="020B0604020202020204" pitchFamily="34" charset="0"/>
+                <a:cs typeface="Arial" panose="020B0604020202020204" pitchFamily="34" charset="0"/>
+              </a:rPr>
+              <a:t>Technical Constrains</a:t>
+            </a:r>
+            <a:endParaRPr lang="en-US" sz="1100" b="1" spc="50" dirty="0">
               <a:latin typeface="Arial" panose="020B0604020202020204" pitchFamily="34" charset="0"/>
               <a:cs typeface="Arial" panose="020B0604020202020204" pitchFamily="34" charset="0"/>
             </a:endParaRPr>
           </a:p>
-        </p:txBody>
-      </p:sp>
-      <p:sp>
-        <p:nvSpPr>
-          <p:cNvPr id="7" name="Slide Number Placeholder 6">
+          <a:p>
+            <a:pPr marL="184150" marR="5080" indent="-171450">
+              <a:lnSpc>
+                <a:spcPct val="102600"/>
+              </a:lnSpc>
+              <a:spcBef>
+                <a:spcPts val="55"/>
+              </a:spcBef>
+              <a:buFontTx/>
+              <a:buChar char="-"/>
+            </a:pPr>
+            <a:r>
+              <a:rPr lang="en-US" sz="900" spc="-25" dirty="0">
+                <a:latin typeface="Arial" panose="020B0604020202020204" pitchFamily="34" charset="0"/>
+                <a:cs typeface="Arial" panose="020B0604020202020204" pitchFamily="34" charset="0"/>
+              </a:rPr>
+              <a:t>Copilot </a:t>
+            </a:r>
+            <a:r>
+              <a:rPr lang="en-US" sz="900" spc="-25" dirty="0">
+                <a:latin typeface="Arial" panose="020B0604020202020204" pitchFamily="34" charset="0"/>
+                <a:cs typeface="Arial" panose="020B0604020202020204" pitchFamily="34" charset="0"/>
+              </a:rPr>
+              <a:t>doesn’t provides REST API (HTTP)</a:t>
+            </a:r>
+            <a:r>
+              <a:rPr lang="en-US" sz="1000" spc="-25" dirty="0" smtClean="0">
+                <a:latin typeface="Arial" panose="020B0604020202020204" pitchFamily="34" charset="0"/>
+                <a:cs typeface="Arial" panose="020B0604020202020204" pitchFamily="34" charset="0"/>
+              </a:rPr>
+              <a:t/>
+            </a:r>
+            <a:br>
+              <a:rPr lang="en-US" sz="1000" spc="-25" dirty="0" smtClean="0">
+                <a:latin typeface="Arial" panose="020B0604020202020204" pitchFamily="34" charset="0"/>
+                <a:cs typeface="Arial" panose="020B0604020202020204" pitchFamily="34" charset="0"/>
+              </a:rPr>
+            </a:br>
+            <a:endParaRPr lang="en-US" sz="1000" spc="-25" dirty="0">
+              <a:latin typeface="Arial" panose="020B0604020202020204" pitchFamily="34" charset="0"/>
+              <a:cs typeface="Arial" panose="020B0604020202020204" pitchFamily="34" charset="0"/>
+            </a:endParaRPr>
+          </a:p>
+          <a:p>
+            <a:pPr marL="184150" marR="5080" lvl="1" indent="-171450">
+              <a:lnSpc>
+                <a:spcPct val="102600"/>
+              </a:lnSpc>
+              <a:spcBef>
+                <a:spcPts val="55"/>
+              </a:spcBef>
+              <a:buFontTx/>
+              <a:buChar char="-"/>
+            </a:pPr>
+            <a:r>
+              <a:rPr lang="en-US" sz="900" spc="-25" dirty="0">
+                <a:latin typeface="Arial" panose="020B0604020202020204" pitchFamily="34" charset="0"/>
+                <a:cs typeface="Arial" panose="020B0604020202020204" pitchFamily="34" charset="0"/>
+              </a:rPr>
+              <a:t>Copilot only provide API via </a:t>
+            </a:r>
+            <a:r>
+              <a:rPr lang="en-US" sz="900" spc="-25" dirty="0" err="1">
+                <a:latin typeface="Arial" panose="020B0604020202020204" pitchFamily="34" charset="0"/>
+                <a:cs typeface="Arial" panose="020B0604020202020204" pitchFamily="34" charset="0"/>
+              </a:rPr>
+              <a:t>vscode</a:t>
+            </a:r>
+            <a:r>
+              <a:rPr lang="en-US" sz="900" spc="-25" dirty="0">
+                <a:latin typeface="Arial" panose="020B0604020202020204" pitchFamily="34" charset="0"/>
+                <a:cs typeface="Arial" panose="020B0604020202020204" pitchFamily="34" charset="0"/>
+              </a:rPr>
+              <a:t> extension: </a:t>
+            </a:r>
+            <a:r>
+              <a:rPr lang="en-US" sz="800" i="1" spc="-25" dirty="0" err="1" smtClean="0">
+                <a:latin typeface="Arial" panose="020B0604020202020204" pitchFamily="34" charset="0"/>
+                <a:cs typeface="Arial" panose="020B0604020202020204" pitchFamily="34" charset="0"/>
+              </a:rPr>
+              <a:t>selectChatModels</a:t>
+            </a:r>
+            <a:r>
+              <a:rPr lang="en-US" sz="800" i="1" spc="-25" dirty="0" smtClean="0">
+                <a:latin typeface="Arial" panose="020B0604020202020204" pitchFamily="34" charset="0"/>
+                <a:cs typeface="Arial" panose="020B0604020202020204" pitchFamily="34" charset="0"/>
+              </a:rPr>
+              <a:t>(), </a:t>
+            </a:r>
+            <a:r>
+              <a:rPr lang="en-US" sz="800" i="1" spc="-25" dirty="0" err="1" smtClean="0">
+                <a:latin typeface="Arial" panose="020B0604020202020204" pitchFamily="34" charset="0"/>
+                <a:cs typeface="Arial" panose="020B0604020202020204" pitchFamily="34" charset="0"/>
+              </a:rPr>
+              <a:t>model.sendrequest</a:t>
+            </a:r>
+            <a:r>
+              <a:rPr lang="en-US" sz="800" i="1" spc="-25" dirty="0" smtClean="0">
+                <a:latin typeface="Arial" panose="020B0604020202020204" pitchFamily="34" charset="0"/>
+                <a:cs typeface="Arial" panose="020B0604020202020204" pitchFamily="34" charset="0"/>
+              </a:rPr>
+              <a:t>() </a:t>
+            </a:r>
+            <a:r>
+              <a:rPr lang="en-US" sz="800" spc="-25" dirty="0" smtClean="0">
+                <a:latin typeface="Arial" panose="020B0604020202020204" pitchFamily="34" charset="0"/>
+                <a:cs typeface="Arial" panose="020B0604020202020204" pitchFamily="34" charset="0"/>
+              </a:rPr>
+              <a:t/>
+            </a:r>
+            <a:br>
+              <a:rPr lang="en-US" sz="800" spc="-25" dirty="0" smtClean="0">
+                <a:latin typeface="Arial" panose="020B0604020202020204" pitchFamily="34" charset="0"/>
+                <a:cs typeface="Arial" panose="020B0604020202020204" pitchFamily="34" charset="0"/>
+              </a:rPr>
+            </a:br>
+            <a:r>
+              <a:rPr lang="en-US" sz="800" spc="-25" dirty="0" smtClean="0">
+                <a:latin typeface="Arial" panose="020B0604020202020204" pitchFamily="34" charset="0"/>
+                <a:cs typeface="Arial" panose="020B0604020202020204" pitchFamily="34" charset="0"/>
+                <a:hlinkClick r:id="rId2"/>
+              </a:rPr>
+              <a:t>https://code.visualstudio.com/api/extension-guides/ai/language-model-tutorial</a:t>
+            </a:r>
+            <a:r>
+              <a:rPr lang="en-US" sz="800" spc="-25" dirty="0" smtClean="0">
+                <a:latin typeface="Arial" panose="020B0604020202020204" pitchFamily="34" charset="0"/>
+                <a:cs typeface="Arial" panose="020B0604020202020204" pitchFamily="34" charset="0"/>
+              </a:rPr>
+              <a:t/>
+            </a:r>
+            <a:br>
+              <a:rPr lang="en-US" sz="800" spc="-25" dirty="0" smtClean="0">
+                <a:latin typeface="Arial" panose="020B0604020202020204" pitchFamily="34" charset="0"/>
+                <a:cs typeface="Arial" panose="020B0604020202020204" pitchFamily="34" charset="0"/>
+              </a:rPr>
+            </a:br>
+            <a:endParaRPr lang="en-US" sz="800" spc="-25" dirty="0">
+              <a:latin typeface="Arial" panose="020B0604020202020204" pitchFamily="34" charset="0"/>
+              <a:cs typeface="Arial" panose="020B0604020202020204" pitchFamily="34" charset="0"/>
+            </a:endParaRPr>
+          </a:p>
+          <a:p>
+            <a:pPr marL="184150" marR="5080" lvl="1" indent="-171450">
+              <a:lnSpc>
+                <a:spcPct val="102600"/>
+              </a:lnSpc>
+              <a:spcBef>
+                <a:spcPts val="55"/>
+              </a:spcBef>
+              <a:buFontTx/>
+              <a:buChar char="-"/>
+            </a:pPr>
+            <a:r>
+              <a:rPr lang="en-US" sz="900" spc="-25" dirty="0">
+                <a:latin typeface="Arial" panose="020B0604020202020204" pitchFamily="34" charset="0"/>
+                <a:cs typeface="Arial" panose="020B0604020202020204" pitchFamily="34" charset="0"/>
+              </a:rPr>
+              <a:t>By using API, several models are supported: </a:t>
+            </a:r>
+            <a:r>
+              <a:rPr lang="en-US" sz="800" spc="-25" dirty="0" smtClean="0">
+                <a:latin typeface="Arial" panose="020B0604020202020204" pitchFamily="34" charset="0"/>
+                <a:cs typeface="Arial" panose="020B0604020202020204" pitchFamily="34" charset="0"/>
+              </a:rPr>
+              <a:t>gpt-4o, gpt-4o-mini, o1, clause-3.5-sonnet </a:t>
+            </a:r>
+            <a:r>
+              <a:rPr lang="en-US" sz="800" spc="-25" dirty="0" smtClean="0">
+                <a:latin typeface="Arial" panose="020B0604020202020204" pitchFamily="34" charset="0"/>
+                <a:cs typeface="Arial" panose="020B0604020202020204" pitchFamily="34" charset="0"/>
+                <a:hlinkClick r:id="rId3"/>
+              </a:rPr>
+              <a:t>https</a:t>
+            </a:r>
+            <a:r>
+              <a:rPr lang="en-US" sz="800" spc="-25" dirty="0">
+                <a:latin typeface="Arial" panose="020B0604020202020204" pitchFamily="34" charset="0"/>
+                <a:cs typeface="Arial" panose="020B0604020202020204" pitchFamily="34" charset="0"/>
+                <a:hlinkClick r:id="rId3"/>
+              </a:rPr>
+              <a:t>://</a:t>
+            </a:r>
+            <a:r>
+              <a:rPr lang="en-US" sz="800" spc="-25" dirty="0" smtClean="0">
+                <a:latin typeface="Arial" panose="020B0604020202020204" pitchFamily="34" charset="0"/>
+                <a:cs typeface="Arial" panose="020B0604020202020204" pitchFamily="34" charset="0"/>
+                <a:hlinkClick r:id="rId3"/>
+              </a:rPr>
+              <a:t>code.visualstudio.com/api/extension-guides/ai/language-model</a:t>
+            </a:r>
+            <a:r>
+              <a:rPr lang="en-US" sz="800" spc="-25" dirty="0" smtClean="0">
+                <a:latin typeface="Arial" panose="020B0604020202020204" pitchFamily="34" charset="0"/>
+                <a:cs typeface="Arial" panose="020B0604020202020204" pitchFamily="34" charset="0"/>
+              </a:rPr>
+              <a:t/>
+            </a:r>
+            <a:br>
+              <a:rPr lang="en-US" sz="800" spc="-25" dirty="0" smtClean="0">
+                <a:latin typeface="Arial" panose="020B0604020202020204" pitchFamily="34" charset="0"/>
+                <a:cs typeface="Arial" panose="020B0604020202020204" pitchFamily="34" charset="0"/>
+              </a:rPr>
+            </a:br>
+            <a:endParaRPr lang="en-US" sz="800" i="1" dirty="0">
+              <a:highlight>
+                <a:srgbClr val="FFFF00"/>
+              </a:highlight>
+              <a:latin typeface="Arial" panose="020B0604020202020204" pitchFamily="34" charset="0"/>
+              <a:cs typeface="Arial" panose="020B0604020202020204" pitchFamily="34" charset="0"/>
+            </a:endParaRPr>
+          </a:p>
+          <a:p>
+            <a:pPr marL="184150" marR="5080" lvl="1" indent="-171450">
+              <a:lnSpc>
+                <a:spcPct val="102600"/>
+              </a:lnSpc>
+              <a:spcBef>
+                <a:spcPts val="55"/>
+              </a:spcBef>
+              <a:buFontTx/>
+              <a:buChar char="-"/>
+            </a:pPr>
+            <a:r>
+              <a:rPr lang="en-US" sz="900" spc="-25" dirty="0">
+                <a:latin typeface="Arial" panose="020B0604020202020204" pitchFamily="34" charset="0"/>
+                <a:cs typeface="Arial" panose="020B0604020202020204" pitchFamily="34" charset="0"/>
+              </a:rPr>
+              <a:t>Copilot chat (official copilot) provides better models: </a:t>
+            </a:r>
+            <a:r>
+              <a:rPr lang="en-US" sz="800" spc="-25" dirty="0" smtClean="0">
+                <a:latin typeface="Arial" panose="020B0604020202020204" pitchFamily="34" charset="0"/>
+                <a:cs typeface="Arial" panose="020B0604020202020204" pitchFamily="34" charset="0"/>
+              </a:rPr>
+              <a:t>gpt-4.1, gpt-4.5, clause sonnet 4</a:t>
+            </a:r>
+            <a:r>
+              <a:rPr lang="en-US" sz="1000" spc="-25" dirty="0">
+                <a:latin typeface="Arial" panose="020B0604020202020204" pitchFamily="34" charset="0"/>
+                <a:cs typeface="Arial" panose="020B0604020202020204" pitchFamily="34" charset="0"/>
+              </a:rPr>
+              <a:t/>
+            </a:r>
+            <a:br>
+              <a:rPr lang="en-US" sz="1000" spc="-25" dirty="0">
+                <a:latin typeface="Arial" panose="020B0604020202020204" pitchFamily="34" charset="0"/>
+                <a:cs typeface="Arial" panose="020B0604020202020204" pitchFamily="34" charset="0"/>
+              </a:rPr>
+            </a:br>
+            <a:r>
+              <a:rPr lang="en-US" sz="800" spc="-25" dirty="0">
+                <a:latin typeface="Arial" panose="020B0604020202020204" pitchFamily="34" charset="0"/>
+                <a:cs typeface="Arial" panose="020B0604020202020204" pitchFamily="34" charset="0"/>
+                <a:hlinkClick r:id="rId4"/>
+              </a:rPr>
+              <a:t>https://docs.github.com/en/copilot/reference/ai-models/supported-ai-models-in-copilot#supported-models-per-client</a:t>
+            </a:r>
+            <a:endParaRPr sz="800" spc="-25" dirty="0">
+              <a:latin typeface="Arial" panose="020B0604020202020204" pitchFamily="34" charset="0"/>
+              <a:cs typeface="Arial" panose="020B0604020202020204" pitchFamily="34" charset="0"/>
+            </a:endParaRPr>
+          </a:p>
+        </p:txBody>
+      </p:sp>
+      <p:sp>
+        <p:nvSpPr>
+          <p:cNvPr id="5" name="Slide Number Placeholder 4">
             <a:extLst>
               <a:ext uri="{FF2B5EF4-FFF2-40B4-BE49-F238E27FC236}">
-                <a16:creationId xmlns="" xmlns:a16="http://schemas.microsoft.com/office/drawing/2014/main" id="{E9FEB60D-A73C-C427-B4EE-7B17A5C1D927}"/>
+                <a16:creationId xmlns:a16="http://schemas.microsoft.com/office/drawing/2014/main" xmlns="" id="{A9750570-8CEE-FF4B-2BA8-D663D20232DF}"/>
               </a:ext>
             </a:extLst>
           </p:cNvPr>
@@ -2465,7 +2665,7 @@
     </p:spTree>
     <p:extLst>
       <p:ext uri="{BB962C8B-B14F-4D97-AF65-F5344CB8AC3E}">
-        <p14:creationId xmlns:p14="http://schemas.microsoft.com/office/powerpoint/2010/main" val="1890560826"/>
+        <p14:creationId xmlns:p14="http://schemas.microsoft.com/office/powerpoint/2010/main" val="2983590492"/>
       </p:ext>
     </p:extLst>
   </p:cSld>
@@ -2487,198 +2687,10 @@
   <p:cSld>
     <p:spTree>
       <p:nvGrpSpPr>
-        <p:cNvPr id="1" name=""/>
-        <p:cNvGrpSpPr/>
-        <p:nvPr/>
-      </p:nvGrpSpPr>
-      <p:grpSpPr>
-        <a:xfrm>
-          <a:off x="0" y="0"/>
-          <a:ext cx="0" cy="0"/>
-          <a:chOff x="0" y="0"/>
-          <a:chExt cx="0" cy="0"/>
-        </a:xfrm>
-      </p:grpSpPr>
-      <p:sp>
-        <p:nvSpPr>
-          <p:cNvPr id="2" name="Title 1">
-            <a:extLst>
-              <a:ext uri="{FF2B5EF4-FFF2-40B4-BE49-F238E27FC236}">
-                <a16:creationId xmlns="" xmlns:a16="http://schemas.microsoft.com/office/drawing/2014/main" id="{904E33A7-61B6-7881-B806-72A93186A322}"/>
-              </a:ext>
-            </a:extLst>
-          </p:cNvPr>
-          <p:cNvSpPr>
-            <a:spLocks noGrp="1"/>
-          </p:cNvSpPr>
-          <p:nvPr>
-            <p:ph type="title"/>
-          </p:nvPr>
-        </p:nvSpPr>
-        <p:spPr>
-          <a:xfrm>
-            <a:off x="95300" y="59928"/>
-            <a:ext cx="3025775" cy="215444"/>
-          </a:xfrm>
-        </p:spPr>
-        <p:txBody>
-          <a:bodyPr/>
-          <a:lstStyle/>
-          <a:p>
-            <a:r>
-              <a:rPr lang="en-US" dirty="0">
-                <a:latin typeface="Arial" panose="020B0604020202020204" pitchFamily="34" charset="0"/>
-                <a:cs typeface="Arial" panose="020B0604020202020204" pitchFamily="34" charset="0"/>
-              </a:rPr>
-              <a:t>AI solution</a:t>
-            </a:r>
-            <a:endParaRPr lang="x-none" dirty="0">
-              <a:latin typeface="Arial" panose="020B0604020202020204" pitchFamily="34" charset="0"/>
-              <a:cs typeface="Arial" panose="020B0604020202020204" pitchFamily="34" charset="0"/>
-            </a:endParaRPr>
-          </a:p>
-        </p:txBody>
-      </p:sp>
-      <p:pic>
-        <p:nvPicPr>
-          <p:cNvPr id="7" name="Picture 6">
-            <a:extLst>
-              <a:ext uri="{FF2B5EF4-FFF2-40B4-BE49-F238E27FC236}">
-                <a16:creationId xmlns="" xmlns:a16="http://schemas.microsoft.com/office/drawing/2014/main" id="{740679B3-026A-523A-78A7-FFD7E07F4B6D}"/>
-              </a:ext>
-            </a:extLst>
-          </p:cNvPr>
-          <p:cNvPicPr>
-            <a:picLocks noChangeAspect="1"/>
-          </p:cNvPicPr>
-          <p:nvPr/>
-        </p:nvPicPr>
-        <p:blipFill>
-          <a:blip r:embed="rId2">
-            <a:extLst>
-              <a:ext uri="{28A0092B-C50C-407E-A947-70E740481C1C}">
-                <a14:useLocalDpi xmlns:a14="http://schemas.microsoft.com/office/drawing/2010/main" val="0"/>
-              </a:ext>
-            </a:extLst>
-          </a:blip>
-          <a:stretch>
-            <a:fillRect/>
-          </a:stretch>
-        </p:blipFill>
-        <p:spPr>
-          <a:xfrm>
-            <a:off x="0" y="756047"/>
-            <a:ext cx="4610100" cy="2644775"/>
-          </a:xfrm>
-          <a:prstGeom prst="rect">
-            <a:avLst/>
-          </a:prstGeom>
-        </p:spPr>
-      </p:pic>
-      <p:sp>
-        <p:nvSpPr>
-          <p:cNvPr id="3" name="TextBox 2">
-            <a:extLst>
-              <a:ext uri="{FF2B5EF4-FFF2-40B4-BE49-F238E27FC236}">
-                <a16:creationId xmlns="" xmlns:a16="http://schemas.microsoft.com/office/drawing/2014/main" id="{574A0B4D-D814-4E0F-D519-2BE0E6324885}"/>
-              </a:ext>
-            </a:extLst>
-          </p:cNvPr>
-          <p:cNvSpPr txBox="1"/>
-          <p:nvPr/>
-        </p:nvSpPr>
-        <p:spPr>
-          <a:xfrm>
-            <a:off x="0" y="358775"/>
-            <a:ext cx="1337226" cy="246221"/>
-          </a:xfrm>
-          <a:prstGeom prst="rect">
-            <a:avLst/>
-          </a:prstGeom>
-          <a:noFill/>
-        </p:spPr>
-        <p:txBody>
-          <a:bodyPr wrap="none" rtlCol="0">
-            <a:spAutoFit/>
-          </a:bodyPr>
-          <a:lstStyle/>
-          <a:p>
-            <a:r>
-              <a:rPr lang="x-none" sz="1000" b="1" dirty="0">
-                <a:latin typeface="Arial" panose="020B0604020202020204" pitchFamily="34" charset="0"/>
-                <a:cs typeface="Arial" panose="020B0604020202020204" pitchFamily="34" charset="0"/>
-              </a:rPr>
-              <a:t>How Copilot works</a:t>
-            </a:r>
-          </a:p>
-        </p:txBody>
-      </p:sp>
-      <p:sp>
-        <p:nvSpPr>
-          <p:cNvPr id="6" name="Slide Number Placeholder 5">
-            <a:extLst>
-              <a:ext uri="{FF2B5EF4-FFF2-40B4-BE49-F238E27FC236}">
-                <a16:creationId xmlns="" xmlns:a16="http://schemas.microsoft.com/office/drawing/2014/main" id="{32A58E1D-8EDE-55A9-90F1-D7DAB8297B4D}"/>
-              </a:ext>
-            </a:extLst>
-          </p:cNvPr>
-          <p:cNvSpPr>
-            <a:spLocks noGrp="1"/>
-          </p:cNvSpPr>
-          <p:nvPr>
-            <p:ph type="sldNum" sz="quarter" idx="7"/>
-          </p:nvPr>
-        </p:nvSpPr>
-        <p:spPr/>
-        <p:txBody>
-          <a:bodyPr/>
-          <a:lstStyle/>
-          <a:p>
-            <a:pPr marL="12700">
-              <a:lnSpc>
-                <a:spcPct val="100000"/>
-              </a:lnSpc>
-              <a:spcBef>
-                <a:spcPts val="190"/>
-              </a:spcBef>
-            </a:pPr>
-            <a:fld id="{81D60167-4931-47E6-BA6A-407CBD079E47}" type="slidenum">
-              <a:rPr lang="x-none" smtClean="0"/>
-              <a:t>12</a:t>
-            </a:fld>
-            <a:endParaRPr lang="x-none" spc="-25" dirty="0"/>
-          </a:p>
-        </p:txBody>
-      </p:sp>
-    </p:spTree>
-    <p:extLst>
-      <p:ext uri="{BB962C8B-B14F-4D97-AF65-F5344CB8AC3E}">
-        <p14:creationId xmlns:p14="http://schemas.microsoft.com/office/powerpoint/2010/main" val="3130703799"/>
-      </p:ext>
-    </p:extLst>
-  </p:cSld>
-  <p:clrMapOvr>
-    <a:masterClrMapping/>
-  </p:clrMapOvr>
-  <p:timing>
-    <p:tnLst>
-      <p:par>
-        <p:cTn id="1" dur="indefinite" restart="never" nodeType="tmRoot"/>
-      </p:par>
-    </p:tnLst>
-  </p:timing>
-</p:sld>
-</file>
-
-<file path=ppt/slides/slide13.xml><?xml version="1.0" encoding="utf-8"?>
-<p:sld xmlns:a="http://schemas.openxmlformats.org/drawingml/2006/main" xmlns:r="http://schemas.openxmlformats.org/officeDocument/2006/relationships" xmlns:p="http://schemas.openxmlformats.org/presentationml/2006/main">
-  <p:cSld>
-    <p:spTree>
-      <p:nvGrpSpPr>
         <p:cNvPr id="1" name="">
           <a:extLst>
             <a:ext uri="{FF2B5EF4-FFF2-40B4-BE49-F238E27FC236}">
-              <a16:creationId xmlns="" xmlns:a16="http://schemas.microsoft.com/office/drawing/2014/main" id="{02C6FA40-8E87-754A-12B2-314099872451}"/>
+              <a16:creationId xmlns:a16="http://schemas.microsoft.com/office/drawing/2014/main" xmlns="" id="{F6CDD485-1589-9263-8CEA-314A58E2985D}"/>
             </a:ext>
           </a:extLst>
         </p:cNvPr>
@@ -2698,7 +2710,7 @@
           <p:cNvPr id="2" name="Title 1">
             <a:extLst>
               <a:ext uri="{FF2B5EF4-FFF2-40B4-BE49-F238E27FC236}">
-                <a16:creationId xmlns="" xmlns:a16="http://schemas.microsoft.com/office/drawing/2014/main" id="{BDEC1F03-C296-ECEB-A44F-F597583177CA}"/>
+                <a16:creationId xmlns:a16="http://schemas.microsoft.com/office/drawing/2014/main" xmlns="" id="{A65EB058-A36B-4236-1FB7-CDB3C4AA4C88}"/>
               </a:ext>
             </a:extLst>
           </p:cNvPr>
@@ -2724,7 +2736,14 @@
                 <a:latin typeface="Arial" panose="020B0604020202020204" pitchFamily="34" charset="0"/>
                 <a:cs typeface="Arial" panose="020B0604020202020204" pitchFamily="34" charset="0"/>
               </a:rPr>
-              <a:t>AI solution</a:t>
+              <a:t>AI </a:t>
+            </a:r>
+            <a:r>
+              <a:rPr lang="en-US" dirty="0">
+                <a:latin typeface="Arial" panose="020B0604020202020204" pitchFamily="34" charset="0"/>
+                <a:cs typeface="Arial" panose="020B0604020202020204" pitchFamily="34" charset="0"/>
+              </a:rPr>
+              <a:t>solution with Copilot</a:t>
             </a:r>
             <a:endParaRPr lang="x-none" dirty="0">
               <a:latin typeface="Arial" panose="020B0604020202020204" pitchFamily="34" charset="0"/>
@@ -2733,48 +2752,12 @@
           </a:p>
         </p:txBody>
       </p:sp>
-      <p:pic>
-        <p:nvPicPr>
-          <p:cNvPr id="4" name="Picture 3">
+      <p:sp>
+        <p:nvSpPr>
+          <p:cNvPr id="5" name="object 18">
             <a:extLst>
               <a:ext uri="{FF2B5EF4-FFF2-40B4-BE49-F238E27FC236}">
-                <a16:creationId xmlns="" xmlns:a16="http://schemas.microsoft.com/office/drawing/2014/main" id="{498B2324-76AB-69A8-C49B-0F4C448627C6}"/>
-              </a:ext>
-            </a:extLst>
-          </p:cNvPr>
-          <p:cNvPicPr>
-            <a:picLocks noChangeAspect="1"/>
-          </p:cNvPicPr>
-          <p:nvPr/>
-        </p:nvPicPr>
-        <p:blipFill>
-          <a:blip r:embed="rId2">
-            <a:extLst>
-              <a:ext uri="{28A0092B-C50C-407E-A947-70E740481C1C}">
-                <a14:useLocalDpi xmlns:a14="http://schemas.microsoft.com/office/drawing/2010/main" val="0"/>
-              </a:ext>
-            </a:extLst>
-          </a:blip>
-          <a:stretch>
-            <a:fillRect/>
-          </a:stretch>
-        </p:blipFill>
-        <p:spPr>
-          <a:xfrm>
-            <a:off x="0" y="1098551"/>
-            <a:ext cx="4610100" cy="2362199"/>
-          </a:xfrm>
-          <a:prstGeom prst="rect">
-            <a:avLst/>
-          </a:prstGeom>
-        </p:spPr>
-      </p:pic>
-      <p:sp>
-        <p:nvSpPr>
-          <p:cNvPr id="6" name="object 18">
-            <a:extLst>
-              <a:ext uri="{FF2B5EF4-FFF2-40B4-BE49-F238E27FC236}">
-                <a16:creationId xmlns="" xmlns:a16="http://schemas.microsoft.com/office/drawing/2014/main" id="{4C9AD9F7-D54B-CF8D-50A7-51B25467D040}"/>
+                <a16:creationId xmlns:a16="http://schemas.microsoft.com/office/drawing/2014/main" xmlns="" id="{05D3E414-47F6-2DDF-BBAA-5BD47AA15418}"/>
               </a:ext>
             </a:extLst>
           </p:cNvPr>
@@ -2784,7 +2767,7 @@
         <p:spPr>
           <a:xfrm>
             <a:off x="13406" y="358775"/>
-            <a:ext cx="3838575" cy="541110"/>
+            <a:ext cx="3838575" cy="336887"/>
           </a:xfrm>
           <a:prstGeom prst="rect">
             <a:avLst/>
@@ -2805,25 +2788,32 @@
               </a:spcBef>
             </a:pPr>
             <a:r>
-              <a:rPr lang="en-US" sz="1100" b="1" spc="-70" dirty="0">
-                <a:latin typeface="Arial" panose="020B0604020202020204" pitchFamily="34" charset="0"/>
-                <a:cs typeface="Arial" panose="020B0604020202020204" pitchFamily="34" charset="0"/>
-              </a:rPr>
-              <a:t>Expected Design</a:t>
-            </a:r>
-            <a:r>
-              <a:rPr sz="1100" b="1" spc="-70" dirty="0">
-                <a:latin typeface="Arial" panose="020B0604020202020204" pitchFamily="34" charset="0"/>
-                <a:cs typeface="Arial" panose="020B0604020202020204" pitchFamily="34" charset="0"/>
-              </a:rPr>
-              <a:t>:</a:t>
-            </a:r>
-            <a:r>
-              <a:rPr sz="1100" b="1" spc="50" dirty="0">
-                <a:latin typeface="Arial" panose="020B0604020202020204" pitchFamily="34" charset="0"/>
-                <a:cs typeface="Arial" panose="020B0604020202020204" pitchFamily="34" charset="0"/>
-              </a:rPr>
-              <a:t> </a:t>
+              <a:rPr lang="en-US" sz="1100" b="1" spc="-70" dirty="0" smtClean="0">
+                <a:latin typeface="Arial" panose="020B0604020202020204" pitchFamily="34" charset="0"/>
+                <a:cs typeface="Arial" panose="020B0604020202020204" pitchFamily="34" charset="0"/>
+              </a:rPr>
+              <a:t>Option </a:t>
+            </a:r>
+            <a:r>
+              <a:rPr lang="en-US" sz="1100" b="1" spc="-70" dirty="0" smtClean="0">
+                <a:latin typeface="Arial" panose="020B0604020202020204" pitchFamily="34" charset="0"/>
+                <a:cs typeface="Arial" panose="020B0604020202020204" pitchFamily="34" charset="0"/>
+              </a:rPr>
+              <a:t>1: use </a:t>
+            </a:r>
+            <a:r>
+              <a:rPr lang="en-US" sz="1100" b="1" spc="-70" dirty="0" err="1" smtClean="0">
+                <a:latin typeface="Arial" panose="020B0604020202020204" pitchFamily="34" charset="0"/>
+                <a:cs typeface="Arial" panose="020B0604020202020204" pitchFamily="34" charset="0"/>
+              </a:rPr>
+              <a:t>vscode</a:t>
+            </a:r>
+            <a:r>
+              <a:rPr lang="en-US" sz="1100" b="1" spc="-70" dirty="0" smtClean="0">
+                <a:latin typeface="Arial" panose="020B0604020202020204" pitchFamily="34" charset="0"/>
+                <a:cs typeface="Arial" panose="020B0604020202020204" pitchFamily="34" charset="0"/>
+              </a:rPr>
+              <a:t> extension</a:t>
             </a:r>
             <a:endParaRPr lang="en-US" sz="1100" b="1" spc="50" dirty="0">
               <a:latin typeface="Arial" panose="020B0604020202020204" pitchFamily="34" charset="0"/>
@@ -2831,56 +2821,30 @@
             </a:endParaRPr>
           </a:p>
           <a:p>
-            <a:pPr marL="184150" marR="5080" indent="-171450">
+            <a:pPr marL="12700" marR="5080">
               <a:lnSpc>
                 <a:spcPct val="102600"/>
               </a:lnSpc>
               <a:spcBef>
                 <a:spcPts val="55"/>
               </a:spcBef>
-              <a:buFontTx/>
-              <a:buChar char="-"/>
             </a:pPr>
             <a:r>
-              <a:rPr lang="en-US" sz="1100" spc="-25" dirty="0">
-                <a:latin typeface="Arial" panose="020B0604020202020204" pitchFamily="34" charset="0"/>
-                <a:cs typeface="Arial" panose="020B0604020202020204" pitchFamily="34" charset="0"/>
-              </a:rPr>
-              <a:t>Copilot provides REST API for clients to use it</a:t>
-            </a:r>
-          </a:p>
-          <a:p>
-            <a:pPr marL="184150" marR="5080" indent="-171450">
-              <a:lnSpc>
-                <a:spcPct val="102600"/>
-              </a:lnSpc>
-              <a:spcBef>
-                <a:spcPts val="55"/>
-              </a:spcBef>
-              <a:buFontTx/>
-              <a:buChar char="-"/>
-            </a:pPr>
-            <a:r>
-              <a:rPr lang="en-US" sz="1100" spc="-25" dirty="0">
-                <a:latin typeface="Arial" panose="020B0604020202020204" pitchFamily="34" charset="0"/>
-                <a:cs typeface="Arial" panose="020B0604020202020204" pitchFamily="34" charset="0"/>
-              </a:rPr>
-              <a:t>Unfortunately, </a:t>
-            </a:r>
-            <a:r>
-              <a:rPr lang="en-US" sz="1100" spc="-25" dirty="0">
-                <a:highlight>
-                  <a:srgbClr val="FFFF00"/>
-                </a:highlight>
-                <a:latin typeface="Arial" panose="020B0604020202020204" pitchFamily="34" charset="0"/>
-                <a:cs typeface="Arial" panose="020B0604020202020204" pitchFamily="34" charset="0"/>
-              </a:rPr>
-              <a:t>Copilot does not publish its API</a:t>
-            </a:r>
-            <a:endParaRPr sz="1100" dirty="0">
-              <a:highlight>
-                <a:srgbClr val="FFFF00"/>
-              </a:highlight>
+              <a:rPr lang="en-US" sz="900" spc="-25" dirty="0" smtClean="0">
+                <a:solidFill>
+                  <a:schemeClr val="tx1"/>
+                </a:solidFill>
+                <a:latin typeface="Arial" panose="020B0604020202020204" pitchFamily="34" charset="0"/>
+                <a:cs typeface="Arial" panose="020B0604020202020204" pitchFamily="34" charset="0"/>
+              </a:rPr>
+              <a:t>-</a:t>
+            </a:r>
+            <a:endParaRPr sz="900" dirty="0">
+              <a:solidFill>
+                <a:schemeClr val="accent2">
+                  <a:lumMod val="75000"/>
+                </a:schemeClr>
+              </a:solidFill>
               <a:latin typeface="Arial" panose="020B0604020202020204" pitchFamily="34" charset="0"/>
               <a:cs typeface="Arial" panose="020B0604020202020204" pitchFamily="34" charset="0"/>
             </a:endParaRPr>
@@ -2889,10 +2853,10 @@
       </p:sp>
       <p:sp>
         <p:nvSpPr>
-          <p:cNvPr id="5" name="Slide Number Placeholder 4">
+          <p:cNvPr id="6" name="Slide Number Placeholder 5">
             <a:extLst>
               <a:ext uri="{FF2B5EF4-FFF2-40B4-BE49-F238E27FC236}">
-                <a16:creationId xmlns="" xmlns:a16="http://schemas.microsoft.com/office/drawing/2014/main" id="{A9750570-8CEE-FF4B-2BA8-D663D20232DF}"/>
+                <a16:creationId xmlns:a16="http://schemas.microsoft.com/office/drawing/2014/main" xmlns="" id="{C99A4724-1AC5-7707-7AED-F930032BBA4C}"/>
               </a:ext>
             </a:extLst>
           </p:cNvPr>
@@ -2918,111 +2882,22 @@
             </a:pPr>
             <a:fld id="{81D60167-4931-47E6-BA6A-407CBD079E47}" type="slidenum">
               <a:rPr lang="x-none" smtClean="0"/>
-              <a:t>13</a:t>
+              <a:t>12</a:t>
             </a:fld>
             <a:endParaRPr lang="x-none" spc="-25" dirty="0"/>
           </a:p>
         </p:txBody>
       </p:sp>
-    </p:spTree>
-    <p:extLst>
-      <p:ext uri="{BB962C8B-B14F-4D97-AF65-F5344CB8AC3E}">
-        <p14:creationId xmlns:p14="http://schemas.microsoft.com/office/powerpoint/2010/main" val="2983590492"/>
-      </p:ext>
-    </p:extLst>
-  </p:cSld>
-  <p:clrMapOvr>
-    <a:masterClrMapping/>
-  </p:clrMapOvr>
-  <p:timing>
-    <p:tnLst>
-      <p:par>
-        <p:cTn id="1" dur="indefinite" restart="never" nodeType="tmRoot"/>
-      </p:par>
-    </p:tnLst>
-  </p:timing>
-</p:sld>
-</file>
-
-<file path=ppt/slides/slide14.xml><?xml version="1.0" encoding="utf-8"?>
-<p:sld xmlns:a="http://schemas.openxmlformats.org/drawingml/2006/main" xmlns:r="http://schemas.openxmlformats.org/officeDocument/2006/relationships" xmlns:p="http://schemas.openxmlformats.org/presentationml/2006/main">
-  <p:cSld>
-    <p:spTree>
-      <p:nvGrpSpPr>
-        <p:cNvPr id="1" name="">
-          <a:extLst>
-            <a:ext uri="{FF2B5EF4-FFF2-40B4-BE49-F238E27FC236}">
-              <a16:creationId xmlns="" xmlns:a16="http://schemas.microsoft.com/office/drawing/2014/main" id="{8321D772-91D8-DFB7-1E99-6D22F0E79EF5}"/>
-            </a:ext>
-          </a:extLst>
-        </p:cNvPr>
-        <p:cNvGrpSpPr/>
-        <p:nvPr/>
-      </p:nvGrpSpPr>
-      <p:grpSpPr>
-        <a:xfrm>
-          <a:off x="0" y="0"/>
-          <a:ext cx="0" cy="0"/>
-          <a:chOff x="0" y="0"/>
-          <a:chExt cx="0" cy="0"/>
-        </a:xfrm>
-      </p:grpSpPr>
-      <p:sp>
-        <p:nvSpPr>
-          <p:cNvPr id="2" name="Title 1">
-            <a:extLst>
-              <a:ext uri="{FF2B5EF4-FFF2-40B4-BE49-F238E27FC236}">
-                <a16:creationId xmlns="" xmlns:a16="http://schemas.microsoft.com/office/drawing/2014/main" id="{40CC98DA-5225-F9C6-07E0-DE64EFBE907C}"/>
-              </a:ext>
-            </a:extLst>
-          </p:cNvPr>
-          <p:cNvSpPr>
-            <a:spLocks noGrp="1"/>
-          </p:cNvSpPr>
-          <p:nvPr>
-            <p:ph type="title"/>
-          </p:nvPr>
-        </p:nvSpPr>
-        <p:spPr>
-          <a:xfrm>
-            <a:off x="95300" y="59928"/>
-            <a:ext cx="3025775" cy="215444"/>
-          </a:xfrm>
-        </p:spPr>
-        <p:txBody>
-          <a:bodyPr/>
-          <a:lstStyle/>
-          <a:p>
-            <a:r>
-              <a:rPr lang="en-US" dirty="0">
-                <a:latin typeface="Arial" panose="020B0604020202020204" pitchFamily="34" charset="0"/>
-                <a:cs typeface="Arial" panose="020B0604020202020204" pitchFamily="34" charset="0"/>
-              </a:rPr>
-              <a:t>AI solution</a:t>
-            </a:r>
-            <a:endParaRPr lang="x-none" dirty="0">
-              <a:latin typeface="Arial" panose="020B0604020202020204" pitchFamily="34" charset="0"/>
-              <a:cs typeface="Arial" panose="020B0604020202020204" pitchFamily="34" charset="0"/>
-            </a:endParaRPr>
-          </a:p>
-        </p:txBody>
-      </p:sp>
       <p:pic>
         <p:nvPicPr>
-          <p:cNvPr id="5" name="Picture 4">
-            <a:extLst>
-              <a:ext uri="{FF2B5EF4-FFF2-40B4-BE49-F238E27FC236}">
-                <a16:creationId xmlns="" xmlns:a16="http://schemas.microsoft.com/office/drawing/2014/main" id="{376046AB-D2BB-A88C-1522-CE75082E49DB}"/>
-              </a:ext>
-            </a:extLst>
-          </p:cNvPr>
+          <p:cNvPr id="4" name="Picture 3"/>
           <p:cNvPicPr>
             <a:picLocks noChangeAspect="1"/>
           </p:cNvPicPr>
           <p:nvPr/>
         </p:nvPicPr>
         <p:blipFill>
-          <a:blip r:embed="rId2" cstate="print">
+          <a:blip r:embed="rId2">
             <a:extLst>
               <a:ext uri="{28A0092B-C50C-407E-A947-70E740481C1C}">
                 <a14:useLocalDpi xmlns:a14="http://schemas.microsoft.com/office/drawing/2010/main" val="0"/>
@@ -3035,799 +2910,8 @@
         </p:blipFill>
         <p:spPr>
           <a:xfrm>
-            <a:off x="0" y="1327150"/>
-            <a:ext cx="1924050" cy="1752600"/>
-          </a:xfrm>
-          <a:prstGeom prst="rect">
-            <a:avLst/>
-          </a:prstGeom>
-        </p:spPr>
-      </p:pic>
-      <p:pic>
-        <p:nvPicPr>
-          <p:cNvPr id="9" name="Picture 8">
-            <a:extLst>
-              <a:ext uri="{FF2B5EF4-FFF2-40B4-BE49-F238E27FC236}">
-                <a16:creationId xmlns="" xmlns:a16="http://schemas.microsoft.com/office/drawing/2014/main" id="{AC0666F4-D289-EC63-B11D-45DDAD803527}"/>
-              </a:ext>
-            </a:extLst>
-          </p:cNvPr>
-          <p:cNvPicPr>
-            <a:picLocks noChangeAspect="1"/>
-          </p:cNvPicPr>
-          <p:nvPr/>
-        </p:nvPicPr>
-        <p:blipFill>
-          <a:blip r:embed="rId3" cstate="print">
-            <a:extLst>
-              <a:ext uri="{28A0092B-C50C-407E-A947-70E740481C1C}">
-                <a14:useLocalDpi xmlns:a14="http://schemas.microsoft.com/office/drawing/2010/main" val="0"/>
-              </a:ext>
-            </a:extLst>
-          </a:blip>
-          <a:stretch>
-            <a:fillRect/>
-          </a:stretch>
-        </p:blipFill>
-        <p:spPr>
-          <a:xfrm>
-            <a:off x="2076450" y="1327150"/>
-            <a:ext cx="2533650" cy="1828800"/>
-          </a:xfrm>
-          <a:prstGeom prst="rect">
-            <a:avLst/>
-          </a:prstGeom>
-        </p:spPr>
-      </p:pic>
-      <p:sp>
-        <p:nvSpPr>
-          <p:cNvPr id="10" name="object 18">
-            <a:extLst>
-              <a:ext uri="{FF2B5EF4-FFF2-40B4-BE49-F238E27FC236}">
-                <a16:creationId xmlns="" xmlns:a16="http://schemas.microsoft.com/office/drawing/2014/main" id="{6B15526A-30B6-D8E8-36E9-F92DF56B1F43}"/>
-              </a:ext>
-            </a:extLst>
-          </p:cNvPr>
-          <p:cNvSpPr txBox="1"/>
-          <p:nvPr/>
-        </p:nvSpPr>
-        <p:spPr>
-          <a:xfrm>
-            <a:off x="13406" y="358775"/>
-            <a:ext cx="3838575" cy="542906"/>
-          </a:xfrm>
-          <a:prstGeom prst="rect">
-            <a:avLst/>
-          </a:prstGeom>
-        </p:spPr>
-        <p:txBody>
-          <a:bodyPr vert="horz" wrap="square" lIns="0" tIns="6985" rIns="0" bIns="0" rtlCol="0">
-            <a:spAutoFit/>
-          </a:bodyPr>
-          <a:lstStyle/>
-          <a:p>
-            <a:pPr marL="12700" marR="5080">
-              <a:lnSpc>
-                <a:spcPct val="102600"/>
-              </a:lnSpc>
-              <a:spcBef>
-                <a:spcPts val="55"/>
-              </a:spcBef>
-            </a:pPr>
-            <a:r>
-              <a:rPr lang="en-US" sz="1100" b="1" spc="-70" dirty="0">
-                <a:latin typeface="Arial" panose="020B0604020202020204" pitchFamily="34" charset="0"/>
-                <a:cs typeface="Arial" panose="020B0604020202020204" pitchFamily="34" charset="0"/>
-              </a:rPr>
-              <a:t>Potential solution</a:t>
-            </a:r>
-            <a:r>
-              <a:rPr sz="1100" b="1" spc="-70" dirty="0">
-                <a:latin typeface="Arial" panose="020B0604020202020204" pitchFamily="34" charset="0"/>
-                <a:cs typeface="Arial" panose="020B0604020202020204" pitchFamily="34" charset="0"/>
-              </a:rPr>
-              <a:t>:</a:t>
-            </a:r>
-            <a:r>
-              <a:rPr sz="1100" b="1" spc="50" dirty="0">
-                <a:latin typeface="Arial" panose="020B0604020202020204" pitchFamily="34" charset="0"/>
-                <a:cs typeface="Arial" panose="020B0604020202020204" pitchFamily="34" charset="0"/>
-              </a:rPr>
-              <a:t> </a:t>
-            </a:r>
-            <a:r>
-              <a:rPr lang="en-US" sz="1100" b="1" spc="50" dirty="0" smtClean="0">
-                <a:latin typeface="Arial" panose="020B0604020202020204" pitchFamily="34" charset="0"/>
-                <a:cs typeface="Arial" panose="020B0604020202020204" pitchFamily="34" charset="0"/>
-              </a:rPr>
-              <a:t>(not applicable)</a:t>
-            </a:r>
-            <a:endParaRPr lang="en-US" sz="1100" b="1" spc="50" dirty="0">
-              <a:latin typeface="Arial" panose="020B0604020202020204" pitchFamily="34" charset="0"/>
-              <a:cs typeface="Arial" panose="020B0604020202020204" pitchFamily="34" charset="0"/>
-            </a:endParaRPr>
-          </a:p>
-          <a:p>
-            <a:pPr marL="12700" marR="5080">
-              <a:lnSpc>
-                <a:spcPct val="102600"/>
-              </a:lnSpc>
-              <a:spcBef>
-                <a:spcPts val="55"/>
-              </a:spcBef>
-            </a:pPr>
-            <a:r>
-              <a:rPr lang="en-US" sz="1100" spc="-25" dirty="0">
-                <a:latin typeface="Arial" panose="020B0604020202020204" pitchFamily="34" charset="0"/>
-                <a:cs typeface="Arial" panose="020B0604020202020204" pitchFamily="34" charset="0"/>
-              </a:rPr>
-              <a:t>- Identify Copilot’s API through reverse engineering with Copilot Vim plugin</a:t>
-            </a:r>
-            <a:endParaRPr sz="1100" dirty="0">
-              <a:highlight>
-                <a:srgbClr val="FFFF00"/>
-              </a:highlight>
-              <a:latin typeface="Arial" panose="020B0604020202020204" pitchFamily="34" charset="0"/>
-              <a:cs typeface="Arial" panose="020B0604020202020204" pitchFamily="34" charset="0"/>
-            </a:endParaRPr>
-          </a:p>
-        </p:txBody>
-      </p:sp>
-      <p:sp>
-        <p:nvSpPr>
-          <p:cNvPr id="4" name="Slide Number Placeholder 3">
-            <a:extLst>
-              <a:ext uri="{FF2B5EF4-FFF2-40B4-BE49-F238E27FC236}">
-                <a16:creationId xmlns="" xmlns:a16="http://schemas.microsoft.com/office/drawing/2014/main" id="{21BB8A55-9748-DDA4-7E33-0A7CBC0C1E0C}"/>
-              </a:ext>
-            </a:extLst>
-          </p:cNvPr>
-          <p:cNvSpPr>
-            <a:spLocks noGrp="1"/>
-          </p:cNvSpPr>
-          <p:nvPr>
-            <p:ph type="sldNum" sz="quarter" idx="7"/>
-          </p:nvPr>
-        </p:nvSpPr>
-        <p:spPr/>
-        <p:txBody>
-          <a:bodyPr/>
-          <a:lstStyle/>
-          <a:p>
-            <a:pPr marL="12700">
-              <a:lnSpc>
-                <a:spcPct val="100000"/>
-              </a:lnSpc>
-              <a:spcBef>
-                <a:spcPts val="190"/>
-              </a:spcBef>
-            </a:pPr>
-            <a:fld id="{81D60167-4931-47E6-BA6A-407CBD079E47}" type="slidenum">
-              <a:rPr lang="x-none" smtClean="0"/>
-              <a:t>14</a:t>
-            </a:fld>
-            <a:endParaRPr lang="x-none" spc="-25" dirty="0"/>
-          </a:p>
-        </p:txBody>
-      </p:sp>
-    </p:spTree>
-    <p:extLst>
-      <p:ext uri="{BB962C8B-B14F-4D97-AF65-F5344CB8AC3E}">
-        <p14:creationId xmlns:p14="http://schemas.microsoft.com/office/powerpoint/2010/main" val="640155922"/>
-      </p:ext>
-    </p:extLst>
-  </p:cSld>
-  <p:clrMapOvr>
-    <a:masterClrMapping/>
-  </p:clrMapOvr>
-  <p:timing>
-    <p:tnLst>
-      <p:par>
-        <p:cTn id="1" dur="indefinite" restart="never" nodeType="tmRoot"/>
-      </p:par>
-    </p:tnLst>
-  </p:timing>
-</p:sld>
-</file>
-
-<file path=ppt/slides/slide15.xml><?xml version="1.0" encoding="utf-8"?>
-<p:sld xmlns:a="http://schemas.openxmlformats.org/drawingml/2006/main" xmlns:r="http://schemas.openxmlformats.org/officeDocument/2006/relationships" xmlns:p="http://schemas.openxmlformats.org/presentationml/2006/main">
-  <p:cSld>
-    <p:spTree>
-      <p:nvGrpSpPr>
-        <p:cNvPr id="1" name=""/>
-        <p:cNvGrpSpPr/>
-        <p:nvPr/>
-      </p:nvGrpSpPr>
-      <p:grpSpPr>
-        <a:xfrm>
-          <a:off x="0" y="0"/>
-          <a:ext cx="0" cy="0"/>
-          <a:chOff x="0" y="0"/>
-          <a:chExt cx="0" cy="0"/>
-        </a:xfrm>
-      </p:grpSpPr>
-      <p:sp>
-        <p:nvSpPr>
-          <p:cNvPr id="2" name="Title 1">
-            <a:extLst>
-              <a:ext uri="{FF2B5EF4-FFF2-40B4-BE49-F238E27FC236}">
-                <a16:creationId xmlns="" xmlns:a16="http://schemas.microsoft.com/office/drawing/2014/main" id="{41C91199-3754-6BE4-B18F-B3B8A374486E}"/>
-              </a:ext>
-            </a:extLst>
-          </p:cNvPr>
-          <p:cNvSpPr>
-            <a:spLocks noGrp="1"/>
-          </p:cNvSpPr>
-          <p:nvPr>
-            <p:ph type="title"/>
-          </p:nvPr>
-        </p:nvSpPr>
-        <p:spPr>
-          <a:xfrm>
-            <a:off x="95300" y="59928"/>
-            <a:ext cx="3025775" cy="215444"/>
-          </a:xfrm>
-        </p:spPr>
-        <p:txBody>
-          <a:bodyPr/>
-          <a:lstStyle/>
-          <a:p>
-            <a:r>
-              <a:rPr lang="en-US" dirty="0">
-                <a:latin typeface="Arial" panose="020B0604020202020204" pitchFamily="34" charset="0"/>
-                <a:cs typeface="Arial" panose="020B0604020202020204" pitchFamily="34" charset="0"/>
-              </a:rPr>
-              <a:t>AI solution</a:t>
-            </a:r>
-            <a:endParaRPr lang="x-none" dirty="0">
-              <a:latin typeface="Arial" panose="020B0604020202020204" pitchFamily="34" charset="0"/>
-              <a:cs typeface="Arial" panose="020B0604020202020204" pitchFamily="34" charset="0"/>
-            </a:endParaRPr>
-          </a:p>
-        </p:txBody>
-      </p:sp>
-      <p:sp>
-        <p:nvSpPr>
-          <p:cNvPr id="3" name="Text Placeholder 2">
-            <a:extLst>
-              <a:ext uri="{FF2B5EF4-FFF2-40B4-BE49-F238E27FC236}">
-                <a16:creationId xmlns="" xmlns:a16="http://schemas.microsoft.com/office/drawing/2014/main" id="{7D3C4CD0-429E-94AD-FEE8-EE88AAF097DC}"/>
-              </a:ext>
-            </a:extLst>
-          </p:cNvPr>
-          <p:cNvSpPr>
-            <a:spLocks noGrp="1"/>
-          </p:cNvSpPr>
-          <p:nvPr>
-            <p:ph type="body" idx="1"/>
-          </p:nvPr>
-        </p:nvSpPr>
-        <p:spPr>
-          <a:xfrm>
-            <a:off x="95300" y="1054462"/>
-            <a:ext cx="3723640" cy="92333"/>
-          </a:xfrm>
-        </p:spPr>
-        <p:txBody>
-          <a:bodyPr/>
-          <a:lstStyle/>
-          <a:p>
-            <a:r>
-              <a:rPr lang="x-none" sz="600" dirty="0"/>
-              <a:t>Policy: </a:t>
-            </a:r>
-            <a:r>
-              <a:rPr lang="en-US" sz="600" dirty="0">
-                <a:hlinkClick r:id="rId2"/>
-              </a:rPr>
-              <a:t>https://docs.github.com/en/site-policy/github-terms/github-copilot-extension-developer-policy</a:t>
-            </a:r>
-            <a:endParaRPr lang="x-none" sz="600" dirty="0"/>
-          </a:p>
-        </p:txBody>
-      </p:sp>
-      <p:pic>
-        <p:nvPicPr>
-          <p:cNvPr id="5" name="Picture 4">
-            <a:extLst>
-              <a:ext uri="{FF2B5EF4-FFF2-40B4-BE49-F238E27FC236}">
-                <a16:creationId xmlns="" xmlns:a16="http://schemas.microsoft.com/office/drawing/2014/main" id="{00D9E787-0842-A5AE-07DA-61A9F719401F}"/>
-              </a:ext>
-            </a:extLst>
-          </p:cNvPr>
-          <p:cNvPicPr>
-            <a:picLocks noChangeAspect="1"/>
-          </p:cNvPicPr>
-          <p:nvPr/>
-        </p:nvPicPr>
-        <p:blipFill>
-          <a:blip r:embed="rId3" cstate="print">
-            <a:extLst>
-              <a:ext uri="{28A0092B-C50C-407E-A947-70E740481C1C}">
-                <a14:useLocalDpi xmlns:a14="http://schemas.microsoft.com/office/drawing/2010/main" val="0"/>
-              </a:ext>
-            </a:extLst>
-          </a:blip>
-          <a:stretch>
-            <a:fillRect/>
-          </a:stretch>
-        </p:blipFill>
-        <p:spPr>
-          <a:xfrm>
-            <a:off x="95300" y="1166198"/>
-            <a:ext cx="2667000" cy="2257555"/>
-          </a:xfrm>
-          <a:prstGeom prst="rect">
-            <a:avLst/>
-          </a:prstGeom>
-        </p:spPr>
-      </p:pic>
-      <p:sp>
-        <p:nvSpPr>
-          <p:cNvPr id="7" name="object 18">
-            <a:extLst>
-              <a:ext uri="{FF2B5EF4-FFF2-40B4-BE49-F238E27FC236}">
-                <a16:creationId xmlns="" xmlns:a16="http://schemas.microsoft.com/office/drawing/2014/main" id="{AF919087-5CD5-E711-1D00-31A3630A578B}"/>
-              </a:ext>
-            </a:extLst>
-          </p:cNvPr>
-          <p:cNvSpPr txBox="1"/>
-          <p:nvPr/>
-        </p:nvSpPr>
-        <p:spPr>
-          <a:xfrm>
-            <a:off x="13406" y="358775"/>
-            <a:ext cx="3838575" cy="492379"/>
-          </a:xfrm>
-          <a:prstGeom prst="rect">
-            <a:avLst/>
-          </a:prstGeom>
-        </p:spPr>
-        <p:txBody>
-          <a:bodyPr vert="horz" wrap="square" lIns="0" tIns="6985" rIns="0" bIns="0" rtlCol="0">
-            <a:spAutoFit/>
-          </a:bodyPr>
-          <a:lstStyle/>
-          <a:p>
-            <a:pPr marL="12700" marR="5080">
-              <a:lnSpc>
-                <a:spcPct val="102600"/>
-              </a:lnSpc>
-              <a:spcBef>
-                <a:spcPts val="55"/>
-              </a:spcBef>
-            </a:pPr>
-            <a:r>
-              <a:rPr lang="en-US" sz="1100" b="1" spc="-70" dirty="0">
-                <a:latin typeface="Arial" panose="020B0604020202020204" pitchFamily="34" charset="0"/>
-                <a:cs typeface="Arial" panose="020B0604020202020204" pitchFamily="34" charset="0"/>
-              </a:rPr>
-              <a:t>Is that acceptable solution?</a:t>
-            </a:r>
-            <a:r>
-              <a:rPr sz="1100" b="1" spc="50" dirty="0">
-                <a:latin typeface="Arial" panose="020B0604020202020204" pitchFamily="34" charset="0"/>
-                <a:cs typeface="Arial" panose="020B0604020202020204" pitchFamily="34" charset="0"/>
-              </a:rPr>
-              <a:t> </a:t>
-            </a:r>
-            <a:endParaRPr lang="en-US" sz="1100" b="1" spc="50" dirty="0">
-              <a:latin typeface="Arial" panose="020B0604020202020204" pitchFamily="34" charset="0"/>
-              <a:cs typeface="Arial" panose="020B0604020202020204" pitchFamily="34" charset="0"/>
-            </a:endParaRPr>
-          </a:p>
-          <a:p>
-            <a:pPr marL="12700" marR="5080">
-              <a:lnSpc>
-                <a:spcPct val="102600"/>
-              </a:lnSpc>
-              <a:spcBef>
-                <a:spcPts val="55"/>
-              </a:spcBef>
-            </a:pPr>
-            <a:r>
-              <a:rPr lang="en-US" sz="900" spc="-25" dirty="0">
-                <a:solidFill>
-                  <a:srgbClr val="FF0000"/>
-                </a:solidFill>
-                <a:latin typeface="Arial" panose="020B0604020202020204" pitchFamily="34" charset="0"/>
-                <a:cs typeface="Arial" panose="020B0604020202020204" pitchFamily="34" charset="0"/>
-              </a:rPr>
-              <a:t>- No. </a:t>
-            </a:r>
-            <a:r>
-              <a:rPr lang="en-US" sz="900" spc="-25" dirty="0">
-                <a:latin typeface="Arial" panose="020B0604020202020204" pitchFamily="34" charset="0"/>
-                <a:cs typeface="Arial" panose="020B0604020202020204" pitchFamily="34" charset="0"/>
-              </a:rPr>
-              <a:t>Because it violates Copilot policy. </a:t>
-            </a:r>
-          </a:p>
-          <a:p>
-            <a:pPr marL="12700" marR="5080">
-              <a:lnSpc>
-                <a:spcPct val="102600"/>
-              </a:lnSpc>
-              <a:spcBef>
-                <a:spcPts val="55"/>
-              </a:spcBef>
-            </a:pPr>
-            <a:r>
-              <a:rPr lang="en-US" sz="900" spc="-25" dirty="0">
-                <a:highlight>
-                  <a:srgbClr val="FFFF00"/>
-                </a:highlight>
-                <a:latin typeface="Arial" panose="020B0604020202020204" pitchFamily="34" charset="0"/>
-                <a:cs typeface="Arial" panose="020B0604020202020204" pitchFamily="34" charset="0"/>
-              </a:rPr>
-              <a:t>- If trying to use, </a:t>
-            </a:r>
-            <a:r>
-              <a:rPr lang="en-US" sz="900" spc="-25" dirty="0" err="1">
-                <a:highlight>
-                  <a:srgbClr val="FFFF00"/>
-                </a:highlight>
-                <a:latin typeface="Arial" panose="020B0604020202020204" pitchFamily="34" charset="0"/>
-                <a:cs typeface="Arial" panose="020B0604020202020204" pitchFamily="34" charset="0"/>
-              </a:rPr>
-              <a:t>Github</a:t>
-            </a:r>
-            <a:r>
-              <a:rPr lang="en-US" sz="900" spc="-25" dirty="0">
-                <a:highlight>
-                  <a:srgbClr val="FFFF00"/>
-                </a:highlight>
-                <a:latin typeface="Arial" panose="020B0604020202020204" pitchFamily="34" charset="0"/>
-                <a:cs typeface="Arial" panose="020B0604020202020204" pitchFamily="34" charset="0"/>
-              </a:rPr>
-              <a:t> account can be banned and risk </a:t>
-            </a:r>
-            <a:r>
-              <a:rPr lang="en-US" sz="900" spc="-25" dirty="0">
-                <a:latin typeface="Arial" panose="020B0604020202020204" pitchFamily="34" charset="0"/>
-                <a:cs typeface="Arial" panose="020B0604020202020204" pitchFamily="34" charset="0"/>
-              </a:rPr>
-              <a:t>of</a:t>
-            </a:r>
-            <a:r>
-              <a:rPr lang="en-US" sz="900" spc="-25" dirty="0">
-                <a:highlight>
-                  <a:srgbClr val="FFFF00"/>
-                </a:highlight>
-                <a:latin typeface="Arial" panose="020B0604020202020204" pitchFamily="34" charset="0"/>
-                <a:cs typeface="Arial" panose="020B0604020202020204" pitchFamily="34" charset="0"/>
-              </a:rPr>
-              <a:t> illegal activities.</a:t>
-            </a:r>
-            <a:endParaRPr sz="900" dirty="0">
-              <a:highlight>
-                <a:srgbClr val="FFFF00"/>
-              </a:highlight>
-              <a:latin typeface="Arial" panose="020B0604020202020204" pitchFamily="34" charset="0"/>
-              <a:cs typeface="Arial" panose="020B0604020202020204" pitchFamily="34" charset="0"/>
-            </a:endParaRPr>
-          </a:p>
-        </p:txBody>
-      </p:sp>
-      <p:sp>
-        <p:nvSpPr>
-          <p:cNvPr id="6" name="Slide Number Placeholder 5">
-            <a:extLst>
-              <a:ext uri="{FF2B5EF4-FFF2-40B4-BE49-F238E27FC236}">
-                <a16:creationId xmlns="" xmlns:a16="http://schemas.microsoft.com/office/drawing/2014/main" id="{F7021CEB-A48E-980A-9C4C-2CC96917A768}"/>
-              </a:ext>
-            </a:extLst>
-          </p:cNvPr>
-          <p:cNvSpPr>
-            <a:spLocks noGrp="1"/>
-          </p:cNvSpPr>
-          <p:nvPr>
-            <p:ph type="sldNum" sz="quarter" idx="7"/>
-          </p:nvPr>
-        </p:nvSpPr>
-        <p:spPr/>
-        <p:txBody>
-          <a:bodyPr/>
-          <a:lstStyle/>
-          <a:p>
-            <a:pPr marL="12700">
-              <a:lnSpc>
-                <a:spcPct val="100000"/>
-              </a:lnSpc>
-              <a:spcBef>
-                <a:spcPts val="190"/>
-              </a:spcBef>
-            </a:pPr>
-            <a:fld id="{81D60167-4931-47E6-BA6A-407CBD079E47}" type="slidenum">
-              <a:rPr lang="x-none" smtClean="0"/>
-              <a:t>15</a:t>
-            </a:fld>
-            <a:endParaRPr lang="x-none" spc="-25" dirty="0"/>
-          </a:p>
-        </p:txBody>
-      </p:sp>
-    </p:spTree>
-    <p:extLst>
-      <p:ext uri="{BB962C8B-B14F-4D97-AF65-F5344CB8AC3E}">
-        <p14:creationId xmlns:p14="http://schemas.microsoft.com/office/powerpoint/2010/main" val="3066723410"/>
-      </p:ext>
-    </p:extLst>
-  </p:cSld>
-  <p:clrMapOvr>
-    <a:masterClrMapping/>
-  </p:clrMapOvr>
-  <p:timing>
-    <p:tnLst>
-      <p:par>
-        <p:cTn id="1" dur="indefinite" restart="never" nodeType="tmRoot"/>
-      </p:par>
-    </p:tnLst>
-  </p:timing>
-</p:sld>
-</file>
-
-<file path=ppt/slides/slide16.xml><?xml version="1.0" encoding="utf-8"?>
-<p:sld xmlns:a="http://schemas.openxmlformats.org/drawingml/2006/main" xmlns:r="http://schemas.openxmlformats.org/officeDocument/2006/relationships" xmlns:p="http://schemas.openxmlformats.org/presentationml/2006/main">
-  <p:cSld>
-    <p:spTree>
-      <p:nvGrpSpPr>
-        <p:cNvPr id="1" name="">
-          <a:extLst>
-            <a:ext uri="{FF2B5EF4-FFF2-40B4-BE49-F238E27FC236}">
-              <a16:creationId xmlns="" xmlns:a16="http://schemas.microsoft.com/office/drawing/2014/main" id="{F6CDD485-1589-9263-8CEA-314A58E2985D}"/>
-            </a:ext>
-          </a:extLst>
-        </p:cNvPr>
-        <p:cNvGrpSpPr/>
-        <p:nvPr/>
-      </p:nvGrpSpPr>
-      <p:grpSpPr>
-        <a:xfrm>
-          <a:off x="0" y="0"/>
-          <a:ext cx="0" cy="0"/>
-          <a:chOff x="0" y="0"/>
-          <a:chExt cx="0" cy="0"/>
-        </a:xfrm>
-      </p:grpSpPr>
-      <p:sp>
-        <p:nvSpPr>
-          <p:cNvPr id="2" name="Title 1">
-            <a:extLst>
-              <a:ext uri="{FF2B5EF4-FFF2-40B4-BE49-F238E27FC236}">
-                <a16:creationId xmlns="" xmlns:a16="http://schemas.microsoft.com/office/drawing/2014/main" id="{A65EB058-A36B-4236-1FB7-CDB3C4AA4C88}"/>
-              </a:ext>
-            </a:extLst>
-          </p:cNvPr>
-          <p:cNvSpPr>
-            <a:spLocks noGrp="1"/>
-          </p:cNvSpPr>
-          <p:nvPr>
-            <p:ph type="title"/>
-          </p:nvPr>
-        </p:nvSpPr>
-        <p:spPr>
-          <a:xfrm>
-            <a:off x="95300" y="59928"/>
-            <a:ext cx="3025775" cy="215444"/>
-          </a:xfrm>
-        </p:spPr>
-        <p:txBody>
-          <a:bodyPr/>
-          <a:lstStyle/>
-          <a:p>
-            <a:r>
-              <a:rPr lang="en-US" dirty="0">
-                <a:latin typeface="Arial" panose="020B0604020202020204" pitchFamily="34" charset="0"/>
-                <a:cs typeface="Arial" panose="020B0604020202020204" pitchFamily="34" charset="0"/>
-              </a:rPr>
-              <a:t>AI solution</a:t>
-            </a:r>
-            <a:endParaRPr lang="x-none" dirty="0">
-              <a:latin typeface="Arial" panose="020B0604020202020204" pitchFamily="34" charset="0"/>
-              <a:cs typeface="Arial" panose="020B0604020202020204" pitchFamily="34" charset="0"/>
-            </a:endParaRPr>
-          </a:p>
-        </p:txBody>
-      </p:sp>
-      <p:sp>
-        <p:nvSpPr>
-          <p:cNvPr id="5" name="object 18">
-            <a:extLst>
-              <a:ext uri="{FF2B5EF4-FFF2-40B4-BE49-F238E27FC236}">
-                <a16:creationId xmlns="" xmlns:a16="http://schemas.microsoft.com/office/drawing/2014/main" id="{05D3E414-47F6-2DDF-BBAA-5BD47AA15418}"/>
-              </a:ext>
-            </a:extLst>
-          </p:cNvPr>
-          <p:cNvSpPr txBox="1"/>
-          <p:nvPr/>
-        </p:nvSpPr>
-        <p:spPr>
-          <a:xfrm>
-            <a:off x="13406" y="358775"/>
-            <a:ext cx="3838575" cy="492379"/>
-          </a:xfrm>
-          <a:prstGeom prst="rect">
-            <a:avLst/>
-          </a:prstGeom>
-        </p:spPr>
-        <p:txBody>
-          <a:bodyPr vert="horz" wrap="square" lIns="0" tIns="6985" rIns="0" bIns="0" rtlCol="0">
-            <a:spAutoFit/>
-          </a:bodyPr>
-          <a:lstStyle/>
-          <a:p>
-            <a:pPr marL="12700" marR="5080">
-              <a:lnSpc>
-                <a:spcPct val="102600"/>
-              </a:lnSpc>
-              <a:spcBef>
-                <a:spcPts val="55"/>
-              </a:spcBef>
-            </a:pPr>
-            <a:r>
-              <a:rPr lang="en-US" sz="1100" b="1" spc="-70" dirty="0" smtClean="0">
-                <a:latin typeface="Arial" panose="020B0604020202020204" pitchFamily="34" charset="0"/>
-                <a:cs typeface="Arial" panose="020B0604020202020204" pitchFamily="34" charset="0"/>
-              </a:rPr>
-              <a:t>Option </a:t>
-            </a:r>
-            <a:r>
-              <a:rPr lang="en-US" sz="1100" b="1" spc="-70" dirty="0" smtClean="0">
-                <a:latin typeface="Arial" panose="020B0604020202020204" pitchFamily="34" charset="0"/>
-                <a:cs typeface="Arial" panose="020B0604020202020204" pitchFamily="34" charset="0"/>
-              </a:rPr>
-              <a:t>1 (not selected)</a:t>
-            </a:r>
-            <a:endParaRPr lang="en-US" sz="1100" b="1" spc="50" dirty="0">
-              <a:latin typeface="Arial" panose="020B0604020202020204" pitchFamily="34" charset="0"/>
-              <a:cs typeface="Arial" panose="020B0604020202020204" pitchFamily="34" charset="0"/>
-            </a:endParaRPr>
-          </a:p>
-          <a:p>
-            <a:pPr marL="12700" marR="5080">
-              <a:lnSpc>
-                <a:spcPct val="102600"/>
-              </a:lnSpc>
-              <a:spcBef>
-                <a:spcPts val="55"/>
-              </a:spcBef>
-            </a:pPr>
-            <a:r>
-              <a:rPr lang="en-US" sz="900" spc="-25" dirty="0">
-                <a:solidFill>
-                  <a:schemeClr val="tx1"/>
-                </a:solidFill>
-                <a:latin typeface="Arial" panose="020B0604020202020204" pitchFamily="34" charset="0"/>
-                <a:cs typeface="Arial" panose="020B0604020202020204" pitchFamily="34" charset="0"/>
-              </a:rPr>
-              <a:t>- Use Copilot </a:t>
-            </a:r>
-            <a:r>
-              <a:rPr lang="en-US" sz="900" spc="-25" dirty="0" err="1">
-                <a:solidFill>
-                  <a:schemeClr val="tx1"/>
-                </a:solidFill>
-                <a:latin typeface="Arial" panose="020B0604020202020204" pitchFamily="34" charset="0"/>
-                <a:cs typeface="Arial" panose="020B0604020202020204" pitchFamily="34" charset="0"/>
-              </a:rPr>
-              <a:t>Chatbox</a:t>
-            </a:r>
-            <a:r>
-              <a:rPr lang="en-US" sz="900" spc="-25" dirty="0">
-                <a:solidFill>
-                  <a:schemeClr val="tx1"/>
-                </a:solidFill>
-                <a:latin typeface="Arial" panose="020B0604020202020204" pitchFamily="34" charset="0"/>
-                <a:cs typeface="Arial" panose="020B0604020202020204" pitchFamily="34" charset="0"/>
-              </a:rPr>
-              <a:t> as current official method provided by Copilot</a:t>
-            </a:r>
-          </a:p>
-          <a:p>
-            <a:pPr marL="12700" marR="5080">
-              <a:lnSpc>
-                <a:spcPct val="102600"/>
-              </a:lnSpc>
-              <a:spcBef>
-                <a:spcPts val="55"/>
-              </a:spcBef>
-            </a:pPr>
-            <a:r>
-              <a:rPr lang="en-US" sz="900" dirty="0">
-                <a:solidFill>
-                  <a:schemeClr val="tx1"/>
-                </a:solidFill>
-                <a:latin typeface="Arial" panose="020B0604020202020204" pitchFamily="34" charset="0"/>
-                <a:cs typeface="Arial" panose="020B0604020202020204" pitchFamily="34" charset="0"/>
-              </a:rPr>
-              <a:t>- But </a:t>
-            </a:r>
-            <a:r>
-              <a:rPr lang="en-US" sz="900" dirty="0">
-                <a:solidFill>
-                  <a:schemeClr val="accent2">
-                    <a:lumMod val="75000"/>
-                  </a:schemeClr>
-                </a:solidFill>
-                <a:latin typeface="Arial" panose="020B0604020202020204" pitchFamily="34" charset="0"/>
-                <a:cs typeface="Arial" panose="020B0604020202020204" pitchFamily="34" charset="0"/>
-              </a:rPr>
-              <a:t>support flexibility of user for typing prompt automatically</a:t>
-            </a:r>
-            <a:endParaRPr sz="900" dirty="0">
-              <a:solidFill>
-                <a:schemeClr val="accent2">
-                  <a:lumMod val="75000"/>
-                </a:schemeClr>
-              </a:solidFill>
-              <a:latin typeface="Arial" panose="020B0604020202020204" pitchFamily="34" charset="0"/>
-              <a:cs typeface="Arial" panose="020B0604020202020204" pitchFamily="34" charset="0"/>
-            </a:endParaRPr>
-          </a:p>
-        </p:txBody>
-      </p:sp>
-      <p:sp>
-        <p:nvSpPr>
-          <p:cNvPr id="6" name="Slide Number Placeholder 5">
-            <a:extLst>
-              <a:ext uri="{FF2B5EF4-FFF2-40B4-BE49-F238E27FC236}">
-                <a16:creationId xmlns="" xmlns:a16="http://schemas.microsoft.com/office/drawing/2014/main" id="{C99A4724-1AC5-7707-7AED-F930032BBA4C}"/>
-              </a:ext>
-            </a:extLst>
-          </p:cNvPr>
-          <p:cNvSpPr>
-            <a:spLocks noGrp="1"/>
-          </p:cNvSpPr>
-          <p:nvPr>
-            <p:ph type="sldNum" sz="quarter" idx="7"/>
-          </p:nvPr>
-        </p:nvSpPr>
-        <p:spPr/>
-        <p:txBody>
-          <a:bodyPr/>
-          <a:lstStyle/>
-          <a:p>
-            <a:pPr marL="12700">
-              <a:lnSpc>
-                <a:spcPct val="100000"/>
-              </a:lnSpc>
-              <a:spcBef>
-                <a:spcPts val="190"/>
-              </a:spcBef>
-            </a:pPr>
-            <a:fld id="{81D60167-4931-47E6-BA6A-407CBD079E47}" type="slidenum">
-              <a:rPr lang="x-none" smtClean="0"/>
-              <a:t>16</a:t>
-            </a:fld>
-            <a:endParaRPr lang="x-none" spc="-25" dirty="0"/>
-          </a:p>
-        </p:txBody>
-      </p:sp>
-      <p:pic>
-        <p:nvPicPr>
-          <p:cNvPr id="3" name="Picture 2"/>
-          <p:cNvPicPr>
-            <a:picLocks noChangeAspect="1"/>
-          </p:cNvPicPr>
-          <p:nvPr/>
-        </p:nvPicPr>
-        <p:blipFill>
-          <a:blip r:embed="rId2">
-            <a:extLst>
-              <a:ext uri="{28A0092B-C50C-407E-A947-70E740481C1C}">
-                <a14:useLocalDpi xmlns:a14="http://schemas.microsoft.com/office/drawing/2010/main" val="0"/>
-              </a:ext>
-            </a:extLst>
-          </a:blip>
-          <a:stretch>
-            <a:fillRect/>
-          </a:stretch>
-        </p:blipFill>
-        <p:spPr>
-          <a:xfrm>
-            <a:off x="13406" y="934557"/>
-            <a:ext cx="4534763" cy="2296479"/>
+            <a:off x="1799058" y="587375"/>
+            <a:ext cx="2639591" cy="2695278"/>
           </a:xfrm>
           <a:prstGeom prst="rect">
             <a:avLst/>
@@ -3854,7 +2938,7 @@
 </p:sld>
 </file>
 
-<file path=ppt/slides/slide17.xml><?xml version="1.0" encoding="utf-8"?>
+<file path=ppt/slides/slide13.xml><?xml version="1.0" encoding="utf-8"?>
 <p:sld xmlns:a="http://schemas.openxmlformats.org/drawingml/2006/main" xmlns:r="http://schemas.openxmlformats.org/officeDocument/2006/relationships" xmlns:p="http://schemas.openxmlformats.org/presentationml/2006/main">
   <p:cSld>
     <p:spTree>
@@ -3862,7 +2946,7 @@
         <p:cNvPr id="1" name="">
           <a:extLst>
             <a:ext uri="{FF2B5EF4-FFF2-40B4-BE49-F238E27FC236}">
-              <a16:creationId xmlns="" xmlns:a16="http://schemas.microsoft.com/office/drawing/2014/main" id="{F6CDD485-1589-9263-8CEA-314A58E2985D}"/>
+              <a16:creationId xmlns:a16="http://schemas.microsoft.com/office/drawing/2014/main" xmlns="" id="{F6CDD485-1589-9263-8CEA-314A58E2985D}"/>
             </a:ext>
           </a:extLst>
         </p:cNvPr>
@@ -3882,7 +2966,7 @@
           <p:cNvPr id="2" name="Title 1">
             <a:extLst>
               <a:ext uri="{FF2B5EF4-FFF2-40B4-BE49-F238E27FC236}">
-                <a16:creationId xmlns="" xmlns:a16="http://schemas.microsoft.com/office/drawing/2014/main" id="{A65EB058-A36B-4236-1FB7-CDB3C4AA4C88}"/>
+                <a16:creationId xmlns:a16="http://schemas.microsoft.com/office/drawing/2014/main" xmlns="" id="{A65EB058-A36B-4236-1FB7-CDB3C4AA4C88}"/>
               </a:ext>
             </a:extLst>
           </p:cNvPr>
@@ -3908,7 +2992,14 @@
                 <a:latin typeface="Arial" panose="020B0604020202020204" pitchFamily="34" charset="0"/>
                 <a:cs typeface="Arial" panose="020B0604020202020204" pitchFamily="34" charset="0"/>
               </a:rPr>
-              <a:t>AI solution</a:t>
+              <a:t>AI </a:t>
+            </a:r>
+            <a:r>
+              <a:rPr lang="en-US" dirty="0">
+                <a:latin typeface="Arial" panose="020B0604020202020204" pitchFamily="34" charset="0"/>
+                <a:cs typeface="Arial" panose="020B0604020202020204" pitchFamily="34" charset="0"/>
+              </a:rPr>
+              <a:t>solution with Copilot</a:t>
             </a:r>
             <a:endParaRPr lang="x-none" dirty="0">
               <a:latin typeface="Arial" panose="020B0604020202020204" pitchFamily="34" charset="0"/>
@@ -3922,7 +3013,7 @@
           <p:cNvPr id="5" name="object 18">
             <a:extLst>
               <a:ext uri="{FF2B5EF4-FFF2-40B4-BE49-F238E27FC236}">
-                <a16:creationId xmlns="" xmlns:a16="http://schemas.microsoft.com/office/drawing/2014/main" id="{05D3E414-47F6-2DDF-BBAA-5BD47AA15418}"/>
+                <a16:creationId xmlns:a16="http://schemas.microsoft.com/office/drawing/2014/main" xmlns="" id="{05D3E414-47F6-2DDF-BBAA-5BD47AA15418}"/>
               </a:ext>
             </a:extLst>
           </p:cNvPr>
@@ -3932,7 +3023,7 @@
         <p:spPr>
           <a:xfrm>
             <a:off x="13406" y="358775"/>
-            <a:ext cx="3838575" cy="479555"/>
+            <a:ext cx="3838575" cy="336887"/>
           </a:xfrm>
           <a:prstGeom prst="rect">
             <a:avLst/>
@@ -3957,27 +3048,28 @@
                 <a:latin typeface="Arial" panose="020B0604020202020204" pitchFamily="34" charset="0"/>
                 <a:cs typeface="Arial" panose="020B0604020202020204" pitchFamily="34" charset="0"/>
               </a:rPr>
-              <a:t>Option 2: </a:t>
-            </a:r>
-            <a:r>
-              <a:rPr lang="en-US" sz="1100" spc="-25" dirty="0" smtClean="0">
-                <a:solidFill>
-                  <a:schemeClr val="tx1"/>
-                </a:solidFill>
-                <a:latin typeface="Arial" panose="020B0604020202020204" pitchFamily="34" charset="0"/>
-                <a:cs typeface="Arial" panose="020B0604020202020204" pitchFamily="34" charset="0"/>
-              </a:rPr>
-              <a:t>Use MCP (Model Context Protocol</a:t>
-            </a:r>
-            <a:r>
-              <a:rPr lang="en-US" sz="1100" spc="-25" dirty="0" smtClean="0">
-                <a:solidFill>
-                  <a:schemeClr val="tx1"/>
-                </a:solidFill>
-                <a:latin typeface="Arial" panose="020B0604020202020204" pitchFamily="34" charset="0"/>
-                <a:cs typeface="Arial" panose="020B0604020202020204" pitchFamily="34" charset="0"/>
-              </a:rPr>
-              <a:t>) (selected        )</a:t>
+              <a:t>Option </a:t>
+            </a:r>
+            <a:r>
+              <a:rPr lang="en-US" sz="1100" b="1" spc="-70" dirty="0" smtClean="0">
+                <a:latin typeface="Arial" panose="020B0604020202020204" pitchFamily="34" charset="0"/>
+                <a:cs typeface="Arial" panose="020B0604020202020204" pitchFamily="34" charset="0"/>
+              </a:rPr>
+              <a:t>1: use </a:t>
+            </a:r>
+            <a:r>
+              <a:rPr lang="en-US" sz="1100" b="1" spc="-70" dirty="0" err="1" smtClean="0">
+                <a:latin typeface="Arial" panose="020B0604020202020204" pitchFamily="34" charset="0"/>
+                <a:cs typeface="Arial" panose="020B0604020202020204" pitchFamily="34" charset="0"/>
+              </a:rPr>
+              <a:t>vscode</a:t>
+            </a:r>
+            <a:r>
+              <a:rPr lang="en-US" sz="1100" b="1" spc="-70" dirty="0" smtClean="0">
+                <a:latin typeface="Arial" panose="020B0604020202020204" pitchFamily="34" charset="0"/>
+                <a:cs typeface="Arial" panose="020B0604020202020204" pitchFamily="34" charset="0"/>
+              </a:rPr>
+              <a:t> extension</a:t>
             </a:r>
             <a:endParaRPr lang="en-US" sz="1100" b="1" spc="50" dirty="0">
               <a:latin typeface="Arial" panose="020B0604020202020204" pitchFamily="34" charset="0"/>
@@ -3994,12 +3086,14 @@
               </a:spcBef>
             </a:pPr>
             <a:r>
-              <a:rPr lang="en-US" sz="900" dirty="0" smtClean="0"/>
-              <a:t>- Provides </a:t>
-            </a:r>
-            <a:r>
-              <a:rPr lang="en-US" sz="900" dirty="0"/>
-              <a:t>a standardized way for AI models to explore and interact with external tools, applications, and data sources</a:t>
+              <a:rPr lang="en-US" sz="900" spc="-25" dirty="0" smtClean="0">
+                <a:solidFill>
+                  <a:schemeClr val="tx1"/>
+                </a:solidFill>
+                <a:latin typeface="Arial" panose="020B0604020202020204" pitchFamily="34" charset="0"/>
+                <a:cs typeface="Arial" panose="020B0604020202020204" pitchFamily="34" charset="0"/>
+              </a:rPr>
+              <a:t>-</a:t>
             </a:r>
             <a:endParaRPr sz="900" dirty="0">
               <a:solidFill>
@@ -4018,7 +3112,7 @@
           <p:cNvPr id="6" name="Slide Number Placeholder 5">
             <a:extLst>
               <a:ext uri="{FF2B5EF4-FFF2-40B4-BE49-F238E27FC236}">
-                <a16:creationId xmlns="" xmlns:a16="http://schemas.microsoft.com/office/drawing/2014/main" id="{C99A4724-1AC5-7707-7AED-F930032BBA4C}"/>
+                <a16:creationId xmlns:a16="http://schemas.microsoft.com/office/drawing/2014/main" xmlns="" id="{C99A4724-1AC5-7707-7AED-F930032BBA4C}"/>
               </a:ext>
             </a:extLst>
           </p:cNvPr>
@@ -4044,7 +3138,506 @@
             </a:pPr>
             <a:fld id="{81D60167-4931-47E6-BA6A-407CBD079E47}" type="slidenum">
               <a:rPr lang="x-none" smtClean="0"/>
-              <a:t>17</a:t>
+              <a:t>13</a:t>
+            </a:fld>
+            <a:endParaRPr lang="x-none" spc="-25" dirty="0"/>
+          </a:p>
+        </p:txBody>
+      </p:sp>
+      <p:pic>
+        <p:nvPicPr>
+          <p:cNvPr id="3" name="Picture 2"/>
+          <p:cNvPicPr>
+            <a:picLocks noChangeAspect="1"/>
+          </p:cNvPicPr>
+          <p:nvPr/>
+        </p:nvPicPr>
+        <p:blipFill>
+          <a:blip r:embed="rId2">
+            <a:extLst>
+              <a:ext uri="{28A0092B-C50C-407E-A947-70E740481C1C}">
+                <a14:useLocalDpi xmlns:a14="http://schemas.microsoft.com/office/drawing/2010/main" val="0"/>
+              </a:ext>
+            </a:extLst>
+          </a:blip>
+          <a:stretch>
+            <a:fillRect/>
+          </a:stretch>
+        </p:blipFill>
+        <p:spPr>
+          <a:xfrm>
+            <a:off x="1162050" y="496478"/>
+            <a:ext cx="3112024" cy="2964272"/>
+          </a:xfrm>
+          <a:prstGeom prst="rect">
+            <a:avLst/>
+          </a:prstGeom>
+        </p:spPr>
+      </p:pic>
+    </p:spTree>
+    <p:extLst>
+      <p:ext uri="{BB962C8B-B14F-4D97-AF65-F5344CB8AC3E}">
+        <p14:creationId xmlns:p14="http://schemas.microsoft.com/office/powerpoint/2010/main" val="3593470139"/>
+      </p:ext>
+    </p:extLst>
+  </p:cSld>
+  <p:clrMapOvr>
+    <a:masterClrMapping/>
+  </p:clrMapOvr>
+  <p:timing>
+    <p:tnLst>
+      <p:par>
+        <p:cTn id="1" dur="indefinite" restart="never" nodeType="tmRoot"/>
+      </p:par>
+    </p:tnLst>
+  </p:timing>
+</p:sld>
+</file>
+
+<file path=ppt/slides/slide14.xml><?xml version="1.0" encoding="utf-8"?>
+<p:sld xmlns:a="http://schemas.openxmlformats.org/drawingml/2006/main" xmlns:r="http://schemas.openxmlformats.org/officeDocument/2006/relationships" xmlns:p="http://schemas.openxmlformats.org/presentationml/2006/main">
+  <p:cSld>
+    <p:spTree>
+      <p:nvGrpSpPr>
+        <p:cNvPr id="1" name="">
+          <a:extLst>
+            <a:ext uri="{FF2B5EF4-FFF2-40B4-BE49-F238E27FC236}">
+              <a16:creationId xmlns:a16="http://schemas.microsoft.com/office/drawing/2014/main" xmlns="" id="{F6CDD485-1589-9263-8CEA-314A58E2985D}"/>
+            </a:ext>
+          </a:extLst>
+        </p:cNvPr>
+        <p:cNvGrpSpPr/>
+        <p:nvPr/>
+      </p:nvGrpSpPr>
+      <p:grpSpPr>
+        <a:xfrm>
+          <a:off x="0" y="0"/>
+          <a:ext cx="0" cy="0"/>
+          <a:chOff x="0" y="0"/>
+          <a:chExt cx="0" cy="0"/>
+        </a:xfrm>
+      </p:grpSpPr>
+      <p:sp>
+        <p:nvSpPr>
+          <p:cNvPr id="2" name="Title 1">
+            <a:extLst>
+              <a:ext uri="{FF2B5EF4-FFF2-40B4-BE49-F238E27FC236}">
+                <a16:creationId xmlns:a16="http://schemas.microsoft.com/office/drawing/2014/main" xmlns="" id="{A65EB058-A36B-4236-1FB7-CDB3C4AA4C88}"/>
+              </a:ext>
+            </a:extLst>
+          </p:cNvPr>
+          <p:cNvSpPr>
+            <a:spLocks noGrp="1"/>
+          </p:cNvSpPr>
+          <p:nvPr>
+            <p:ph type="title"/>
+          </p:nvPr>
+        </p:nvSpPr>
+        <p:spPr>
+          <a:xfrm>
+            <a:off x="95300" y="59928"/>
+            <a:ext cx="3025775" cy="215444"/>
+          </a:xfrm>
+        </p:spPr>
+        <p:txBody>
+          <a:bodyPr/>
+          <a:lstStyle/>
+          <a:p>
+            <a:r>
+              <a:rPr lang="en-US" dirty="0">
+                <a:latin typeface="Arial" panose="020B0604020202020204" pitchFamily="34" charset="0"/>
+                <a:cs typeface="Arial" panose="020B0604020202020204" pitchFamily="34" charset="0"/>
+              </a:rPr>
+              <a:t>AI </a:t>
+            </a:r>
+            <a:r>
+              <a:rPr lang="en-US" dirty="0">
+                <a:latin typeface="Arial" panose="020B0604020202020204" pitchFamily="34" charset="0"/>
+                <a:cs typeface="Arial" panose="020B0604020202020204" pitchFamily="34" charset="0"/>
+              </a:rPr>
+              <a:t>solution with Copilot</a:t>
+            </a:r>
+            <a:endParaRPr lang="x-none" dirty="0">
+              <a:latin typeface="Arial" panose="020B0604020202020204" pitchFamily="34" charset="0"/>
+              <a:cs typeface="Arial" panose="020B0604020202020204" pitchFamily="34" charset="0"/>
+            </a:endParaRPr>
+          </a:p>
+        </p:txBody>
+      </p:sp>
+      <p:sp>
+        <p:nvSpPr>
+          <p:cNvPr id="5" name="object 18">
+            <a:extLst>
+              <a:ext uri="{FF2B5EF4-FFF2-40B4-BE49-F238E27FC236}">
+                <a16:creationId xmlns:a16="http://schemas.microsoft.com/office/drawing/2014/main" xmlns="" id="{05D3E414-47F6-2DDF-BBAA-5BD47AA15418}"/>
+              </a:ext>
+            </a:extLst>
+          </p:cNvPr>
+          <p:cNvSpPr txBox="1"/>
+          <p:nvPr/>
+        </p:nvSpPr>
+        <p:spPr>
+          <a:xfrm>
+            <a:off x="13406" y="358775"/>
+            <a:ext cx="3838575" cy="336887"/>
+          </a:xfrm>
+          <a:prstGeom prst="rect">
+            <a:avLst/>
+          </a:prstGeom>
+        </p:spPr>
+        <p:txBody>
+          <a:bodyPr vert="horz" wrap="square" lIns="0" tIns="6985" rIns="0" bIns="0" rtlCol="0">
+            <a:spAutoFit/>
+          </a:bodyPr>
+          <a:lstStyle/>
+          <a:p>
+            <a:pPr marL="12700" marR="5080">
+              <a:lnSpc>
+                <a:spcPct val="102600"/>
+              </a:lnSpc>
+              <a:spcBef>
+                <a:spcPts val="55"/>
+              </a:spcBef>
+            </a:pPr>
+            <a:r>
+              <a:rPr lang="en-US" sz="1100" b="1" spc="-70" dirty="0" smtClean="0">
+                <a:latin typeface="Arial" panose="020B0604020202020204" pitchFamily="34" charset="0"/>
+                <a:cs typeface="Arial" panose="020B0604020202020204" pitchFamily="34" charset="0"/>
+              </a:rPr>
+              <a:t>Option </a:t>
+            </a:r>
+            <a:r>
+              <a:rPr lang="en-US" sz="1100" b="1" spc="-70" dirty="0" smtClean="0">
+                <a:latin typeface="Arial" panose="020B0604020202020204" pitchFamily="34" charset="0"/>
+                <a:cs typeface="Arial" panose="020B0604020202020204" pitchFamily="34" charset="0"/>
+              </a:rPr>
+              <a:t>1: use </a:t>
+            </a:r>
+            <a:r>
+              <a:rPr lang="en-US" sz="1100" b="1" spc="-70" dirty="0" err="1" smtClean="0">
+                <a:latin typeface="Arial" panose="020B0604020202020204" pitchFamily="34" charset="0"/>
+                <a:cs typeface="Arial" panose="020B0604020202020204" pitchFamily="34" charset="0"/>
+              </a:rPr>
+              <a:t>vscode</a:t>
+            </a:r>
+            <a:r>
+              <a:rPr lang="en-US" sz="1100" b="1" spc="-70" dirty="0" smtClean="0">
+                <a:latin typeface="Arial" panose="020B0604020202020204" pitchFamily="34" charset="0"/>
+                <a:cs typeface="Arial" panose="020B0604020202020204" pitchFamily="34" charset="0"/>
+              </a:rPr>
+              <a:t> extension</a:t>
+            </a:r>
+            <a:endParaRPr lang="en-US" sz="1100" b="1" spc="50" dirty="0">
+              <a:latin typeface="Arial" panose="020B0604020202020204" pitchFamily="34" charset="0"/>
+              <a:cs typeface="Arial" panose="020B0604020202020204" pitchFamily="34" charset="0"/>
+            </a:endParaRPr>
+          </a:p>
+          <a:p>
+            <a:pPr marL="12700" marR="5080">
+              <a:lnSpc>
+                <a:spcPct val="102600"/>
+              </a:lnSpc>
+              <a:spcBef>
+                <a:spcPts val="55"/>
+              </a:spcBef>
+            </a:pPr>
+            <a:r>
+              <a:rPr lang="en-US" sz="900" spc="-25" dirty="0" smtClean="0">
+                <a:solidFill>
+                  <a:schemeClr val="tx1"/>
+                </a:solidFill>
+                <a:latin typeface="Arial" panose="020B0604020202020204" pitchFamily="34" charset="0"/>
+                <a:cs typeface="Arial" panose="020B0604020202020204" pitchFamily="34" charset="0"/>
+              </a:rPr>
+              <a:t>-</a:t>
+            </a:r>
+            <a:endParaRPr sz="900" dirty="0">
+              <a:solidFill>
+                <a:schemeClr val="accent2">
+                  <a:lumMod val="75000"/>
+                </a:schemeClr>
+              </a:solidFill>
+              <a:latin typeface="Arial" panose="020B0604020202020204" pitchFamily="34" charset="0"/>
+              <a:cs typeface="Arial" panose="020B0604020202020204" pitchFamily="34" charset="0"/>
+            </a:endParaRPr>
+          </a:p>
+        </p:txBody>
+      </p:sp>
+      <p:sp>
+        <p:nvSpPr>
+          <p:cNvPr id="6" name="Slide Number Placeholder 5">
+            <a:extLst>
+              <a:ext uri="{FF2B5EF4-FFF2-40B4-BE49-F238E27FC236}">
+                <a16:creationId xmlns:a16="http://schemas.microsoft.com/office/drawing/2014/main" xmlns="" id="{C99A4724-1AC5-7707-7AED-F930032BBA4C}"/>
+              </a:ext>
+            </a:extLst>
+          </p:cNvPr>
+          <p:cNvSpPr>
+            <a:spLocks noGrp="1"/>
+          </p:cNvSpPr>
+          <p:nvPr>
+            <p:ph type="sldNum" sz="quarter" idx="7"/>
+          </p:nvPr>
+        </p:nvSpPr>
+        <p:spPr/>
+        <p:txBody>
+          <a:bodyPr/>
+          <a:lstStyle/>
+          <a:p>
+            <a:pPr marL="12700">
+              <a:lnSpc>
+                <a:spcPct val="100000"/>
+              </a:lnSpc>
+              <a:spcBef>
+                <a:spcPts val="190"/>
+              </a:spcBef>
+            </a:pPr>
+            <a:fld id="{81D60167-4931-47E6-BA6A-407CBD079E47}" type="slidenum">
+              <a:rPr lang="x-none" smtClean="0"/>
+              <a:t>14</a:t>
+            </a:fld>
+            <a:endParaRPr lang="x-none" spc="-25" dirty="0"/>
+          </a:p>
+        </p:txBody>
+      </p:sp>
+      <p:pic>
+        <p:nvPicPr>
+          <p:cNvPr id="4" name="Picture 3"/>
+          <p:cNvPicPr>
+            <a:picLocks noChangeAspect="1"/>
+          </p:cNvPicPr>
+          <p:nvPr/>
+        </p:nvPicPr>
+        <p:blipFill>
+          <a:blip r:embed="rId2" cstate="print">
+            <a:extLst>
+              <a:ext uri="{28A0092B-C50C-407E-A947-70E740481C1C}">
+                <a14:useLocalDpi xmlns:a14="http://schemas.microsoft.com/office/drawing/2010/main" val="0"/>
+              </a:ext>
+            </a:extLst>
+          </a:blip>
+          <a:stretch>
+            <a:fillRect/>
+          </a:stretch>
+        </p:blipFill>
+        <p:spPr>
+          <a:xfrm>
+            <a:off x="68124" y="934976"/>
+            <a:ext cx="4541975" cy="2166999"/>
+          </a:xfrm>
+          <a:prstGeom prst="rect">
+            <a:avLst/>
+          </a:prstGeom>
+        </p:spPr>
+      </p:pic>
+    </p:spTree>
+    <p:extLst>
+      <p:ext uri="{BB962C8B-B14F-4D97-AF65-F5344CB8AC3E}">
+        <p14:creationId xmlns:p14="http://schemas.microsoft.com/office/powerpoint/2010/main" val="4224384766"/>
+      </p:ext>
+    </p:extLst>
+  </p:cSld>
+  <p:clrMapOvr>
+    <a:masterClrMapping/>
+  </p:clrMapOvr>
+  <p:timing>
+    <p:tnLst>
+      <p:par>
+        <p:cTn id="1" dur="indefinite" restart="never" nodeType="tmRoot"/>
+      </p:par>
+    </p:tnLst>
+  </p:timing>
+</p:sld>
+</file>
+
+<file path=ppt/slides/slide15.xml><?xml version="1.0" encoding="utf-8"?>
+<p:sld xmlns:a="http://schemas.openxmlformats.org/drawingml/2006/main" xmlns:r="http://schemas.openxmlformats.org/officeDocument/2006/relationships" xmlns:p="http://schemas.openxmlformats.org/presentationml/2006/main">
+  <p:cSld>
+    <p:spTree>
+      <p:nvGrpSpPr>
+        <p:cNvPr id="1" name="">
+          <a:extLst>
+            <a:ext uri="{FF2B5EF4-FFF2-40B4-BE49-F238E27FC236}">
+              <a16:creationId xmlns:a16="http://schemas.microsoft.com/office/drawing/2014/main" xmlns="" id="{F6CDD485-1589-9263-8CEA-314A58E2985D}"/>
+            </a:ext>
+          </a:extLst>
+        </p:cNvPr>
+        <p:cNvGrpSpPr/>
+        <p:nvPr/>
+      </p:nvGrpSpPr>
+      <p:grpSpPr>
+        <a:xfrm>
+          <a:off x="0" y="0"/>
+          <a:ext cx="0" cy="0"/>
+          <a:chOff x="0" y="0"/>
+          <a:chExt cx="0" cy="0"/>
+        </a:xfrm>
+      </p:grpSpPr>
+      <p:sp>
+        <p:nvSpPr>
+          <p:cNvPr id="2" name="Title 1">
+            <a:extLst>
+              <a:ext uri="{FF2B5EF4-FFF2-40B4-BE49-F238E27FC236}">
+                <a16:creationId xmlns:a16="http://schemas.microsoft.com/office/drawing/2014/main" xmlns="" id="{A65EB058-A36B-4236-1FB7-CDB3C4AA4C88}"/>
+              </a:ext>
+            </a:extLst>
+          </p:cNvPr>
+          <p:cNvSpPr>
+            <a:spLocks noGrp="1"/>
+          </p:cNvSpPr>
+          <p:nvPr>
+            <p:ph type="title"/>
+          </p:nvPr>
+        </p:nvSpPr>
+        <p:spPr>
+          <a:xfrm>
+            <a:off x="95300" y="59928"/>
+            <a:ext cx="3025775" cy="215444"/>
+          </a:xfrm>
+        </p:spPr>
+        <p:txBody>
+          <a:bodyPr/>
+          <a:lstStyle/>
+          <a:p>
+            <a:r>
+              <a:rPr lang="en-US" dirty="0">
+                <a:latin typeface="Arial" panose="020B0604020202020204" pitchFamily="34" charset="0"/>
+                <a:cs typeface="Arial" panose="020B0604020202020204" pitchFamily="34" charset="0"/>
+              </a:rPr>
+              <a:t>AI </a:t>
+            </a:r>
+            <a:r>
+              <a:rPr lang="en-US" dirty="0">
+                <a:latin typeface="Arial" panose="020B0604020202020204" pitchFamily="34" charset="0"/>
+                <a:cs typeface="Arial" panose="020B0604020202020204" pitchFamily="34" charset="0"/>
+              </a:rPr>
+              <a:t>solution with Copilot</a:t>
+            </a:r>
+            <a:endParaRPr lang="x-none" dirty="0">
+              <a:latin typeface="Arial" panose="020B0604020202020204" pitchFamily="34" charset="0"/>
+              <a:cs typeface="Arial" panose="020B0604020202020204" pitchFamily="34" charset="0"/>
+            </a:endParaRPr>
+          </a:p>
+        </p:txBody>
+      </p:sp>
+      <p:sp>
+        <p:nvSpPr>
+          <p:cNvPr id="5" name="object 18">
+            <a:extLst>
+              <a:ext uri="{FF2B5EF4-FFF2-40B4-BE49-F238E27FC236}">
+                <a16:creationId xmlns:a16="http://schemas.microsoft.com/office/drawing/2014/main" xmlns="" id="{05D3E414-47F6-2DDF-BBAA-5BD47AA15418}"/>
+              </a:ext>
+            </a:extLst>
+          </p:cNvPr>
+          <p:cNvSpPr txBox="1"/>
+          <p:nvPr/>
+        </p:nvSpPr>
+        <p:spPr>
+          <a:xfrm>
+            <a:off x="13406" y="358775"/>
+            <a:ext cx="3838575" cy="479555"/>
+          </a:xfrm>
+          <a:prstGeom prst="rect">
+            <a:avLst/>
+          </a:prstGeom>
+        </p:spPr>
+        <p:txBody>
+          <a:bodyPr vert="horz" wrap="square" lIns="0" tIns="6985" rIns="0" bIns="0" rtlCol="0">
+            <a:spAutoFit/>
+          </a:bodyPr>
+          <a:lstStyle/>
+          <a:p>
+            <a:pPr marL="12700" marR="5080">
+              <a:lnSpc>
+                <a:spcPct val="102600"/>
+              </a:lnSpc>
+              <a:spcBef>
+                <a:spcPts val="55"/>
+              </a:spcBef>
+            </a:pPr>
+            <a:r>
+              <a:rPr lang="en-US" sz="1100" b="1" spc="-70" dirty="0" smtClean="0">
+                <a:latin typeface="Arial" panose="020B0604020202020204" pitchFamily="34" charset="0"/>
+                <a:cs typeface="Arial" panose="020B0604020202020204" pitchFamily="34" charset="0"/>
+              </a:rPr>
+              <a:t>Option 2: </a:t>
+            </a:r>
+            <a:r>
+              <a:rPr lang="en-US" sz="1100" spc="-25" dirty="0" smtClean="0">
+                <a:solidFill>
+                  <a:schemeClr val="tx1"/>
+                </a:solidFill>
+                <a:latin typeface="Arial" panose="020B0604020202020204" pitchFamily="34" charset="0"/>
+                <a:cs typeface="Arial" panose="020B0604020202020204" pitchFamily="34" charset="0"/>
+              </a:rPr>
+              <a:t>Use MCP (Model Context Protocol) (selected        )</a:t>
+            </a:r>
+            <a:endParaRPr lang="en-US" sz="1100" b="1" spc="50" dirty="0">
+              <a:latin typeface="Arial" panose="020B0604020202020204" pitchFamily="34" charset="0"/>
+              <a:cs typeface="Arial" panose="020B0604020202020204" pitchFamily="34" charset="0"/>
+            </a:endParaRPr>
+          </a:p>
+          <a:p>
+            <a:pPr marL="12700" marR="5080">
+              <a:lnSpc>
+                <a:spcPct val="102600"/>
+              </a:lnSpc>
+              <a:spcBef>
+                <a:spcPts val="55"/>
+              </a:spcBef>
+            </a:pPr>
+            <a:r>
+              <a:rPr lang="en-US" sz="900" dirty="0" smtClean="0"/>
+              <a:t>- Provides </a:t>
+            </a:r>
+            <a:r>
+              <a:rPr lang="en-US" sz="900" dirty="0"/>
+              <a:t>a standardized way for AI models to explore and interact with external tools, applications, and data sources</a:t>
+            </a:r>
+            <a:endParaRPr sz="900" dirty="0">
+              <a:solidFill>
+                <a:schemeClr val="accent2">
+                  <a:lumMod val="75000"/>
+                </a:schemeClr>
+              </a:solidFill>
+              <a:latin typeface="Arial" panose="020B0604020202020204" pitchFamily="34" charset="0"/>
+              <a:cs typeface="Arial" panose="020B0604020202020204" pitchFamily="34" charset="0"/>
+            </a:endParaRPr>
+          </a:p>
+        </p:txBody>
+      </p:sp>
+      <p:sp>
+        <p:nvSpPr>
+          <p:cNvPr id="6" name="Slide Number Placeholder 5">
+            <a:extLst>
+              <a:ext uri="{FF2B5EF4-FFF2-40B4-BE49-F238E27FC236}">
+                <a16:creationId xmlns:a16="http://schemas.microsoft.com/office/drawing/2014/main" xmlns="" id="{C99A4724-1AC5-7707-7AED-F930032BBA4C}"/>
+              </a:ext>
+            </a:extLst>
+          </p:cNvPr>
+          <p:cNvSpPr>
+            <a:spLocks noGrp="1"/>
+          </p:cNvSpPr>
+          <p:nvPr>
+            <p:ph type="sldNum" sz="quarter" idx="7"/>
+          </p:nvPr>
+        </p:nvSpPr>
+        <p:spPr/>
+        <p:txBody>
+          <a:bodyPr/>
+          <a:lstStyle/>
+          <a:p>
+            <a:pPr marL="12700">
+              <a:lnSpc>
+                <a:spcPct val="100000"/>
+              </a:lnSpc>
+              <a:spcBef>
+                <a:spcPts val="190"/>
+              </a:spcBef>
+            </a:pPr>
+            <a:fld id="{81D60167-4931-47E6-BA6A-407CBD079E47}" type="slidenum">
+              <a:rPr lang="x-none" smtClean="0"/>
+              <a:t>15</a:t>
             </a:fld>
             <a:endParaRPr lang="x-none" spc="-25" dirty="0"/>
           </a:p>
@@ -4085,7 +3678,7 @@
           <p:cNvPr id="8" name="Picture 2" descr="체크 표시 클립 아트. 무료 다운로드. | Creazilla">
             <a:extLst>
               <a:ext uri="{FF2B5EF4-FFF2-40B4-BE49-F238E27FC236}">
-                <a16:creationId xmlns:a16="http://schemas.microsoft.com/office/drawing/2014/main" xmlns="" id="{506060A2-694F-9BC8-4E65-1A4842DC7F1E}"/>
+                <a16:creationId xmlns="" xmlns:a16="http://schemas.microsoft.com/office/drawing/2014/main" id="{506060A2-694F-9BC8-4E65-1A4842DC7F1E}"/>
               </a:ext>
             </a:extLst>
           </p:cNvPr>
@@ -4147,7 +3740,7 @@
 </p:sld>
 </file>
 
-<file path=ppt/slides/slide18.xml><?xml version="1.0" encoding="utf-8"?>
+<file path=ppt/slides/slide16.xml><?xml version="1.0" encoding="utf-8"?>
 <p:sld xmlns:a="http://schemas.openxmlformats.org/drawingml/2006/main" xmlns:r="http://schemas.openxmlformats.org/officeDocument/2006/relationships" xmlns:p="http://schemas.openxmlformats.org/presentationml/2006/main">
   <p:cSld>
     <p:spTree>
@@ -4155,7 +3748,7 @@
         <p:cNvPr id="1" name="">
           <a:extLst>
             <a:ext uri="{FF2B5EF4-FFF2-40B4-BE49-F238E27FC236}">
-              <a16:creationId xmlns="" xmlns:a16="http://schemas.microsoft.com/office/drawing/2014/main" id="{F6CDD485-1589-9263-8CEA-314A58E2985D}"/>
+              <a16:creationId xmlns:a16="http://schemas.microsoft.com/office/drawing/2014/main" xmlns="" id="{F6CDD485-1589-9263-8CEA-314A58E2985D}"/>
             </a:ext>
           </a:extLst>
         </p:cNvPr>
@@ -4175,7 +3768,7 @@
           <p:cNvPr id="2" name="Title 1">
             <a:extLst>
               <a:ext uri="{FF2B5EF4-FFF2-40B4-BE49-F238E27FC236}">
-                <a16:creationId xmlns="" xmlns:a16="http://schemas.microsoft.com/office/drawing/2014/main" id="{A65EB058-A36B-4236-1FB7-CDB3C4AA4C88}"/>
+                <a16:creationId xmlns:a16="http://schemas.microsoft.com/office/drawing/2014/main" xmlns="" id="{A65EB058-A36B-4236-1FB7-CDB3C4AA4C88}"/>
               </a:ext>
             </a:extLst>
           </p:cNvPr>
@@ -4201,7 +3794,14 @@
                 <a:latin typeface="Arial" panose="020B0604020202020204" pitchFamily="34" charset="0"/>
                 <a:cs typeface="Arial" panose="020B0604020202020204" pitchFamily="34" charset="0"/>
               </a:rPr>
-              <a:t>AI solution</a:t>
+              <a:t>AI </a:t>
+            </a:r>
+            <a:r>
+              <a:rPr lang="en-US" dirty="0">
+                <a:latin typeface="Arial" panose="020B0604020202020204" pitchFamily="34" charset="0"/>
+                <a:cs typeface="Arial" panose="020B0604020202020204" pitchFamily="34" charset="0"/>
+              </a:rPr>
+              <a:t>solution with Copilot</a:t>
             </a:r>
             <a:endParaRPr lang="x-none" dirty="0">
               <a:latin typeface="Arial" panose="020B0604020202020204" pitchFamily="34" charset="0"/>
@@ -4215,7 +3815,7 @@
           <p:cNvPr id="5" name="object 18">
             <a:extLst>
               <a:ext uri="{FF2B5EF4-FFF2-40B4-BE49-F238E27FC236}">
-                <a16:creationId xmlns="" xmlns:a16="http://schemas.microsoft.com/office/drawing/2014/main" id="{05D3E414-47F6-2DDF-BBAA-5BD47AA15418}"/>
+                <a16:creationId xmlns:a16="http://schemas.microsoft.com/office/drawing/2014/main" xmlns="" id="{05D3E414-47F6-2DDF-BBAA-5BD47AA15418}"/>
               </a:ext>
             </a:extLst>
           </p:cNvPr>
@@ -4386,7 +3986,7 @@
           <p:cNvPr id="6" name="Slide Number Placeholder 5">
             <a:extLst>
               <a:ext uri="{FF2B5EF4-FFF2-40B4-BE49-F238E27FC236}">
-                <a16:creationId xmlns="" xmlns:a16="http://schemas.microsoft.com/office/drawing/2014/main" id="{C99A4724-1AC5-7707-7AED-F930032BBA4C}"/>
+                <a16:creationId xmlns:a16="http://schemas.microsoft.com/office/drawing/2014/main" xmlns="" id="{C99A4724-1AC5-7707-7AED-F930032BBA4C}"/>
               </a:ext>
             </a:extLst>
           </p:cNvPr>
@@ -4412,7 +4012,7 @@
             </a:pPr>
             <a:fld id="{81D60167-4931-47E6-BA6A-407CBD079E47}" type="slidenum">
               <a:rPr lang="x-none" smtClean="0"/>
-              <a:t>18</a:t>
+              <a:t>16</a:t>
             </a:fld>
             <a:endParaRPr lang="x-none" spc="-25" dirty="0"/>
           </a:p>
@@ -4453,7 +4053,7 @@
           <p:cNvPr id="7" name="Picture 2" descr="체크 표시 클립 아트. 무료 다운로드. | Creazilla">
             <a:extLst>
               <a:ext uri="{FF2B5EF4-FFF2-40B4-BE49-F238E27FC236}">
-                <a16:creationId xmlns:a16="http://schemas.microsoft.com/office/drawing/2014/main" xmlns="" id="{506060A2-694F-9BC8-4E65-1A4842DC7F1E}"/>
+                <a16:creationId xmlns="" xmlns:a16="http://schemas.microsoft.com/office/drawing/2014/main" id="{506060A2-694F-9BC8-4E65-1A4842DC7F1E}"/>
               </a:ext>
             </a:extLst>
           </p:cNvPr>
@@ -4477,8 +4077,8 @@
         </p:blipFill>
         <p:spPr bwMode="auto">
           <a:xfrm>
-            <a:off x="2762250" y="358775"/>
-            <a:ext cx="192966" cy="192966"/>
+            <a:off x="2686050" y="358775"/>
+            <a:ext cx="152400" cy="152400"/>
           </a:xfrm>
           <a:prstGeom prst="rect">
             <a:avLst/>
@@ -4515,7 +4115,7 @@
 </p:sld>
 </file>
 
-<file path=ppt/slides/slide19.xml><?xml version="1.0" encoding="utf-8"?>
+<file path=ppt/slides/slide17.xml><?xml version="1.0" encoding="utf-8"?>
 <p:sld xmlns:a="http://schemas.openxmlformats.org/drawingml/2006/main" xmlns:r="http://schemas.openxmlformats.org/officeDocument/2006/relationships" xmlns:p="http://schemas.openxmlformats.org/presentationml/2006/main">
   <p:cSld>
     <p:spTree>
@@ -4523,7 +4123,7 @@
         <p:cNvPr id="1" name="">
           <a:extLst>
             <a:ext uri="{FF2B5EF4-FFF2-40B4-BE49-F238E27FC236}">
-              <a16:creationId xmlns="" xmlns:a16="http://schemas.microsoft.com/office/drawing/2014/main" id="{F6CDD485-1589-9263-8CEA-314A58E2985D}"/>
+              <a16:creationId xmlns:a16="http://schemas.microsoft.com/office/drawing/2014/main" xmlns="" id="{F6CDD485-1589-9263-8CEA-314A58E2985D}"/>
             </a:ext>
           </a:extLst>
         </p:cNvPr>
@@ -4543,7 +4143,7 @@
           <p:cNvPr id="2" name="Title 1">
             <a:extLst>
               <a:ext uri="{FF2B5EF4-FFF2-40B4-BE49-F238E27FC236}">
-                <a16:creationId xmlns="" xmlns:a16="http://schemas.microsoft.com/office/drawing/2014/main" id="{A65EB058-A36B-4236-1FB7-CDB3C4AA4C88}"/>
+                <a16:creationId xmlns:a16="http://schemas.microsoft.com/office/drawing/2014/main" xmlns="" id="{A65EB058-A36B-4236-1FB7-CDB3C4AA4C88}"/>
               </a:ext>
             </a:extLst>
           </p:cNvPr>
@@ -4569,7 +4169,14 @@
                 <a:latin typeface="Arial" panose="020B0604020202020204" pitchFamily="34" charset="0"/>
                 <a:cs typeface="Arial" panose="020B0604020202020204" pitchFamily="34" charset="0"/>
               </a:rPr>
-              <a:t>AI solution</a:t>
+              <a:t>AI </a:t>
+            </a:r>
+            <a:r>
+              <a:rPr lang="en-US" dirty="0">
+                <a:latin typeface="Arial" panose="020B0604020202020204" pitchFamily="34" charset="0"/>
+                <a:cs typeface="Arial" panose="020B0604020202020204" pitchFamily="34" charset="0"/>
+              </a:rPr>
+              <a:t>solution with Copilot</a:t>
             </a:r>
             <a:endParaRPr lang="x-none" dirty="0">
               <a:latin typeface="Arial" panose="020B0604020202020204" pitchFamily="34" charset="0"/>
@@ -4583,7 +4190,7 @@
           <p:cNvPr id="5" name="object 18">
             <a:extLst>
               <a:ext uri="{FF2B5EF4-FFF2-40B4-BE49-F238E27FC236}">
-                <a16:creationId xmlns="" xmlns:a16="http://schemas.microsoft.com/office/drawing/2014/main" id="{05D3E414-47F6-2DDF-BBAA-5BD47AA15418}"/>
+                <a16:creationId xmlns:a16="http://schemas.microsoft.com/office/drawing/2014/main" xmlns="" id="{05D3E414-47F6-2DDF-BBAA-5BD47AA15418}"/>
               </a:ext>
             </a:extLst>
           </p:cNvPr>
@@ -4642,7 +4249,7 @@
           <p:cNvPr id="6" name="Slide Number Placeholder 5">
             <a:extLst>
               <a:ext uri="{FF2B5EF4-FFF2-40B4-BE49-F238E27FC236}">
-                <a16:creationId xmlns="" xmlns:a16="http://schemas.microsoft.com/office/drawing/2014/main" id="{C99A4724-1AC5-7707-7AED-F930032BBA4C}"/>
+                <a16:creationId xmlns:a16="http://schemas.microsoft.com/office/drawing/2014/main" xmlns="" id="{C99A4724-1AC5-7707-7AED-F930032BBA4C}"/>
               </a:ext>
             </a:extLst>
           </p:cNvPr>
@@ -4668,48 +4275,18 @@
             </a:pPr>
             <a:fld id="{81D60167-4931-47E6-BA6A-407CBD079E47}" type="slidenum">
               <a:rPr lang="x-none" smtClean="0"/>
-              <a:t>19</a:t>
+              <a:t>17</a:t>
             </a:fld>
             <a:endParaRPr lang="x-none" spc="-25" dirty="0"/>
           </a:p>
         </p:txBody>
       </p:sp>
-      <p:pic>
-        <p:nvPicPr>
-          <p:cNvPr id="4" name="Picture 3"/>
-          <p:cNvPicPr>
-            <a:picLocks noChangeAspect="1"/>
-          </p:cNvPicPr>
-          <p:nvPr/>
-        </p:nvPicPr>
-        <p:blipFill>
-          <a:blip r:embed="rId2" cstate="print">
-            <a:extLst>
-              <a:ext uri="{28A0092B-C50C-407E-A947-70E740481C1C}">
-                <a14:useLocalDpi xmlns:a14="http://schemas.microsoft.com/office/drawing/2010/main" val="0"/>
-              </a:ext>
-            </a:extLst>
-          </a:blip>
-          <a:stretch>
-            <a:fillRect/>
-          </a:stretch>
-        </p:blipFill>
-        <p:spPr>
-          <a:xfrm>
-            <a:off x="13406" y="663575"/>
-            <a:ext cx="4416989" cy="2231146"/>
-          </a:xfrm>
-          <a:prstGeom prst="rect">
-            <a:avLst/>
-          </a:prstGeom>
-        </p:spPr>
-      </p:pic>
       <p:pic>
         <p:nvPicPr>
           <p:cNvPr id="7" name="Picture 2" descr="체크 표시 클립 아트. 무료 다운로드. | Creazilla">
             <a:extLst>
               <a:ext uri="{FF2B5EF4-FFF2-40B4-BE49-F238E27FC236}">
-                <a16:creationId xmlns:a16="http://schemas.microsoft.com/office/drawing/2014/main" xmlns="" id="{506060A2-694F-9BC8-4E65-1A4842DC7F1E}"/>
+                <a16:creationId xmlns="" xmlns:a16="http://schemas.microsoft.com/office/drawing/2014/main" id="{506060A2-694F-9BC8-4E65-1A4842DC7F1E}"/>
               </a:ext>
             </a:extLst>
           </p:cNvPr>
@@ -4719,7 +4296,7 @@
           <p:nvPr/>
         </p:nvPicPr>
         <p:blipFill>
-          <a:blip r:embed="rId3" cstate="print">
+          <a:blip r:embed="rId2" cstate="print">
             <a:extLst>
               <a:ext uri="{28A0092B-C50C-407E-A947-70E740481C1C}">
                 <a14:useLocalDpi xmlns:a14="http://schemas.microsoft.com/office/drawing/2010/main" val="0"/>
@@ -4733,8 +4310,8 @@
         </p:blipFill>
         <p:spPr bwMode="auto">
           <a:xfrm>
-            <a:off x="2762250" y="340531"/>
-            <a:ext cx="192966" cy="192966"/>
+            <a:off x="2686050" y="354838"/>
+            <a:ext cx="170644" cy="170644"/>
           </a:xfrm>
           <a:prstGeom prst="rect">
             <a:avLst/>
@@ -4751,10 +4328,566 @@
           </a:extLst>
         </p:spPr>
       </p:pic>
+      <p:pic>
+        <p:nvPicPr>
+          <p:cNvPr id="3" name="Picture 2"/>
+          <p:cNvPicPr>
+            <a:picLocks noChangeAspect="1"/>
+          </p:cNvPicPr>
+          <p:nvPr/>
+        </p:nvPicPr>
+        <p:blipFill>
+          <a:blip r:embed="rId3">
+            <a:extLst>
+              <a:ext uri="{28A0092B-C50C-407E-A947-70E740481C1C}">
+                <a14:useLocalDpi xmlns:a14="http://schemas.microsoft.com/office/drawing/2010/main" val="0"/>
+              </a:ext>
+            </a:extLst>
+          </a:blip>
+          <a:stretch>
+            <a:fillRect/>
+          </a:stretch>
+        </p:blipFill>
+        <p:spPr>
+          <a:xfrm>
+            <a:off x="0" y="656469"/>
+            <a:ext cx="4610100" cy="2147811"/>
+          </a:xfrm>
+          <a:prstGeom prst="rect">
+            <a:avLst/>
+          </a:prstGeom>
+        </p:spPr>
+      </p:pic>
     </p:spTree>
     <p:extLst>
       <p:ext uri="{BB962C8B-B14F-4D97-AF65-F5344CB8AC3E}">
-        <p14:creationId xmlns:p14="http://schemas.microsoft.com/office/powerpoint/2010/main" val="2574301094"/>
+        <p14:creationId xmlns:p14="http://schemas.microsoft.com/office/powerpoint/2010/main" val="2048968580"/>
+      </p:ext>
+    </p:extLst>
+  </p:cSld>
+  <p:clrMapOvr>
+    <a:masterClrMapping/>
+  </p:clrMapOvr>
+  <p:timing>
+    <p:tnLst>
+      <p:par>
+        <p:cTn id="1" dur="indefinite" restart="never" nodeType="tmRoot"/>
+      </p:par>
+    </p:tnLst>
+  </p:timing>
+</p:sld>
+</file>
+
+<file path=ppt/slides/slide18.xml><?xml version="1.0" encoding="utf-8"?>
+<p:sld xmlns:a="http://schemas.openxmlformats.org/drawingml/2006/main" xmlns:r="http://schemas.openxmlformats.org/officeDocument/2006/relationships" xmlns:p="http://schemas.openxmlformats.org/presentationml/2006/main">
+  <p:cSld>
+    <p:spTree>
+      <p:nvGrpSpPr>
+        <p:cNvPr id="1" name="">
+          <a:extLst>
+            <a:ext uri="{FF2B5EF4-FFF2-40B4-BE49-F238E27FC236}">
+              <a16:creationId xmlns:a16="http://schemas.microsoft.com/office/drawing/2014/main" xmlns="" id="{F6CDD485-1589-9263-8CEA-314A58E2985D}"/>
+            </a:ext>
+          </a:extLst>
+        </p:cNvPr>
+        <p:cNvGrpSpPr/>
+        <p:nvPr/>
+      </p:nvGrpSpPr>
+      <p:grpSpPr>
+        <a:xfrm>
+          <a:off x="0" y="0"/>
+          <a:ext cx="0" cy="0"/>
+          <a:chOff x="0" y="0"/>
+          <a:chExt cx="0" cy="0"/>
+        </a:xfrm>
+      </p:grpSpPr>
+      <p:sp>
+        <p:nvSpPr>
+          <p:cNvPr id="2" name="Title 1">
+            <a:extLst>
+              <a:ext uri="{FF2B5EF4-FFF2-40B4-BE49-F238E27FC236}">
+                <a16:creationId xmlns:a16="http://schemas.microsoft.com/office/drawing/2014/main" xmlns="" id="{A65EB058-A36B-4236-1FB7-CDB3C4AA4C88}"/>
+              </a:ext>
+            </a:extLst>
+          </p:cNvPr>
+          <p:cNvSpPr>
+            <a:spLocks noGrp="1"/>
+          </p:cNvSpPr>
+          <p:nvPr>
+            <p:ph type="title"/>
+          </p:nvPr>
+        </p:nvSpPr>
+        <p:spPr>
+          <a:xfrm>
+            <a:off x="95300" y="59928"/>
+            <a:ext cx="3025775" cy="215444"/>
+          </a:xfrm>
+        </p:spPr>
+        <p:txBody>
+          <a:bodyPr/>
+          <a:lstStyle/>
+          <a:p>
+            <a:r>
+              <a:rPr lang="en-US" dirty="0">
+                <a:latin typeface="Arial" panose="020B0604020202020204" pitchFamily="34" charset="0"/>
+                <a:cs typeface="Arial" panose="020B0604020202020204" pitchFamily="34" charset="0"/>
+              </a:rPr>
+              <a:t>AI </a:t>
+            </a:r>
+            <a:r>
+              <a:rPr lang="en-US" dirty="0">
+                <a:latin typeface="Arial" panose="020B0604020202020204" pitchFamily="34" charset="0"/>
+                <a:cs typeface="Arial" panose="020B0604020202020204" pitchFamily="34" charset="0"/>
+              </a:rPr>
+              <a:t>solution with Copilot</a:t>
+            </a:r>
+            <a:endParaRPr lang="x-none" dirty="0">
+              <a:latin typeface="Arial" panose="020B0604020202020204" pitchFamily="34" charset="0"/>
+              <a:cs typeface="Arial" panose="020B0604020202020204" pitchFamily="34" charset="0"/>
+            </a:endParaRPr>
+          </a:p>
+        </p:txBody>
+      </p:sp>
+      <p:sp>
+        <p:nvSpPr>
+          <p:cNvPr id="5" name="object 18">
+            <a:extLst>
+              <a:ext uri="{FF2B5EF4-FFF2-40B4-BE49-F238E27FC236}">
+                <a16:creationId xmlns:a16="http://schemas.microsoft.com/office/drawing/2014/main" xmlns="" id="{05D3E414-47F6-2DDF-BBAA-5BD47AA15418}"/>
+              </a:ext>
+            </a:extLst>
+          </p:cNvPr>
+          <p:cNvSpPr txBox="1"/>
+          <p:nvPr/>
+        </p:nvSpPr>
+        <p:spPr>
+          <a:xfrm>
+            <a:off x="13406" y="358775"/>
+            <a:ext cx="3838575" cy="181396"/>
+          </a:xfrm>
+          <a:prstGeom prst="rect">
+            <a:avLst/>
+          </a:prstGeom>
+        </p:spPr>
+        <p:txBody>
+          <a:bodyPr vert="horz" wrap="square" lIns="0" tIns="6985" rIns="0" bIns="0" rtlCol="0">
+            <a:spAutoFit/>
+          </a:bodyPr>
+          <a:lstStyle/>
+          <a:p>
+            <a:pPr marL="12700" marR="5080">
+              <a:lnSpc>
+                <a:spcPct val="102600"/>
+              </a:lnSpc>
+              <a:spcBef>
+                <a:spcPts val="55"/>
+              </a:spcBef>
+            </a:pPr>
+            <a:r>
+              <a:rPr lang="en-US" sz="1100" b="1" spc="-70" dirty="0" smtClean="0">
+                <a:latin typeface="Arial" panose="020B0604020202020204" pitchFamily="34" charset="0"/>
+                <a:cs typeface="Arial" panose="020B0604020202020204" pitchFamily="34" charset="0"/>
+              </a:rPr>
+              <a:t>Option 2: </a:t>
+            </a:r>
+            <a:r>
+              <a:rPr lang="en-US" sz="1100" spc="-25" dirty="0" smtClean="0">
+                <a:solidFill>
+                  <a:schemeClr val="tx1"/>
+                </a:solidFill>
+                <a:latin typeface="Arial" panose="020B0604020202020204" pitchFamily="34" charset="0"/>
+                <a:cs typeface="Arial" panose="020B0604020202020204" pitchFamily="34" charset="0"/>
+              </a:rPr>
+              <a:t>Use MCP (Model Context Protocol)</a:t>
+            </a:r>
+            <a:endParaRPr lang="en-US" sz="1100" b="1" spc="50" dirty="0">
+              <a:latin typeface="Arial" panose="020B0604020202020204" pitchFamily="34" charset="0"/>
+              <a:cs typeface="Arial" panose="020B0604020202020204" pitchFamily="34" charset="0"/>
+            </a:endParaRPr>
+          </a:p>
+        </p:txBody>
+      </p:sp>
+      <p:sp>
+        <p:nvSpPr>
+          <p:cNvPr id="6" name="Slide Number Placeholder 5">
+            <a:extLst>
+              <a:ext uri="{FF2B5EF4-FFF2-40B4-BE49-F238E27FC236}">
+                <a16:creationId xmlns:a16="http://schemas.microsoft.com/office/drawing/2014/main" xmlns="" id="{C99A4724-1AC5-7707-7AED-F930032BBA4C}"/>
+              </a:ext>
+            </a:extLst>
+          </p:cNvPr>
+          <p:cNvSpPr>
+            <a:spLocks noGrp="1"/>
+          </p:cNvSpPr>
+          <p:nvPr>
+            <p:ph type="sldNum" sz="quarter" idx="7"/>
+          </p:nvPr>
+        </p:nvSpPr>
+        <p:spPr/>
+        <p:txBody>
+          <a:bodyPr/>
+          <a:lstStyle/>
+          <a:p>
+            <a:pPr marL="12700">
+              <a:lnSpc>
+                <a:spcPct val="100000"/>
+              </a:lnSpc>
+              <a:spcBef>
+                <a:spcPts val="190"/>
+              </a:spcBef>
+            </a:pPr>
+            <a:fld id="{81D60167-4931-47E6-BA6A-407CBD079E47}" type="slidenum">
+              <a:rPr lang="x-none" smtClean="0"/>
+              <a:t>18</a:t>
+            </a:fld>
+            <a:endParaRPr lang="x-none" spc="-25" dirty="0"/>
+          </a:p>
+        </p:txBody>
+      </p:sp>
+      <p:pic>
+        <p:nvPicPr>
+          <p:cNvPr id="7" name="Picture 2" descr="체크 표시 클립 아트. 무료 다운로드. | Creazilla">
+            <a:extLst>
+              <a:ext uri="{FF2B5EF4-FFF2-40B4-BE49-F238E27FC236}">
+                <a16:creationId xmlns="" xmlns:a16="http://schemas.microsoft.com/office/drawing/2014/main" id="{506060A2-694F-9BC8-4E65-1A4842DC7F1E}"/>
+              </a:ext>
+            </a:extLst>
+          </p:cNvPr>
+          <p:cNvPicPr>
+            <a:picLocks noChangeAspect="1" noChangeArrowheads="1"/>
+          </p:cNvPicPr>
+          <p:nvPr/>
+        </p:nvPicPr>
+        <p:blipFill>
+          <a:blip r:embed="rId2" cstate="print">
+            <a:extLst>
+              <a:ext uri="{28A0092B-C50C-407E-A947-70E740481C1C}">
+                <a14:useLocalDpi xmlns:a14="http://schemas.microsoft.com/office/drawing/2010/main" val="0"/>
+              </a:ext>
+            </a:extLst>
+          </a:blip>
+          <a:srcRect/>
+          <a:stretch>
+            <a:fillRect/>
+          </a:stretch>
+        </p:blipFill>
+        <p:spPr bwMode="auto">
+          <a:xfrm>
+            <a:off x="2686050" y="358775"/>
+            <a:ext cx="152400" cy="152400"/>
+          </a:xfrm>
+          <a:prstGeom prst="rect">
+            <a:avLst/>
+          </a:prstGeom>
+          <a:noFill/>
+          <a:extLst>
+            <a:ext uri="{909E8E84-426E-40DD-AFC4-6F175D3DCCD1}">
+              <a14:hiddenFill xmlns:a14="http://schemas.microsoft.com/office/drawing/2010/main">
+                <a:solidFill>
+                  <a:srgbClr val="FFFFFF"/>
+                </a:solidFill>
+              </a14:hiddenFill>
+            </a:ext>
+          </a:extLst>
+        </p:spPr>
+      </p:pic>
+      <p:pic>
+        <p:nvPicPr>
+          <p:cNvPr id="4" name="Picture 3"/>
+          <p:cNvPicPr>
+            <a:picLocks noChangeAspect="1"/>
+          </p:cNvPicPr>
+          <p:nvPr/>
+        </p:nvPicPr>
+        <p:blipFill>
+          <a:blip r:embed="rId3">
+            <a:extLst>
+              <a:ext uri="{28A0092B-C50C-407E-A947-70E740481C1C}">
+                <a14:useLocalDpi xmlns:a14="http://schemas.microsoft.com/office/drawing/2010/main" val="0"/>
+              </a:ext>
+            </a:extLst>
+          </a:blip>
+          <a:stretch>
+            <a:fillRect/>
+          </a:stretch>
+        </p:blipFill>
+        <p:spPr>
+          <a:xfrm>
+            <a:off x="0" y="906431"/>
+            <a:ext cx="4610100" cy="1647887"/>
+          </a:xfrm>
+          <a:prstGeom prst="rect">
+            <a:avLst/>
+          </a:prstGeom>
+        </p:spPr>
+      </p:pic>
+    </p:spTree>
+    <p:extLst>
+      <p:ext uri="{BB962C8B-B14F-4D97-AF65-F5344CB8AC3E}">
+        <p14:creationId xmlns:p14="http://schemas.microsoft.com/office/powerpoint/2010/main" val="665856978"/>
+      </p:ext>
+    </p:extLst>
+  </p:cSld>
+  <p:clrMapOvr>
+    <a:masterClrMapping/>
+  </p:clrMapOvr>
+  <p:timing>
+    <p:tnLst>
+      <p:par>
+        <p:cTn id="1" dur="indefinite" restart="never" nodeType="tmRoot"/>
+      </p:par>
+    </p:tnLst>
+  </p:timing>
+</p:sld>
+</file>
+
+<file path=ppt/slides/slide19.xml><?xml version="1.0" encoding="utf-8"?>
+<p:sld xmlns:a="http://schemas.openxmlformats.org/drawingml/2006/main" xmlns:r="http://schemas.openxmlformats.org/officeDocument/2006/relationships" xmlns:p="http://schemas.openxmlformats.org/presentationml/2006/main">
+  <p:cSld>
+    <p:spTree>
+      <p:nvGrpSpPr>
+        <p:cNvPr id="1" name="">
+          <a:extLst>
+            <a:ext uri="{FF2B5EF4-FFF2-40B4-BE49-F238E27FC236}">
+              <a16:creationId xmlns:a16="http://schemas.microsoft.com/office/drawing/2014/main" xmlns="" id="{F6CDD485-1589-9263-8CEA-314A58E2985D}"/>
+            </a:ext>
+          </a:extLst>
+        </p:cNvPr>
+        <p:cNvGrpSpPr/>
+        <p:nvPr/>
+      </p:nvGrpSpPr>
+      <p:grpSpPr>
+        <a:xfrm>
+          <a:off x="0" y="0"/>
+          <a:ext cx="0" cy="0"/>
+          <a:chOff x="0" y="0"/>
+          <a:chExt cx="0" cy="0"/>
+        </a:xfrm>
+      </p:grpSpPr>
+      <p:sp>
+        <p:nvSpPr>
+          <p:cNvPr id="2" name="Title 1">
+            <a:extLst>
+              <a:ext uri="{FF2B5EF4-FFF2-40B4-BE49-F238E27FC236}">
+                <a16:creationId xmlns:a16="http://schemas.microsoft.com/office/drawing/2014/main" xmlns="" id="{A65EB058-A36B-4236-1FB7-CDB3C4AA4C88}"/>
+              </a:ext>
+            </a:extLst>
+          </p:cNvPr>
+          <p:cNvSpPr>
+            <a:spLocks noGrp="1"/>
+          </p:cNvSpPr>
+          <p:nvPr>
+            <p:ph type="title"/>
+          </p:nvPr>
+        </p:nvSpPr>
+        <p:spPr>
+          <a:xfrm>
+            <a:off x="95300" y="59928"/>
+            <a:ext cx="3025775" cy="215444"/>
+          </a:xfrm>
+        </p:spPr>
+        <p:txBody>
+          <a:bodyPr/>
+          <a:lstStyle/>
+          <a:p>
+            <a:r>
+              <a:rPr lang="en-US" dirty="0">
+                <a:latin typeface="Arial" panose="020B0604020202020204" pitchFamily="34" charset="0"/>
+                <a:cs typeface="Arial" panose="020B0604020202020204" pitchFamily="34" charset="0"/>
+              </a:rPr>
+              <a:t>AI </a:t>
+            </a:r>
+            <a:r>
+              <a:rPr lang="en-US" dirty="0">
+                <a:latin typeface="Arial" panose="020B0604020202020204" pitchFamily="34" charset="0"/>
+                <a:cs typeface="Arial" panose="020B0604020202020204" pitchFamily="34" charset="0"/>
+              </a:rPr>
+              <a:t>solution with Copilot</a:t>
+            </a:r>
+            <a:endParaRPr lang="x-none" dirty="0">
+              <a:latin typeface="Arial" panose="020B0604020202020204" pitchFamily="34" charset="0"/>
+              <a:cs typeface="Arial" panose="020B0604020202020204" pitchFamily="34" charset="0"/>
+            </a:endParaRPr>
+          </a:p>
+        </p:txBody>
+      </p:sp>
+      <p:sp>
+        <p:nvSpPr>
+          <p:cNvPr id="5" name="object 18">
+            <a:extLst>
+              <a:ext uri="{FF2B5EF4-FFF2-40B4-BE49-F238E27FC236}">
+                <a16:creationId xmlns:a16="http://schemas.microsoft.com/office/drawing/2014/main" xmlns="" id="{05D3E414-47F6-2DDF-BBAA-5BD47AA15418}"/>
+              </a:ext>
+            </a:extLst>
+          </p:cNvPr>
+          <p:cNvSpPr txBox="1"/>
+          <p:nvPr/>
+        </p:nvSpPr>
+        <p:spPr>
+          <a:xfrm>
+            <a:off x="13406" y="358775"/>
+            <a:ext cx="3838575" cy="181396"/>
+          </a:xfrm>
+          <a:prstGeom prst="rect">
+            <a:avLst/>
+          </a:prstGeom>
+        </p:spPr>
+        <p:txBody>
+          <a:bodyPr vert="horz" wrap="square" lIns="0" tIns="6985" rIns="0" bIns="0" rtlCol="0">
+            <a:spAutoFit/>
+          </a:bodyPr>
+          <a:lstStyle/>
+          <a:p>
+            <a:pPr marL="12700" marR="5080">
+              <a:lnSpc>
+                <a:spcPct val="102600"/>
+              </a:lnSpc>
+              <a:spcBef>
+                <a:spcPts val="55"/>
+              </a:spcBef>
+            </a:pPr>
+            <a:r>
+              <a:rPr lang="en-US" sz="1100" b="1" spc="-70" dirty="0" smtClean="0">
+                <a:latin typeface="Arial" panose="020B0604020202020204" pitchFamily="34" charset="0"/>
+                <a:cs typeface="Arial" panose="020B0604020202020204" pitchFamily="34" charset="0"/>
+              </a:rPr>
+              <a:t>Option 2: </a:t>
+            </a:r>
+            <a:r>
+              <a:rPr lang="en-US" sz="1100" spc="-25" dirty="0" smtClean="0">
+                <a:solidFill>
+                  <a:schemeClr val="tx1"/>
+                </a:solidFill>
+                <a:latin typeface="Arial" panose="020B0604020202020204" pitchFamily="34" charset="0"/>
+                <a:cs typeface="Arial" panose="020B0604020202020204" pitchFamily="34" charset="0"/>
+              </a:rPr>
+              <a:t>Use MCP (Model Context Protocol)</a:t>
+            </a:r>
+            <a:endParaRPr lang="en-US" sz="1100" b="1" spc="50" dirty="0">
+              <a:latin typeface="Arial" panose="020B0604020202020204" pitchFamily="34" charset="0"/>
+              <a:cs typeface="Arial" panose="020B0604020202020204" pitchFamily="34" charset="0"/>
+            </a:endParaRPr>
+          </a:p>
+        </p:txBody>
+      </p:sp>
+      <p:sp>
+        <p:nvSpPr>
+          <p:cNvPr id="6" name="Slide Number Placeholder 5">
+            <a:extLst>
+              <a:ext uri="{FF2B5EF4-FFF2-40B4-BE49-F238E27FC236}">
+                <a16:creationId xmlns:a16="http://schemas.microsoft.com/office/drawing/2014/main" xmlns="" id="{C99A4724-1AC5-7707-7AED-F930032BBA4C}"/>
+              </a:ext>
+            </a:extLst>
+          </p:cNvPr>
+          <p:cNvSpPr>
+            <a:spLocks noGrp="1"/>
+          </p:cNvSpPr>
+          <p:nvPr>
+            <p:ph type="sldNum" sz="quarter" idx="7"/>
+          </p:nvPr>
+        </p:nvSpPr>
+        <p:spPr/>
+        <p:txBody>
+          <a:bodyPr/>
+          <a:lstStyle/>
+          <a:p>
+            <a:pPr marL="12700">
+              <a:lnSpc>
+                <a:spcPct val="100000"/>
+              </a:lnSpc>
+              <a:spcBef>
+                <a:spcPts val="190"/>
+              </a:spcBef>
+            </a:pPr>
+            <a:fld id="{81D60167-4931-47E6-BA6A-407CBD079E47}" type="slidenum">
+              <a:rPr lang="x-none" smtClean="0"/>
+              <a:t>19</a:t>
+            </a:fld>
+            <a:endParaRPr lang="x-none" spc="-25" dirty="0"/>
+          </a:p>
+        </p:txBody>
+      </p:sp>
+      <p:pic>
+        <p:nvPicPr>
+          <p:cNvPr id="7" name="Picture 2" descr="체크 표시 클립 아트. 무료 다운로드. | Creazilla">
+            <a:extLst>
+              <a:ext uri="{FF2B5EF4-FFF2-40B4-BE49-F238E27FC236}">
+                <a16:creationId xmlns="" xmlns:a16="http://schemas.microsoft.com/office/drawing/2014/main" id="{506060A2-694F-9BC8-4E65-1A4842DC7F1E}"/>
+              </a:ext>
+            </a:extLst>
+          </p:cNvPr>
+          <p:cNvPicPr>
+            <a:picLocks noChangeAspect="1" noChangeArrowheads="1"/>
+          </p:cNvPicPr>
+          <p:nvPr/>
+        </p:nvPicPr>
+        <p:blipFill>
+          <a:blip r:embed="rId2" cstate="print">
+            <a:extLst>
+              <a:ext uri="{28A0092B-C50C-407E-A947-70E740481C1C}">
+                <a14:useLocalDpi xmlns:a14="http://schemas.microsoft.com/office/drawing/2010/main" val="0"/>
+              </a:ext>
+            </a:extLst>
+          </a:blip>
+          <a:srcRect/>
+          <a:stretch>
+            <a:fillRect/>
+          </a:stretch>
+        </p:blipFill>
+        <p:spPr bwMode="auto">
+          <a:xfrm>
+            <a:off x="2686050" y="353513"/>
+            <a:ext cx="157662" cy="157662"/>
+          </a:xfrm>
+          <a:prstGeom prst="rect">
+            <a:avLst/>
+          </a:prstGeom>
+          <a:noFill/>
+          <a:extLst>
+            <a:ext uri="{909E8E84-426E-40DD-AFC4-6F175D3DCCD1}">
+              <a14:hiddenFill xmlns:a14="http://schemas.microsoft.com/office/drawing/2010/main">
+                <a:solidFill>
+                  <a:srgbClr val="FFFFFF"/>
+                </a:solidFill>
+              </a14:hiddenFill>
+            </a:ext>
+          </a:extLst>
+        </p:spPr>
+      </p:pic>
+      <p:pic>
+        <p:nvPicPr>
+          <p:cNvPr id="4" name="Picture 3"/>
+          <p:cNvPicPr>
+            <a:picLocks noChangeAspect="1"/>
+          </p:cNvPicPr>
+          <p:nvPr/>
+        </p:nvPicPr>
+        <p:blipFill>
+          <a:blip r:embed="rId3" cstate="print">
+            <a:extLst>
+              <a:ext uri="{28A0092B-C50C-407E-A947-70E740481C1C}">
+                <a14:useLocalDpi xmlns:a14="http://schemas.microsoft.com/office/drawing/2010/main" val="0"/>
+              </a:ext>
+            </a:extLst>
+          </a:blip>
+          <a:stretch>
+            <a:fillRect/>
+          </a:stretch>
+        </p:blipFill>
+        <p:spPr>
+          <a:xfrm>
+            <a:off x="0" y="610373"/>
+            <a:ext cx="4610100" cy="2240004"/>
+          </a:xfrm>
+          <a:prstGeom prst="rect">
+            <a:avLst/>
+          </a:prstGeom>
+        </p:spPr>
+      </p:pic>
+    </p:spTree>
+    <p:extLst>
+      <p:ext uri="{BB962C8B-B14F-4D97-AF65-F5344CB8AC3E}">
+        <p14:creationId xmlns:p14="http://schemas.microsoft.com/office/powerpoint/2010/main" val="863902995"/>
       </p:ext>
     </p:extLst>
   </p:cSld>
@@ -4836,7 +4969,7 @@
           <p:cNvPr id="18" name="TextBox 17">
             <a:extLst>
               <a:ext uri="{FF2B5EF4-FFF2-40B4-BE49-F238E27FC236}">
-                <a16:creationId xmlns="" xmlns:a16="http://schemas.microsoft.com/office/drawing/2014/main" id="{E3CD4E47-072F-3AFC-2566-DB00AC05F0E1}"/>
+                <a16:creationId xmlns:a16="http://schemas.microsoft.com/office/drawing/2014/main" xmlns="" id="{E3CD4E47-072F-3AFC-2566-DB00AC05F0E1}"/>
               </a:ext>
             </a:extLst>
           </p:cNvPr>
@@ -4973,7 +5106,7 @@
           <p:cNvPr id="20" name="Slide Number Placeholder 19">
             <a:extLst>
               <a:ext uri="{FF2B5EF4-FFF2-40B4-BE49-F238E27FC236}">
-                <a16:creationId xmlns="" xmlns:a16="http://schemas.microsoft.com/office/drawing/2014/main" id="{91748B10-EA5D-D7DD-0E22-1319CBD48FA1}"/>
+                <a16:creationId xmlns:a16="http://schemas.microsoft.com/office/drawing/2014/main" xmlns="" id="{91748B10-EA5D-D7DD-0E22-1319CBD48FA1}"/>
               </a:ext>
             </a:extLst>
           </p:cNvPr>
@@ -5811,7 +5944,7 @@
           <p:cNvPr id="3" name="Slide Number Placeholder 2">
             <a:extLst>
               <a:ext uri="{FF2B5EF4-FFF2-40B4-BE49-F238E27FC236}">
-                <a16:creationId xmlns="" xmlns:a16="http://schemas.microsoft.com/office/drawing/2014/main" id="{04F27DCA-52F4-B6D5-8BFB-6A9AE30FB333}"/>
+                <a16:creationId xmlns:a16="http://schemas.microsoft.com/office/drawing/2014/main" xmlns="" id="{04F27DCA-52F4-B6D5-8BFB-6A9AE30FB333}"/>
               </a:ext>
             </a:extLst>
           </p:cNvPr>
@@ -5888,7 +6021,7 @@
           <p:cNvPr id="2" name="Title 1">
             <a:extLst>
               <a:ext uri="{FF2B5EF4-FFF2-40B4-BE49-F238E27FC236}">
-                <a16:creationId xmlns="" xmlns:a16="http://schemas.microsoft.com/office/drawing/2014/main" id="{30DA3F70-316F-F7E3-5D0F-D9AFC93AB49D}"/>
+                <a16:creationId xmlns:a16="http://schemas.microsoft.com/office/drawing/2014/main" xmlns="" id="{30DA3F70-316F-F7E3-5D0F-D9AFC93AB49D}"/>
               </a:ext>
             </a:extLst>
           </p:cNvPr>
@@ -5942,7 +6075,7 @@
           <p:cNvPr id="5" name="Picture 4">
             <a:extLst>
               <a:ext uri="{FF2B5EF4-FFF2-40B4-BE49-F238E27FC236}">
-                <a16:creationId xmlns="" xmlns:a16="http://schemas.microsoft.com/office/drawing/2014/main" id="{A29AEA1E-26F8-F89B-807D-30FA9BE76EC1}"/>
+                <a16:creationId xmlns:a16="http://schemas.microsoft.com/office/drawing/2014/main" xmlns="" id="{A29AEA1E-26F8-F89B-807D-30FA9BE76EC1}"/>
               </a:ext>
             </a:extLst>
           </p:cNvPr>
@@ -5978,7 +6111,7 @@
           <p:cNvPr id="4" name="Slide Number Placeholder 3">
             <a:extLst>
               <a:ext uri="{FF2B5EF4-FFF2-40B4-BE49-F238E27FC236}">
-                <a16:creationId xmlns="" xmlns:a16="http://schemas.microsoft.com/office/drawing/2014/main" id="{EC4B15BE-3856-1158-E8F0-3080AC6495FC}"/>
+                <a16:creationId xmlns:a16="http://schemas.microsoft.com/office/drawing/2014/main" xmlns="" id="{EC4B15BE-3856-1158-E8F0-3080AC6495FC}"/>
               </a:ext>
             </a:extLst>
           </p:cNvPr>
@@ -6015,7 +6148,7 @@
           <p:cNvPr id="6" name="object 18">
             <a:extLst>
               <a:ext uri="{FF2B5EF4-FFF2-40B4-BE49-F238E27FC236}">
-                <a16:creationId xmlns="" xmlns:a16="http://schemas.microsoft.com/office/drawing/2014/main" id="{18FAC3DC-C2E2-E93C-8FF1-804892C27691}"/>
+                <a16:creationId xmlns:a16="http://schemas.microsoft.com/office/drawing/2014/main" xmlns="" id="{18FAC3DC-C2E2-E93C-8FF1-804892C27691}"/>
               </a:ext>
             </a:extLst>
           </p:cNvPr>
@@ -6128,7 +6261,7 @@
         <p:cNvPr id="1" name="">
           <a:extLst>
             <a:ext uri="{FF2B5EF4-FFF2-40B4-BE49-F238E27FC236}">
-              <a16:creationId xmlns="" xmlns:a16="http://schemas.microsoft.com/office/drawing/2014/main" id="{69035F2F-D866-A5F0-F2C7-BB867EE80AE8}"/>
+              <a16:creationId xmlns:a16="http://schemas.microsoft.com/office/drawing/2014/main" xmlns="" id="{69035F2F-D866-A5F0-F2C7-BB867EE80AE8}"/>
             </a:ext>
           </a:extLst>
         </p:cNvPr>
@@ -6148,7 +6281,7 @@
           <p:cNvPr id="2" name="Title 1">
             <a:extLst>
               <a:ext uri="{FF2B5EF4-FFF2-40B4-BE49-F238E27FC236}">
-                <a16:creationId xmlns="" xmlns:a16="http://schemas.microsoft.com/office/drawing/2014/main" id="{06301C9A-D2E0-8FDB-A8C5-3F50A81BB554}"/>
+                <a16:creationId xmlns:a16="http://schemas.microsoft.com/office/drawing/2014/main" xmlns="" id="{06301C9A-D2E0-8FDB-A8C5-3F50A81BB554}"/>
               </a:ext>
             </a:extLst>
           </p:cNvPr>
@@ -6202,7 +6335,7 @@
           <p:cNvPr id="6" name="Picture 5">
             <a:extLst>
               <a:ext uri="{FF2B5EF4-FFF2-40B4-BE49-F238E27FC236}">
-                <a16:creationId xmlns="" xmlns:a16="http://schemas.microsoft.com/office/drawing/2014/main" id="{AFB7DEC6-1AAF-357F-8720-127A51314BFA}"/>
+                <a16:creationId xmlns:a16="http://schemas.microsoft.com/office/drawing/2014/main" xmlns="" id="{AFB7DEC6-1AAF-357F-8720-127A51314BFA}"/>
               </a:ext>
             </a:extLst>
           </p:cNvPr>
@@ -6238,7 +6371,7 @@
           <p:cNvPr id="10" name="Picture 9">
             <a:extLst>
               <a:ext uri="{FF2B5EF4-FFF2-40B4-BE49-F238E27FC236}">
-                <a16:creationId xmlns="" xmlns:a16="http://schemas.microsoft.com/office/drawing/2014/main" id="{1DA43662-670F-5812-C854-A40710313962}"/>
+                <a16:creationId xmlns:a16="http://schemas.microsoft.com/office/drawing/2014/main" xmlns="" id="{1DA43662-670F-5812-C854-A40710313962}"/>
               </a:ext>
             </a:extLst>
           </p:cNvPr>
@@ -6274,7 +6407,7 @@
           <p:cNvPr id="4" name="Slide Number Placeholder 3">
             <a:extLst>
               <a:ext uri="{FF2B5EF4-FFF2-40B4-BE49-F238E27FC236}">
-                <a16:creationId xmlns="" xmlns:a16="http://schemas.microsoft.com/office/drawing/2014/main" id="{BE73FDE2-2A13-0C41-0531-E4DF2421E593}"/>
+                <a16:creationId xmlns:a16="http://schemas.microsoft.com/office/drawing/2014/main" xmlns="" id="{BE73FDE2-2A13-0C41-0531-E4DF2421E593}"/>
               </a:ext>
             </a:extLst>
           </p:cNvPr>
@@ -6311,7 +6444,7 @@
           <p:cNvPr id="5" name="object 18">
             <a:extLst>
               <a:ext uri="{FF2B5EF4-FFF2-40B4-BE49-F238E27FC236}">
-                <a16:creationId xmlns="" xmlns:a16="http://schemas.microsoft.com/office/drawing/2014/main" id="{7F7ACAEE-49F1-A1A2-3135-7AAD40E2ED6D}"/>
+                <a16:creationId xmlns:a16="http://schemas.microsoft.com/office/drawing/2014/main" xmlns="" id="{7F7ACAEE-49F1-A1A2-3135-7AAD40E2ED6D}"/>
               </a:ext>
             </a:extLst>
           </p:cNvPr>
@@ -6444,7 +6577,7 @@
           <p:cNvPr id="10" name="Picture 9">
             <a:extLst>
               <a:ext uri="{FF2B5EF4-FFF2-40B4-BE49-F238E27FC236}">
-                <a16:creationId xmlns="" xmlns:a16="http://schemas.microsoft.com/office/drawing/2014/main" id="{40FA86B4-B22D-B7BE-2365-73BFF8EBB9E9}"/>
+                <a16:creationId xmlns:a16="http://schemas.microsoft.com/office/drawing/2014/main" xmlns="" id="{40FA86B4-B22D-B7BE-2365-73BFF8EBB9E9}"/>
               </a:ext>
             </a:extLst>
           </p:cNvPr>
@@ -6474,7 +6607,7 @@
           <p:cNvPr id="3" name="TextBox 2">
             <a:extLst>
               <a:ext uri="{FF2B5EF4-FFF2-40B4-BE49-F238E27FC236}">
-                <a16:creationId xmlns="" xmlns:a16="http://schemas.microsoft.com/office/drawing/2014/main" id="{32F588D3-5DC8-9DD1-F8DE-6AA678770A2E}"/>
+                <a16:creationId xmlns:a16="http://schemas.microsoft.com/office/drawing/2014/main" xmlns="" id="{32F588D3-5DC8-9DD1-F8DE-6AA678770A2E}"/>
               </a:ext>
             </a:extLst>
           </p:cNvPr>
@@ -6512,7 +6645,7 @@
           <p:cNvPr id="7" name="Slide Number Placeholder 6">
             <a:extLst>
               <a:ext uri="{FF2B5EF4-FFF2-40B4-BE49-F238E27FC236}">
-                <a16:creationId xmlns="" xmlns:a16="http://schemas.microsoft.com/office/drawing/2014/main" id="{AA6B9372-7999-104B-8FF7-14BDE91A81D9}"/>
+                <a16:creationId xmlns:a16="http://schemas.microsoft.com/office/drawing/2014/main" xmlns="" id="{AA6B9372-7999-104B-8FF7-14BDE91A81D9}"/>
               </a:ext>
             </a:extLst>
           </p:cNvPr>
@@ -6644,7 +6777,7 @@
           <p:cNvPr id="2" name="Title 1">
             <a:extLst>
               <a:ext uri="{FF2B5EF4-FFF2-40B4-BE49-F238E27FC236}">
-                <a16:creationId xmlns="" xmlns:a16="http://schemas.microsoft.com/office/drawing/2014/main" id="{55037C6C-2A8B-E25C-34F2-224CED9B26FD}"/>
+                <a16:creationId xmlns:a16="http://schemas.microsoft.com/office/drawing/2014/main" xmlns="" id="{55037C6C-2A8B-E25C-34F2-224CED9B26FD}"/>
               </a:ext>
             </a:extLst>
           </p:cNvPr>
@@ -6680,7 +6813,7 @@
           <p:cNvPr id="7" name="Picture 6">
             <a:extLst>
               <a:ext uri="{FF2B5EF4-FFF2-40B4-BE49-F238E27FC236}">
-                <a16:creationId xmlns="" xmlns:a16="http://schemas.microsoft.com/office/drawing/2014/main" id="{518B9839-8CCA-AF51-123E-0586BE87A2E4}"/>
+                <a16:creationId xmlns:a16="http://schemas.microsoft.com/office/drawing/2014/main" xmlns="" id="{518B9839-8CCA-AF51-123E-0586BE87A2E4}"/>
               </a:ext>
             </a:extLst>
           </p:cNvPr>
@@ -6710,7 +6843,7 @@
           <p:cNvPr id="3" name="TextBox 2">
             <a:extLst>
               <a:ext uri="{FF2B5EF4-FFF2-40B4-BE49-F238E27FC236}">
-                <a16:creationId xmlns="" xmlns:a16="http://schemas.microsoft.com/office/drawing/2014/main" id="{98D3105C-9157-1E85-E2A3-19E7A71CDFE9}"/>
+                <a16:creationId xmlns:a16="http://schemas.microsoft.com/office/drawing/2014/main" xmlns="" id="{98D3105C-9157-1E85-E2A3-19E7A71CDFE9}"/>
               </a:ext>
             </a:extLst>
           </p:cNvPr>
@@ -6771,7 +6904,7 @@
           <p:cNvPr id="5" name="Slide Number Placeholder 4">
             <a:extLst>
               <a:ext uri="{FF2B5EF4-FFF2-40B4-BE49-F238E27FC236}">
-                <a16:creationId xmlns="" xmlns:a16="http://schemas.microsoft.com/office/drawing/2014/main" id="{EF12021A-32A4-EEA0-249D-A54907CCDF3A}"/>
+                <a16:creationId xmlns:a16="http://schemas.microsoft.com/office/drawing/2014/main" xmlns="" id="{EF12021A-32A4-EEA0-249D-A54907CCDF3A}"/>
               </a:ext>
             </a:extLst>
           </p:cNvPr>
@@ -6831,7 +6964,7 @@
         <p:cNvPr id="1" name="">
           <a:extLst>
             <a:ext uri="{FF2B5EF4-FFF2-40B4-BE49-F238E27FC236}">
-              <a16:creationId xmlns="" xmlns:a16="http://schemas.microsoft.com/office/drawing/2014/main" id="{C63BF39E-EE4B-43B5-DF31-35E16C394724}"/>
+              <a16:creationId xmlns:a16="http://schemas.microsoft.com/office/drawing/2014/main" xmlns="" id="{C63BF39E-EE4B-43B5-DF31-35E16C394724}"/>
             </a:ext>
           </a:extLst>
         </p:cNvPr>
@@ -6851,7 +6984,7 @@
           <p:cNvPr id="2" name="Title 1">
             <a:extLst>
               <a:ext uri="{FF2B5EF4-FFF2-40B4-BE49-F238E27FC236}">
-                <a16:creationId xmlns="" xmlns:a16="http://schemas.microsoft.com/office/drawing/2014/main" id="{3111A061-BC06-8187-35FB-D8974D459A27}"/>
+                <a16:creationId xmlns:a16="http://schemas.microsoft.com/office/drawing/2014/main" xmlns="" id="{3111A061-BC06-8187-35FB-D8974D459A27}"/>
               </a:ext>
             </a:extLst>
           </p:cNvPr>
@@ -6887,7 +7020,7 @@
           <p:cNvPr id="6" name="Picture 5">
             <a:extLst>
               <a:ext uri="{FF2B5EF4-FFF2-40B4-BE49-F238E27FC236}">
-                <a16:creationId xmlns="" xmlns:a16="http://schemas.microsoft.com/office/drawing/2014/main" id="{416A14A5-EA9E-3659-94C6-912EB048197D}"/>
+                <a16:creationId xmlns:a16="http://schemas.microsoft.com/office/drawing/2014/main" xmlns="" id="{416A14A5-EA9E-3659-94C6-912EB048197D}"/>
               </a:ext>
             </a:extLst>
           </p:cNvPr>
@@ -6917,7 +7050,7 @@
           <p:cNvPr id="4" name="TextBox 3">
             <a:extLst>
               <a:ext uri="{FF2B5EF4-FFF2-40B4-BE49-F238E27FC236}">
-                <a16:creationId xmlns="" xmlns:a16="http://schemas.microsoft.com/office/drawing/2014/main" id="{29C7D331-CB94-2455-0271-982A5774DC4E}"/>
+                <a16:creationId xmlns:a16="http://schemas.microsoft.com/office/drawing/2014/main" xmlns="" id="{29C7D331-CB94-2455-0271-982A5774DC4E}"/>
               </a:ext>
             </a:extLst>
           </p:cNvPr>
@@ -6999,7 +7132,7 @@
           <p:cNvPr id="7" name="Slide Number Placeholder 6">
             <a:extLst>
               <a:ext uri="{FF2B5EF4-FFF2-40B4-BE49-F238E27FC236}">
-                <a16:creationId xmlns="" xmlns:a16="http://schemas.microsoft.com/office/drawing/2014/main" id="{26BECC11-1FB8-9E13-3598-7D101EF1C92D}"/>
+                <a16:creationId xmlns:a16="http://schemas.microsoft.com/office/drawing/2014/main" xmlns="" id="{26BECC11-1FB8-9E13-3598-7D101EF1C92D}"/>
               </a:ext>
             </a:extLst>
           </p:cNvPr>
@@ -7052,7 +7185,7 @@
         <p:cNvPr id="1" name="">
           <a:extLst>
             <a:ext uri="{FF2B5EF4-FFF2-40B4-BE49-F238E27FC236}">
-              <a16:creationId xmlns="" xmlns:a16="http://schemas.microsoft.com/office/drawing/2014/main" id="{686520E3-8BAD-04A8-50F2-8C5DE29B8AB4}"/>
+              <a16:creationId xmlns:a16="http://schemas.microsoft.com/office/drawing/2014/main" xmlns="" id="{686520E3-8BAD-04A8-50F2-8C5DE29B8AB4}"/>
             </a:ext>
           </a:extLst>
         </p:cNvPr>
@@ -7072,7 +7205,7 @@
           <p:cNvPr id="2" name="Title 1">
             <a:extLst>
               <a:ext uri="{FF2B5EF4-FFF2-40B4-BE49-F238E27FC236}">
-                <a16:creationId xmlns="" xmlns:a16="http://schemas.microsoft.com/office/drawing/2014/main" id="{474F61C5-D91E-CBA8-B6AA-8C859112220E}"/>
+                <a16:creationId xmlns:a16="http://schemas.microsoft.com/office/drawing/2014/main" xmlns="" id="{474F61C5-D91E-CBA8-B6AA-8C859112220E}"/>
               </a:ext>
             </a:extLst>
           </p:cNvPr>
@@ -7108,7 +7241,7 @@
           <p:cNvPr id="6" name="Picture 5">
             <a:extLst>
               <a:ext uri="{FF2B5EF4-FFF2-40B4-BE49-F238E27FC236}">
-                <a16:creationId xmlns="" xmlns:a16="http://schemas.microsoft.com/office/drawing/2014/main" id="{5A2600B0-7703-777A-866B-9FF3218265D9}"/>
+                <a16:creationId xmlns:a16="http://schemas.microsoft.com/office/drawing/2014/main" xmlns="" id="{5A2600B0-7703-777A-866B-9FF3218265D9}"/>
               </a:ext>
             </a:extLst>
           </p:cNvPr>
@@ -7138,7 +7271,7 @@
           <p:cNvPr id="3" name="TextBox 2">
             <a:extLst>
               <a:ext uri="{FF2B5EF4-FFF2-40B4-BE49-F238E27FC236}">
-                <a16:creationId xmlns="" xmlns:a16="http://schemas.microsoft.com/office/drawing/2014/main" id="{C2056703-6D2F-EB66-99C5-A3590CEF203B}"/>
+                <a16:creationId xmlns:a16="http://schemas.microsoft.com/office/drawing/2014/main" xmlns="" id="{C2056703-6D2F-EB66-99C5-A3590CEF203B}"/>
               </a:ext>
             </a:extLst>
           </p:cNvPr>
@@ -7218,7 +7351,7 @@
           <p:cNvPr id="5" name="Slide Number Placeholder 4">
             <a:extLst>
               <a:ext uri="{FF2B5EF4-FFF2-40B4-BE49-F238E27FC236}">
-                <a16:creationId xmlns="" xmlns:a16="http://schemas.microsoft.com/office/drawing/2014/main" id="{4C90E94C-EDEF-AA7E-73EE-40E725543011}"/>
+                <a16:creationId xmlns:a16="http://schemas.microsoft.com/office/drawing/2014/main" xmlns="" id="{4C90E94C-EDEF-AA7E-73EE-40E725543011}"/>
               </a:ext>
             </a:extLst>
           </p:cNvPr>
@@ -7271,7 +7404,7 @@
         <p:cNvPr id="1" name="">
           <a:extLst>
             <a:ext uri="{FF2B5EF4-FFF2-40B4-BE49-F238E27FC236}">
-              <a16:creationId xmlns="" xmlns:a16="http://schemas.microsoft.com/office/drawing/2014/main" id="{B8574F2B-E164-5AAB-3BB7-D78D254327A0}"/>
+              <a16:creationId xmlns:a16="http://schemas.microsoft.com/office/drawing/2014/main" xmlns="" id="{B8574F2B-E164-5AAB-3BB7-D78D254327A0}"/>
             </a:ext>
           </a:extLst>
         </p:cNvPr>
@@ -7291,7 +7424,7 @@
           <p:cNvPr id="2" name="Title 1">
             <a:extLst>
               <a:ext uri="{FF2B5EF4-FFF2-40B4-BE49-F238E27FC236}">
-                <a16:creationId xmlns="" xmlns:a16="http://schemas.microsoft.com/office/drawing/2014/main" id="{86EAB90E-4DBF-E048-CBC9-78A72CAC504D}"/>
+                <a16:creationId xmlns:a16="http://schemas.microsoft.com/office/drawing/2014/main" xmlns="" id="{86EAB90E-4DBF-E048-CBC9-78A72CAC504D}"/>
               </a:ext>
             </a:extLst>
           </p:cNvPr>
@@ -7327,7 +7460,7 @@
           <p:cNvPr id="3" name="Picture 2">
             <a:extLst>
               <a:ext uri="{FF2B5EF4-FFF2-40B4-BE49-F238E27FC236}">
-                <a16:creationId xmlns="" xmlns:a16="http://schemas.microsoft.com/office/drawing/2014/main" id="{CE4A94CC-6A1D-4375-4D91-FC32CA3BAB9C}"/>
+                <a16:creationId xmlns:a16="http://schemas.microsoft.com/office/drawing/2014/main" xmlns="" id="{CE4A94CC-6A1D-4375-4D91-FC32CA3BAB9C}"/>
               </a:ext>
             </a:extLst>
           </p:cNvPr>
@@ -7357,7 +7490,7 @@
           <p:cNvPr id="5" name="TextBox 4">
             <a:extLst>
               <a:ext uri="{FF2B5EF4-FFF2-40B4-BE49-F238E27FC236}">
-                <a16:creationId xmlns="" xmlns:a16="http://schemas.microsoft.com/office/drawing/2014/main" id="{7D1EC6D0-9788-AE92-FAD7-9206AE053F74}"/>
+                <a16:creationId xmlns:a16="http://schemas.microsoft.com/office/drawing/2014/main" xmlns="" id="{7D1EC6D0-9788-AE92-FAD7-9206AE053F74}"/>
               </a:ext>
             </a:extLst>
           </p:cNvPr>
@@ -7453,7 +7586,7 @@
           <p:cNvPr id="7" name="Slide Number Placeholder 6">
             <a:extLst>
               <a:ext uri="{FF2B5EF4-FFF2-40B4-BE49-F238E27FC236}">
-                <a16:creationId xmlns="" xmlns:a16="http://schemas.microsoft.com/office/drawing/2014/main" id="{541563F9-CB94-4453-B9B9-592F779EF33B}"/>
+                <a16:creationId xmlns:a16="http://schemas.microsoft.com/office/drawing/2014/main" xmlns="" id="{541563F9-CB94-4453-B9B9-592F779EF33B}"/>
               </a:ext>
             </a:extLst>
           </p:cNvPr>
@@ -7520,7 +7653,7 @@
           <p:cNvPr id="2" name="Title 1">
             <a:extLst>
               <a:ext uri="{FF2B5EF4-FFF2-40B4-BE49-F238E27FC236}">
-                <a16:creationId xmlns="" xmlns:a16="http://schemas.microsoft.com/office/drawing/2014/main" id="{55037C6C-2A8B-E25C-34F2-224CED9B26FD}"/>
+                <a16:creationId xmlns:a16="http://schemas.microsoft.com/office/drawing/2014/main" xmlns="" id="{55037C6C-2A8B-E25C-34F2-224CED9B26FD}"/>
               </a:ext>
             </a:extLst>
           </p:cNvPr>
@@ -7556,7 +7689,7 @@
           <p:cNvPr id="3" name="TextBox 2">
             <a:extLst>
               <a:ext uri="{FF2B5EF4-FFF2-40B4-BE49-F238E27FC236}">
-                <a16:creationId xmlns="" xmlns:a16="http://schemas.microsoft.com/office/drawing/2014/main" id="{98D3105C-9157-1E85-E2A3-19E7A71CDFE9}"/>
+                <a16:creationId xmlns:a16="http://schemas.microsoft.com/office/drawing/2014/main" xmlns="" id="{98D3105C-9157-1E85-E2A3-19E7A71CDFE9}"/>
               </a:ext>
             </a:extLst>
           </p:cNvPr>
@@ -7584,19 +7717,8 @@
                 <a:latin typeface="Arial" panose="020B0604020202020204" pitchFamily="34" charset="0"/>
                 <a:cs typeface="Arial" panose="020B0604020202020204" pitchFamily="34" charset="0"/>
               </a:rPr>
-              <a:t>AI analysis with </a:t>
-            </a:r>
-            <a:r>
-              <a:rPr lang="en-US" sz="1000" b="1" dirty="0" smtClean="0">
-                <a:latin typeface="Arial" panose="020B0604020202020204" pitchFamily="34" charset="0"/>
-                <a:cs typeface="Arial" panose="020B0604020202020204" pitchFamily="34" charset="0"/>
-              </a:rPr>
-              <a:t>MCP – AI solution, option #2 </a:t>
-            </a:r>
-            <a:endParaRPr lang="en-US" sz="1000" b="1" dirty="0" smtClean="0">
-              <a:latin typeface="Arial" panose="020B0604020202020204" pitchFamily="34" charset="0"/>
-              <a:cs typeface="Arial" panose="020B0604020202020204" pitchFamily="34" charset="0"/>
-            </a:endParaRPr>
+              <a:t>AI analysis with MCP – AI solution, option #2 </a:t>
+            </a:r>
           </a:p>
           <a:p>
             <a:endParaRPr lang="en-US" sz="1000" b="1" dirty="0">
@@ -7624,7 +7746,7 @@
           <p:cNvPr id="5" name="Slide Number Placeholder 4">
             <a:extLst>
               <a:ext uri="{FF2B5EF4-FFF2-40B4-BE49-F238E27FC236}">
-                <a16:creationId xmlns="" xmlns:a16="http://schemas.microsoft.com/office/drawing/2014/main" id="{EF12021A-32A4-EEA0-249D-A54907CCDF3A}"/>
+                <a16:creationId xmlns:a16="http://schemas.microsoft.com/office/drawing/2014/main" xmlns="" id="{EF12021A-32A4-EEA0-249D-A54907CCDF3A}"/>
               </a:ext>
             </a:extLst>
           </p:cNvPr>
@@ -7685,7 +7807,7 @@
           <p:cNvPr id="7" name="Picture 2" descr="체크 표시 클립 아트. 무료 다운로드. | Creazilla">
             <a:extLst>
               <a:ext uri="{FF2B5EF4-FFF2-40B4-BE49-F238E27FC236}">
-                <a16:creationId xmlns:a16="http://schemas.microsoft.com/office/drawing/2014/main" xmlns="" id="{506060A2-694F-9BC8-4E65-1A4842DC7F1E}"/>
+                <a16:creationId xmlns="" xmlns:a16="http://schemas.microsoft.com/office/drawing/2014/main" id="{506060A2-694F-9BC8-4E65-1A4842DC7F1E}"/>
               </a:ext>
             </a:extLst>
           </p:cNvPr>
@@ -7769,7 +7891,7 @@
           <p:cNvPr id="2" name="Title 1">
             <a:extLst>
               <a:ext uri="{FF2B5EF4-FFF2-40B4-BE49-F238E27FC236}">
-                <a16:creationId xmlns="" xmlns:a16="http://schemas.microsoft.com/office/drawing/2014/main" id="{55037C6C-2A8B-E25C-34F2-224CED9B26FD}"/>
+                <a16:creationId xmlns:a16="http://schemas.microsoft.com/office/drawing/2014/main" xmlns="" id="{55037C6C-2A8B-E25C-34F2-224CED9B26FD}"/>
               </a:ext>
             </a:extLst>
           </p:cNvPr>
@@ -7805,7 +7927,7 @@
           <p:cNvPr id="3" name="TextBox 2">
             <a:extLst>
               <a:ext uri="{FF2B5EF4-FFF2-40B4-BE49-F238E27FC236}">
-                <a16:creationId xmlns="" xmlns:a16="http://schemas.microsoft.com/office/drawing/2014/main" id="{98D3105C-9157-1E85-E2A3-19E7A71CDFE9}"/>
+                <a16:creationId xmlns:a16="http://schemas.microsoft.com/office/drawing/2014/main" xmlns="" id="{98D3105C-9157-1E85-E2A3-19E7A71CDFE9}"/>
               </a:ext>
             </a:extLst>
           </p:cNvPr>
@@ -7833,19 +7955,8 @@
                 <a:latin typeface="Arial" panose="020B0604020202020204" pitchFamily="34" charset="0"/>
                 <a:cs typeface="Arial" panose="020B0604020202020204" pitchFamily="34" charset="0"/>
               </a:rPr>
-              <a:t>AI analysis with </a:t>
-            </a:r>
-            <a:r>
-              <a:rPr lang="en-US" sz="1000" b="1" dirty="0" smtClean="0">
-                <a:latin typeface="Arial" panose="020B0604020202020204" pitchFamily="34" charset="0"/>
-                <a:cs typeface="Arial" panose="020B0604020202020204" pitchFamily="34" charset="0"/>
-              </a:rPr>
-              <a:t>MCP and Copilot</a:t>
-            </a:r>
-            <a:endParaRPr lang="en-US" sz="1000" b="1" dirty="0" smtClean="0">
-              <a:latin typeface="Arial" panose="020B0604020202020204" pitchFamily="34" charset="0"/>
-              <a:cs typeface="Arial" panose="020B0604020202020204" pitchFamily="34" charset="0"/>
-            </a:endParaRPr>
+              <a:t>AI analysis with MCP and Copilot</a:t>
+            </a:r>
           </a:p>
           <a:p>
             <a:r>
@@ -7893,7 +8004,7 @@
           <p:cNvPr id="5" name="Slide Number Placeholder 4">
             <a:extLst>
               <a:ext uri="{FF2B5EF4-FFF2-40B4-BE49-F238E27FC236}">
-                <a16:creationId xmlns="" xmlns:a16="http://schemas.microsoft.com/office/drawing/2014/main" id="{EF12021A-32A4-EEA0-249D-A54907CCDF3A}"/>
+                <a16:creationId xmlns:a16="http://schemas.microsoft.com/office/drawing/2014/main" xmlns="" id="{EF12021A-32A4-EEA0-249D-A54907CCDF3A}"/>
               </a:ext>
             </a:extLst>
           </p:cNvPr>
@@ -7954,7 +8065,7 @@
           <p:cNvPr id="6" name="Picture 2" descr="체크 표시 클립 아트. 무료 다운로드. | Creazilla">
             <a:extLst>
               <a:ext uri="{FF2B5EF4-FFF2-40B4-BE49-F238E27FC236}">
-                <a16:creationId xmlns:a16="http://schemas.microsoft.com/office/drawing/2014/main" xmlns="" id="{506060A2-694F-9BC8-4E65-1A4842DC7F1E}"/>
+                <a16:creationId xmlns="" xmlns:a16="http://schemas.microsoft.com/office/drawing/2014/main" id="{506060A2-694F-9BC8-4E65-1A4842DC7F1E}"/>
               </a:ext>
             </a:extLst>
           </p:cNvPr>
@@ -8674,7 +8785,7 @@
           <p:cNvPr id="4" name="Slide Number Placeholder 3">
             <a:extLst>
               <a:ext uri="{FF2B5EF4-FFF2-40B4-BE49-F238E27FC236}">
-                <a16:creationId xmlns="" xmlns:a16="http://schemas.microsoft.com/office/drawing/2014/main" id="{8EDE3388-7EE1-5B10-4F21-C79F33C165D5}"/>
+                <a16:creationId xmlns:a16="http://schemas.microsoft.com/office/drawing/2014/main" xmlns="" id="{8EDE3388-7EE1-5B10-4F21-C79F33C165D5}"/>
               </a:ext>
             </a:extLst>
           </p:cNvPr>
@@ -8746,7 +8857,7 @@
           <p:cNvPr id="2" name="Title 1">
             <a:extLst>
               <a:ext uri="{FF2B5EF4-FFF2-40B4-BE49-F238E27FC236}">
-                <a16:creationId xmlns="" xmlns:a16="http://schemas.microsoft.com/office/drawing/2014/main" id="{55037C6C-2A8B-E25C-34F2-224CED9B26FD}"/>
+                <a16:creationId xmlns:a16="http://schemas.microsoft.com/office/drawing/2014/main" xmlns="" id="{55037C6C-2A8B-E25C-34F2-224CED9B26FD}"/>
               </a:ext>
             </a:extLst>
           </p:cNvPr>
@@ -8782,7 +8893,7 @@
           <p:cNvPr id="3" name="TextBox 2">
             <a:extLst>
               <a:ext uri="{FF2B5EF4-FFF2-40B4-BE49-F238E27FC236}">
-                <a16:creationId xmlns="" xmlns:a16="http://schemas.microsoft.com/office/drawing/2014/main" id="{98D3105C-9157-1E85-E2A3-19E7A71CDFE9}"/>
+                <a16:creationId xmlns:a16="http://schemas.microsoft.com/office/drawing/2014/main" xmlns="" id="{98D3105C-9157-1E85-E2A3-19E7A71CDFE9}"/>
               </a:ext>
             </a:extLst>
           </p:cNvPr>
@@ -8810,19 +8921,8 @@
                 <a:latin typeface="Arial" panose="020B0604020202020204" pitchFamily="34" charset="0"/>
                 <a:cs typeface="Arial" panose="020B0604020202020204" pitchFamily="34" charset="0"/>
               </a:rPr>
-              <a:t>AI analysis with </a:t>
-            </a:r>
-            <a:r>
-              <a:rPr lang="en-US" sz="1000" b="1" dirty="0" smtClean="0">
-                <a:latin typeface="Arial" panose="020B0604020202020204" pitchFamily="34" charset="0"/>
-                <a:cs typeface="Arial" panose="020B0604020202020204" pitchFamily="34" charset="0"/>
-              </a:rPr>
-              <a:t>MCP and Copilot</a:t>
-            </a:r>
-            <a:endParaRPr lang="en-US" sz="1000" b="1" dirty="0" smtClean="0">
-              <a:latin typeface="Arial" panose="020B0604020202020204" pitchFamily="34" charset="0"/>
-              <a:cs typeface="Arial" panose="020B0604020202020204" pitchFamily="34" charset="0"/>
-            </a:endParaRPr>
+              <a:t>AI analysis with MCP and Copilot</a:t>
+            </a:r>
           </a:p>
           <a:p>
             <a:r>
@@ -8878,7 +8978,7 @@
           <p:cNvPr id="5" name="Slide Number Placeholder 4">
             <a:extLst>
               <a:ext uri="{FF2B5EF4-FFF2-40B4-BE49-F238E27FC236}">
-                <a16:creationId xmlns="" xmlns:a16="http://schemas.microsoft.com/office/drawing/2014/main" id="{EF12021A-32A4-EEA0-249D-A54907CCDF3A}"/>
+                <a16:creationId xmlns:a16="http://schemas.microsoft.com/office/drawing/2014/main" xmlns="" id="{EF12021A-32A4-EEA0-249D-A54907CCDF3A}"/>
               </a:ext>
             </a:extLst>
           </p:cNvPr>
@@ -8939,7 +9039,7 @@
           <p:cNvPr id="8" name="Picture 2" descr="체크 표시 클립 아트. 무료 다운로드. | Creazilla">
             <a:extLst>
               <a:ext uri="{FF2B5EF4-FFF2-40B4-BE49-F238E27FC236}">
-                <a16:creationId xmlns:a16="http://schemas.microsoft.com/office/drawing/2014/main" xmlns="" id="{506060A2-694F-9BC8-4E65-1A4842DC7F1E}"/>
+                <a16:creationId xmlns="" xmlns:a16="http://schemas.microsoft.com/office/drawing/2014/main" id="{506060A2-694F-9BC8-4E65-1A4842DC7F1E}"/>
               </a:ext>
             </a:extLst>
           </p:cNvPr>
@@ -9023,7 +9123,7 @@
           <p:cNvPr id="2" name="Title 1">
             <a:extLst>
               <a:ext uri="{FF2B5EF4-FFF2-40B4-BE49-F238E27FC236}">
-                <a16:creationId xmlns="" xmlns:a16="http://schemas.microsoft.com/office/drawing/2014/main" id="{55037C6C-2A8B-E25C-34F2-224CED9B26FD}"/>
+                <a16:creationId xmlns:a16="http://schemas.microsoft.com/office/drawing/2014/main" xmlns="" id="{55037C6C-2A8B-E25C-34F2-224CED9B26FD}"/>
               </a:ext>
             </a:extLst>
           </p:cNvPr>
@@ -9059,7 +9159,7 @@
           <p:cNvPr id="3" name="TextBox 2">
             <a:extLst>
               <a:ext uri="{FF2B5EF4-FFF2-40B4-BE49-F238E27FC236}">
-                <a16:creationId xmlns="" xmlns:a16="http://schemas.microsoft.com/office/drawing/2014/main" id="{98D3105C-9157-1E85-E2A3-19E7A71CDFE9}"/>
+                <a16:creationId xmlns:a16="http://schemas.microsoft.com/office/drawing/2014/main" xmlns="" id="{98D3105C-9157-1E85-E2A3-19E7A71CDFE9}"/>
               </a:ext>
             </a:extLst>
           </p:cNvPr>
@@ -9087,14 +9187,7 @@
                 <a:latin typeface="Arial" panose="020B0604020202020204" pitchFamily="34" charset="0"/>
                 <a:cs typeface="Arial" panose="020B0604020202020204" pitchFamily="34" charset="0"/>
               </a:rPr>
-              <a:t>AI analysis with </a:t>
-            </a:r>
-            <a:r>
-              <a:rPr lang="en-US" sz="1000" b="1" dirty="0" smtClean="0">
-                <a:latin typeface="Arial" panose="020B0604020202020204" pitchFamily="34" charset="0"/>
-                <a:cs typeface="Arial" panose="020B0604020202020204" pitchFamily="34" charset="0"/>
-              </a:rPr>
-              <a:t>MCP and Copilot</a:t>
+              <a:t>AI analysis with MCP and Copilot</a:t>
             </a:r>
             <a:br>
               <a:rPr lang="en-US" sz="1000" b="1" dirty="0" smtClean="0">
@@ -9147,7 +9240,7 @@
           <p:cNvPr id="5" name="Slide Number Placeholder 4">
             <a:extLst>
               <a:ext uri="{FF2B5EF4-FFF2-40B4-BE49-F238E27FC236}">
-                <a16:creationId xmlns="" xmlns:a16="http://schemas.microsoft.com/office/drawing/2014/main" id="{EF12021A-32A4-EEA0-249D-A54907CCDF3A}"/>
+                <a16:creationId xmlns:a16="http://schemas.microsoft.com/office/drawing/2014/main" xmlns="" id="{EF12021A-32A4-EEA0-249D-A54907CCDF3A}"/>
               </a:ext>
             </a:extLst>
           </p:cNvPr>
@@ -9208,7 +9301,7 @@
           <p:cNvPr id="7" name="Picture 2" descr="체크 표시 클립 아트. 무료 다운로드. | Creazilla">
             <a:extLst>
               <a:ext uri="{FF2B5EF4-FFF2-40B4-BE49-F238E27FC236}">
-                <a16:creationId xmlns:a16="http://schemas.microsoft.com/office/drawing/2014/main" xmlns="" id="{506060A2-694F-9BC8-4E65-1A4842DC7F1E}"/>
+                <a16:creationId xmlns="" xmlns:a16="http://schemas.microsoft.com/office/drawing/2014/main" id="{506060A2-694F-9BC8-4E65-1A4842DC7F1E}"/>
               </a:ext>
             </a:extLst>
           </p:cNvPr>
@@ -9292,7 +9385,7 @@
           <p:cNvPr id="2" name="Title 1">
             <a:extLst>
               <a:ext uri="{FF2B5EF4-FFF2-40B4-BE49-F238E27FC236}">
-                <a16:creationId xmlns="" xmlns:a16="http://schemas.microsoft.com/office/drawing/2014/main" id="{55037C6C-2A8B-E25C-34F2-224CED9B26FD}"/>
+                <a16:creationId xmlns:a16="http://schemas.microsoft.com/office/drawing/2014/main" xmlns="" id="{55037C6C-2A8B-E25C-34F2-224CED9B26FD}"/>
               </a:ext>
             </a:extLst>
           </p:cNvPr>
@@ -9328,7 +9421,7 @@
           <p:cNvPr id="3" name="TextBox 2">
             <a:extLst>
               <a:ext uri="{FF2B5EF4-FFF2-40B4-BE49-F238E27FC236}">
-                <a16:creationId xmlns="" xmlns:a16="http://schemas.microsoft.com/office/drawing/2014/main" id="{98D3105C-9157-1E85-E2A3-19E7A71CDFE9}"/>
+                <a16:creationId xmlns:a16="http://schemas.microsoft.com/office/drawing/2014/main" xmlns="" id="{98D3105C-9157-1E85-E2A3-19E7A71CDFE9}"/>
               </a:ext>
             </a:extLst>
           </p:cNvPr>
@@ -9356,14 +9449,7 @@
                 <a:latin typeface="Arial" panose="020B0604020202020204" pitchFamily="34" charset="0"/>
                 <a:cs typeface="Arial" panose="020B0604020202020204" pitchFamily="34" charset="0"/>
               </a:rPr>
-              <a:t>AI analysis with </a:t>
-            </a:r>
-            <a:r>
-              <a:rPr lang="en-US" sz="1000" b="1" dirty="0" smtClean="0">
-                <a:latin typeface="Arial" panose="020B0604020202020204" pitchFamily="34" charset="0"/>
-                <a:cs typeface="Arial" panose="020B0604020202020204" pitchFamily="34" charset="0"/>
-              </a:rPr>
-              <a:t>MCP and Copilot</a:t>
+              <a:t>AI analysis with MCP and Copilot</a:t>
             </a:r>
             <a:br>
               <a:rPr lang="en-US" sz="1000" b="1" dirty="0" smtClean="0">
@@ -9423,7 +9509,7 @@
           <p:cNvPr id="5" name="Slide Number Placeholder 4">
             <a:extLst>
               <a:ext uri="{FF2B5EF4-FFF2-40B4-BE49-F238E27FC236}">
-                <a16:creationId xmlns="" xmlns:a16="http://schemas.microsoft.com/office/drawing/2014/main" id="{EF12021A-32A4-EEA0-249D-A54907CCDF3A}"/>
+                <a16:creationId xmlns:a16="http://schemas.microsoft.com/office/drawing/2014/main" xmlns="" id="{EF12021A-32A4-EEA0-249D-A54907CCDF3A}"/>
               </a:ext>
             </a:extLst>
           </p:cNvPr>
@@ -9484,7 +9570,7 @@
           <p:cNvPr id="6" name="Picture 2" descr="체크 표시 클립 아트. 무료 다운로드. | Creazilla">
             <a:extLst>
               <a:ext uri="{FF2B5EF4-FFF2-40B4-BE49-F238E27FC236}">
-                <a16:creationId xmlns:a16="http://schemas.microsoft.com/office/drawing/2014/main" xmlns="" id="{506060A2-694F-9BC8-4E65-1A4842DC7F1E}"/>
+                <a16:creationId xmlns="" xmlns:a16="http://schemas.microsoft.com/office/drawing/2014/main" id="{506060A2-694F-9BC8-4E65-1A4842DC7F1E}"/>
               </a:ext>
             </a:extLst>
           </p:cNvPr>
@@ -9568,7 +9654,7 @@
           <p:cNvPr id="2" name="Title 1">
             <a:extLst>
               <a:ext uri="{FF2B5EF4-FFF2-40B4-BE49-F238E27FC236}">
-                <a16:creationId xmlns="" xmlns:a16="http://schemas.microsoft.com/office/drawing/2014/main" id="{F451195F-4437-12D2-A28B-FEDF65C78F99}"/>
+                <a16:creationId xmlns:a16="http://schemas.microsoft.com/office/drawing/2014/main" xmlns="" id="{F451195F-4437-12D2-A28B-FEDF65C78F99}"/>
               </a:ext>
             </a:extLst>
           </p:cNvPr>
@@ -9604,7 +9690,7 @@
           <p:cNvPr id="3" name="Picture 2">
             <a:extLst>
               <a:ext uri="{FF2B5EF4-FFF2-40B4-BE49-F238E27FC236}">
-                <a16:creationId xmlns="" xmlns:a16="http://schemas.microsoft.com/office/drawing/2014/main" id="{76BDD1EC-3A5B-768A-D884-A71C3A9BC8D3}"/>
+                <a16:creationId xmlns:a16="http://schemas.microsoft.com/office/drawing/2014/main" xmlns="" id="{76BDD1EC-3A5B-768A-D884-A71C3A9BC8D3}"/>
               </a:ext>
             </a:extLst>
           </p:cNvPr>
@@ -9634,7 +9720,7 @@
           <p:cNvPr id="4" name="TextBox 3">
             <a:extLst>
               <a:ext uri="{FF2B5EF4-FFF2-40B4-BE49-F238E27FC236}">
-                <a16:creationId xmlns="" xmlns:a16="http://schemas.microsoft.com/office/drawing/2014/main" id="{0BA76C18-B8F0-AB85-CC0D-2701CF935B42}"/>
+                <a16:creationId xmlns:a16="http://schemas.microsoft.com/office/drawing/2014/main" xmlns="" id="{0BA76C18-B8F0-AB85-CC0D-2701CF935B42}"/>
               </a:ext>
             </a:extLst>
           </p:cNvPr>
@@ -9672,7 +9758,7 @@
           <p:cNvPr id="7" name="Slide Number Placeholder 6">
             <a:extLst>
               <a:ext uri="{FF2B5EF4-FFF2-40B4-BE49-F238E27FC236}">
-                <a16:creationId xmlns="" xmlns:a16="http://schemas.microsoft.com/office/drawing/2014/main" id="{51925DE0-720F-6BE2-CFCB-1C2C4727FBFF}"/>
+                <a16:creationId xmlns:a16="http://schemas.microsoft.com/office/drawing/2014/main" xmlns="" id="{51925DE0-720F-6BE2-CFCB-1C2C4727FBFF}"/>
               </a:ext>
             </a:extLst>
           </p:cNvPr>
@@ -9739,7 +9825,7 @@
           <p:cNvPr id="2" name="Title 1">
             <a:extLst>
               <a:ext uri="{FF2B5EF4-FFF2-40B4-BE49-F238E27FC236}">
-                <a16:creationId xmlns="" xmlns:a16="http://schemas.microsoft.com/office/drawing/2014/main" id="{219CD609-EDB3-FE89-2CD4-2521D23BDB12}"/>
+                <a16:creationId xmlns:a16="http://schemas.microsoft.com/office/drawing/2014/main" xmlns="" id="{219CD609-EDB3-FE89-2CD4-2521D23BDB12}"/>
               </a:ext>
             </a:extLst>
           </p:cNvPr>
@@ -9775,7 +9861,7 @@
           <p:cNvPr id="4" name="Table 3">
             <a:extLst>
               <a:ext uri="{FF2B5EF4-FFF2-40B4-BE49-F238E27FC236}">
-                <a16:creationId xmlns="" xmlns:a16="http://schemas.microsoft.com/office/drawing/2014/main" id="{4582CDD1-3D17-91D9-1746-D4CA7A4ACB4C}"/>
+                <a16:creationId xmlns:a16="http://schemas.microsoft.com/office/drawing/2014/main" xmlns="" id="{4582CDD1-3D17-91D9-1746-D4CA7A4ACB4C}"/>
               </a:ext>
             </a:extLst>
           </p:cNvPr>
@@ -9804,28 +9890,28 @@
                 <a:gridCol w="662104">
                   <a:extLst>
                     <a:ext uri="{9D8B030D-6E8A-4147-A177-3AD203B41FA5}">
-                      <a16:colId xmlns="" xmlns:a16="http://schemas.microsoft.com/office/drawing/2014/main" val="2110670875"/>
+                      <a16:colId xmlns:a16="http://schemas.microsoft.com/office/drawing/2014/main" xmlns="" val="2110670875"/>
                     </a:ext>
                   </a:extLst>
                 </a:gridCol>
                 <a:gridCol w="1545020">
                   <a:extLst>
                     <a:ext uri="{9D8B030D-6E8A-4147-A177-3AD203B41FA5}">
-                      <a16:colId xmlns="" xmlns:a16="http://schemas.microsoft.com/office/drawing/2014/main" val="4044197113"/>
+                      <a16:colId xmlns:a16="http://schemas.microsoft.com/office/drawing/2014/main" xmlns="" val="4044197113"/>
                     </a:ext>
                   </a:extLst>
                 </a:gridCol>
                 <a:gridCol w="993239">
                   <a:extLst>
                     <a:ext uri="{9D8B030D-6E8A-4147-A177-3AD203B41FA5}">
-                      <a16:colId xmlns="" xmlns:a16="http://schemas.microsoft.com/office/drawing/2014/main" val="237902446"/>
+                      <a16:colId xmlns:a16="http://schemas.microsoft.com/office/drawing/2014/main" xmlns="" val="237902446"/>
                     </a:ext>
                   </a:extLst>
                 </a:gridCol>
                 <a:gridCol w="1066788">
                   <a:extLst>
                     <a:ext uri="{9D8B030D-6E8A-4147-A177-3AD203B41FA5}">
-                      <a16:colId xmlns="" xmlns:a16="http://schemas.microsoft.com/office/drawing/2014/main" val="3153125075"/>
+                      <a16:colId xmlns:a16="http://schemas.microsoft.com/office/drawing/2014/main" xmlns="" val="3153125075"/>
                     </a:ext>
                   </a:extLst>
                 </a:gridCol>
@@ -9960,7 +10046,7 @@
                 </a:tc>
                 <a:extLst>
                   <a:ext uri="{0D108BD9-81ED-4DB2-BD59-A6C34878D82A}">
-                    <a16:rowId xmlns="" xmlns:a16="http://schemas.microsoft.com/office/drawing/2014/main" val="1328351753"/>
+                    <a16:rowId xmlns:a16="http://schemas.microsoft.com/office/drawing/2014/main" xmlns="" val="1328351753"/>
                   </a:ext>
                 </a:extLst>
               </a:tr>
@@ -10194,7 +10280,7 @@
                 </a:tc>
                 <a:extLst>
                   <a:ext uri="{0D108BD9-81ED-4DB2-BD59-A6C34878D82A}">
-                    <a16:rowId xmlns="" xmlns:a16="http://schemas.microsoft.com/office/drawing/2014/main" val="2998783628"/>
+                    <a16:rowId xmlns:a16="http://schemas.microsoft.com/office/drawing/2014/main" xmlns="" val="2998783628"/>
                   </a:ext>
                 </a:extLst>
               </a:tr>
@@ -10447,7 +10533,7 @@
                 </a:tc>
                 <a:extLst>
                   <a:ext uri="{0D108BD9-81ED-4DB2-BD59-A6C34878D82A}">
-                    <a16:rowId xmlns="" xmlns:a16="http://schemas.microsoft.com/office/drawing/2014/main" val="601678581"/>
+                    <a16:rowId xmlns:a16="http://schemas.microsoft.com/office/drawing/2014/main" xmlns="" val="601678581"/>
                   </a:ext>
                 </a:extLst>
               </a:tr>
@@ -10569,7 +10655,7 @@
           <p:cNvPr id="6" name="Slide Number Placeholder 5">
             <a:extLst>
               <a:ext uri="{FF2B5EF4-FFF2-40B4-BE49-F238E27FC236}">
-                <a16:creationId xmlns="" xmlns:a16="http://schemas.microsoft.com/office/drawing/2014/main" id="{BC6DE69D-9E75-2E2F-5FEA-2E408361DDF7}"/>
+                <a16:creationId xmlns:a16="http://schemas.microsoft.com/office/drawing/2014/main" xmlns="" id="{BC6DE69D-9E75-2E2F-5FEA-2E408361DDF7}"/>
               </a:ext>
             </a:extLst>
           </p:cNvPr>
@@ -10606,7 +10692,7 @@
           <p:cNvPr id="5" name="Picture 2" descr="체크 표시 클립 아트. 무료 다운로드. | Creazilla">
             <a:extLst>
               <a:ext uri="{FF2B5EF4-FFF2-40B4-BE49-F238E27FC236}">
-                <a16:creationId xmlns:a16="http://schemas.microsoft.com/office/drawing/2014/main" xmlns="" id="{506060A2-694F-9BC8-4E65-1A4842DC7F1E}"/>
+                <a16:creationId xmlns="" xmlns:a16="http://schemas.microsoft.com/office/drawing/2014/main" id="{506060A2-694F-9BC8-4E65-1A4842DC7F1E}"/>
               </a:ext>
             </a:extLst>
           </p:cNvPr>
@@ -10653,7 +10739,7 @@
           <p:cNvPr id="7" name="Picture 2" descr="체크 표시 클립 아트. 무료 다운로드. | Creazilla">
             <a:extLst>
               <a:ext uri="{FF2B5EF4-FFF2-40B4-BE49-F238E27FC236}">
-                <a16:creationId xmlns:a16="http://schemas.microsoft.com/office/drawing/2014/main" xmlns="" id="{506060A2-694F-9BC8-4E65-1A4842DC7F1E}"/>
+                <a16:creationId xmlns="" xmlns:a16="http://schemas.microsoft.com/office/drawing/2014/main" id="{506060A2-694F-9BC8-4E65-1A4842DC7F1E}"/>
               </a:ext>
             </a:extLst>
           </p:cNvPr>
@@ -10889,14 +10975,7 @@
                 <a:latin typeface="Arial" panose="020B0604020202020204" pitchFamily="34" charset="0"/>
                 <a:cs typeface="Arial" panose="020B0604020202020204" pitchFamily="34" charset="0"/>
               </a:rPr>
-              <a:t>- </a:t>
-            </a:r>
-            <a:r>
-              <a:rPr lang="en-US" sz="900" b="1" spc="-10" dirty="0" smtClean="0">
-                <a:latin typeface="Arial" panose="020B0604020202020204" pitchFamily="34" charset="0"/>
-                <a:cs typeface="Arial" panose="020B0604020202020204" pitchFamily="34" charset="0"/>
-              </a:rPr>
-              <a:t>   CI/CD </a:t>
+              <a:t>-    CI/CD </a:t>
             </a:r>
             <a:r>
               <a:rPr lang="en-US" sz="900" b="1" spc="-10" dirty="0">
@@ -11160,7 +11239,7 @@
           <p:cNvPr id="3" name="Slide Number Placeholder 2">
             <a:extLst>
               <a:ext uri="{FF2B5EF4-FFF2-40B4-BE49-F238E27FC236}">
-                <a16:creationId xmlns="" xmlns:a16="http://schemas.microsoft.com/office/drawing/2014/main" id="{76EE606B-448B-7E24-46A9-ADD3BB42A9F9}"/>
+                <a16:creationId xmlns:a16="http://schemas.microsoft.com/office/drawing/2014/main" xmlns="" id="{76EE606B-448B-7E24-46A9-ADD3BB42A9F9}"/>
               </a:ext>
             </a:extLst>
           </p:cNvPr>
@@ -11211,7 +11290,7 @@
         <p:cNvPr id="1" name="">
           <a:extLst>
             <a:ext uri="{FF2B5EF4-FFF2-40B4-BE49-F238E27FC236}">
-              <a16:creationId xmlns="" xmlns:a16="http://schemas.microsoft.com/office/drawing/2014/main" id="{EDE1E919-5AA6-F335-0F0D-A798E49BC5E5}"/>
+              <a16:creationId xmlns:a16="http://schemas.microsoft.com/office/drawing/2014/main" xmlns="" id="{EDE1E919-5AA6-F335-0F0D-A798E49BC5E5}"/>
             </a:ext>
           </a:extLst>
         </p:cNvPr>
@@ -11231,7 +11310,7 @@
           <p:cNvPr id="2" name="object 2">
             <a:extLst>
               <a:ext uri="{FF2B5EF4-FFF2-40B4-BE49-F238E27FC236}">
-                <a16:creationId xmlns="" xmlns:a16="http://schemas.microsoft.com/office/drawing/2014/main" id="{B0608DCA-C88E-39D0-6D92-38D5C1C8DEE5}"/>
+                <a16:creationId xmlns:a16="http://schemas.microsoft.com/office/drawing/2014/main" xmlns="" id="{B0608DCA-C88E-39D0-6D92-38D5C1C8DEE5}"/>
               </a:ext>
             </a:extLst>
           </p:cNvPr>
@@ -11280,7 +11359,7 @@
           <p:cNvPr id="4" name="object 4">
             <a:extLst>
               <a:ext uri="{FF2B5EF4-FFF2-40B4-BE49-F238E27FC236}">
-                <a16:creationId xmlns="" xmlns:a16="http://schemas.microsoft.com/office/drawing/2014/main" id="{2B47DDBF-F0E6-302B-72FF-899EC9806BAD}"/>
+                <a16:creationId xmlns:a16="http://schemas.microsoft.com/office/drawing/2014/main" xmlns="" id="{2B47DDBF-F0E6-302B-72FF-899EC9806BAD}"/>
               </a:ext>
             </a:extLst>
           </p:cNvPr>
@@ -11398,14 +11477,7 @@
                 <a:latin typeface="Arial" panose="020B0604020202020204" pitchFamily="34" charset="0"/>
                 <a:cs typeface="Arial" panose="020B0604020202020204" pitchFamily="34" charset="0"/>
               </a:rPr>
-              <a:t> with </a:t>
-            </a:r>
-            <a:r>
-              <a:rPr lang="en-US" sz="900" spc="-45" dirty="0" smtClean="0">
-                <a:latin typeface="Arial" panose="020B0604020202020204" pitchFamily="34" charset="0"/>
-                <a:cs typeface="Arial" panose="020B0604020202020204" pitchFamily="34" charset="0"/>
-              </a:rPr>
-              <a:t>MCP</a:t>
+              <a:t> with MCP</a:t>
             </a:r>
             <a:r>
               <a:rPr sz="900" spc="-45" dirty="0" smtClean="0">
@@ -11450,7 +11522,7 @@
           <p:cNvPr id="3" name="Slide Number Placeholder 2">
             <a:extLst>
               <a:ext uri="{FF2B5EF4-FFF2-40B4-BE49-F238E27FC236}">
-                <a16:creationId xmlns="" xmlns:a16="http://schemas.microsoft.com/office/drawing/2014/main" id="{8452F846-D712-C901-DB97-C6CB9B151FBA}"/>
+                <a16:creationId xmlns:a16="http://schemas.microsoft.com/office/drawing/2014/main" xmlns="" id="{8452F846-D712-C901-DB97-C6CB9B151FBA}"/>
               </a:ext>
             </a:extLst>
           </p:cNvPr>
@@ -12210,7 +12282,7 @@
           <p:cNvPr id="24" name="object 5">
             <a:extLst>
               <a:ext uri="{FF2B5EF4-FFF2-40B4-BE49-F238E27FC236}">
-                <a16:creationId xmlns="" xmlns:a16="http://schemas.microsoft.com/office/drawing/2014/main" id="{5941F2AF-D4D8-0AB6-9EAB-80C6C676C797}"/>
+                <a16:creationId xmlns:a16="http://schemas.microsoft.com/office/drawing/2014/main" xmlns="" id="{5941F2AF-D4D8-0AB6-9EAB-80C6C676C797}"/>
               </a:ext>
             </a:extLst>
           </p:cNvPr>
@@ -12316,7 +12388,7 @@
           <p:cNvPr id="25" name="object 5">
             <a:extLst>
               <a:ext uri="{FF2B5EF4-FFF2-40B4-BE49-F238E27FC236}">
-                <a16:creationId xmlns="" xmlns:a16="http://schemas.microsoft.com/office/drawing/2014/main" id="{BEC5BC08-4109-550C-7766-B3F1BFCCC414}"/>
+                <a16:creationId xmlns:a16="http://schemas.microsoft.com/office/drawing/2014/main" xmlns="" id="{BEC5BC08-4109-550C-7766-B3F1BFCCC414}"/>
               </a:ext>
             </a:extLst>
           </p:cNvPr>
@@ -12422,7 +12494,7 @@
           <p:cNvPr id="26" name="object 9">
             <a:extLst>
               <a:ext uri="{FF2B5EF4-FFF2-40B4-BE49-F238E27FC236}">
-                <a16:creationId xmlns="" xmlns:a16="http://schemas.microsoft.com/office/drawing/2014/main" id="{FB4A2EAE-5860-9AE3-4519-083FC7C39D0E}"/>
+                <a16:creationId xmlns:a16="http://schemas.microsoft.com/office/drawing/2014/main" xmlns="" id="{FB4A2EAE-5860-9AE3-4519-083FC7C39D0E}"/>
               </a:ext>
             </a:extLst>
           </p:cNvPr>
@@ -12471,7 +12543,7 @@
           <p:cNvPr id="29" name="object 19">
             <a:extLst>
               <a:ext uri="{FF2B5EF4-FFF2-40B4-BE49-F238E27FC236}">
-                <a16:creationId xmlns="" xmlns:a16="http://schemas.microsoft.com/office/drawing/2014/main" id="{FD7E67FA-682E-F249-F0FC-E8818F091A11}"/>
+                <a16:creationId xmlns:a16="http://schemas.microsoft.com/office/drawing/2014/main" xmlns="" id="{FD7E67FA-682E-F249-F0FC-E8818F091A11}"/>
               </a:ext>
             </a:extLst>
           </p:cNvPr>
@@ -12519,7 +12591,7 @@
           <p:cNvPr id="30" name="object 21">
             <a:extLst>
               <a:ext uri="{FF2B5EF4-FFF2-40B4-BE49-F238E27FC236}">
-                <a16:creationId xmlns="" xmlns:a16="http://schemas.microsoft.com/office/drawing/2014/main" id="{DCA25ABB-5CB0-1C72-F316-B97D16DFB59A}"/>
+                <a16:creationId xmlns:a16="http://schemas.microsoft.com/office/drawing/2014/main" xmlns="" id="{DCA25ABB-5CB0-1C72-F316-B97D16DFB59A}"/>
               </a:ext>
             </a:extLst>
           </p:cNvPr>
@@ -12577,7 +12649,7 @@
           <p:cNvPr id="7" name="Slide Number Placeholder 6">
             <a:extLst>
               <a:ext uri="{FF2B5EF4-FFF2-40B4-BE49-F238E27FC236}">
-                <a16:creationId xmlns="" xmlns:a16="http://schemas.microsoft.com/office/drawing/2014/main" id="{CC24697C-362E-151F-B982-1CAC1FC469DC}"/>
+                <a16:creationId xmlns:a16="http://schemas.microsoft.com/office/drawing/2014/main" xmlns="" id="{CC24697C-362E-151F-B982-1CAC1FC469DC}"/>
               </a:ext>
             </a:extLst>
           </p:cNvPr>
@@ -13099,7 +13171,7 @@
           <p:cNvPr id="3" name="Slide Number Placeholder 2">
             <a:extLst>
               <a:ext uri="{FF2B5EF4-FFF2-40B4-BE49-F238E27FC236}">
-                <a16:creationId xmlns="" xmlns:a16="http://schemas.microsoft.com/office/drawing/2014/main" id="{9AA2FB87-3E1C-C48C-E87F-6C4E498640E4}"/>
+                <a16:creationId xmlns:a16="http://schemas.microsoft.com/office/drawing/2014/main" xmlns="" id="{9AA2FB87-3E1C-C48C-E87F-6C4E498640E4}"/>
               </a:ext>
             </a:extLst>
           </p:cNvPr>
@@ -13171,7 +13243,7 @@
           <p:cNvPr id="2" name="Title 1">
             <a:extLst>
               <a:ext uri="{FF2B5EF4-FFF2-40B4-BE49-F238E27FC236}">
-                <a16:creationId xmlns="" xmlns:a16="http://schemas.microsoft.com/office/drawing/2014/main" id="{B2C574B7-3C5A-F92F-676A-6EA64C13553A}"/>
+                <a16:creationId xmlns:a16="http://schemas.microsoft.com/office/drawing/2014/main" xmlns="" id="{B2C574B7-3C5A-F92F-676A-6EA64C13553A}"/>
               </a:ext>
             </a:extLst>
           </p:cNvPr>
@@ -13225,7 +13297,7 @@
           <p:cNvPr id="7" name="Picture 6">
             <a:extLst>
               <a:ext uri="{FF2B5EF4-FFF2-40B4-BE49-F238E27FC236}">
-                <a16:creationId xmlns="" xmlns:a16="http://schemas.microsoft.com/office/drawing/2014/main" id="{41DB861A-C3CD-6D68-2908-18562666379B}"/>
+                <a16:creationId xmlns:a16="http://schemas.microsoft.com/office/drawing/2014/main" xmlns="" id="{41DB861A-C3CD-6D68-2908-18562666379B}"/>
               </a:ext>
             </a:extLst>
           </p:cNvPr>
@@ -13261,7 +13333,7 @@
           <p:cNvPr id="4" name="Slide Number Placeholder 3">
             <a:extLst>
               <a:ext uri="{FF2B5EF4-FFF2-40B4-BE49-F238E27FC236}">
-                <a16:creationId xmlns="" xmlns:a16="http://schemas.microsoft.com/office/drawing/2014/main" id="{86540D81-0A04-0E5B-A674-8651F21FC025}"/>
+                <a16:creationId xmlns:a16="http://schemas.microsoft.com/office/drawing/2014/main" xmlns="" id="{86540D81-0A04-0E5B-A674-8651F21FC025}"/>
               </a:ext>
             </a:extLst>
           </p:cNvPr>
@@ -13298,7 +13370,7 @@
           <p:cNvPr id="5" name="object 18">
             <a:extLst>
               <a:ext uri="{FF2B5EF4-FFF2-40B4-BE49-F238E27FC236}">
-                <a16:creationId xmlns="" xmlns:a16="http://schemas.microsoft.com/office/drawing/2014/main" id="{056FB5EA-736A-1114-5AA1-3345A9808675}"/>
+                <a16:creationId xmlns:a16="http://schemas.microsoft.com/office/drawing/2014/main" xmlns="" id="{056FB5EA-736A-1114-5AA1-3345A9808675}"/>
               </a:ext>
             </a:extLst>
           </p:cNvPr>
@@ -13412,7 +13484,7 @@
           <p:cNvPr id="6" name="object 18">
             <a:extLst>
               <a:ext uri="{FF2B5EF4-FFF2-40B4-BE49-F238E27FC236}">
-                <a16:creationId xmlns="" xmlns:a16="http://schemas.microsoft.com/office/drawing/2014/main" id="{056FB5EA-736A-1114-5AA1-3345A9808675}"/>
+                <a16:creationId xmlns:a16="http://schemas.microsoft.com/office/drawing/2014/main" xmlns="" id="{056FB5EA-736A-1114-5AA1-3345A9808675}"/>
               </a:ext>
             </a:extLst>
           </p:cNvPr>
@@ -13460,14 +13532,7 @@
                 <a:latin typeface="Arial" panose="020B0604020202020204" pitchFamily="34" charset="0"/>
                 <a:cs typeface="Arial" panose="020B0604020202020204" pitchFamily="34" charset="0"/>
               </a:rPr>
-              <a:t>custom </a:t>
-            </a:r>
-            <a:r>
-              <a:rPr lang="en-US" sz="1100" b="1" dirty="0" smtClean="0">
-                <a:latin typeface="Arial" panose="020B0604020202020204" pitchFamily="34" charset="0"/>
-                <a:cs typeface="Arial" panose="020B0604020202020204" pitchFamily="34" charset="0"/>
-              </a:rPr>
-              <a:t>rules </a:t>
+              <a:t>custom rules </a:t>
             </a:r>
             <a:endParaRPr lang="en-US" sz="1100" b="1" spc="50" dirty="0">
               <a:latin typeface="Arial" panose="020B0604020202020204" pitchFamily="34" charset="0"/>
@@ -13481,7 +13546,7 @@
           <p:cNvPr id="8" name="Picture 7">
             <a:extLst>
               <a:ext uri="{FF2B5EF4-FFF2-40B4-BE49-F238E27FC236}">
-                <a16:creationId xmlns="" xmlns:a16="http://schemas.microsoft.com/office/drawing/2014/main" id="{7881DD1D-A21C-3B2F-AA26-71751FB66BB0}"/>
+                <a16:creationId xmlns:a16="http://schemas.microsoft.com/office/drawing/2014/main" xmlns="" id="{7881DD1D-A21C-3B2F-AA26-71751FB66BB0}"/>
               </a:ext>
             </a:extLst>
           </p:cNvPr>
@@ -13517,7 +13582,7 @@
           <p:cNvPr id="9" name="Picture 2" descr="체크 표시 클립 아트. 무료 다운로드. | Creazilla">
             <a:extLst>
               <a:ext uri="{FF2B5EF4-FFF2-40B4-BE49-F238E27FC236}">
-                <a16:creationId xmlns:a16="http://schemas.microsoft.com/office/drawing/2014/main" xmlns="" id="{506060A2-694F-9BC8-4E65-1A4842DC7F1E}"/>
+                <a16:creationId xmlns="" xmlns:a16="http://schemas.microsoft.com/office/drawing/2014/main" id="{506060A2-694F-9BC8-4E65-1A4842DC7F1E}"/>
               </a:ext>
             </a:extLst>
           </p:cNvPr>
@@ -13601,7 +13666,7 @@
           <p:cNvPr id="2" name="Title 1">
             <a:extLst>
               <a:ext uri="{FF2B5EF4-FFF2-40B4-BE49-F238E27FC236}">
-                <a16:creationId xmlns="" xmlns:a16="http://schemas.microsoft.com/office/drawing/2014/main" id="{6B26C728-E216-4803-E352-BB030C172F50}"/>
+                <a16:creationId xmlns:a16="http://schemas.microsoft.com/office/drawing/2014/main" xmlns="" id="{6B26C728-E216-4803-E352-BB030C172F50}"/>
               </a:ext>
             </a:extLst>
           </p:cNvPr>
@@ -13655,7 +13720,7 @@
           <p:cNvPr id="6" name="Slide Number Placeholder 5">
             <a:extLst>
               <a:ext uri="{FF2B5EF4-FFF2-40B4-BE49-F238E27FC236}">
-                <a16:creationId xmlns="" xmlns:a16="http://schemas.microsoft.com/office/drawing/2014/main" id="{CF6E7398-C11B-E89D-B89F-CE53D168945E}"/>
+                <a16:creationId xmlns:a16="http://schemas.microsoft.com/office/drawing/2014/main" xmlns="" id="{CF6E7398-C11B-E89D-B89F-CE53D168945E}"/>
               </a:ext>
             </a:extLst>
           </p:cNvPr>
@@ -13689,14 +13754,14 @@
       </p:sp>
       <p:pic>
         <p:nvPicPr>
-          <p:cNvPr id="4" name="Picture 3"/>
+          <p:cNvPr id="3" name="Picture 2"/>
           <p:cNvPicPr>
             <a:picLocks noChangeAspect="1"/>
           </p:cNvPicPr>
           <p:nvPr/>
         </p:nvPicPr>
         <p:blipFill>
-          <a:blip r:embed="rId2">
+          <a:blip r:embed="rId2" cstate="print">
             <a:extLst>
               <a:ext uri="{28A0092B-C50C-407E-A947-70E740481C1C}">
                 <a14:useLocalDpi xmlns:a14="http://schemas.microsoft.com/office/drawing/2010/main" val="0"/>
@@ -13709,8 +13774,8 @@
         </p:blipFill>
         <p:spPr>
           <a:xfrm>
-            <a:off x="552450" y="394313"/>
-            <a:ext cx="3406388" cy="3009479"/>
+            <a:off x="19050" y="511175"/>
+            <a:ext cx="4540097" cy="2743200"/>
           </a:xfrm>
           <a:prstGeom prst="rect">
             <a:avLst/>
@@ -13720,7 +13785,7 @@
     </p:spTree>
     <p:extLst>
       <p:ext uri="{BB962C8B-B14F-4D97-AF65-F5344CB8AC3E}">
-        <p14:creationId xmlns:p14="http://schemas.microsoft.com/office/powerpoint/2010/main" val="2341124518"/>
+        <p14:creationId xmlns:p14="http://schemas.microsoft.com/office/powerpoint/2010/main" val="2821736609"/>
       </p:ext>
     </p:extLst>
   </p:cSld>
@@ -13742,557 +13807,6 @@
   <p:cSld>
     <p:spTree>
       <p:nvGrpSpPr>
-        <p:cNvPr id="1" name="">
-          <a:extLst>
-            <a:ext uri="{FF2B5EF4-FFF2-40B4-BE49-F238E27FC236}">
-              <a16:creationId xmlns="" xmlns:a16="http://schemas.microsoft.com/office/drawing/2014/main" id="{D2120E5A-5340-EA66-7B0D-47B94D5F8FA5}"/>
-            </a:ext>
-          </a:extLst>
-        </p:cNvPr>
-        <p:cNvGrpSpPr/>
-        <p:nvPr/>
-      </p:nvGrpSpPr>
-      <p:grpSpPr>
-        <a:xfrm>
-          <a:off x="0" y="0"/>
-          <a:ext cx="0" cy="0"/>
-          <a:chOff x="0" y="0"/>
-          <a:chExt cx="0" cy="0"/>
-        </a:xfrm>
-      </p:grpSpPr>
-      <p:sp>
-        <p:nvSpPr>
-          <p:cNvPr id="2" name="object 2">
-            <a:extLst>
-              <a:ext uri="{FF2B5EF4-FFF2-40B4-BE49-F238E27FC236}">
-                <a16:creationId xmlns="" xmlns:a16="http://schemas.microsoft.com/office/drawing/2014/main" id="{C14EE6A6-CBA5-D6BA-B818-B00F4B12F3F9}"/>
-              </a:ext>
-            </a:extLst>
-          </p:cNvPr>
-          <p:cNvSpPr txBox="1">
-            <a:spLocks noGrp="1"/>
-          </p:cNvSpPr>
-          <p:nvPr>
-            <p:ph type="title"/>
-          </p:nvPr>
-        </p:nvSpPr>
-        <p:spPr>
-          <a:xfrm>
-            <a:off x="95300" y="59928"/>
-            <a:ext cx="3025775" cy="232756"/>
-          </a:xfrm>
-          <a:prstGeom prst="rect">
-            <a:avLst/>
-          </a:prstGeom>
-        </p:spPr>
-        <p:txBody>
-          <a:bodyPr vert="horz" wrap="square" lIns="0" tIns="17145" rIns="0" bIns="0" rtlCol="0">
-            <a:spAutoFit/>
-          </a:bodyPr>
-          <a:lstStyle/>
-          <a:p>
-            <a:pPr marL="12700">
-              <a:lnSpc>
-                <a:spcPct val="100000"/>
-              </a:lnSpc>
-              <a:spcBef>
-                <a:spcPts val="135"/>
-              </a:spcBef>
-            </a:pPr>
-            <a:r>
-              <a:rPr lang="en-US" dirty="0" smtClean="0">
-                <a:latin typeface="Arial" panose="020B0604020202020204" pitchFamily="34" charset="0"/>
-                <a:cs typeface="Arial" panose="020B0604020202020204" pitchFamily="34" charset="0"/>
-              </a:rPr>
-              <a:t>AI solution</a:t>
-            </a:r>
-            <a:endParaRPr spc="-40" dirty="0">
-              <a:latin typeface="Arial" panose="020B0604020202020204" pitchFamily="34" charset="0"/>
-              <a:cs typeface="Arial" panose="020B0604020202020204" pitchFamily="34" charset="0"/>
-            </a:endParaRPr>
-          </a:p>
-        </p:txBody>
-      </p:sp>
-      <p:sp>
-        <p:nvSpPr>
-          <p:cNvPr id="6" name="object 6">
-            <a:extLst>
-              <a:ext uri="{FF2B5EF4-FFF2-40B4-BE49-F238E27FC236}">
-                <a16:creationId xmlns="" xmlns:a16="http://schemas.microsoft.com/office/drawing/2014/main" id="{4B898F09-DC95-BB57-17F6-B18DB7CD16FB}"/>
-              </a:ext>
-            </a:extLst>
-          </p:cNvPr>
-          <p:cNvSpPr txBox="1"/>
-          <p:nvPr/>
-        </p:nvSpPr>
-        <p:spPr>
-          <a:xfrm>
-            <a:off x="209228" y="435606"/>
-            <a:ext cx="3870960" cy="1509772"/>
-          </a:xfrm>
-          <a:prstGeom prst="rect">
-            <a:avLst/>
-          </a:prstGeom>
-        </p:spPr>
-        <p:txBody>
-          <a:bodyPr vert="horz" wrap="square" lIns="0" tIns="6985" rIns="0" bIns="0" rtlCol="0">
-            <a:spAutoFit/>
-          </a:bodyPr>
-          <a:lstStyle/>
-          <a:p>
-            <a:pPr marL="38100" marR="30480">
-              <a:lnSpc>
-                <a:spcPct val="102699"/>
-              </a:lnSpc>
-              <a:spcBef>
-                <a:spcPts val="55"/>
-              </a:spcBef>
-            </a:pPr>
-            <a:r>
-              <a:rPr lang="x-none" sz="1100" b="1" spc="85" dirty="0">
-                <a:latin typeface="Arial" panose="020B0604020202020204" pitchFamily="34" charset="0"/>
-                <a:cs typeface="Arial" panose="020B0604020202020204" pitchFamily="34" charset="0"/>
-              </a:rPr>
-              <a:t>Purpose</a:t>
-            </a:r>
-            <a:endParaRPr lang="en-US" sz="1100" b="1" spc="85" dirty="0">
-              <a:latin typeface="Arial" panose="020B0604020202020204" pitchFamily="34" charset="0"/>
-              <a:cs typeface="Arial" panose="020B0604020202020204" pitchFamily="34" charset="0"/>
-            </a:endParaRPr>
-          </a:p>
-          <a:p>
-            <a:pPr marL="38100" marR="30480">
-              <a:lnSpc>
-                <a:spcPct val="102699"/>
-              </a:lnSpc>
-              <a:spcBef>
-                <a:spcPts val="55"/>
-              </a:spcBef>
-            </a:pPr>
-            <a:r>
-              <a:rPr lang="x-none" sz="1100" spc="85" dirty="0">
-                <a:latin typeface="Arial" panose="020B0604020202020204" pitchFamily="34" charset="0"/>
-                <a:cs typeface="Arial" panose="020B0604020202020204" pitchFamily="34" charset="0"/>
-              </a:rPr>
-              <a:t>- </a:t>
-            </a:r>
-            <a:r>
-              <a:rPr sz="1100" spc="-50" dirty="0">
-                <a:latin typeface="Arial" panose="020B0604020202020204" pitchFamily="34" charset="0"/>
-                <a:cs typeface="Arial" panose="020B0604020202020204" pitchFamily="34" charset="0"/>
-              </a:rPr>
-              <a:t>Leverage</a:t>
-            </a:r>
-            <a:r>
-              <a:rPr sz="1100" spc="-20" dirty="0">
-                <a:latin typeface="Arial" panose="020B0604020202020204" pitchFamily="34" charset="0"/>
-                <a:cs typeface="Arial" panose="020B0604020202020204" pitchFamily="34" charset="0"/>
-              </a:rPr>
-              <a:t> </a:t>
-            </a:r>
-            <a:r>
-              <a:rPr sz="1100" dirty="0">
-                <a:latin typeface="Arial" panose="020B0604020202020204" pitchFamily="34" charset="0"/>
-                <a:cs typeface="Arial" panose="020B0604020202020204" pitchFamily="34" charset="0"/>
-              </a:rPr>
-              <a:t>GitHub</a:t>
-            </a:r>
-            <a:r>
-              <a:rPr sz="1100" spc="-15" dirty="0">
-                <a:latin typeface="Arial" panose="020B0604020202020204" pitchFamily="34" charset="0"/>
-                <a:cs typeface="Arial" panose="020B0604020202020204" pitchFamily="34" charset="0"/>
-              </a:rPr>
-              <a:t> </a:t>
-            </a:r>
-            <a:r>
-              <a:rPr sz="1100" dirty="0">
-                <a:latin typeface="Arial" panose="020B0604020202020204" pitchFamily="34" charset="0"/>
-                <a:cs typeface="Arial" panose="020B0604020202020204" pitchFamily="34" charset="0"/>
-              </a:rPr>
-              <a:t>Copilot</a:t>
-            </a:r>
-            <a:r>
-              <a:rPr sz="1100" spc="-25" dirty="0">
-                <a:latin typeface="Arial" panose="020B0604020202020204" pitchFamily="34" charset="0"/>
-                <a:cs typeface="Arial" panose="020B0604020202020204" pitchFamily="34" charset="0"/>
-              </a:rPr>
-              <a:t> </a:t>
-            </a:r>
-            <a:r>
-              <a:rPr sz="1100" dirty="0">
-                <a:latin typeface="Arial" panose="020B0604020202020204" pitchFamily="34" charset="0"/>
-                <a:cs typeface="Arial" panose="020B0604020202020204" pitchFamily="34" charset="0"/>
-              </a:rPr>
-              <a:t>to</a:t>
-            </a:r>
-            <a:r>
-              <a:rPr sz="1100" spc="-25" dirty="0">
-                <a:latin typeface="Arial" panose="020B0604020202020204" pitchFamily="34" charset="0"/>
-                <a:cs typeface="Arial" panose="020B0604020202020204" pitchFamily="34" charset="0"/>
-              </a:rPr>
-              <a:t> detect</a:t>
-            </a:r>
-            <a:r>
-              <a:rPr sz="1100" spc="-20" dirty="0">
-                <a:latin typeface="Arial" panose="020B0604020202020204" pitchFamily="34" charset="0"/>
-                <a:cs typeface="Arial" panose="020B0604020202020204" pitchFamily="34" charset="0"/>
-              </a:rPr>
-              <a:t> </a:t>
-            </a:r>
-            <a:r>
-              <a:rPr sz="1100" dirty="0">
-                <a:latin typeface="Arial" panose="020B0604020202020204" pitchFamily="34" charset="0"/>
-                <a:cs typeface="Arial" panose="020B0604020202020204" pitchFamily="34" charset="0"/>
-              </a:rPr>
-              <a:t>C++</a:t>
-            </a:r>
-            <a:r>
-              <a:rPr sz="1100" spc="-20" dirty="0">
-                <a:latin typeface="Arial" panose="020B0604020202020204" pitchFamily="34" charset="0"/>
-                <a:cs typeface="Arial" panose="020B0604020202020204" pitchFamily="34" charset="0"/>
-              </a:rPr>
-              <a:t> </a:t>
-            </a:r>
-            <a:r>
-              <a:rPr sz="1100" spc="-30" dirty="0">
-                <a:latin typeface="Arial" panose="020B0604020202020204" pitchFamily="34" charset="0"/>
-                <a:cs typeface="Arial" panose="020B0604020202020204" pitchFamily="34" charset="0"/>
-              </a:rPr>
-              <a:t>vulnerabilities </a:t>
-            </a:r>
-            <a:r>
-              <a:rPr sz="1100" spc="-65" dirty="0">
-                <a:latin typeface="Arial" panose="020B0604020202020204" pitchFamily="34" charset="0"/>
-                <a:cs typeface="Arial" panose="020B0604020202020204" pitchFamily="34" charset="0"/>
-              </a:rPr>
-              <a:t>based</a:t>
-            </a:r>
-            <a:r>
-              <a:rPr sz="1100" spc="-20" dirty="0">
-                <a:latin typeface="Arial" panose="020B0604020202020204" pitchFamily="34" charset="0"/>
-                <a:cs typeface="Arial" panose="020B0604020202020204" pitchFamily="34" charset="0"/>
-              </a:rPr>
-              <a:t> on </a:t>
-            </a:r>
-            <a:r>
-              <a:rPr sz="1100" spc="-60" dirty="0">
-                <a:latin typeface="Arial" panose="020B0604020202020204" pitchFamily="34" charset="0"/>
-                <a:cs typeface="Arial" panose="020B0604020202020204" pitchFamily="34" charset="0"/>
-              </a:rPr>
-              <a:t>predefined</a:t>
-            </a:r>
-            <a:r>
-              <a:rPr sz="1100" spc="-20" dirty="0">
-                <a:latin typeface="Arial" panose="020B0604020202020204" pitchFamily="34" charset="0"/>
-                <a:cs typeface="Arial" panose="020B0604020202020204" pitchFamily="34" charset="0"/>
-              </a:rPr>
-              <a:t> </a:t>
-            </a:r>
-            <a:r>
-              <a:rPr sz="1100" spc="-10" dirty="0">
-                <a:latin typeface="Arial" panose="020B0604020202020204" pitchFamily="34" charset="0"/>
-                <a:cs typeface="Arial" panose="020B0604020202020204" pitchFamily="34" charset="0"/>
-              </a:rPr>
-              <a:t>rules.</a:t>
-            </a:r>
-            <a:endParaRPr lang="en-US" sz="1100" spc="-10" dirty="0">
-              <a:latin typeface="Arial" panose="020B0604020202020204" pitchFamily="34" charset="0"/>
-              <a:cs typeface="Arial" panose="020B0604020202020204" pitchFamily="34" charset="0"/>
-            </a:endParaRPr>
-          </a:p>
-          <a:p>
-            <a:pPr marL="38100" marR="30480">
-              <a:lnSpc>
-                <a:spcPct val="102699"/>
-              </a:lnSpc>
-              <a:spcBef>
-                <a:spcPts val="55"/>
-              </a:spcBef>
-            </a:pPr>
-            <a:endParaRPr sz="1100" dirty="0">
-              <a:latin typeface="Arial" panose="020B0604020202020204" pitchFamily="34" charset="0"/>
-              <a:cs typeface="Arial" panose="020B0604020202020204" pitchFamily="34" charset="0"/>
-            </a:endParaRPr>
-          </a:p>
-          <a:p>
-            <a:pPr marL="38100">
-              <a:lnSpc>
-                <a:spcPct val="100000"/>
-              </a:lnSpc>
-              <a:spcBef>
-                <a:spcPts val="175"/>
-              </a:spcBef>
-            </a:pPr>
-            <a:r>
-              <a:rPr lang="x-none" sz="1100" b="1" spc="-10" dirty="0">
-                <a:latin typeface="Arial" panose="020B0604020202020204" pitchFamily="34" charset="0"/>
-                <a:cs typeface="Arial" panose="020B0604020202020204" pitchFamily="34" charset="0"/>
-              </a:rPr>
-              <a:t>Pre-defined Rules (Markdown format)</a:t>
-            </a:r>
-            <a:endParaRPr lang="en-US" sz="1100" b="1" spc="-10" dirty="0">
-              <a:latin typeface="Arial" panose="020B0604020202020204" pitchFamily="34" charset="0"/>
-              <a:cs typeface="Arial" panose="020B0604020202020204" pitchFamily="34" charset="0"/>
-            </a:endParaRPr>
-          </a:p>
-          <a:p>
-            <a:pPr marL="38100">
-              <a:lnSpc>
-                <a:spcPct val="100000"/>
-              </a:lnSpc>
-              <a:spcBef>
-                <a:spcPts val="175"/>
-              </a:spcBef>
-            </a:pPr>
-            <a:r>
-              <a:rPr lang="x-none" sz="1100" spc="-10" dirty="0">
-                <a:latin typeface="Arial" panose="020B0604020202020204" pitchFamily="34" charset="0"/>
-                <a:cs typeface="Arial" panose="020B0604020202020204" pitchFamily="34" charset="0"/>
-              </a:rPr>
-              <a:t>- </a:t>
-            </a:r>
-            <a:r>
-              <a:rPr lang="x-none" sz="1100" spc="-10" dirty="0">
-                <a:latin typeface="Arial" panose="020B0604020202020204" pitchFamily="34" charset="0"/>
-                <a:cs typeface="Arial" panose="020B0604020202020204" pitchFamily="34" charset="0"/>
-                <a:hlinkClick r:id="rId2"/>
-              </a:rPr>
-              <a:t>Misracpp2008GuideLines.md</a:t>
-            </a:r>
-            <a:endParaRPr lang="x-none" sz="1100" spc="-10" dirty="0">
-              <a:latin typeface="Arial" panose="020B0604020202020204" pitchFamily="34" charset="0"/>
-              <a:cs typeface="Arial" panose="020B0604020202020204" pitchFamily="34" charset="0"/>
-            </a:endParaRPr>
-          </a:p>
-          <a:p>
-            <a:pPr marL="38100">
-              <a:lnSpc>
-                <a:spcPct val="100000"/>
-              </a:lnSpc>
-              <a:spcBef>
-                <a:spcPts val="175"/>
-              </a:spcBef>
-            </a:pPr>
-            <a:r>
-              <a:rPr lang="x-none" sz="1100" spc="-10" dirty="0">
-                <a:latin typeface="Arial" panose="020B0604020202020204" pitchFamily="34" charset="0"/>
-                <a:cs typeface="Arial" panose="020B0604020202020204" pitchFamily="34" charset="0"/>
-              </a:rPr>
-              <a:t>- </a:t>
-            </a:r>
-            <a:r>
-              <a:rPr lang="x-none" sz="1100" spc="-10" dirty="0">
-                <a:latin typeface="Arial" panose="020B0604020202020204" pitchFamily="34" charset="0"/>
-                <a:cs typeface="Arial" panose="020B0604020202020204" pitchFamily="34" charset="0"/>
-                <a:hlinkClick r:id="rId3"/>
-              </a:rPr>
-              <a:t>LGEDVRuleGuidelines.md</a:t>
-            </a:r>
-            <a:endParaRPr lang="x-none" sz="1100" spc="-10" dirty="0">
-              <a:latin typeface="Arial" panose="020B0604020202020204" pitchFamily="34" charset="0"/>
-              <a:cs typeface="Arial" panose="020B0604020202020204" pitchFamily="34" charset="0"/>
-            </a:endParaRPr>
-          </a:p>
-          <a:p>
-            <a:pPr marL="38100">
-              <a:lnSpc>
-                <a:spcPct val="100000"/>
-              </a:lnSpc>
-              <a:spcBef>
-                <a:spcPts val="175"/>
-              </a:spcBef>
-            </a:pPr>
-            <a:r>
-              <a:rPr lang="x-none" sz="1100" spc="-10" dirty="0">
-                <a:latin typeface="Arial" panose="020B0604020202020204" pitchFamily="34" charset="0"/>
-                <a:cs typeface="Arial" panose="020B0604020202020204" pitchFamily="34" charset="0"/>
-              </a:rPr>
-              <a:t>- </a:t>
-            </a:r>
-            <a:r>
-              <a:rPr lang="x-none" sz="1100" spc="-10" dirty="0">
-                <a:latin typeface="Arial" panose="020B0604020202020204" pitchFamily="34" charset="0"/>
-                <a:cs typeface="Arial" panose="020B0604020202020204" pitchFamily="34" charset="0"/>
-                <a:hlinkClick r:id="rId4"/>
-              </a:rPr>
-              <a:t>StaticAnalysicGuidelines.md</a:t>
-            </a:r>
-            <a:endParaRPr sz="1100" dirty="0">
-              <a:latin typeface="Arial" panose="020B0604020202020204" pitchFamily="34" charset="0"/>
-              <a:cs typeface="Arial" panose="020B0604020202020204" pitchFamily="34" charset="0"/>
-            </a:endParaRPr>
-          </a:p>
-        </p:txBody>
-      </p:sp>
-      <p:sp>
-        <p:nvSpPr>
-          <p:cNvPr id="15" name="object 15">
-            <a:extLst>
-              <a:ext uri="{FF2B5EF4-FFF2-40B4-BE49-F238E27FC236}">
-                <a16:creationId xmlns="" xmlns:a16="http://schemas.microsoft.com/office/drawing/2014/main" id="{1E049AE9-1341-4876-7533-B46A7E7F76B2}"/>
-              </a:ext>
-            </a:extLst>
-          </p:cNvPr>
-          <p:cNvSpPr txBox="1"/>
-          <p:nvPr/>
-        </p:nvSpPr>
-        <p:spPr>
-          <a:xfrm>
-            <a:off x="534352" y="2280912"/>
-            <a:ext cx="66040" cy="116839"/>
-          </a:xfrm>
-          <a:prstGeom prst="rect">
-            <a:avLst/>
-          </a:prstGeom>
-        </p:spPr>
-        <p:txBody>
-          <a:bodyPr vert="horz" wrap="square" lIns="0" tIns="12065" rIns="0" bIns="0" rtlCol="0">
-            <a:spAutoFit/>
-          </a:bodyPr>
-          <a:lstStyle/>
-          <a:p>
-            <a:pPr marL="12700">
-              <a:lnSpc>
-                <a:spcPct val="100000"/>
-              </a:lnSpc>
-              <a:spcBef>
-                <a:spcPts val="95"/>
-              </a:spcBef>
-            </a:pPr>
-            <a:r>
-              <a:rPr sz="600" spc="-50" dirty="0">
-                <a:solidFill>
-                  <a:srgbClr val="FFFFFF"/>
-                </a:solidFill>
-                <a:latin typeface="Trebuchet MS"/>
-                <a:cs typeface="Trebuchet MS"/>
-              </a:rPr>
-              <a:t>3</a:t>
-            </a:r>
-            <a:endParaRPr sz="600" dirty="0">
-              <a:latin typeface="Trebuchet MS"/>
-              <a:cs typeface="Trebuchet MS"/>
-            </a:endParaRPr>
-          </a:p>
-        </p:txBody>
-      </p:sp>
-      <p:sp>
-        <p:nvSpPr>
-          <p:cNvPr id="17" name="object 17">
-            <a:extLst>
-              <a:ext uri="{FF2B5EF4-FFF2-40B4-BE49-F238E27FC236}">
-                <a16:creationId xmlns="" xmlns:a16="http://schemas.microsoft.com/office/drawing/2014/main" id="{C9557E22-EEF2-0558-F9CB-2CB9B0563285}"/>
-              </a:ext>
-            </a:extLst>
-          </p:cNvPr>
-          <p:cNvSpPr txBox="1"/>
-          <p:nvPr/>
-        </p:nvSpPr>
-        <p:spPr>
-          <a:xfrm>
-            <a:off x="534352" y="2584569"/>
-            <a:ext cx="66040" cy="116839"/>
-          </a:xfrm>
-          <a:prstGeom prst="rect">
-            <a:avLst/>
-          </a:prstGeom>
-        </p:spPr>
-        <p:txBody>
-          <a:bodyPr vert="horz" wrap="square" lIns="0" tIns="12065" rIns="0" bIns="0" rtlCol="0">
-            <a:spAutoFit/>
-          </a:bodyPr>
-          <a:lstStyle/>
-          <a:p>
-            <a:pPr marL="12700">
-              <a:lnSpc>
-                <a:spcPct val="100000"/>
-              </a:lnSpc>
-              <a:spcBef>
-                <a:spcPts val="95"/>
-              </a:spcBef>
-            </a:pPr>
-            <a:r>
-              <a:rPr sz="600" spc="-50" dirty="0">
-                <a:solidFill>
-                  <a:srgbClr val="FFFFFF"/>
-                </a:solidFill>
-                <a:latin typeface="Trebuchet MS"/>
-                <a:cs typeface="Trebuchet MS"/>
-              </a:rPr>
-              <a:t>4</a:t>
-            </a:r>
-            <a:endParaRPr sz="600">
-              <a:latin typeface="Trebuchet MS"/>
-              <a:cs typeface="Trebuchet MS"/>
-            </a:endParaRPr>
-          </a:p>
-        </p:txBody>
-      </p:sp>
-      <p:sp>
-        <p:nvSpPr>
-          <p:cNvPr id="3" name="Slide Number Placeholder 2">
-            <a:extLst>
-              <a:ext uri="{FF2B5EF4-FFF2-40B4-BE49-F238E27FC236}">
-                <a16:creationId xmlns="" xmlns:a16="http://schemas.microsoft.com/office/drawing/2014/main" id="{B0AFD33C-5930-5BE3-0D1A-060605129278}"/>
-              </a:ext>
-            </a:extLst>
-          </p:cNvPr>
-          <p:cNvSpPr>
-            <a:spLocks noGrp="1"/>
-          </p:cNvSpPr>
-          <p:nvPr>
-            <p:ph type="sldNum" sz="quarter" idx="7"/>
-          </p:nvPr>
-        </p:nvSpPr>
-        <p:spPr/>
-        <p:txBody>
-          <a:bodyPr/>
-          <a:lstStyle/>
-          <a:p>
-            <a:pPr marL="12700">
-              <a:lnSpc>
-                <a:spcPct val="100000"/>
-              </a:lnSpc>
-              <a:spcBef>
-                <a:spcPts val="190"/>
-              </a:spcBef>
-            </a:pPr>
-            <a:fld id="{81D60167-4931-47E6-BA6A-407CBD079E47}" type="slidenum">
-              <a:rPr lang="x-none" smtClean="0"/>
-              <a:t>8</a:t>
-            </a:fld>
-            <a:endParaRPr lang="x-none" spc="-25" dirty="0"/>
-          </a:p>
-        </p:txBody>
-      </p:sp>
-    </p:spTree>
-    <p:extLst>
-      <p:ext uri="{BB962C8B-B14F-4D97-AF65-F5344CB8AC3E}">
-        <p14:creationId xmlns:p14="http://schemas.microsoft.com/office/powerpoint/2010/main" val="429022177"/>
-      </p:ext>
-    </p:extLst>
-  </p:cSld>
-  <p:clrMapOvr>
-    <a:masterClrMapping/>
-  </p:clrMapOvr>
-  <p:transition>
-    <p:cut/>
-  </p:transition>
-  <p:timing>
-    <p:tnLst>
-      <p:par>
-        <p:cTn id="1" dur="indefinite" restart="never" nodeType="tmRoot"/>
-      </p:par>
-    </p:tnLst>
-  </p:timing>
-</p:sld>
-</file>
-
-<file path=ppt/slides/slide9.xml><?xml version="1.0" encoding="utf-8"?>
-<p:sld xmlns:a="http://schemas.openxmlformats.org/drawingml/2006/main" xmlns:r="http://schemas.openxmlformats.org/officeDocument/2006/relationships" xmlns:p="http://schemas.openxmlformats.org/presentationml/2006/main">
-  <p:cSld>
-    <p:spTree>
-      <p:nvGrpSpPr>
         <p:cNvPr id="1" name=""/>
         <p:cNvGrpSpPr/>
         <p:nvPr/>
@@ -14310,7 +13824,7 @@
           <p:cNvPr id="2" name="Title 1">
             <a:extLst>
               <a:ext uri="{FF2B5EF4-FFF2-40B4-BE49-F238E27FC236}">
-                <a16:creationId xmlns="" xmlns:a16="http://schemas.microsoft.com/office/drawing/2014/main" id="{3D78AAB1-439D-A2D5-06F5-CA97D59F0D33}"/>
+                <a16:creationId xmlns:a16="http://schemas.microsoft.com/office/drawing/2014/main" xmlns="" id="{3D78AAB1-439D-A2D5-06F5-CA97D59F0D33}"/>
               </a:ext>
             </a:extLst>
           </p:cNvPr>
@@ -14336,7 +13850,14 @@
                 <a:latin typeface="Arial" panose="020B0604020202020204" pitchFamily="34" charset="0"/>
                 <a:cs typeface="Arial" panose="020B0604020202020204" pitchFamily="34" charset="0"/>
               </a:rPr>
-              <a:t>AI solution</a:t>
+              <a:t>AI </a:t>
+            </a:r>
+            <a:r>
+              <a:rPr lang="en-US" dirty="0">
+                <a:latin typeface="Arial" panose="020B0604020202020204" pitchFamily="34" charset="0"/>
+                <a:cs typeface="Arial" panose="020B0604020202020204" pitchFamily="34" charset="0"/>
+              </a:rPr>
+              <a:t>solution with Copilot</a:t>
             </a:r>
             <a:endParaRPr lang="x-none" dirty="0">
               <a:latin typeface="Arial" panose="020B0604020202020204" pitchFamily="34" charset="0"/>
@@ -14350,7 +13871,7 @@
           <p:cNvPr id="4" name="Picture 3">
             <a:extLst>
               <a:ext uri="{FF2B5EF4-FFF2-40B4-BE49-F238E27FC236}">
-                <a16:creationId xmlns="" xmlns:a16="http://schemas.microsoft.com/office/drawing/2014/main" id="{15C1ECB5-6034-D723-B4B5-F7C44816937F}"/>
+                <a16:creationId xmlns:a16="http://schemas.microsoft.com/office/drawing/2014/main" xmlns="" id="{15C1ECB5-6034-D723-B4B5-F7C44816937F}"/>
               </a:ext>
             </a:extLst>
           </p:cNvPr>
@@ -14380,7 +13901,7 @@
           <p:cNvPr id="5" name="TextBox 4">
             <a:extLst>
               <a:ext uri="{FF2B5EF4-FFF2-40B4-BE49-F238E27FC236}">
-                <a16:creationId xmlns="" xmlns:a16="http://schemas.microsoft.com/office/drawing/2014/main" id="{FB7CF730-7405-71B2-8294-3A4D1AB91F92}"/>
+                <a16:creationId xmlns:a16="http://schemas.microsoft.com/office/drawing/2014/main" xmlns="" id="{FB7CF730-7405-71B2-8294-3A4D1AB91F92}"/>
               </a:ext>
             </a:extLst>
           </p:cNvPr>
@@ -14390,7 +13911,7 @@
         <p:spPr>
           <a:xfrm>
             <a:off x="0" y="358775"/>
-            <a:ext cx="1228221" cy="369332"/>
+            <a:ext cx="2933816" cy="369332"/>
           </a:xfrm>
           <a:prstGeom prst="rect">
             <a:avLst/>
@@ -14404,12 +13925,23 @@
           <a:lstStyle/>
           <a:p>
             <a:r>
-              <a:rPr lang="x-none" sz="1000" b="1" dirty="0">
-                <a:latin typeface="Arial" panose="020B0604020202020204" pitchFamily="34" charset="0"/>
-                <a:cs typeface="Arial" panose="020B0604020202020204" pitchFamily="34" charset="0"/>
-              </a:rPr>
-              <a:t>Pre-defined rules</a:t>
-            </a:r>
+              <a:rPr lang="en-US" sz="1000" b="1" dirty="0" smtClean="0">
+                <a:latin typeface="Arial" panose="020B0604020202020204" pitchFamily="34" charset="0"/>
+                <a:cs typeface="Arial" panose="020B0604020202020204" pitchFamily="34" charset="0"/>
+              </a:rPr>
+              <a:t>Input</a:t>
+            </a:r>
+            <a:r>
+              <a:rPr lang="x-none" sz="1000" b="1" dirty="0" smtClean="0">
+                <a:latin typeface="Arial" panose="020B0604020202020204" pitchFamily="34" charset="0"/>
+                <a:cs typeface="Arial" panose="020B0604020202020204" pitchFamily="34" charset="0"/>
+              </a:rPr>
+              <a:t> rule</a:t>
+            </a:r>
+            <a:endParaRPr lang="x-none" sz="1000" b="1" dirty="0">
+              <a:latin typeface="Arial" panose="020B0604020202020204" pitchFamily="34" charset="0"/>
+              <a:cs typeface="Arial" panose="020B0604020202020204" pitchFamily="34" charset="0"/>
+            </a:endParaRPr>
           </a:p>
           <a:p>
             <a:r>
@@ -14420,14 +13952,15 @@
               <a:t>- </a:t>
             </a:r>
             <a:r>
-              <a:rPr lang="en-US" sz="800" spc="-25" dirty="0">
+              <a:rPr lang="en-US" sz="800" spc="-25" dirty="0" smtClean="0">
                 <a:solidFill>
                   <a:schemeClr val="tx1"/>
                 </a:solidFill>
                 <a:latin typeface="Arial" panose="020B0604020202020204" pitchFamily="34" charset="0"/>
                 <a:cs typeface="Arial" panose="020B0604020202020204" pitchFamily="34" charset="0"/>
-              </a:rPr>
-              <a:t>Markdown format</a:t>
+                <a:hlinkClick r:id="rId3"/>
+              </a:rPr>
+              <a:t>http://collab.lge.com/main/display/DCVCC/Violation+Check-List</a:t>
             </a:r>
             <a:endParaRPr lang="x-none" sz="800" dirty="0">
               <a:latin typeface="Arial" panose="020B0604020202020204" pitchFamily="34" charset="0"/>
@@ -14441,7 +13974,253 @@
           <p:cNvPr id="7" name="Slide Number Placeholder 6">
             <a:extLst>
               <a:ext uri="{FF2B5EF4-FFF2-40B4-BE49-F238E27FC236}">
-                <a16:creationId xmlns="" xmlns:a16="http://schemas.microsoft.com/office/drawing/2014/main" id="{ED5E9A54-06BC-D47A-276F-DF06DBB1B8AB}"/>
+                <a16:creationId xmlns:a16="http://schemas.microsoft.com/office/drawing/2014/main" xmlns="" id="{ED5E9A54-06BC-D47A-276F-DF06DBB1B8AB}"/>
+              </a:ext>
+            </a:extLst>
+          </p:cNvPr>
+          <p:cNvSpPr>
+            <a:spLocks noGrp="1"/>
+          </p:cNvSpPr>
+          <p:nvPr>
+            <p:ph type="sldNum" sz="quarter" idx="7"/>
+          </p:nvPr>
+        </p:nvSpPr>
+        <p:spPr/>
+        <p:txBody>
+          <a:bodyPr/>
+          <a:lstStyle/>
+          <a:p>
+            <a:pPr marL="12700">
+              <a:lnSpc>
+                <a:spcPct val="100000"/>
+              </a:lnSpc>
+              <a:spcBef>
+                <a:spcPts val="190"/>
+              </a:spcBef>
+            </a:pPr>
+            <a:fld id="{81D60167-4931-47E6-BA6A-407CBD079E47}" type="slidenum">
+              <a:rPr lang="x-none" smtClean="0"/>
+              <a:t>8</a:t>
+            </a:fld>
+            <a:endParaRPr lang="x-none" spc="-25" dirty="0"/>
+          </a:p>
+        </p:txBody>
+      </p:sp>
+    </p:spTree>
+    <p:extLst>
+      <p:ext uri="{BB962C8B-B14F-4D97-AF65-F5344CB8AC3E}">
+        <p14:creationId xmlns:p14="http://schemas.microsoft.com/office/powerpoint/2010/main" val="1728731814"/>
+      </p:ext>
+    </p:extLst>
+  </p:cSld>
+  <p:clrMapOvr>
+    <a:masterClrMapping/>
+  </p:clrMapOvr>
+  <p:timing>
+    <p:tnLst>
+      <p:par>
+        <p:cTn id="1" dur="indefinite" restart="never" nodeType="tmRoot"/>
+      </p:par>
+    </p:tnLst>
+  </p:timing>
+</p:sld>
+</file>
+
+<file path=ppt/slides/slide9.xml><?xml version="1.0" encoding="utf-8"?>
+<p:sld xmlns:a="http://schemas.openxmlformats.org/drawingml/2006/main" xmlns:r="http://schemas.openxmlformats.org/officeDocument/2006/relationships" xmlns:p="http://schemas.openxmlformats.org/presentationml/2006/main">
+  <p:cSld>
+    <p:spTree>
+      <p:nvGrpSpPr>
+        <p:cNvPr id="1" name="">
+          <a:extLst>
+            <a:ext uri="{FF2B5EF4-FFF2-40B4-BE49-F238E27FC236}">
+              <a16:creationId xmlns:a16="http://schemas.microsoft.com/office/drawing/2014/main" xmlns="" id="{F1E06746-76BA-D24C-51C7-3FBDC959ABD7}"/>
+            </a:ext>
+          </a:extLst>
+        </p:cNvPr>
+        <p:cNvGrpSpPr/>
+        <p:nvPr/>
+      </p:nvGrpSpPr>
+      <p:grpSpPr>
+        <a:xfrm>
+          <a:off x="0" y="0"/>
+          <a:ext cx="0" cy="0"/>
+          <a:chOff x="0" y="0"/>
+          <a:chExt cx="0" cy="0"/>
+        </a:xfrm>
+      </p:grpSpPr>
+      <p:sp>
+        <p:nvSpPr>
+          <p:cNvPr id="2" name="Title 1">
+            <a:extLst>
+              <a:ext uri="{FF2B5EF4-FFF2-40B4-BE49-F238E27FC236}">
+                <a16:creationId xmlns:a16="http://schemas.microsoft.com/office/drawing/2014/main" xmlns="" id="{147ED3CA-A3B4-F1AE-59A2-54A7173D67D0}"/>
+              </a:ext>
+            </a:extLst>
+          </p:cNvPr>
+          <p:cNvSpPr>
+            <a:spLocks noGrp="1"/>
+          </p:cNvSpPr>
+          <p:nvPr>
+            <p:ph type="title"/>
+          </p:nvPr>
+        </p:nvSpPr>
+        <p:spPr>
+          <a:xfrm>
+            <a:off x="95300" y="59928"/>
+            <a:ext cx="3025775" cy="215444"/>
+          </a:xfrm>
+        </p:spPr>
+        <p:txBody>
+          <a:bodyPr/>
+          <a:lstStyle/>
+          <a:p>
+            <a:r>
+              <a:rPr lang="en-US" dirty="0">
+                <a:latin typeface="Arial" panose="020B0604020202020204" pitchFamily="34" charset="0"/>
+                <a:cs typeface="Arial" panose="020B0604020202020204" pitchFamily="34" charset="0"/>
+              </a:rPr>
+              <a:t>AI </a:t>
+            </a:r>
+            <a:r>
+              <a:rPr lang="en-US" dirty="0">
+                <a:latin typeface="Arial" panose="020B0604020202020204" pitchFamily="34" charset="0"/>
+                <a:cs typeface="Arial" panose="020B0604020202020204" pitchFamily="34" charset="0"/>
+              </a:rPr>
+              <a:t>solution with Copilot</a:t>
+            </a:r>
+            <a:endParaRPr lang="x-none" dirty="0">
+              <a:latin typeface="Arial" panose="020B0604020202020204" pitchFamily="34" charset="0"/>
+              <a:cs typeface="Arial" panose="020B0604020202020204" pitchFamily="34" charset="0"/>
+            </a:endParaRPr>
+          </a:p>
+        </p:txBody>
+      </p:sp>
+      <p:pic>
+        <p:nvPicPr>
+          <p:cNvPr id="5" name="Picture 4">
+            <a:extLst>
+              <a:ext uri="{FF2B5EF4-FFF2-40B4-BE49-F238E27FC236}">
+                <a16:creationId xmlns:a16="http://schemas.microsoft.com/office/drawing/2014/main" xmlns="" id="{9C0ABB48-48A0-4730-15C0-670F32F9F419}"/>
+              </a:ext>
+            </a:extLst>
+          </p:cNvPr>
+          <p:cNvPicPr>
+            <a:picLocks noChangeAspect="1"/>
+          </p:cNvPicPr>
+          <p:nvPr/>
+        </p:nvPicPr>
+        <p:blipFill>
+          <a:blip r:embed="rId2" cstate="print">
+            <a:extLst>
+              <a:ext uri="{28A0092B-C50C-407E-A947-70E740481C1C}">
+                <a14:useLocalDpi xmlns:a14="http://schemas.microsoft.com/office/drawing/2010/main" val="0"/>
+              </a:ext>
+            </a:extLst>
+          </a:blip>
+          <a:stretch>
+            <a:fillRect/>
+          </a:stretch>
+        </p:blipFill>
+        <p:spPr>
+          <a:xfrm>
+            <a:off x="24694" y="798472"/>
+            <a:ext cx="4337756" cy="2420391"/>
+          </a:xfrm>
+          <a:prstGeom prst="rect">
+            <a:avLst/>
+          </a:prstGeom>
+        </p:spPr>
+      </p:pic>
+      <p:sp>
+        <p:nvSpPr>
+          <p:cNvPr id="3" name="TextBox 2">
+            <a:extLst>
+              <a:ext uri="{FF2B5EF4-FFF2-40B4-BE49-F238E27FC236}">
+                <a16:creationId xmlns:a16="http://schemas.microsoft.com/office/drawing/2014/main" xmlns="" id="{68D64C16-32CF-04B0-2599-6281D805C2DF}"/>
+              </a:ext>
+            </a:extLst>
+          </p:cNvPr>
+          <p:cNvSpPr txBox="1"/>
+          <p:nvPr/>
+        </p:nvSpPr>
+        <p:spPr>
+          <a:xfrm>
+            <a:off x="-32029" y="352256"/>
+            <a:ext cx="2404826" cy="369332"/>
+          </a:xfrm>
+          <a:prstGeom prst="rect">
+            <a:avLst/>
+          </a:prstGeom>
+          <a:noFill/>
+        </p:spPr>
+        <p:txBody>
+          <a:bodyPr wrap="none" rtlCol="0">
+            <a:spAutoFit/>
+          </a:bodyPr>
+          <a:lstStyle/>
+          <a:p>
+            <a:r>
+              <a:rPr lang="en-US" sz="1000" b="1" dirty="0" smtClean="0">
+                <a:latin typeface="Arial" panose="020B0604020202020204" pitchFamily="34" charset="0"/>
+                <a:cs typeface="Arial" panose="020B0604020202020204" pitchFamily="34" charset="0"/>
+              </a:rPr>
+              <a:t>Input</a:t>
+            </a:r>
+            <a:r>
+              <a:rPr lang="x-none" sz="1000" b="1" dirty="0" smtClean="0">
+                <a:latin typeface="Arial" panose="020B0604020202020204" pitchFamily="34" charset="0"/>
+                <a:cs typeface="Arial" panose="020B0604020202020204" pitchFamily="34" charset="0"/>
+              </a:rPr>
+              <a:t> rule</a:t>
+            </a:r>
+            <a:endParaRPr lang="x-none" sz="1000" b="1" dirty="0">
+              <a:latin typeface="Arial" panose="020B0604020202020204" pitchFamily="34" charset="0"/>
+              <a:cs typeface="Arial" panose="020B0604020202020204" pitchFamily="34" charset="0"/>
+            </a:endParaRPr>
+          </a:p>
+          <a:p>
+            <a:r>
+              <a:rPr lang="x-none" sz="800" dirty="0">
+                <a:latin typeface="Arial" panose="020B0604020202020204" pitchFamily="34" charset="0"/>
+                <a:cs typeface="Arial" panose="020B0604020202020204" pitchFamily="34" charset="0"/>
+              </a:rPr>
+              <a:t>- </a:t>
+            </a:r>
+            <a:r>
+              <a:rPr lang="en-US" sz="800" spc="-25" dirty="0" smtClean="0">
+                <a:solidFill>
+                  <a:schemeClr val="tx1"/>
+                </a:solidFill>
+                <a:latin typeface="Arial" panose="020B0604020202020204" pitchFamily="34" charset="0"/>
+                <a:cs typeface="Arial" panose="020B0604020202020204" pitchFamily="34" charset="0"/>
+                <a:hlinkClick r:id="rId3"/>
+              </a:rPr>
+              <a:t>http://cisivi.lge.com:8060/files/copilot_md/common</a:t>
+            </a:r>
+            <a:r>
+              <a:rPr lang="en-US" sz="800" spc="-25" dirty="0" smtClean="0">
+                <a:solidFill>
+                  <a:schemeClr val="tx1"/>
+                </a:solidFill>
+                <a:latin typeface="Arial" panose="020B0604020202020204" pitchFamily="34" charset="0"/>
+                <a:cs typeface="Arial" panose="020B0604020202020204" pitchFamily="34" charset="0"/>
+              </a:rPr>
+              <a:t>/</a:t>
+            </a:r>
+            <a:endParaRPr lang="x-none" sz="800" dirty="0">
+              <a:latin typeface="Arial" panose="020B0604020202020204" pitchFamily="34" charset="0"/>
+              <a:cs typeface="Arial" panose="020B0604020202020204" pitchFamily="34" charset="0"/>
+            </a:endParaRPr>
+          </a:p>
+        </p:txBody>
+      </p:sp>
+      <p:sp>
+        <p:nvSpPr>
+          <p:cNvPr id="7" name="Slide Number Placeholder 6">
+            <a:extLst>
+              <a:ext uri="{FF2B5EF4-FFF2-40B4-BE49-F238E27FC236}">
+                <a16:creationId xmlns:a16="http://schemas.microsoft.com/office/drawing/2014/main" xmlns="" id="{E9FEB60D-A73C-C427-B4EE-7B17A5C1D927}"/>
               </a:ext>
             </a:extLst>
           </p:cNvPr>
@@ -14476,7 +14255,7 @@
     </p:spTree>
     <p:extLst>
       <p:ext uri="{BB962C8B-B14F-4D97-AF65-F5344CB8AC3E}">
-        <p14:creationId xmlns:p14="http://schemas.microsoft.com/office/powerpoint/2010/main" val="1728731814"/>
+        <p14:creationId xmlns:p14="http://schemas.microsoft.com/office/powerpoint/2010/main" val="1890560826"/>
       </p:ext>
     </p:extLst>
   </p:cSld>
